--- a/presentations/ep1000_sensors/ep1000_sensors.pptx
+++ b/presentations/ep1000_sensors/ep1000_sensors.pptx
@@ -5,18 +5,25 @@
     <p:sldMasterId id="2147483660" r:id="rId1"/>
   </p:sldMasterIdLst>
   <p:notesMasterIdLst>
-    <p:notesMasterId r:id="rId11"/>
+    <p:notesMasterId r:id="rId18"/>
   </p:notesMasterIdLst>
   <p:sldIdLst>
     <p:sldId id="256" r:id="rId2"/>
     <p:sldId id="260" r:id="rId3"/>
     <p:sldId id="261" r:id="rId4"/>
     <p:sldId id="262" r:id="rId5"/>
-    <p:sldId id="264" r:id="rId6"/>
-    <p:sldId id="265" r:id="rId7"/>
-    <p:sldId id="263" r:id="rId8"/>
-    <p:sldId id="266" r:id="rId9"/>
-    <p:sldId id="259" r:id="rId10"/>
+    <p:sldId id="263" r:id="rId6"/>
+    <p:sldId id="264" r:id="rId7"/>
+    <p:sldId id="265" r:id="rId8"/>
+    <p:sldId id="270" r:id="rId9"/>
+    <p:sldId id="266" r:id="rId10"/>
+    <p:sldId id="267" r:id="rId11"/>
+    <p:sldId id="268" r:id="rId12"/>
+    <p:sldId id="269" r:id="rId13"/>
+    <p:sldId id="271" r:id="rId14"/>
+    <p:sldId id="272" r:id="rId15"/>
+    <p:sldId id="273" r:id="rId16"/>
+    <p:sldId id="259" r:id="rId17"/>
   </p:sldIdLst>
   <p:sldSz cx="9144000" cy="6858000" type="screen4x3"/>
   <p:notesSz cx="6858000" cy="9144000"/>
@@ -205,7 +212,7 @@
           <a:p>
             <a:fld id="{2A875741-58CA-43A4-9946-B635E52C5CD8}" type="datetimeFigureOut">
               <a:rPr lang="en-US" smtClean="0"/>
-              <a:t>6/7/2021</a:t>
+              <a:t>6/8/2021</a:t>
             </a:fld>
             <a:endParaRPr lang="en-US"/>
           </a:p>
@@ -615,7 +622,7 @@
           <a:p>
             <a:fld id="{9665C769-D7C3-4E51-9622-EB882B1C6B88}" type="datetime1">
               <a:rPr lang="en-US" smtClean="0"/>
-              <a:t>6/7/2021</a:t>
+              <a:t>6/8/2021</a:t>
             </a:fld>
             <a:endParaRPr lang="en-US"/>
           </a:p>
@@ -809,7 +816,7 @@
           <a:p>
             <a:fld id="{AC2FA8F2-92AD-4DF3-BB80-1A576E4607C5}" type="datetime1">
               <a:rPr lang="en-US" smtClean="0"/>
-              <a:t>6/7/2021</a:t>
+              <a:t>6/8/2021</a:t>
             </a:fld>
             <a:endParaRPr lang="en-US"/>
           </a:p>
@@ -1008,7 +1015,7 @@
           <a:p>
             <a:fld id="{FF161318-0D48-4B52-BC2D-A0EA8E79725D}" type="datetime1">
               <a:rPr lang="en-US" smtClean="0"/>
-              <a:t>6/7/2021</a:t>
+              <a:t>6/8/2021</a:t>
             </a:fld>
             <a:endParaRPr lang="en-US"/>
           </a:p>
@@ -1202,7 +1209,7 @@
           <a:p>
             <a:fld id="{828929F4-2E32-48E9-8E95-ABAA8EAAF6A9}" type="datetime1">
               <a:rPr lang="en-US" smtClean="0"/>
-              <a:t>6/7/2021</a:t>
+              <a:t>6/8/2021</a:t>
             </a:fld>
             <a:endParaRPr lang="en-US"/>
           </a:p>
@@ -1465,7 +1472,7 @@
           <a:p>
             <a:fld id="{4D668969-C21F-428C-9E53-8D921FF4543A}" type="datetime1">
               <a:rPr lang="en-US" smtClean="0"/>
-              <a:t>6/7/2021</a:t>
+              <a:t>6/8/2021</a:t>
             </a:fld>
             <a:endParaRPr lang="en-US"/>
           </a:p>
@@ -1719,7 +1726,7 @@
           <a:p>
             <a:fld id="{01FB22A5-6159-4D69-BFEE-F4892803599C}" type="datetime1">
               <a:rPr lang="en-US" smtClean="0"/>
-              <a:t>6/7/2021</a:t>
+              <a:t>6/8/2021</a:t>
             </a:fld>
             <a:endParaRPr lang="en-US"/>
           </a:p>
@@ -2113,7 +2120,7 @@
           <a:p>
             <a:fld id="{738CC944-9765-440C-9A18-3DC1DA37440E}" type="datetime1">
               <a:rPr lang="en-US" smtClean="0"/>
-              <a:t>6/7/2021</a:t>
+              <a:t>6/8/2021</a:t>
             </a:fld>
             <a:endParaRPr lang="en-US"/>
           </a:p>
@@ -2247,7 +2254,7 @@
           <a:p>
             <a:fld id="{D8661C67-BB8E-4D16-A78D-460AAF94A53C}" type="datetime1">
               <a:rPr lang="en-US" smtClean="0"/>
-              <a:t>6/7/2021</a:t>
+              <a:t>6/8/2021</a:t>
             </a:fld>
             <a:endParaRPr lang="en-US"/>
           </a:p>
@@ -2358,7 +2365,7 @@
           <a:p>
             <a:fld id="{DBBC12E8-4105-456C-A90A-AF2362FB188F}" type="datetime1">
               <a:rPr lang="en-US" smtClean="0"/>
-              <a:t>6/7/2021</a:t>
+              <a:t>6/8/2021</a:t>
             </a:fld>
             <a:endParaRPr lang="en-US"/>
           </a:p>
@@ -2657,7 +2664,7 @@
           <a:p>
             <a:fld id="{11FD4DDA-56B2-4B92-884C-68E9C78E3003}" type="datetime1">
               <a:rPr lang="en-US" smtClean="0"/>
-              <a:t>6/7/2021</a:t>
+              <a:t>6/8/2021</a:t>
             </a:fld>
             <a:endParaRPr lang="en-US"/>
           </a:p>
@@ -2936,7 +2943,7 @@
           <a:p>
             <a:fld id="{750461B4-47C4-4F2C-98A2-225FD39D225C}" type="datetime1">
               <a:rPr lang="en-US" smtClean="0"/>
-              <a:t>6/7/2021</a:t>
+              <a:t>6/8/2021</a:t>
             </a:fld>
             <a:endParaRPr lang="en-US"/>
           </a:p>
@@ -3556,7 +3563,7 @@
           <a:p>
             <a:r>
               <a:rPr lang="en-US" dirty="0"/>
-              <a:t>Libraries</a:t>
+              <a:t>Sensors</a:t>
             </a:r>
             <a:endParaRPr lang="en-US" dirty="0">
               <a:solidFill>
@@ -3570,6 +3577,5056 @@
     <p:extLst>
       <p:ext uri="{BB962C8B-B14F-4D97-AF65-F5344CB8AC3E}">
         <p14:creationId xmlns:p14="http://schemas.microsoft.com/office/powerpoint/2010/main" val="1965181528"/>
+      </p:ext>
+    </p:extLst>
+  </p:cSld>
+  <p:clrMapOvr>
+    <a:masterClrMapping/>
+  </p:clrMapOvr>
+</p:sld>
+</file>
+
+<file path=ppt/slides/slide10.xml><?xml version="1.0" encoding="utf-8"?>
+<p:sld xmlns:a="http://schemas.openxmlformats.org/drawingml/2006/main" xmlns:r="http://schemas.openxmlformats.org/officeDocument/2006/relationships" xmlns:p="http://schemas.openxmlformats.org/presentationml/2006/main">
+  <p:cSld>
+    <p:spTree>
+      <p:nvGrpSpPr>
+        <p:cNvPr id="1" name=""/>
+        <p:cNvGrpSpPr/>
+        <p:nvPr/>
+      </p:nvGrpSpPr>
+      <p:grpSpPr>
+        <a:xfrm>
+          <a:off x="0" y="0"/>
+          <a:ext cx="0" cy="0"/>
+          <a:chOff x="0" y="0"/>
+          <a:chExt cx="0" cy="0"/>
+        </a:xfrm>
+      </p:grpSpPr>
+      <p:sp>
+        <p:nvSpPr>
+          <p:cNvPr id="2" name="Title 1">
+            <a:extLst>
+              <a:ext uri="{FF2B5EF4-FFF2-40B4-BE49-F238E27FC236}">
+                <a16:creationId xmlns:a16="http://schemas.microsoft.com/office/drawing/2014/main" id="{C2C29DDD-4CA0-46EF-A5E1-119D7841DB0E}"/>
+              </a:ext>
+            </a:extLst>
+          </p:cNvPr>
+          <p:cNvSpPr>
+            <a:spLocks noGrp="1"/>
+          </p:cNvSpPr>
+          <p:nvPr>
+            <p:ph type="title"/>
+          </p:nvPr>
+        </p:nvSpPr>
+        <p:spPr/>
+        <p:txBody>
+          <a:bodyPr/>
+          <a:lstStyle/>
+          <a:p>
+            <a:r>
+              <a:rPr lang="en-SG" dirty="0"/>
+              <a:t>Higher Temperatures: DS18B20</a:t>
+            </a:r>
+            <a:endParaRPr lang="en-US" dirty="0"/>
+          </a:p>
+        </p:txBody>
+      </p:sp>
+      <p:sp>
+        <p:nvSpPr>
+          <p:cNvPr id="3" name="Content Placeholder 2">
+            <a:extLst>
+              <a:ext uri="{FF2B5EF4-FFF2-40B4-BE49-F238E27FC236}">
+                <a16:creationId xmlns:a16="http://schemas.microsoft.com/office/drawing/2014/main" id="{AF78BDDB-80DF-4D9E-A5D8-3156352B84B7}"/>
+              </a:ext>
+            </a:extLst>
+          </p:cNvPr>
+          <p:cNvSpPr>
+            <a:spLocks noGrp="1"/>
+          </p:cNvSpPr>
+          <p:nvPr>
+            <p:ph sz="half" idx="1"/>
+          </p:nvPr>
+        </p:nvSpPr>
+        <p:spPr/>
+        <p:txBody>
+          <a:bodyPr/>
+          <a:lstStyle/>
+          <a:p>
+            <a:r>
+              <a:rPr lang="en-SG" sz="2000" dirty="0">
+                <a:hlinkClick r:id="rId2"/>
+              </a:rPr>
+              <a:t>Specifications:</a:t>
+            </a:r>
+            <a:endParaRPr lang="en-SG" sz="2000" dirty="0"/>
+          </a:p>
+          <a:p>
+            <a:pPr lvl="1"/>
+            <a:r>
+              <a:rPr lang="en-SG" sz="1800" dirty="0"/>
+              <a:t>Temperature range: </a:t>
+            </a:r>
+            <a:br>
+              <a:rPr lang="en-SG" sz="1800" dirty="0"/>
+            </a:br>
+            <a:r>
+              <a:rPr lang="en-SG" sz="1800" dirty="0"/>
+              <a:t>-55</a:t>
+            </a:r>
+            <a:r>
+              <a:rPr lang="en-SG" sz="1800" baseline="30000" dirty="0"/>
+              <a:t>o</a:t>
+            </a:r>
+            <a:r>
+              <a:rPr lang="en-SG" sz="1800" dirty="0"/>
+              <a:t>C ~ 125</a:t>
+            </a:r>
+            <a:r>
+              <a:rPr lang="en-SG" sz="1800" baseline="30000" dirty="0"/>
+              <a:t>o</a:t>
+            </a:r>
+            <a:r>
+              <a:rPr lang="en-SG" sz="1800" dirty="0"/>
+              <a:t>C, Accuracy: +/- 0.5</a:t>
+            </a:r>
+            <a:r>
+              <a:rPr lang="en-SG" sz="1800" baseline="30000" dirty="0"/>
+              <a:t>o</a:t>
+            </a:r>
+            <a:r>
+              <a:rPr lang="en-SG" sz="1800" dirty="0"/>
+              <a:t>C</a:t>
+            </a:r>
+          </a:p>
+          <a:p>
+            <a:pPr lvl="1"/>
+            <a:r>
+              <a:rPr lang="en-SG" sz="1800" dirty="0"/>
+              <a:t>Communication: 1Wire</a:t>
+            </a:r>
+          </a:p>
+          <a:p>
+            <a:pPr lvl="1"/>
+            <a:r>
+              <a:rPr lang="en-SG" sz="1800" dirty="0"/>
+              <a:t>Sampling: 750mS at 12bit</a:t>
+            </a:r>
+          </a:p>
+          <a:p>
+            <a:r>
+              <a:rPr lang="en-SG" sz="2200" dirty="0"/>
+              <a:t>Library: </a:t>
+            </a:r>
+            <a:r>
+              <a:rPr lang="en-SG" sz="2200" dirty="0">
+                <a:hlinkClick r:id="rId3"/>
+              </a:rPr>
+              <a:t>DS18B20_RT Arduino Temperature Control Library</a:t>
+            </a:r>
+            <a:endParaRPr lang="en-SG" sz="2200" dirty="0"/>
+          </a:p>
+          <a:p>
+            <a:pPr lvl="1"/>
+            <a:r>
+              <a:rPr lang="en-SG" sz="1800" dirty="0"/>
+              <a:t>Minimal functions, simple</a:t>
+            </a:r>
+          </a:p>
+          <a:p>
+            <a:pPr lvl="1"/>
+            <a:r>
+              <a:rPr lang="en-SG" sz="1800" dirty="0"/>
+              <a:t>1 sensor per </a:t>
+            </a:r>
+            <a:r>
+              <a:rPr lang="en-SG" sz="1800" dirty="0" err="1"/>
+              <a:t>MCUpin</a:t>
+            </a:r>
+            <a:endParaRPr lang="en-SG" sz="1800" dirty="0"/>
+          </a:p>
+          <a:p>
+            <a:r>
+              <a:rPr lang="en-SG" sz="2200" dirty="0"/>
+              <a:t>Uses: temperature sensing in hard environments, liquids away from processing unit </a:t>
+            </a:r>
+            <a:endParaRPr lang="en-US" sz="2200" dirty="0"/>
+          </a:p>
+        </p:txBody>
+      </p:sp>
+      <p:pic>
+        <p:nvPicPr>
+          <p:cNvPr id="7" name="Content Placeholder 6">
+            <a:extLst>
+              <a:ext uri="{FF2B5EF4-FFF2-40B4-BE49-F238E27FC236}">
+                <a16:creationId xmlns:a16="http://schemas.microsoft.com/office/drawing/2014/main" id="{875655EC-1BC7-4DEB-9B88-7673E118BC22}"/>
+              </a:ext>
+            </a:extLst>
+          </p:cNvPr>
+          <p:cNvPicPr>
+            <a:picLocks noGrp="1" noChangeAspect="1"/>
+          </p:cNvPicPr>
+          <p:nvPr>
+            <p:ph sz="half" idx="2"/>
+          </p:nvPr>
+        </p:nvPicPr>
+        <p:blipFill>
+          <a:blip r:embed="rId4"/>
+          <a:stretch>
+            <a:fillRect/>
+          </a:stretch>
+        </p:blipFill>
+        <p:spPr>
+          <a:xfrm>
+            <a:off x="4629150" y="1771522"/>
+            <a:ext cx="3886200" cy="1698055"/>
+          </a:xfrm>
+        </p:spPr>
+      </p:pic>
+      <p:sp>
+        <p:nvSpPr>
+          <p:cNvPr id="5" name="Slide Number Placeholder 4">
+            <a:extLst>
+              <a:ext uri="{FF2B5EF4-FFF2-40B4-BE49-F238E27FC236}">
+                <a16:creationId xmlns:a16="http://schemas.microsoft.com/office/drawing/2014/main" id="{824B7FF7-241B-43EE-AF8A-CA5D9039E49A}"/>
+              </a:ext>
+            </a:extLst>
+          </p:cNvPr>
+          <p:cNvSpPr>
+            <a:spLocks noGrp="1"/>
+          </p:cNvSpPr>
+          <p:nvPr>
+            <p:ph type="sldNum" sz="quarter" idx="12"/>
+          </p:nvPr>
+        </p:nvSpPr>
+        <p:spPr/>
+        <p:txBody>
+          <a:bodyPr/>
+          <a:lstStyle/>
+          <a:p>
+            <a:fld id="{CAB166B3-F268-4CEF-878A-CFB0D0D505D3}" type="slidenum">
+              <a:rPr lang="en-US" smtClean="0"/>
+              <a:t>10</a:t>
+            </a:fld>
+            <a:endParaRPr lang="en-US"/>
+          </a:p>
+        </p:txBody>
+      </p:sp>
+      <p:pic>
+        <p:nvPicPr>
+          <p:cNvPr id="9" name="Picture 8">
+            <a:extLst>
+              <a:ext uri="{FF2B5EF4-FFF2-40B4-BE49-F238E27FC236}">
+                <a16:creationId xmlns:a16="http://schemas.microsoft.com/office/drawing/2014/main" id="{C416D06B-4C6C-413E-A8E1-AE76EDCF6448}"/>
+              </a:ext>
+            </a:extLst>
+          </p:cNvPr>
+          <p:cNvPicPr>
+            <a:picLocks noChangeAspect="1"/>
+          </p:cNvPicPr>
+          <p:nvPr/>
+        </p:nvPicPr>
+        <p:blipFill>
+          <a:blip r:embed="rId5"/>
+          <a:stretch>
+            <a:fillRect/>
+          </a:stretch>
+        </p:blipFill>
+        <p:spPr>
+          <a:xfrm>
+            <a:off x="4753356" y="3479257"/>
+            <a:ext cx="3409188" cy="2622452"/>
+          </a:xfrm>
+          <a:prstGeom prst="rect">
+            <a:avLst/>
+          </a:prstGeom>
+        </p:spPr>
+      </p:pic>
+    </p:spTree>
+    <p:extLst>
+      <p:ext uri="{BB962C8B-B14F-4D97-AF65-F5344CB8AC3E}">
+        <p14:creationId xmlns:p14="http://schemas.microsoft.com/office/powerpoint/2010/main" val="1648112622"/>
+      </p:ext>
+    </p:extLst>
+  </p:cSld>
+  <p:clrMapOvr>
+    <a:masterClrMapping/>
+  </p:clrMapOvr>
+</p:sld>
+</file>
+
+<file path=ppt/slides/slide11.xml><?xml version="1.0" encoding="utf-8"?>
+<p:sld xmlns:a="http://schemas.openxmlformats.org/drawingml/2006/main" xmlns:r="http://schemas.openxmlformats.org/officeDocument/2006/relationships" xmlns:p="http://schemas.openxmlformats.org/presentationml/2006/main">
+  <p:cSld>
+    <p:spTree>
+      <p:nvGrpSpPr>
+        <p:cNvPr id="1" name=""/>
+        <p:cNvGrpSpPr/>
+        <p:nvPr/>
+      </p:nvGrpSpPr>
+      <p:grpSpPr>
+        <a:xfrm>
+          <a:off x="0" y="0"/>
+          <a:ext cx="0" cy="0"/>
+          <a:chOff x="0" y="0"/>
+          <a:chExt cx="0" cy="0"/>
+        </a:xfrm>
+      </p:grpSpPr>
+      <p:sp>
+        <p:nvSpPr>
+          <p:cNvPr id="2" name="Title 1">
+            <a:extLst>
+              <a:ext uri="{FF2B5EF4-FFF2-40B4-BE49-F238E27FC236}">
+                <a16:creationId xmlns:a16="http://schemas.microsoft.com/office/drawing/2014/main" id="{FA1E399A-FE24-4730-A1D0-0CB56D43C389}"/>
+              </a:ext>
+            </a:extLst>
+          </p:cNvPr>
+          <p:cNvSpPr>
+            <a:spLocks noGrp="1"/>
+          </p:cNvSpPr>
+          <p:nvPr>
+            <p:ph type="title"/>
+          </p:nvPr>
+        </p:nvSpPr>
+        <p:spPr/>
+        <p:txBody>
+          <a:bodyPr/>
+          <a:lstStyle/>
+          <a:p>
+            <a:r>
+              <a:rPr lang="en-SG" dirty="0"/>
+              <a:t>Reading the DS18B20</a:t>
+            </a:r>
+            <a:endParaRPr lang="en-US" dirty="0"/>
+          </a:p>
+        </p:txBody>
+      </p:sp>
+      <p:sp>
+        <p:nvSpPr>
+          <p:cNvPr id="3" name="Content Placeholder 2">
+            <a:extLst>
+              <a:ext uri="{FF2B5EF4-FFF2-40B4-BE49-F238E27FC236}">
+                <a16:creationId xmlns:a16="http://schemas.microsoft.com/office/drawing/2014/main" id="{497CB069-D82C-49AB-87F5-808293067584}"/>
+              </a:ext>
+            </a:extLst>
+          </p:cNvPr>
+          <p:cNvSpPr>
+            <a:spLocks noGrp="1"/>
+          </p:cNvSpPr>
+          <p:nvPr>
+            <p:ph sz="half" idx="1"/>
+          </p:nvPr>
+        </p:nvSpPr>
+        <p:spPr>
+          <a:xfrm>
+            <a:off x="628650" y="1825625"/>
+            <a:ext cx="3455474" cy="4351338"/>
+          </a:xfrm>
+        </p:spPr>
+        <p:txBody>
+          <a:bodyPr/>
+          <a:lstStyle/>
+          <a:p>
+            <a:r>
+              <a:rPr lang="en-SG" sz="2000" dirty="0"/>
+              <a:t>Libraries:</a:t>
+            </a:r>
+          </a:p>
+          <a:p>
+            <a:pPr lvl="1"/>
+            <a:r>
+              <a:rPr lang="en-SG" sz="1800" dirty="0">
+                <a:hlinkClick r:id="rId2"/>
+              </a:rPr>
+              <a:t>DS18B20_RT</a:t>
+            </a:r>
+            <a:br>
+              <a:rPr lang="en-SG" sz="1800" dirty="0"/>
+            </a:br>
+            <a:r>
+              <a:rPr lang="en-SG" sz="1800" dirty="0"/>
+              <a:t>sensor library</a:t>
+            </a:r>
+          </a:p>
+          <a:p>
+            <a:pPr lvl="1"/>
+            <a:r>
+              <a:rPr lang="en-SG" sz="1800" dirty="0" err="1">
+                <a:hlinkClick r:id="rId3"/>
+              </a:rPr>
+              <a:t>OneWireNG</a:t>
+            </a:r>
+            <a:br>
+              <a:rPr lang="en-SG" sz="1800" dirty="0"/>
+            </a:br>
+            <a:r>
+              <a:rPr lang="en-SG" sz="1800" dirty="0"/>
+              <a:t>communications library</a:t>
+            </a:r>
+          </a:p>
+          <a:p>
+            <a:r>
+              <a:rPr lang="en-SG" sz="2000" dirty="0"/>
+              <a:t>Library only provides minimal functions</a:t>
+            </a:r>
+          </a:p>
+          <a:p>
+            <a:pPr lvl="1"/>
+            <a:r>
+              <a:rPr lang="en-SG" sz="1800" dirty="0"/>
+              <a:t>Instantiate object</a:t>
+            </a:r>
+          </a:p>
+          <a:p>
+            <a:pPr lvl="1"/>
+            <a:r>
+              <a:rPr lang="en-SG" sz="1800" dirty="0"/>
+              <a:t>Trigger sensor read</a:t>
+            </a:r>
+          </a:p>
+          <a:p>
+            <a:pPr lvl="1"/>
+            <a:r>
+              <a:rPr lang="en-SG" sz="1800" dirty="0"/>
+              <a:t>check data ready</a:t>
+            </a:r>
+          </a:p>
+          <a:p>
+            <a:pPr lvl="1"/>
+            <a:r>
+              <a:rPr lang="en-SG" sz="1800" dirty="0"/>
+              <a:t>Read temperature </a:t>
+            </a:r>
+            <a:r>
+              <a:rPr lang="en-SG" sz="1800" baseline="30000" dirty="0" err="1"/>
+              <a:t>o</a:t>
+            </a:r>
+            <a:r>
+              <a:rPr lang="en-SG" sz="1800" dirty="0" err="1"/>
+              <a:t>C</a:t>
+            </a:r>
+            <a:endParaRPr lang="en-SG" sz="1800" dirty="0"/>
+          </a:p>
+          <a:p>
+            <a:pPr lvl="1"/>
+            <a:endParaRPr lang="en-SG" sz="1800" dirty="0"/>
+          </a:p>
+          <a:p>
+            <a:pPr lvl="1"/>
+            <a:endParaRPr lang="en-US" sz="1800" dirty="0"/>
+          </a:p>
+        </p:txBody>
+      </p:sp>
+      <p:pic>
+        <p:nvPicPr>
+          <p:cNvPr id="7" name="Content Placeholder 6">
+            <a:extLst>
+              <a:ext uri="{FF2B5EF4-FFF2-40B4-BE49-F238E27FC236}">
+                <a16:creationId xmlns:a16="http://schemas.microsoft.com/office/drawing/2014/main" id="{9600C189-F3D7-43EF-819A-75B28F3C2C16}"/>
+              </a:ext>
+            </a:extLst>
+          </p:cNvPr>
+          <p:cNvPicPr>
+            <a:picLocks noGrp="1" noChangeAspect="1"/>
+          </p:cNvPicPr>
+          <p:nvPr>
+            <p:ph sz="half" idx="2"/>
+          </p:nvPr>
+        </p:nvPicPr>
+        <p:blipFill>
+          <a:blip r:embed="rId4"/>
+          <a:stretch>
+            <a:fillRect/>
+          </a:stretch>
+        </p:blipFill>
+        <p:spPr>
+          <a:xfrm>
+            <a:off x="4160520" y="1350952"/>
+            <a:ext cx="3974875" cy="5005399"/>
+          </a:xfrm>
+        </p:spPr>
+      </p:pic>
+      <p:sp>
+        <p:nvSpPr>
+          <p:cNvPr id="5" name="Slide Number Placeholder 4">
+            <a:extLst>
+              <a:ext uri="{FF2B5EF4-FFF2-40B4-BE49-F238E27FC236}">
+                <a16:creationId xmlns:a16="http://schemas.microsoft.com/office/drawing/2014/main" id="{9B9FDD3F-B0D6-417A-988C-6B0A6C4823FC}"/>
+              </a:ext>
+            </a:extLst>
+          </p:cNvPr>
+          <p:cNvSpPr>
+            <a:spLocks noGrp="1"/>
+          </p:cNvSpPr>
+          <p:nvPr>
+            <p:ph type="sldNum" sz="quarter" idx="12"/>
+          </p:nvPr>
+        </p:nvSpPr>
+        <p:spPr/>
+        <p:txBody>
+          <a:bodyPr/>
+          <a:lstStyle/>
+          <a:p>
+            <a:fld id="{CAB166B3-F268-4CEF-878A-CFB0D0D505D3}" type="slidenum">
+              <a:rPr lang="en-US" smtClean="0"/>
+              <a:t>11</a:t>
+            </a:fld>
+            <a:endParaRPr lang="en-US"/>
+          </a:p>
+        </p:txBody>
+      </p:sp>
+    </p:spTree>
+    <p:extLst>
+      <p:ext uri="{BB962C8B-B14F-4D97-AF65-F5344CB8AC3E}">
+        <p14:creationId xmlns:p14="http://schemas.microsoft.com/office/powerpoint/2010/main" val="3082419662"/>
+      </p:ext>
+    </p:extLst>
+  </p:cSld>
+  <p:clrMapOvr>
+    <a:masterClrMapping/>
+  </p:clrMapOvr>
+</p:sld>
+</file>
+
+<file path=ppt/slides/slide12.xml><?xml version="1.0" encoding="utf-8"?>
+<p:sld xmlns:a="http://schemas.openxmlformats.org/drawingml/2006/main" xmlns:r="http://schemas.openxmlformats.org/officeDocument/2006/relationships" xmlns:p="http://schemas.openxmlformats.org/presentationml/2006/main">
+  <p:cSld>
+    <p:spTree>
+      <p:nvGrpSpPr>
+        <p:cNvPr id="1" name=""/>
+        <p:cNvGrpSpPr/>
+        <p:nvPr/>
+      </p:nvGrpSpPr>
+      <p:grpSpPr>
+        <a:xfrm>
+          <a:off x="0" y="0"/>
+          <a:ext cx="0" cy="0"/>
+          <a:chOff x="0" y="0"/>
+          <a:chExt cx="0" cy="0"/>
+        </a:xfrm>
+      </p:grpSpPr>
+      <p:sp>
+        <p:nvSpPr>
+          <p:cNvPr id="6" name="Title 5">
+            <a:extLst>
+              <a:ext uri="{FF2B5EF4-FFF2-40B4-BE49-F238E27FC236}">
+                <a16:creationId xmlns:a16="http://schemas.microsoft.com/office/drawing/2014/main" id="{BB9AE1E8-FB57-48B8-BB51-C6E645235CF9}"/>
+              </a:ext>
+            </a:extLst>
+          </p:cNvPr>
+          <p:cNvSpPr>
+            <a:spLocks noGrp="1"/>
+          </p:cNvSpPr>
+          <p:nvPr>
+            <p:ph type="title"/>
+          </p:nvPr>
+        </p:nvSpPr>
+        <p:spPr/>
+        <p:txBody>
+          <a:bodyPr/>
+          <a:lstStyle/>
+          <a:p>
+            <a:r>
+              <a:rPr lang="en-SG" dirty="0">
+                <a:hlinkClick r:id="rId2"/>
+              </a:rPr>
+              <a:t>Temperature Sensor Comparison</a:t>
+            </a:r>
+            <a:endParaRPr lang="en-US" dirty="0"/>
+          </a:p>
+        </p:txBody>
+      </p:sp>
+      <p:sp>
+        <p:nvSpPr>
+          <p:cNvPr id="5" name="Slide Number Placeholder 4">
+            <a:extLst>
+              <a:ext uri="{FF2B5EF4-FFF2-40B4-BE49-F238E27FC236}">
+                <a16:creationId xmlns:a16="http://schemas.microsoft.com/office/drawing/2014/main" id="{792ECAE7-FC45-40E2-BBD4-C5A05ECB4548}"/>
+              </a:ext>
+            </a:extLst>
+          </p:cNvPr>
+          <p:cNvSpPr>
+            <a:spLocks noGrp="1"/>
+          </p:cNvSpPr>
+          <p:nvPr>
+            <p:ph type="sldNum" sz="quarter" idx="12"/>
+          </p:nvPr>
+        </p:nvSpPr>
+        <p:spPr/>
+        <p:txBody>
+          <a:bodyPr/>
+          <a:lstStyle/>
+          <a:p>
+            <a:fld id="{CAB166B3-F268-4CEF-878A-CFB0D0D505D3}" type="slidenum">
+              <a:rPr lang="en-US" smtClean="0"/>
+              <a:t>12</a:t>
+            </a:fld>
+            <a:endParaRPr lang="en-US"/>
+          </a:p>
+        </p:txBody>
+      </p:sp>
+      <p:graphicFrame>
+        <p:nvGraphicFramePr>
+          <p:cNvPr id="19" name="Table 10">
+            <a:extLst>
+              <a:ext uri="{FF2B5EF4-FFF2-40B4-BE49-F238E27FC236}">
+                <a16:creationId xmlns:a16="http://schemas.microsoft.com/office/drawing/2014/main" id="{76E0855E-D856-42CB-92EB-9E4F80BE0F4E}"/>
+              </a:ext>
+            </a:extLst>
+          </p:cNvPr>
+          <p:cNvGraphicFramePr>
+            <a:graphicFrameLocks noGrp="1"/>
+          </p:cNvGraphicFramePr>
+          <p:nvPr>
+            <p:ph idx="1"/>
+            <p:extLst>
+              <p:ext uri="{D42A27DB-BD31-4B8C-83A1-F6EECF244321}">
+                <p14:modId xmlns:p14="http://schemas.microsoft.com/office/powerpoint/2010/main" val="48336406"/>
+              </p:ext>
+            </p:extLst>
+          </p:nvPr>
+        </p:nvGraphicFramePr>
+        <p:xfrm>
+          <a:off x="809626" y="1511300"/>
+          <a:ext cx="7524748" cy="4747475"/>
+        </p:xfrm>
+        <a:graphic>
+          <a:graphicData uri="http://schemas.openxmlformats.org/drawingml/2006/table">
+            <a:tbl>
+              <a:tblPr firstRow="1" bandRow="1">
+                <a:tableStyleId>{7DF18680-E054-41AD-8BC1-D1AEF772440D}</a:tableStyleId>
+              </a:tblPr>
+              <a:tblGrid>
+                <a:gridCol w="1074964">
+                  <a:extLst>
+                    <a:ext uri="{9D8B030D-6E8A-4147-A177-3AD203B41FA5}">
+                      <a16:colId xmlns:a16="http://schemas.microsoft.com/office/drawing/2014/main" val="2009757003"/>
+                    </a:ext>
+                  </a:extLst>
+                </a:gridCol>
+                <a:gridCol w="1074964">
+                  <a:extLst>
+                    <a:ext uri="{9D8B030D-6E8A-4147-A177-3AD203B41FA5}">
+                      <a16:colId xmlns:a16="http://schemas.microsoft.com/office/drawing/2014/main" val="865329742"/>
+                    </a:ext>
+                  </a:extLst>
+                </a:gridCol>
+                <a:gridCol w="1074964">
+                  <a:extLst>
+                    <a:ext uri="{9D8B030D-6E8A-4147-A177-3AD203B41FA5}">
+                      <a16:colId xmlns:a16="http://schemas.microsoft.com/office/drawing/2014/main" val="653853151"/>
+                    </a:ext>
+                  </a:extLst>
+                </a:gridCol>
+                <a:gridCol w="1074964">
+                  <a:extLst>
+                    <a:ext uri="{9D8B030D-6E8A-4147-A177-3AD203B41FA5}">
+                      <a16:colId xmlns:a16="http://schemas.microsoft.com/office/drawing/2014/main" val="3229775262"/>
+                    </a:ext>
+                  </a:extLst>
+                </a:gridCol>
+                <a:gridCol w="1074964">
+                  <a:extLst>
+                    <a:ext uri="{9D8B030D-6E8A-4147-A177-3AD203B41FA5}">
+                      <a16:colId xmlns:a16="http://schemas.microsoft.com/office/drawing/2014/main" val="3635119660"/>
+                    </a:ext>
+                  </a:extLst>
+                </a:gridCol>
+                <a:gridCol w="1074964">
+                  <a:extLst>
+                    <a:ext uri="{9D8B030D-6E8A-4147-A177-3AD203B41FA5}">
+                      <a16:colId xmlns:a16="http://schemas.microsoft.com/office/drawing/2014/main" val="982900935"/>
+                    </a:ext>
+                  </a:extLst>
+                </a:gridCol>
+                <a:gridCol w="1074964">
+                  <a:extLst>
+                    <a:ext uri="{9D8B030D-6E8A-4147-A177-3AD203B41FA5}">
+                      <a16:colId xmlns:a16="http://schemas.microsoft.com/office/drawing/2014/main" val="266210823"/>
+                    </a:ext>
+                  </a:extLst>
+                </a:gridCol>
+              </a:tblGrid>
+              <a:tr h="440055">
+                <a:tc>
+                  <a:txBody>
+                    <a:bodyPr/>
+                    <a:lstStyle/>
+                    <a:p>
+                      <a:pPr algn="ctr"/>
+                      <a:r>
+                        <a:rPr lang="en-US" sz="1200" b="1" dirty="0">
+                          <a:effectLst/>
+                        </a:rPr>
+                        <a:t>Sensor</a:t>
+                      </a:r>
+                      <a:endParaRPr lang="en-US" sz="1200" b="0" dirty="0">
+                        <a:effectLst/>
+                      </a:endParaRPr>
+                    </a:p>
+                  </a:txBody>
+                  <a:tcPr marL="22155" marR="22155" marT="22155" marB="22155" anchor="ctr">
+                    <a:lnL w="12700" cap="flat" cmpd="sng" algn="ctr">
+                      <a:solidFill>
+                        <a:schemeClr val="tx1"/>
+                      </a:solidFill>
+                      <a:prstDash val="solid"/>
+                      <a:round/>
+                      <a:headEnd type="none" w="med" len="med"/>
+                      <a:tailEnd type="none" w="med" len="med"/>
+                    </a:lnL>
+                    <a:lnR w="12700" cap="flat" cmpd="sng" algn="ctr">
+                      <a:solidFill>
+                        <a:schemeClr val="tx1"/>
+                      </a:solidFill>
+                      <a:prstDash val="solid"/>
+                      <a:round/>
+                      <a:headEnd type="none" w="med" len="med"/>
+                      <a:tailEnd type="none" w="med" len="med"/>
+                    </a:lnR>
+                    <a:lnT w="12700" cap="flat" cmpd="sng" algn="ctr">
+                      <a:solidFill>
+                        <a:schemeClr val="tx1"/>
+                      </a:solidFill>
+                      <a:prstDash val="solid"/>
+                      <a:round/>
+                      <a:headEnd type="none" w="med" len="med"/>
+                      <a:tailEnd type="none" w="med" len="med"/>
+                    </a:lnT>
+                    <a:lnB w="12700" cap="flat" cmpd="sng" algn="ctr">
+                      <a:solidFill>
+                        <a:schemeClr val="tx1"/>
+                      </a:solidFill>
+                      <a:prstDash val="solid"/>
+                      <a:round/>
+                      <a:headEnd type="none" w="med" len="med"/>
+                      <a:tailEnd type="none" w="med" len="med"/>
+                    </a:lnB>
+                  </a:tcPr>
+                </a:tc>
+                <a:tc>
+                  <a:txBody>
+                    <a:bodyPr/>
+                    <a:lstStyle/>
+                    <a:p>
+                      <a:pPr algn="ctr"/>
+                      <a:r>
+                        <a:rPr lang="en-US" sz="1200" b="1" dirty="0">
+                          <a:effectLst/>
+                        </a:rPr>
+                        <a:t>DHT11</a:t>
+                      </a:r>
+                      <a:endParaRPr lang="en-US" sz="1200" b="0" dirty="0">
+                        <a:effectLst/>
+                      </a:endParaRPr>
+                    </a:p>
+                  </a:txBody>
+                  <a:tcPr marL="22155" marR="22155" marT="22155" marB="22155" anchor="ctr">
+                    <a:lnL w="12700" cap="flat" cmpd="sng" algn="ctr">
+                      <a:solidFill>
+                        <a:schemeClr val="tx1"/>
+                      </a:solidFill>
+                      <a:prstDash val="solid"/>
+                      <a:round/>
+                      <a:headEnd type="none" w="med" len="med"/>
+                      <a:tailEnd type="none" w="med" len="med"/>
+                    </a:lnL>
+                    <a:lnR w="12700" cap="flat" cmpd="sng" algn="ctr">
+                      <a:solidFill>
+                        <a:schemeClr val="tx1"/>
+                      </a:solidFill>
+                      <a:prstDash val="solid"/>
+                      <a:round/>
+                      <a:headEnd type="none" w="med" len="med"/>
+                      <a:tailEnd type="none" w="med" len="med"/>
+                    </a:lnR>
+                    <a:lnT w="12700" cap="flat" cmpd="sng" algn="ctr">
+                      <a:solidFill>
+                        <a:schemeClr val="tx1"/>
+                      </a:solidFill>
+                      <a:prstDash val="solid"/>
+                      <a:round/>
+                      <a:headEnd type="none" w="med" len="med"/>
+                      <a:tailEnd type="none" w="med" len="med"/>
+                    </a:lnT>
+                    <a:lnB w="12700" cap="flat" cmpd="sng" algn="ctr">
+                      <a:solidFill>
+                        <a:schemeClr val="tx1"/>
+                      </a:solidFill>
+                      <a:prstDash val="solid"/>
+                      <a:round/>
+                      <a:headEnd type="none" w="med" len="med"/>
+                      <a:tailEnd type="none" w="med" len="med"/>
+                    </a:lnB>
+                  </a:tcPr>
+                </a:tc>
+                <a:tc>
+                  <a:txBody>
+                    <a:bodyPr/>
+                    <a:lstStyle/>
+                    <a:p>
+                      <a:pPr algn="ctr"/>
+                      <a:r>
+                        <a:rPr lang="en-US" sz="1200" b="1">
+                          <a:effectLst/>
+                        </a:rPr>
+                        <a:t>DHT22 (AM2302)</a:t>
+                      </a:r>
+                      <a:endParaRPr lang="en-US" sz="1200" b="0">
+                        <a:effectLst/>
+                      </a:endParaRPr>
+                    </a:p>
+                  </a:txBody>
+                  <a:tcPr marL="22155" marR="22155" marT="22155" marB="22155" anchor="ctr">
+                    <a:lnL w="12700" cap="flat" cmpd="sng" algn="ctr">
+                      <a:solidFill>
+                        <a:schemeClr val="tx1"/>
+                      </a:solidFill>
+                      <a:prstDash val="solid"/>
+                      <a:round/>
+                      <a:headEnd type="none" w="med" len="med"/>
+                      <a:tailEnd type="none" w="med" len="med"/>
+                    </a:lnL>
+                    <a:lnR w="12700" cap="flat" cmpd="sng" algn="ctr">
+                      <a:solidFill>
+                        <a:schemeClr val="tx1"/>
+                      </a:solidFill>
+                      <a:prstDash val="solid"/>
+                      <a:round/>
+                      <a:headEnd type="none" w="med" len="med"/>
+                      <a:tailEnd type="none" w="med" len="med"/>
+                    </a:lnR>
+                    <a:lnT w="12700" cap="flat" cmpd="sng" algn="ctr">
+                      <a:solidFill>
+                        <a:schemeClr val="tx1"/>
+                      </a:solidFill>
+                      <a:prstDash val="solid"/>
+                      <a:round/>
+                      <a:headEnd type="none" w="med" len="med"/>
+                      <a:tailEnd type="none" w="med" len="med"/>
+                    </a:lnT>
+                    <a:lnB w="12700" cap="flat" cmpd="sng" algn="ctr">
+                      <a:solidFill>
+                        <a:schemeClr val="tx1"/>
+                      </a:solidFill>
+                      <a:prstDash val="solid"/>
+                      <a:round/>
+                      <a:headEnd type="none" w="med" len="med"/>
+                      <a:tailEnd type="none" w="med" len="med"/>
+                    </a:lnB>
+                  </a:tcPr>
+                </a:tc>
+                <a:tc>
+                  <a:txBody>
+                    <a:bodyPr/>
+                    <a:lstStyle/>
+                    <a:p>
+                      <a:pPr algn="ctr"/>
+                      <a:r>
+                        <a:rPr lang="en-US" sz="1200" b="1">
+                          <a:effectLst/>
+                        </a:rPr>
+                        <a:t>LM35</a:t>
+                      </a:r>
+                      <a:endParaRPr lang="en-US" sz="1200" b="0">
+                        <a:effectLst/>
+                      </a:endParaRPr>
+                    </a:p>
+                  </a:txBody>
+                  <a:tcPr marL="22155" marR="22155" marT="22155" marB="22155" anchor="ctr">
+                    <a:lnL w="12700" cap="flat" cmpd="sng" algn="ctr">
+                      <a:solidFill>
+                        <a:schemeClr val="tx1"/>
+                      </a:solidFill>
+                      <a:prstDash val="solid"/>
+                      <a:round/>
+                      <a:headEnd type="none" w="med" len="med"/>
+                      <a:tailEnd type="none" w="med" len="med"/>
+                    </a:lnL>
+                    <a:lnR w="12700" cap="flat" cmpd="sng" algn="ctr">
+                      <a:solidFill>
+                        <a:schemeClr val="tx1"/>
+                      </a:solidFill>
+                      <a:prstDash val="solid"/>
+                      <a:round/>
+                      <a:headEnd type="none" w="med" len="med"/>
+                      <a:tailEnd type="none" w="med" len="med"/>
+                    </a:lnR>
+                    <a:lnT w="12700" cap="flat" cmpd="sng" algn="ctr">
+                      <a:solidFill>
+                        <a:schemeClr val="tx1"/>
+                      </a:solidFill>
+                      <a:prstDash val="solid"/>
+                      <a:round/>
+                      <a:headEnd type="none" w="med" len="med"/>
+                      <a:tailEnd type="none" w="med" len="med"/>
+                    </a:lnT>
+                    <a:lnB w="12700" cap="flat" cmpd="sng" algn="ctr">
+                      <a:solidFill>
+                        <a:schemeClr val="tx1"/>
+                      </a:solidFill>
+                      <a:prstDash val="solid"/>
+                      <a:round/>
+                      <a:headEnd type="none" w="med" len="med"/>
+                      <a:tailEnd type="none" w="med" len="med"/>
+                    </a:lnB>
+                  </a:tcPr>
+                </a:tc>
+                <a:tc>
+                  <a:txBody>
+                    <a:bodyPr/>
+                    <a:lstStyle/>
+                    <a:p>
+                      <a:pPr algn="ctr"/>
+                      <a:r>
+                        <a:rPr lang="en-US" sz="1200" b="1">
+                          <a:effectLst/>
+                        </a:rPr>
+                        <a:t>DS18B20</a:t>
+                      </a:r>
+                      <a:endParaRPr lang="en-US" sz="1200" b="0">
+                        <a:effectLst/>
+                      </a:endParaRPr>
+                    </a:p>
+                  </a:txBody>
+                  <a:tcPr marL="22155" marR="22155" marT="22155" marB="22155" anchor="ctr">
+                    <a:lnL w="12700" cap="flat" cmpd="sng" algn="ctr">
+                      <a:solidFill>
+                        <a:schemeClr val="tx1"/>
+                      </a:solidFill>
+                      <a:prstDash val="solid"/>
+                      <a:round/>
+                      <a:headEnd type="none" w="med" len="med"/>
+                      <a:tailEnd type="none" w="med" len="med"/>
+                    </a:lnL>
+                    <a:lnR w="12700" cap="flat" cmpd="sng" algn="ctr">
+                      <a:solidFill>
+                        <a:schemeClr val="tx1"/>
+                      </a:solidFill>
+                      <a:prstDash val="solid"/>
+                      <a:round/>
+                      <a:headEnd type="none" w="med" len="med"/>
+                      <a:tailEnd type="none" w="med" len="med"/>
+                    </a:lnR>
+                    <a:lnT w="12700" cap="flat" cmpd="sng" algn="ctr">
+                      <a:solidFill>
+                        <a:schemeClr val="tx1"/>
+                      </a:solidFill>
+                      <a:prstDash val="solid"/>
+                      <a:round/>
+                      <a:headEnd type="none" w="med" len="med"/>
+                      <a:tailEnd type="none" w="med" len="med"/>
+                    </a:lnT>
+                    <a:lnB w="12700" cap="flat" cmpd="sng" algn="ctr">
+                      <a:solidFill>
+                        <a:schemeClr val="tx1"/>
+                      </a:solidFill>
+                      <a:prstDash val="solid"/>
+                      <a:round/>
+                      <a:headEnd type="none" w="med" len="med"/>
+                      <a:tailEnd type="none" w="med" len="med"/>
+                    </a:lnB>
+                  </a:tcPr>
+                </a:tc>
+                <a:tc>
+                  <a:txBody>
+                    <a:bodyPr/>
+                    <a:lstStyle/>
+                    <a:p>
+                      <a:pPr algn="ctr"/>
+                      <a:r>
+                        <a:rPr lang="en-US" sz="1200" b="1">
+                          <a:effectLst/>
+                        </a:rPr>
+                        <a:t>BME280</a:t>
+                      </a:r>
+                      <a:endParaRPr lang="en-US" sz="1200" b="0">
+                        <a:effectLst/>
+                      </a:endParaRPr>
+                    </a:p>
+                  </a:txBody>
+                  <a:tcPr marL="22155" marR="22155" marT="22155" marB="22155" anchor="ctr">
+                    <a:lnL w="12700" cap="flat" cmpd="sng" algn="ctr">
+                      <a:solidFill>
+                        <a:schemeClr val="tx1"/>
+                      </a:solidFill>
+                      <a:prstDash val="solid"/>
+                      <a:round/>
+                      <a:headEnd type="none" w="med" len="med"/>
+                      <a:tailEnd type="none" w="med" len="med"/>
+                    </a:lnL>
+                    <a:lnR w="12700" cap="flat" cmpd="sng" algn="ctr">
+                      <a:solidFill>
+                        <a:schemeClr val="tx1"/>
+                      </a:solidFill>
+                      <a:prstDash val="solid"/>
+                      <a:round/>
+                      <a:headEnd type="none" w="med" len="med"/>
+                      <a:tailEnd type="none" w="med" len="med"/>
+                    </a:lnR>
+                    <a:lnT w="12700" cap="flat" cmpd="sng" algn="ctr">
+                      <a:solidFill>
+                        <a:schemeClr val="tx1"/>
+                      </a:solidFill>
+                      <a:prstDash val="solid"/>
+                      <a:round/>
+                      <a:headEnd type="none" w="med" len="med"/>
+                      <a:tailEnd type="none" w="med" len="med"/>
+                    </a:lnT>
+                    <a:lnB w="12700" cap="flat" cmpd="sng" algn="ctr">
+                      <a:solidFill>
+                        <a:schemeClr val="tx1"/>
+                      </a:solidFill>
+                      <a:prstDash val="solid"/>
+                      <a:round/>
+                      <a:headEnd type="none" w="med" len="med"/>
+                      <a:tailEnd type="none" w="med" len="med"/>
+                    </a:lnB>
+                  </a:tcPr>
+                </a:tc>
+                <a:tc>
+                  <a:txBody>
+                    <a:bodyPr/>
+                    <a:lstStyle/>
+                    <a:p>
+                      <a:pPr algn="ctr"/>
+                      <a:r>
+                        <a:rPr lang="en-US" sz="1200" b="1" dirty="0">
+                          <a:effectLst/>
+                        </a:rPr>
+                        <a:t>BMP180</a:t>
+                      </a:r>
+                      <a:endParaRPr lang="en-US" sz="1200" b="0" dirty="0">
+                        <a:effectLst/>
+                      </a:endParaRPr>
+                    </a:p>
+                  </a:txBody>
+                  <a:tcPr marL="22155" marR="22155" marT="22155" marB="22155" anchor="ctr">
+                    <a:lnL w="12700" cap="flat" cmpd="sng" algn="ctr">
+                      <a:solidFill>
+                        <a:schemeClr val="tx1"/>
+                      </a:solidFill>
+                      <a:prstDash val="solid"/>
+                      <a:round/>
+                      <a:headEnd type="none" w="med" len="med"/>
+                      <a:tailEnd type="none" w="med" len="med"/>
+                    </a:lnL>
+                    <a:lnR w="12700" cap="flat" cmpd="sng" algn="ctr">
+                      <a:solidFill>
+                        <a:schemeClr val="tx1"/>
+                      </a:solidFill>
+                      <a:prstDash val="solid"/>
+                      <a:round/>
+                      <a:headEnd type="none" w="med" len="med"/>
+                      <a:tailEnd type="none" w="med" len="med"/>
+                    </a:lnR>
+                    <a:lnT w="12700" cap="flat" cmpd="sng" algn="ctr">
+                      <a:solidFill>
+                        <a:schemeClr val="tx1"/>
+                      </a:solidFill>
+                      <a:prstDash val="solid"/>
+                      <a:round/>
+                      <a:headEnd type="none" w="med" len="med"/>
+                      <a:tailEnd type="none" w="med" len="med"/>
+                    </a:lnT>
+                    <a:lnB w="12700" cap="flat" cmpd="sng" algn="ctr">
+                      <a:solidFill>
+                        <a:schemeClr val="tx1"/>
+                      </a:solidFill>
+                      <a:prstDash val="solid"/>
+                      <a:round/>
+                      <a:headEnd type="none" w="med" len="med"/>
+                      <a:tailEnd type="none" w="med" len="med"/>
+                    </a:lnB>
+                  </a:tcPr>
+                </a:tc>
+                <a:extLst>
+                  <a:ext uri="{0D108BD9-81ED-4DB2-BD59-A6C34878D82A}">
+                    <a16:rowId xmlns:a16="http://schemas.microsoft.com/office/drawing/2014/main" val="2547354897"/>
+                  </a:ext>
+                </a:extLst>
+              </a:tr>
+              <a:tr h="842645">
+                <a:tc>
+                  <a:txBody>
+                    <a:bodyPr/>
+                    <a:lstStyle/>
+                    <a:p>
+                      <a:pPr algn="ctr"/>
+                      <a:endParaRPr lang="en-US" sz="1200" dirty="0"/>
+                    </a:p>
+                  </a:txBody>
+                  <a:tcPr>
+                    <a:lnL w="12700" cap="flat" cmpd="sng" algn="ctr">
+                      <a:solidFill>
+                        <a:schemeClr val="tx1"/>
+                      </a:solidFill>
+                      <a:prstDash val="solid"/>
+                      <a:round/>
+                      <a:headEnd type="none" w="med" len="med"/>
+                      <a:tailEnd type="none" w="med" len="med"/>
+                    </a:lnL>
+                    <a:lnR w="12700" cap="flat" cmpd="sng" algn="ctr">
+                      <a:solidFill>
+                        <a:schemeClr val="tx1"/>
+                      </a:solidFill>
+                      <a:prstDash val="solid"/>
+                      <a:round/>
+                      <a:headEnd type="none" w="med" len="med"/>
+                      <a:tailEnd type="none" w="med" len="med"/>
+                    </a:lnR>
+                    <a:lnT w="12700" cap="flat" cmpd="sng" algn="ctr">
+                      <a:solidFill>
+                        <a:schemeClr val="tx1"/>
+                      </a:solidFill>
+                      <a:prstDash val="solid"/>
+                      <a:round/>
+                      <a:headEnd type="none" w="med" len="med"/>
+                      <a:tailEnd type="none" w="med" len="med"/>
+                    </a:lnT>
+                    <a:lnB w="12700" cap="flat" cmpd="sng" algn="ctr">
+                      <a:solidFill>
+                        <a:schemeClr val="tx1"/>
+                      </a:solidFill>
+                      <a:prstDash val="solid"/>
+                      <a:round/>
+                      <a:headEnd type="none" w="med" len="med"/>
+                      <a:tailEnd type="none" w="med" len="med"/>
+                    </a:lnB>
+                    <a:solidFill>
+                      <a:schemeClr val="bg1"/>
+                    </a:solidFill>
+                  </a:tcPr>
+                </a:tc>
+                <a:tc>
+                  <a:txBody>
+                    <a:bodyPr/>
+                    <a:lstStyle/>
+                    <a:p>
+                      <a:pPr algn="ctr"/>
+                      <a:endParaRPr lang="en-US" sz="1200" dirty="0"/>
+                    </a:p>
+                  </a:txBody>
+                  <a:tcPr>
+                    <a:lnL w="12700" cap="flat" cmpd="sng" algn="ctr">
+                      <a:solidFill>
+                        <a:schemeClr val="tx1"/>
+                      </a:solidFill>
+                      <a:prstDash val="solid"/>
+                      <a:round/>
+                      <a:headEnd type="none" w="med" len="med"/>
+                      <a:tailEnd type="none" w="med" len="med"/>
+                    </a:lnL>
+                    <a:lnR w="12700" cap="flat" cmpd="sng" algn="ctr">
+                      <a:solidFill>
+                        <a:schemeClr val="tx1"/>
+                      </a:solidFill>
+                      <a:prstDash val="solid"/>
+                      <a:round/>
+                      <a:headEnd type="none" w="med" len="med"/>
+                      <a:tailEnd type="none" w="med" len="med"/>
+                    </a:lnR>
+                    <a:lnT w="12700" cap="flat" cmpd="sng" algn="ctr">
+                      <a:solidFill>
+                        <a:schemeClr val="tx1"/>
+                      </a:solidFill>
+                      <a:prstDash val="solid"/>
+                      <a:round/>
+                      <a:headEnd type="none" w="med" len="med"/>
+                      <a:tailEnd type="none" w="med" len="med"/>
+                    </a:lnT>
+                    <a:lnB w="12700" cap="flat" cmpd="sng" algn="ctr">
+                      <a:solidFill>
+                        <a:schemeClr val="tx1"/>
+                      </a:solidFill>
+                      <a:prstDash val="solid"/>
+                      <a:round/>
+                      <a:headEnd type="none" w="med" len="med"/>
+                      <a:tailEnd type="none" w="med" len="med"/>
+                    </a:lnB>
+                    <a:solidFill>
+                      <a:schemeClr val="bg1"/>
+                    </a:solidFill>
+                  </a:tcPr>
+                </a:tc>
+                <a:tc>
+                  <a:txBody>
+                    <a:bodyPr/>
+                    <a:lstStyle/>
+                    <a:p>
+                      <a:pPr algn="ctr"/>
+                      <a:endParaRPr lang="en-US" sz="1200" dirty="0"/>
+                    </a:p>
+                  </a:txBody>
+                  <a:tcPr>
+                    <a:lnL w="12700" cap="flat" cmpd="sng" algn="ctr">
+                      <a:solidFill>
+                        <a:schemeClr val="tx1"/>
+                      </a:solidFill>
+                      <a:prstDash val="solid"/>
+                      <a:round/>
+                      <a:headEnd type="none" w="med" len="med"/>
+                      <a:tailEnd type="none" w="med" len="med"/>
+                    </a:lnL>
+                    <a:lnR w="12700" cap="flat" cmpd="sng" algn="ctr">
+                      <a:solidFill>
+                        <a:schemeClr val="tx1"/>
+                      </a:solidFill>
+                      <a:prstDash val="solid"/>
+                      <a:round/>
+                      <a:headEnd type="none" w="med" len="med"/>
+                      <a:tailEnd type="none" w="med" len="med"/>
+                    </a:lnR>
+                    <a:lnT w="12700" cap="flat" cmpd="sng" algn="ctr">
+                      <a:solidFill>
+                        <a:schemeClr val="tx1"/>
+                      </a:solidFill>
+                      <a:prstDash val="solid"/>
+                      <a:round/>
+                      <a:headEnd type="none" w="med" len="med"/>
+                      <a:tailEnd type="none" w="med" len="med"/>
+                    </a:lnT>
+                    <a:lnB w="12700" cap="flat" cmpd="sng" algn="ctr">
+                      <a:solidFill>
+                        <a:schemeClr val="tx1"/>
+                      </a:solidFill>
+                      <a:prstDash val="solid"/>
+                      <a:round/>
+                      <a:headEnd type="none" w="med" len="med"/>
+                      <a:tailEnd type="none" w="med" len="med"/>
+                    </a:lnB>
+                    <a:solidFill>
+                      <a:schemeClr val="bg1"/>
+                    </a:solidFill>
+                  </a:tcPr>
+                </a:tc>
+                <a:tc>
+                  <a:txBody>
+                    <a:bodyPr/>
+                    <a:lstStyle/>
+                    <a:p>
+                      <a:pPr algn="ctr"/>
+                      <a:endParaRPr lang="en-US" sz="1200" dirty="0"/>
+                    </a:p>
+                  </a:txBody>
+                  <a:tcPr>
+                    <a:lnL w="12700" cap="flat" cmpd="sng" algn="ctr">
+                      <a:solidFill>
+                        <a:schemeClr val="tx1"/>
+                      </a:solidFill>
+                      <a:prstDash val="solid"/>
+                      <a:round/>
+                      <a:headEnd type="none" w="med" len="med"/>
+                      <a:tailEnd type="none" w="med" len="med"/>
+                    </a:lnL>
+                    <a:lnR w="12700" cap="flat" cmpd="sng" algn="ctr">
+                      <a:solidFill>
+                        <a:schemeClr val="tx1"/>
+                      </a:solidFill>
+                      <a:prstDash val="solid"/>
+                      <a:round/>
+                      <a:headEnd type="none" w="med" len="med"/>
+                      <a:tailEnd type="none" w="med" len="med"/>
+                    </a:lnR>
+                    <a:lnT w="12700" cap="flat" cmpd="sng" algn="ctr">
+                      <a:solidFill>
+                        <a:schemeClr val="tx1"/>
+                      </a:solidFill>
+                      <a:prstDash val="solid"/>
+                      <a:round/>
+                      <a:headEnd type="none" w="med" len="med"/>
+                      <a:tailEnd type="none" w="med" len="med"/>
+                    </a:lnT>
+                    <a:lnB w="12700" cap="flat" cmpd="sng" algn="ctr">
+                      <a:solidFill>
+                        <a:schemeClr val="tx1"/>
+                      </a:solidFill>
+                      <a:prstDash val="solid"/>
+                      <a:round/>
+                      <a:headEnd type="none" w="med" len="med"/>
+                      <a:tailEnd type="none" w="med" len="med"/>
+                    </a:lnB>
+                    <a:solidFill>
+                      <a:schemeClr val="bg1"/>
+                    </a:solidFill>
+                  </a:tcPr>
+                </a:tc>
+                <a:tc>
+                  <a:txBody>
+                    <a:bodyPr/>
+                    <a:lstStyle/>
+                    <a:p>
+                      <a:pPr algn="ctr"/>
+                      <a:endParaRPr lang="en-US" sz="1200" dirty="0"/>
+                    </a:p>
+                  </a:txBody>
+                  <a:tcPr>
+                    <a:lnL w="12700" cap="flat" cmpd="sng" algn="ctr">
+                      <a:solidFill>
+                        <a:schemeClr val="tx1"/>
+                      </a:solidFill>
+                      <a:prstDash val="solid"/>
+                      <a:round/>
+                      <a:headEnd type="none" w="med" len="med"/>
+                      <a:tailEnd type="none" w="med" len="med"/>
+                    </a:lnL>
+                    <a:lnR w="12700" cap="flat" cmpd="sng" algn="ctr">
+                      <a:solidFill>
+                        <a:schemeClr val="tx1"/>
+                      </a:solidFill>
+                      <a:prstDash val="solid"/>
+                      <a:round/>
+                      <a:headEnd type="none" w="med" len="med"/>
+                      <a:tailEnd type="none" w="med" len="med"/>
+                    </a:lnR>
+                    <a:lnT w="12700" cap="flat" cmpd="sng" algn="ctr">
+                      <a:solidFill>
+                        <a:schemeClr val="tx1"/>
+                      </a:solidFill>
+                      <a:prstDash val="solid"/>
+                      <a:round/>
+                      <a:headEnd type="none" w="med" len="med"/>
+                      <a:tailEnd type="none" w="med" len="med"/>
+                    </a:lnT>
+                    <a:lnB w="12700" cap="flat" cmpd="sng" algn="ctr">
+                      <a:solidFill>
+                        <a:schemeClr val="tx1"/>
+                      </a:solidFill>
+                      <a:prstDash val="solid"/>
+                      <a:round/>
+                      <a:headEnd type="none" w="med" len="med"/>
+                      <a:tailEnd type="none" w="med" len="med"/>
+                    </a:lnB>
+                    <a:solidFill>
+                      <a:schemeClr val="bg1"/>
+                    </a:solidFill>
+                  </a:tcPr>
+                </a:tc>
+                <a:tc>
+                  <a:txBody>
+                    <a:bodyPr/>
+                    <a:lstStyle/>
+                    <a:p>
+                      <a:pPr algn="ctr"/>
+                      <a:endParaRPr lang="en-US" sz="1200" dirty="0"/>
+                    </a:p>
+                  </a:txBody>
+                  <a:tcPr>
+                    <a:lnL w="12700" cap="flat" cmpd="sng" algn="ctr">
+                      <a:solidFill>
+                        <a:schemeClr val="tx1"/>
+                      </a:solidFill>
+                      <a:prstDash val="solid"/>
+                      <a:round/>
+                      <a:headEnd type="none" w="med" len="med"/>
+                      <a:tailEnd type="none" w="med" len="med"/>
+                    </a:lnL>
+                    <a:lnR w="12700" cap="flat" cmpd="sng" algn="ctr">
+                      <a:solidFill>
+                        <a:schemeClr val="tx1"/>
+                      </a:solidFill>
+                      <a:prstDash val="solid"/>
+                      <a:round/>
+                      <a:headEnd type="none" w="med" len="med"/>
+                      <a:tailEnd type="none" w="med" len="med"/>
+                    </a:lnR>
+                    <a:lnT w="12700" cap="flat" cmpd="sng" algn="ctr">
+                      <a:solidFill>
+                        <a:schemeClr val="tx1"/>
+                      </a:solidFill>
+                      <a:prstDash val="solid"/>
+                      <a:round/>
+                      <a:headEnd type="none" w="med" len="med"/>
+                      <a:tailEnd type="none" w="med" len="med"/>
+                    </a:lnT>
+                    <a:lnB w="12700" cap="flat" cmpd="sng" algn="ctr">
+                      <a:solidFill>
+                        <a:schemeClr val="tx1"/>
+                      </a:solidFill>
+                      <a:prstDash val="solid"/>
+                      <a:round/>
+                      <a:headEnd type="none" w="med" len="med"/>
+                      <a:tailEnd type="none" w="med" len="med"/>
+                    </a:lnB>
+                    <a:solidFill>
+                      <a:schemeClr val="bg1"/>
+                    </a:solidFill>
+                  </a:tcPr>
+                </a:tc>
+                <a:tc>
+                  <a:txBody>
+                    <a:bodyPr/>
+                    <a:lstStyle/>
+                    <a:p>
+                      <a:pPr algn="ctr"/>
+                      <a:endParaRPr lang="en-US" sz="1200" dirty="0"/>
+                    </a:p>
+                  </a:txBody>
+                  <a:tcPr>
+                    <a:lnL w="12700" cap="flat" cmpd="sng" algn="ctr">
+                      <a:solidFill>
+                        <a:schemeClr val="tx1"/>
+                      </a:solidFill>
+                      <a:prstDash val="solid"/>
+                      <a:round/>
+                      <a:headEnd type="none" w="med" len="med"/>
+                      <a:tailEnd type="none" w="med" len="med"/>
+                    </a:lnL>
+                    <a:lnR w="12700" cap="flat" cmpd="sng" algn="ctr">
+                      <a:solidFill>
+                        <a:schemeClr val="tx1"/>
+                      </a:solidFill>
+                      <a:prstDash val="solid"/>
+                      <a:round/>
+                      <a:headEnd type="none" w="med" len="med"/>
+                      <a:tailEnd type="none" w="med" len="med"/>
+                    </a:lnR>
+                    <a:lnT w="12700" cap="flat" cmpd="sng" algn="ctr">
+                      <a:solidFill>
+                        <a:schemeClr val="tx1"/>
+                      </a:solidFill>
+                      <a:prstDash val="solid"/>
+                      <a:round/>
+                      <a:headEnd type="none" w="med" len="med"/>
+                      <a:tailEnd type="none" w="med" len="med"/>
+                    </a:lnT>
+                    <a:lnB w="12700" cap="flat" cmpd="sng" algn="ctr">
+                      <a:solidFill>
+                        <a:schemeClr val="tx1"/>
+                      </a:solidFill>
+                      <a:prstDash val="solid"/>
+                      <a:round/>
+                      <a:headEnd type="none" w="med" len="med"/>
+                      <a:tailEnd type="none" w="med" len="med"/>
+                    </a:lnB>
+                    <a:solidFill>
+                      <a:schemeClr val="bg1"/>
+                    </a:solidFill>
+                  </a:tcPr>
+                </a:tc>
+                <a:extLst>
+                  <a:ext uri="{0D108BD9-81ED-4DB2-BD59-A6C34878D82A}">
+                    <a16:rowId xmlns:a16="http://schemas.microsoft.com/office/drawing/2014/main" val="1226686280"/>
+                  </a:ext>
+                </a:extLst>
+              </a:tr>
+              <a:tr h="440055">
+                <a:tc>
+                  <a:txBody>
+                    <a:bodyPr/>
+                    <a:lstStyle/>
+                    <a:p>
+                      <a:pPr algn="ctr"/>
+                      <a:r>
+                        <a:rPr lang="en-US" sz="1200" b="1" dirty="0">
+                          <a:effectLst/>
+                        </a:rPr>
+                        <a:t>Measures</a:t>
+                      </a:r>
+                      <a:endParaRPr lang="en-US" sz="1200" b="0" dirty="0">
+                        <a:effectLst/>
+                      </a:endParaRPr>
+                    </a:p>
+                  </a:txBody>
+                  <a:tcPr marL="22155" marR="22155" marT="22155" marB="22155" anchor="ctr">
+                    <a:lnL w="12700" cap="flat" cmpd="sng" algn="ctr">
+                      <a:solidFill>
+                        <a:schemeClr val="tx1"/>
+                      </a:solidFill>
+                      <a:prstDash val="solid"/>
+                      <a:round/>
+                      <a:headEnd type="none" w="med" len="med"/>
+                      <a:tailEnd type="none" w="med" len="med"/>
+                    </a:lnL>
+                    <a:lnR w="12700" cap="flat" cmpd="sng" algn="ctr">
+                      <a:solidFill>
+                        <a:schemeClr val="tx1"/>
+                      </a:solidFill>
+                      <a:prstDash val="solid"/>
+                      <a:round/>
+                      <a:headEnd type="none" w="med" len="med"/>
+                      <a:tailEnd type="none" w="med" len="med"/>
+                    </a:lnR>
+                    <a:lnT w="12700" cap="flat" cmpd="sng" algn="ctr">
+                      <a:solidFill>
+                        <a:schemeClr val="tx1"/>
+                      </a:solidFill>
+                      <a:prstDash val="solid"/>
+                      <a:round/>
+                      <a:headEnd type="none" w="med" len="med"/>
+                      <a:tailEnd type="none" w="med" len="med"/>
+                    </a:lnT>
+                    <a:lnB w="12700" cap="flat" cmpd="sng" algn="ctr">
+                      <a:solidFill>
+                        <a:schemeClr val="tx1"/>
+                      </a:solidFill>
+                      <a:prstDash val="solid"/>
+                      <a:round/>
+                      <a:headEnd type="none" w="med" len="med"/>
+                      <a:tailEnd type="none" w="med" len="med"/>
+                    </a:lnB>
+                  </a:tcPr>
+                </a:tc>
+                <a:tc>
+                  <a:txBody>
+                    <a:bodyPr/>
+                    <a:lstStyle/>
+                    <a:p>
+                      <a:pPr algn="ctr"/>
+                      <a:r>
+                        <a:rPr lang="en-US" sz="1200" b="0" dirty="0">
+                          <a:effectLst/>
+                        </a:rPr>
+                        <a:t>Temperature</a:t>
+                      </a:r>
+                      <a:br>
+                        <a:rPr lang="en-US" sz="1200" b="0" dirty="0">
+                          <a:effectLst/>
+                        </a:rPr>
+                      </a:br>
+                      <a:r>
+                        <a:rPr lang="en-US" sz="1200" b="0" dirty="0">
+                          <a:effectLst/>
+                        </a:rPr>
+                        <a:t>Humidity</a:t>
+                      </a:r>
+                    </a:p>
+                  </a:txBody>
+                  <a:tcPr marL="22155" marR="22155" marT="22155" marB="22155" anchor="ctr">
+                    <a:lnL w="12700" cap="flat" cmpd="sng" algn="ctr">
+                      <a:solidFill>
+                        <a:schemeClr val="tx1"/>
+                      </a:solidFill>
+                      <a:prstDash val="solid"/>
+                      <a:round/>
+                      <a:headEnd type="none" w="med" len="med"/>
+                      <a:tailEnd type="none" w="med" len="med"/>
+                    </a:lnL>
+                    <a:lnR w="12700" cap="flat" cmpd="sng" algn="ctr">
+                      <a:solidFill>
+                        <a:schemeClr val="tx1"/>
+                      </a:solidFill>
+                      <a:prstDash val="solid"/>
+                      <a:round/>
+                      <a:headEnd type="none" w="med" len="med"/>
+                      <a:tailEnd type="none" w="med" len="med"/>
+                    </a:lnR>
+                    <a:lnT w="12700" cap="flat" cmpd="sng" algn="ctr">
+                      <a:solidFill>
+                        <a:schemeClr val="tx1"/>
+                      </a:solidFill>
+                      <a:prstDash val="solid"/>
+                      <a:round/>
+                      <a:headEnd type="none" w="med" len="med"/>
+                      <a:tailEnd type="none" w="med" len="med"/>
+                    </a:lnT>
+                    <a:lnB w="12700" cap="flat" cmpd="sng" algn="ctr">
+                      <a:solidFill>
+                        <a:schemeClr val="tx1"/>
+                      </a:solidFill>
+                      <a:prstDash val="solid"/>
+                      <a:round/>
+                      <a:headEnd type="none" w="med" len="med"/>
+                      <a:tailEnd type="none" w="med" len="med"/>
+                    </a:lnB>
+                  </a:tcPr>
+                </a:tc>
+                <a:tc>
+                  <a:txBody>
+                    <a:bodyPr/>
+                    <a:lstStyle/>
+                    <a:p>
+                      <a:pPr algn="ctr"/>
+                      <a:r>
+                        <a:rPr lang="en-US" sz="1200" b="0" dirty="0">
+                          <a:effectLst/>
+                        </a:rPr>
+                        <a:t>Temperature</a:t>
+                      </a:r>
+                      <a:br>
+                        <a:rPr lang="en-US" sz="1200" b="0" dirty="0">
+                          <a:effectLst/>
+                        </a:rPr>
+                      </a:br>
+                      <a:r>
+                        <a:rPr lang="en-US" sz="1200" b="0" dirty="0">
+                          <a:effectLst/>
+                        </a:rPr>
+                        <a:t>Humidity</a:t>
+                      </a:r>
+                    </a:p>
+                  </a:txBody>
+                  <a:tcPr marL="22155" marR="22155" marT="22155" marB="22155" anchor="ctr">
+                    <a:lnL w="12700" cap="flat" cmpd="sng" algn="ctr">
+                      <a:solidFill>
+                        <a:schemeClr val="tx1"/>
+                      </a:solidFill>
+                      <a:prstDash val="solid"/>
+                      <a:round/>
+                      <a:headEnd type="none" w="med" len="med"/>
+                      <a:tailEnd type="none" w="med" len="med"/>
+                    </a:lnL>
+                    <a:lnR w="12700" cap="flat" cmpd="sng" algn="ctr">
+                      <a:solidFill>
+                        <a:schemeClr val="tx1"/>
+                      </a:solidFill>
+                      <a:prstDash val="solid"/>
+                      <a:round/>
+                      <a:headEnd type="none" w="med" len="med"/>
+                      <a:tailEnd type="none" w="med" len="med"/>
+                    </a:lnR>
+                    <a:lnT w="12700" cap="flat" cmpd="sng" algn="ctr">
+                      <a:solidFill>
+                        <a:schemeClr val="tx1"/>
+                      </a:solidFill>
+                      <a:prstDash val="solid"/>
+                      <a:round/>
+                      <a:headEnd type="none" w="med" len="med"/>
+                      <a:tailEnd type="none" w="med" len="med"/>
+                    </a:lnT>
+                    <a:lnB w="12700" cap="flat" cmpd="sng" algn="ctr">
+                      <a:solidFill>
+                        <a:schemeClr val="tx1"/>
+                      </a:solidFill>
+                      <a:prstDash val="solid"/>
+                      <a:round/>
+                      <a:headEnd type="none" w="med" len="med"/>
+                      <a:tailEnd type="none" w="med" len="med"/>
+                    </a:lnB>
+                  </a:tcPr>
+                </a:tc>
+                <a:tc>
+                  <a:txBody>
+                    <a:bodyPr/>
+                    <a:lstStyle/>
+                    <a:p>
+                      <a:pPr algn="ctr"/>
+                      <a:r>
+                        <a:rPr lang="en-US" sz="1200" b="0" dirty="0">
+                          <a:effectLst/>
+                        </a:rPr>
+                        <a:t>Temperature</a:t>
+                      </a:r>
+                    </a:p>
+                  </a:txBody>
+                  <a:tcPr marL="22155" marR="22155" marT="22155" marB="22155" anchor="ctr">
+                    <a:lnL w="12700" cap="flat" cmpd="sng" algn="ctr">
+                      <a:solidFill>
+                        <a:schemeClr val="tx1"/>
+                      </a:solidFill>
+                      <a:prstDash val="solid"/>
+                      <a:round/>
+                      <a:headEnd type="none" w="med" len="med"/>
+                      <a:tailEnd type="none" w="med" len="med"/>
+                    </a:lnL>
+                    <a:lnR w="12700" cap="flat" cmpd="sng" algn="ctr">
+                      <a:solidFill>
+                        <a:schemeClr val="tx1"/>
+                      </a:solidFill>
+                      <a:prstDash val="solid"/>
+                      <a:round/>
+                      <a:headEnd type="none" w="med" len="med"/>
+                      <a:tailEnd type="none" w="med" len="med"/>
+                    </a:lnR>
+                    <a:lnT w="12700" cap="flat" cmpd="sng" algn="ctr">
+                      <a:solidFill>
+                        <a:schemeClr val="tx1"/>
+                      </a:solidFill>
+                      <a:prstDash val="solid"/>
+                      <a:round/>
+                      <a:headEnd type="none" w="med" len="med"/>
+                      <a:tailEnd type="none" w="med" len="med"/>
+                    </a:lnT>
+                    <a:lnB w="12700" cap="flat" cmpd="sng" algn="ctr">
+                      <a:solidFill>
+                        <a:schemeClr val="tx1"/>
+                      </a:solidFill>
+                      <a:prstDash val="solid"/>
+                      <a:round/>
+                      <a:headEnd type="none" w="med" len="med"/>
+                      <a:tailEnd type="none" w="med" len="med"/>
+                    </a:lnB>
+                  </a:tcPr>
+                </a:tc>
+                <a:tc>
+                  <a:txBody>
+                    <a:bodyPr/>
+                    <a:lstStyle/>
+                    <a:p>
+                      <a:pPr algn="ctr"/>
+                      <a:r>
+                        <a:rPr lang="en-US" sz="1200" b="0" dirty="0">
+                          <a:effectLst/>
+                        </a:rPr>
+                        <a:t>Temperature</a:t>
+                      </a:r>
+                    </a:p>
+                  </a:txBody>
+                  <a:tcPr marL="22155" marR="22155" marT="22155" marB="22155" anchor="ctr">
+                    <a:lnL w="12700" cap="flat" cmpd="sng" algn="ctr">
+                      <a:solidFill>
+                        <a:schemeClr val="tx1"/>
+                      </a:solidFill>
+                      <a:prstDash val="solid"/>
+                      <a:round/>
+                      <a:headEnd type="none" w="med" len="med"/>
+                      <a:tailEnd type="none" w="med" len="med"/>
+                    </a:lnL>
+                    <a:lnR w="12700" cap="flat" cmpd="sng" algn="ctr">
+                      <a:solidFill>
+                        <a:schemeClr val="tx1"/>
+                      </a:solidFill>
+                      <a:prstDash val="solid"/>
+                      <a:round/>
+                      <a:headEnd type="none" w="med" len="med"/>
+                      <a:tailEnd type="none" w="med" len="med"/>
+                    </a:lnR>
+                    <a:lnT w="12700" cap="flat" cmpd="sng" algn="ctr">
+                      <a:solidFill>
+                        <a:schemeClr val="tx1"/>
+                      </a:solidFill>
+                      <a:prstDash val="solid"/>
+                      <a:round/>
+                      <a:headEnd type="none" w="med" len="med"/>
+                      <a:tailEnd type="none" w="med" len="med"/>
+                    </a:lnT>
+                    <a:lnB w="12700" cap="flat" cmpd="sng" algn="ctr">
+                      <a:solidFill>
+                        <a:schemeClr val="tx1"/>
+                      </a:solidFill>
+                      <a:prstDash val="solid"/>
+                      <a:round/>
+                      <a:headEnd type="none" w="med" len="med"/>
+                      <a:tailEnd type="none" w="med" len="med"/>
+                    </a:lnB>
+                  </a:tcPr>
+                </a:tc>
+                <a:tc>
+                  <a:txBody>
+                    <a:bodyPr/>
+                    <a:lstStyle/>
+                    <a:p>
+                      <a:pPr algn="ctr"/>
+                      <a:r>
+                        <a:rPr lang="en-US" sz="1200" b="0" dirty="0">
+                          <a:effectLst/>
+                        </a:rPr>
+                        <a:t>Temperature</a:t>
+                      </a:r>
+                      <a:br>
+                        <a:rPr lang="en-US" sz="1200" b="0" dirty="0">
+                          <a:effectLst/>
+                        </a:rPr>
+                      </a:br>
+                      <a:r>
+                        <a:rPr lang="en-US" sz="1200" b="0" dirty="0">
+                          <a:effectLst/>
+                        </a:rPr>
+                        <a:t>Humidity</a:t>
+                      </a:r>
+                      <a:br>
+                        <a:rPr lang="en-US" sz="1200" b="0" dirty="0">
+                          <a:effectLst/>
+                        </a:rPr>
+                      </a:br>
+                      <a:r>
+                        <a:rPr lang="en-US" sz="1200" b="0" dirty="0">
+                          <a:effectLst/>
+                        </a:rPr>
+                        <a:t>Pressure</a:t>
+                      </a:r>
+                    </a:p>
+                  </a:txBody>
+                  <a:tcPr marL="22155" marR="22155" marT="22155" marB="22155" anchor="ctr">
+                    <a:lnL w="12700" cap="flat" cmpd="sng" algn="ctr">
+                      <a:solidFill>
+                        <a:schemeClr val="tx1"/>
+                      </a:solidFill>
+                      <a:prstDash val="solid"/>
+                      <a:round/>
+                      <a:headEnd type="none" w="med" len="med"/>
+                      <a:tailEnd type="none" w="med" len="med"/>
+                    </a:lnL>
+                    <a:lnR w="12700" cap="flat" cmpd="sng" algn="ctr">
+                      <a:solidFill>
+                        <a:schemeClr val="tx1"/>
+                      </a:solidFill>
+                      <a:prstDash val="solid"/>
+                      <a:round/>
+                      <a:headEnd type="none" w="med" len="med"/>
+                      <a:tailEnd type="none" w="med" len="med"/>
+                    </a:lnR>
+                    <a:lnT w="12700" cap="flat" cmpd="sng" algn="ctr">
+                      <a:solidFill>
+                        <a:schemeClr val="tx1"/>
+                      </a:solidFill>
+                      <a:prstDash val="solid"/>
+                      <a:round/>
+                      <a:headEnd type="none" w="med" len="med"/>
+                      <a:tailEnd type="none" w="med" len="med"/>
+                    </a:lnT>
+                    <a:lnB w="12700" cap="flat" cmpd="sng" algn="ctr">
+                      <a:solidFill>
+                        <a:schemeClr val="tx1"/>
+                      </a:solidFill>
+                      <a:prstDash val="solid"/>
+                      <a:round/>
+                      <a:headEnd type="none" w="med" len="med"/>
+                      <a:tailEnd type="none" w="med" len="med"/>
+                    </a:lnB>
+                  </a:tcPr>
+                </a:tc>
+                <a:tc>
+                  <a:txBody>
+                    <a:bodyPr/>
+                    <a:lstStyle/>
+                    <a:p>
+                      <a:pPr algn="ctr"/>
+                      <a:r>
+                        <a:rPr lang="en-US" sz="1200" b="0">
+                          <a:effectLst/>
+                        </a:rPr>
+                        <a:t>Temperature</a:t>
+                      </a:r>
+                      <a:br>
+                        <a:rPr lang="en-US" sz="1200" b="0">
+                          <a:effectLst/>
+                        </a:rPr>
+                      </a:br>
+                      <a:r>
+                        <a:rPr lang="en-US" sz="1200" b="0">
+                          <a:effectLst/>
+                        </a:rPr>
+                        <a:t>Pressure</a:t>
+                      </a:r>
+                    </a:p>
+                  </a:txBody>
+                  <a:tcPr marL="22155" marR="22155" marT="22155" marB="22155" anchor="ctr">
+                    <a:lnL w="12700" cap="flat" cmpd="sng" algn="ctr">
+                      <a:solidFill>
+                        <a:schemeClr val="tx1"/>
+                      </a:solidFill>
+                      <a:prstDash val="solid"/>
+                      <a:round/>
+                      <a:headEnd type="none" w="med" len="med"/>
+                      <a:tailEnd type="none" w="med" len="med"/>
+                    </a:lnL>
+                    <a:lnR w="12700" cap="flat" cmpd="sng" algn="ctr">
+                      <a:solidFill>
+                        <a:schemeClr val="tx1"/>
+                      </a:solidFill>
+                      <a:prstDash val="solid"/>
+                      <a:round/>
+                      <a:headEnd type="none" w="med" len="med"/>
+                      <a:tailEnd type="none" w="med" len="med"/>
+                    </a:lnR>
+                    <a:lnT w="12700" cap="flat" cmpd="sng" algn="ctr">
+                      <a:solidFill>
+                        <a:schemeClr val="tx1"/>
+                      </a:solidFill>
+                      <a:prstDash val="solid"/>
+                      <a:round/>
+                      <a:headEnd type="none" w="med" len="med"/>
+                      <a:tailEnd type="none" w="med" len="med"/>
+                    </a:lnT>
+                    <a:lnB w="12700" cap="flat" cmpd="sng" algn="ctr">
+                      <a:solidFill>
+                        <a:schemeClr val="tx1"/>
+                      </a:solidFill>
+                      <a:prstDash val="solid"/>
+                      <a:round/>
+                      <a:headEnd type="none" w="med" len="med"/>
+                      <a:tailEnd type="none" w="med" len="med"/>
+                    </a:lnB>
+                  </a:tcPr>
+                </a:tc>
+                <a:extLst>
+                  <a:ext uri="{0D108BD9-81ED-4DB2-BD59-A6C34878D82A}">
+                    <a16:rowId xmlns:a16="http://schemas.microsoft.com/office/drawing/2014/main" val="1601899777"/>
+                  </a:ext>
+                </a:extLst>
+              </a:tr>
+              <a:tr h="440055">
+                <a:tc>
+                  <a:txBody>
+                    <a:bodyPr/>
+                    <a:lstStyle/>
+                    <a:p>
+                      <a:pPr algn="ctr"/>
+                      <a:r>
+                        <a:rPr lang="en-US" sz="1200" b="1">
+                          <a:effectLst/>
+                        </a:rPr>
+                        <a:t>Communication</a:t>
+                      </a:r>
+                      <a:br>
+                        <a:rPr lang="en-US" sz="1200" b="1">
+                          <a:effectLst/>
+                        </a:rPr>
+                      </a:br>
+                      <a:r>
+                        <a:rPr lang="en-US" sz="1200" b="1">
+                          <a:effectLst/>
+                        </a:rPr>
+                        <a:t>protocol</a:t>
+                      </a:r>
+                      <a:endParaRPr lang="en-US" sz="1200" b="0">
+                        <a:effectLst/>
+                      </a:endParaRPr>
+                    </a:p>
+                  </a:txBody>
+                  <a:tcPr marL="22155" marR="22155" marT="22155" marB="22155" anchor="ctr">
+                    <a:lnL w="12700" cap="flat" cmpd="sng" algn="ctr">
+                      <a:solidFill>
+                        <a:schemeClr val="tx1"/>
+                      </a:solidFill>
+                      <a:prstDash val="solid"/>
+                      <a:round/>
+                      <a:headEnd type="none" w="med" len="med"/>
+                      <a:tailEnd type="none" w="med" len="med"/>
+                    </a:lnL>
+                    <a:lnR w="12700" cap="flat" cmpd="sng" algn="ctr">
+                      <a:solidFill>
+                        <a:schemeClr val="tx1"/>
+                      </a:solidFill>
+                      <a:prstDash val="solid"/>
+                      <a:round/>
+                      <a:headEnd type="none" w="med" len="med"/>
+                      <a:tailEnd type="none" w="med" len="med"/>
+                    </a:lnR>
+                    <a:lnT w="12700" cap="flat" cmpd="sng" algn="ctr">
+                      <a:solidFill>
+                        <a:schemeClr val="tx1"/>
+                      </a:solidFill>
+                      <a:prstDash val="solid"/>
+                      <a:round/>
+                      <a:headEnd type="none" w="med" len="med"/>
+                      <a:tailEnd type="none" w="med" len="med"/>
+                    </a:lnT>
+                    <a:lnB w="12700" cap="flat" cmpd="sng" algn="ctr">
+                      <a:solidFill>
+                        <a:schemeClr val="tx1"/>
+                      </a:solidFill>
+                      <a:prstDash val="solid"/>
+                      <a:round/>
+                      <a:headEnd type="none" w="med" len="med"/>
+                      <a:tailEnd type="none" w="med" len="med"/>
+                    </a:lnB>
+                  </a:tcPr>
+                </a:tc>
+                <a:tc>
+                  <a:txBody>
+                    <a:bodyPr/>
+                    <a:lstStyle/>
+                    <a:p>
+                      <a:pPr algn="ctr"/>
+                      <a:r>
+                        <a:rPr lang="en-US" sz="1200" b="0">
+                          <a:effectLst/>
+                        </a:rPr>
+                        <a:t>One-wire</a:t>
+                      </a:r>
+                    </a:p>
+                  </a:txBody>
+                  <a:tcPr marL="22155" marR="22155" marT="22155" marB="22155" anchor="ctr">
+                    <a:lnL w="12700" cap="flat" cmpd="sng" algn="ctr">
+                      <a:solidFill>
+                        <a:schemeClr val="tx1"/>
+                      </a:solidFill>
+                      <a:prstDash val="solid"/>
+                      <a:round/>
+                      <a:headEnd type="none" w="med" len="med"/>
+                      <a:tailEnd type="none" w="med" len="med"/>
+                    </a:lnL>
+                    <a:lnR w="12700" cap="flat" cmpd="sng" algn="ctr">
+                      <a:solidFill>
+                        <a:schemeClr val="tx1"/>
+                      </a:solidFill>
+                      <a:prstDash val="solid"/>
+                      <a:round/>
+                      <a:headEnd type="none" w="med" len="med"/>
+                      <a:tailEnd type="none" w="med" len="med"/>
+                    </a:lnR>
+                    <a:lnT w="12700" cap="flat" cmpd="sng" algn="ctr">
+                      <a:solidFill>
+                        <a:schemeClr val="tx1"/>
+                      </a:solidFill>
+                      <a:prstDash val="solid"/>
+                      <a:round/>
+                      <a:headEnd type="none" w="med" len="med"/>
+                      <a:tailEnd type="none" w="med" len="med"/>
+                    </a:lnT>
+                    <a:lnB w="12700" cap="flat" cmpd="sng" algn="ctr">
+                      <a:solidFill>
+                        <a:schemeClr val="tx1"/>
+                      </a:solidFill>
+                      <a:prstDash val="solid"/>
+                      <a:round/>
+                      <a:headEnd type="none" w="med" len="med"/>
+                      <a:tailEnd type="none" w="med" len="med"/>
+                    </a:lnB>
+                  </a:tcPr>
+                </a:tc>
+                <a:tc>
+                  <a:txBody>
+                    <a:bodyPr/>
+                    <a:lstStyle/>
+                    <a:p>
+                      <a:pPr algn="ctr"/>
+                      <a:r>
+                        <a:rPr lang="en-US" sz="1200" b="0" dirty="0">
+                          <a:effectLst/>
+                        </a:rPr>
+                        <a:t>One-wire</a:t>
+                      </a:r>
+                    </a:p>
+                  </a:txBody>
+                  <a:tcPr marL="22155" marR="22155" marT="22155" marB="22155" anchor="ctr">
+                    <a:lnL w="12700" cap="flat" cmpd="sng" algn="ctr">
+                      <a:solidFill>
+                        <a:schemeClr val="tx1"/>
+                      </a:solidFill>
+                      <a:prstDash val="solid"/>
+                      <a:round/>
+                      <a:headEnd type="none" w="med" len="med"/>
+                      <a:tailEnd type="none" w="med" len="med"/>
+                    </a:lnL>
+                    <a:lnR w="12700" cap="flat" cmpd="sng" algn="ctr">
+                      <a:solidFill>
+                        <a:schemeClr val="tx1"/>
+                      </a:solidFill>
+                      <a:prstDash val="solid"/>
+                      <a:round/>
+                      <a:headEnd type="none" w="med" len="med"/>
+                      <a:tailEnd type="none" w="med" len="med"/>
+                    </a:lnR>
+                    <a:lnT w="12700" cap="flat" cmpd="sng" algn="ctr">
+                      <a:solidFill>
+                        <a:schemeClr val="tx1"/>
+                      </a:solidFill>
+                      <a:prstDash val="solid"/>
+                      <a:round/>
+                      <a:headEnd type="none" w="med" len="med"/>
+                      <a:tailEnd type="none" w="med" len="med"/>
+                    </a:lnT>
+                    <a:lnB w="12700" cap="flat" cmpd="sng" algn="ctr">
+                      <a:solidFill>
+                        <a:schemeClr val="tx1"/>
+                      </a:solidFill>
+                      <a:prstDash val="solid"/>
+                      <a:round/>
+                      <a:headEnd type="none" w="med" len="med"/>
+                      <a:tailEnd type="none" w="med" len="med"/>
+                    </a:lnB>
+                  </a:tcPr>
+                </a:tc>
+                <a:tc>
+                  <a:txBody>
+                    <a:bodyPr/>
+                    <a:lstStyle/>
+                    <a:p>
+                      <a:pPr algn="ctr"/>
+                      <a:r>
+                        <a:rPr lang="en-US" sz="1200" b="0">
+                          <a:effectLst/>
+                        </a:rPr>
+                        <a:t>Analog</a:t>
+                      </a:r>
+                    </a:p>
+                  </a:txBody>
+                  <a:tcPr marL="22155" marR="22155" marT="22155" marB="22155" anchor="ctr">
+                    <a:lnL w="12700" cap="flat" cmpd="sng" algn="ctr">
+                      <a:solidFill>
+                        <a:schemeClr val="tx1"/>
+                      </a:solidFill>
+                      <a:prstDash val="solid"/>
+                      <a:round/>
+                      <a:headEnd type="none" w="med" len="med"/>
+                      <a:tailEnd type="none" w="med" len="med"/>
+                    </a:lnL>
+                    <a:lnR w="12700" cap="flat" cmpd="sng" algn="ctr">
+                      <a:solidFill>
+                        <a:schemeClr val="tx1"/>
+                      </a:solidFill>
+                      <a:prstDash val="solid"/>
+                      <a:round/>
+                      <a:headEnd type="none" w="med" len="med"/>
+                      <a:tailEnd type="none" w="med" len="med"/>
+                    </a:lnR>
+                    <a:lnT w="12700" cap="flat" cmpd="sng" algn="ctr">
+                      <a:solidFill>
+                        <a:schemeClr val="tx1"/>
+                      </a:solidFill>
+                      <a:prstDash val="solid"/>
+                      <a:round/>
+                      <a:headEnd type="none" w="med" len="med"/>
+                      <a:tailEnd type="none" w="med" len="med"/>
+                    </a:lnT>
+                    <a:lnB w="12700" cap="flat" cmpd="sng" algn="ctr">
+                      <a:solidFill>
+                        <a:schemeClr val="tx1"/>
+                      </a:solidFill>
+                      <a:prstDash val="solid"/>
+                      <a:round/>
+                      <a:headEnd type="none" w="med" len="med"/>
+                      <a:tailEnd type="none" w="med" len="med"/>
+                    </a:lnB>
+                  </a:tcPr>
+                </a:tc>
+                <a:tc>
+                  <a:txBody>
+                    <a:bodyPr/>
+                    <a:lstStyle/>
+                    <a:p>
+                      <a:pPr algn="ctr"/>
+                      <a:r>
+                        <a:rPr lang="en-US" sz="1200" b="0">
+                          <a:effectLst/>
+                        </a:rPr>
+                        <a:t>One-wire</a:t>
+                      </a:r>
+                    </a:p>
+                  </a:txBody>
+                  <a:tcPr marL="22155" marR="22155" marT="22155" marB="22155" anchor="ctr">
+                    <a:lnL w="12700" cap="flat" cmpd="sng" algn="ctr">
+                      <a:solidFill>
+                        <a:schemeClr val="tx1"/>
+                      </a:solidFill>
+                      <a:prstDash val="solid"/>
+                      <a:round/>
+                      <a:headEnd type="none" w="med" len="med"/>
+                      <a:tailEnd type="none" w="med" len="med"/>
+                    </a:lnL>
+                    <a:lnR w="12700" cap="flat" cmpd="sng" algn="ctr">
+                      <a:solidFill>
+                        <a:schemeClr val="tx1"/>
+                      </a:solidFill>
+                      <a:prstDash val="solid"/>
+                      <a:round/>
+                      <a:headEnd type="none" w="med" len="med"/>
+                      <a:tailEnd type="none" w="med" len="med"/>
+                    </a:lnR>
+                    <a:lnT w="12700" cap="flat" cmpd="sng" algn="ctr">
+                      <a:solidFill>
+                        <a:schemeClr val="tx1"/>
+                      </a:solidFill>
+                      <a:prstDash val="solid"/>
+                      <a:round/>
+                      <a:headEnd type="none" w="med" len="med"/>
+                      <a:tailEnd type="none" w="med" len="med"/>
+                    </a:lnT>
+                    <a:lnB w="12700" cap="flat" cmpd="sng" algn="ctr">
+                      <a:solidFill>
+                        <a:schemeClr val="tx1"/>
+                      </a:solidFill>
+                      <a:prstDash val="solid"/>
+                      <a:round/>
+                      <a:headEnd type="none" w="med" len="med"/>
+                      <a:tailEnd type="none" w="med" len="med"/>
+                    </a:lnB>
+                  </a:tcPr>
+                </a:tc>
+                <a:tc>
+                  <a:txBody>
+                    <a:bodyPr/>
+                    <a:lstStyle/>
+                    <a:p>
+                      <a:pPr algn="ctr"/>
+                      <a:r>
+                        <a:rPr lang="en-US" sz="1200" b="0">
+                          <a:effectLst/>
+                        </a:rPr>
+                        <a:t>I2C</a:t>
+                      </a:r>
+                      <a:br>
+                        <a:rPr lang="en-US" sz="1200" b="0">
+                          <a:effectLst/>
+                        </a:rPr>
+                      </a:br>
+                      <a:r>
+                        <a:rPr lang="en-US" sz="1200" b="0">
+                          <a:effectLst/>
+                        </a:rPr>
+                        <a:t>SPI</a:t>
+                      </a:r>
+                    </a:p>
+                  </a:txBody>
+                  <a:tcPr marL="22155" marR="22155" marT="22155" marB="22155" anchor="ctr">
+                    <a:lnL w="12700" cap="flat" cmpd="sng" algn="ctr">
+                      <a:solidFill>
+                        <a:schemeClr val="tx1"/>
+                      </a:solidFill>
+                      <a:prstDash val="solid"/>
+                      <a:round/>
+                      <a:headEnd type="none" w="med" len="med"/>
+                      <a:tailEnd type="none" w="med" len="med"/>
+                    </a:lnL>
+                    <a:lnR w="12700" cap="flat" cmpd="sng" algn="ctr">
+                      <a:solidFill>
+                        <a:schemeClr val="tx1"/>
+                      </a:solidFill>
+                      <a:prstDash val="solid"/>
+                      <a:round/>
+                      <a:headEnd type="none" w="med" len="med"/>
+                      <a:tailEnd type="none" w="med" len="med"/>
+                    </a:lnR>
+                    <a:lnT w="12700" cap="flat" cmpd="sng" algn="ctr">
+                      <a:solidFill>
+                        <a:schemeClr val="tx1"/>
+                      </a:solidFill>
+                      <a:prstDash val="solid"/>
+                      <a:round/>
+                      <a:headEnd type="none" w="med" len="med"/>
+                      <a:tailEnd type="none" w="med" len="med"/>
+                    </a:lnT>
+                    <a:lnB w="12700" cap="flat" cmpd="sng" algn="ctr">
+                      <a:solidFill>
+                        <a:schemeClr val="tx1"/>
+                      </a:solidFill>
+                      <a:prstDash val="solid"/>
+                      <a:round/>
+                      <a:headEnd type="none" w="med" len="med"/>
+                      <a:tailEnd type="none" w="med" len="med"/>
+                    </a:lnB>
+                  </a:tcPr>
+                </a:tc>
+                <a:tc>
+                  <a:txBody>
+                    <a:bodyPr/>
+                    <a:lstStyle/>
+                    <a:p>
+                      <a:pPr algn="ctr"/>
+                      <a:r>
+                        <a:rPr lang="en-US" sz="1200" b="0" dirty="0">
+                          <a:effectLst/>
+                        </a:rPr>
+                        <a:t>I2C</a:t>
+                      </a:r>
+                    </a:p>
+                  </a:txBody>
+                  <a:tcPr marL="22155" marR="22155" marT="22155" marB="22155" anchor="ctr">
+                    <a:lnL w="12700" cap="flat" cmpd="sng" algn="ctr">
+                      <a:solidFill>
+                        <a:schemeClr val="tx1"/>
+                      </a:solidFill>
+                      <a:prstDash val="solid"/>
+                      <a:round/>
+                      <a:headEnd type="none" w="med" len="med"/>
+                      <a:tailEnd type="none" w="med" len="med"/>
+                    </a:lnL>
+                    <a:lnR w="12700" cap="flat" cmpd="sng" algn="ctr">
+                      <a:solidFill>
+                        <a:schemeClr val="tx1"/>
+                      </a:solidFill>
+                      <a:prstDash val="solid"/>
+                      <a:round/>
+                      <a:headEnd type="none" w="med" len="med"/>
+                      <a:tailEnd type="none" w="med" len="med"/>
+                    </a:lnR>
+                    <a:lnT w="12700" cap="flat" cmpd="sng" algn="ctr">
+                      <a:solidFill>
+                        <a:schemeClr val="tx1"/>
+                      </a:solidFill>
+                      <a:prstDash val="solid"/>
+                      <a:round/>
+                      <a:headEnd type="none" w="med" len="med"/>
+                      <a:tailEnd type="none" w="med" len="med"/>
+                    </a:lnT>
+                    <a:lnB w="12700" cap="flat" cmpd="sng" algn="ctr">
+                      <a:solidFill>
+                        <a:schemeClr val="tx1"/>
+                      </a:solidFill>
+                      <a:prstDash val="solid"/>
+                      <a:round/>
+                      <a:headEnd type="none" w="med" len="med"/>
+                      <a:tailEnd type="none" w="med" len="med"/>
+                    </a:lnB>
+                  </a:tcPr>
+                </a:tc>
+                <a:extLst>
+                  <a:ext uri="{0D108BD9-81ED-4DB2-BD59-A6C34878D82A}">
+                    <a16:rowId xmlns:a16="http://schemas.microsoft.com/office/drawing/2014/main" val="4290799836"/>
+                  </a:ext>
+                </a:extLst>
+              </a:tr>
+              <a:tr h="440055">
+                <a:tc>
+                  <a:txBody>
+                    <a:bodyPr/>
+                    <a:lstStyle/>
+                    <a:p>
+                      <a:pPr algn="ctr"/>
+                      <a:r>
+                        <a:rPr lang="en-US" sz="1200" b="1">
+                          <a:effectLst/>
+                        </a:rPr>
+                        <a:t>Supply</a:t>
+                      </a:r>
+                      <a:br>
+                        <a:rPr lang="en-US" sz="1200" b="1">
+                          <a:effectLst/>
+                        </a:rPr>
+                      </a:br>
+                      <a:r>
+                        <a:rPr lang="en-US" sz="1200" b="1">
+                          <a:effectLst/>
+                        </a:rPr>
+                        <a:t>voltage</a:t>
+                      </a:r>
+                      <a:endParaRPr lang="en-US" sz="1200" b="0">
+                        <a:effectLst/>
+                      </a:endParaRPr>
+                    </a:p>
+                  </a:txBody>
+                  <a:tcPr marL="22155" marR="22155" marT="22155" marB="22155" anchor="ctr">
+                    <a:lnL w="12700" cap="flat" cmpd="sng" algn="ctr">
+                      <a:solidFill>
+                        <a:schemeClr val="tx1"/>
+                      </a:solidFill>
+                      <a:prstDash val="solid"/>
+                      <a:round/>
+                      <a:headEnd type="none" w="med" len="med"/>
+                      <a:tailEnd type="none" w="med" len="med"/>
+                    </a:lnL>
+                    <a:lnR w="12700" cap="flat" cmpd="sng" algn="ctr">
+                      <a:solidFill>
+                        <a:schemeClr val="tx1"/>
+                      </a:solidFill>
+                      <a:prstDash val="solid"/>
+                      <a:round/>
+                      <a:headEnd type="none" w="med" len="med"/>
+                      <a:tailEnd type="none" w="med" len="med"/>
+                    </a:lnR>
+                    <a:lnT w="12700" cap="flat" cmpd="sng" algn="ctr">
+                      <a:solidFill>
+                        <a:schemeClr val="tx1"/>
+                      </a:solidFill>
+                      <a:prstDash val="solid"/>
+                      <a:round/>
+                      <a:headEnd type="none" w="med" len="med"/>
+                      <a:tailEnd type="none" w="med" len="med"/>
+                    </a:lnT>
+                    <a:lnB w="12700" cap="flat" cmpd="sng" algn="ctr">
+                      <a:solidFill>
+                        <a:schemeClr val="tx1"/>
+                      </a:solidFill>
+                      <a:prstDash val="solid"/>
+                      <a:round/>
+                      <a:headEnd type="none" w="med" len="med"/>
+                      <a:tailEnd type="none" w="med" len="med"/>
+                    </a:lnB>
+                  </a:tcPr>
+                </a:tc>
+                <a:tc>
+                  <a:txBody>
+                    <a:bodyPr/>
+                    <a:lstStyle/>
+                    <a:p>
+                      <a:pPr algn="ctr"/>
+                      <a:r>
+                        <a:rPr lang="en-US" sz="1200" b="0">
+                          <a:effectLst/>
+                        </a:rPr>
+                        <a:t>3 to 5.5V DC</a:t>
+                      </a:r>
+                    </a:p>
+                  </a:txBody>
+                  <a:tcPr marL="22155" marR="22155" marT="22155" marB="22155" anchor="ctr">
+                    <a:lnL w="12700" cap="flat" cmpd="sng" algn="ctr">
+                      <a:solidFill>
+                        <a:schemeClr val="tx1"/>
+                      </a:solidFill>
+                      <a:prstDash val="solid"/>
+                      <a:round/>
+                      <a:headEnd type="none" w="med" len="med"/>
+                      <a:tailEnd type="none" w="med" len="med"/>
+                    </a:lnL>
+                    <a:lnR w="12700" cap="flat" cmpd="sng" algn="ctr">
+                      <a:solidFill>
+                        <a:schemeClr val="tx1"/>
+                      </a:solidFill>
+                      <a:prstDash val="solid"/>
+                      <a:round/>
+                      <a:headEnd type="none" w="med" len="med"/>
+                      <a:tailEnd type="none" w="med" len="med"/>
+                    </a:lnR>
+                    <a:lnT w="12700" cap="flat" cmpd="sng" algn="ctr">
+                      <a:solidFill>
+                        <a:schemeClr val="tx1"/>
+                      </a:solidFill>
+                      <a:prstDash val="solid"/>
+                      <a:round/>
+                      <a:headEnd type="none" w="med" len="med"/>
+                      <a:tailEnd type="none" w="med" len="med"/>
+                    </a:lnT>
+                    <a:lnB w="12700" cap="flat" cmpd="sng" algn="ctr">
+                      <a:solidFill>
+                        <a:schemeClr val="tx1"/>
+                      </a:solidFill>
+                      <a:prstDash val="solid"/>
+                      <a:round/>
+                      <a:headEnd type="none" w="med" len="med"/>
+                      <a:tailEnd type="none" w="med" len="med"/>
+                    </a:lnB>
+                  </a:tcPr>
+                </a:tc>
+                <a:tc>
+                  <a:txBody>
+                    <a:bodyPr/>
+                    <a:lstStyle/>
+                    <a:p>
+                      <a:pPr algn="ctr"/>
+                      <a:r>
+                        <a:rPr lang="en-US" sz="1200" b="0">
+                          <a:effectLst/>
+                        </a:rPr>
+                        <a:t>3 to 6V DC</a:t>
+                      </a:r>
+                    </a:p>
+                  </a:txBody>
+                  <a:tcPr marL="22155" marR="22155" marT="22155" marB="22155" anchor="ctr">
+                    <a:lnL w="12700" cap="flat" cmpd="sng" algn="ctr">
+                      <a:solidFill>
+                        <a:schemeClr val="tx1"/>
+                      </a:solidFill>
+                      <a:prstDash val="solid"/>
+                      <a:round/>
+                      <a:headEnd type="none" w="med" len="med"/>
+                      <a:tailEnd type="none" w="med" len="med"/>
+                    </a:lnL>
+                    <a:lnR w="12700" cap="flat" cmpd="sng" algn="ctr">
+                      <a:solidFill>
+                        <a:schemeClr val="tx1"/>
+                      </a:solidFill>
+                      <a:prstDash val="solid"/>
+                      <a:round/>
+                      <a:headEnd type="none" w="med" len="med"/>
+                      <a:tailEnd type="none" w="med" len="med"/>
+                    </a:lnR>
+                    <a:lnT w="12700" cap="flat" cmpd="sng" algn="ctr">
+                      <a:solidFill>
+                        <a:schemeClr val="tx1"/>
+                      </a:solidFill>
+                      <a:prstDash val="solid"/>
+                      <a:round/>
+                      <a:headEnd type="none" w="med" len="med"/>
+                      <a:tailEnd type="none" w="med" len="med"/>
+                    </a:lnT>
+                    <a:lnB w="12700" cap="flat" cmpd="sng" algn="ctr">
+                      <a:solidFill>
+                        <a:schemeClr val="tx1"/>
+                      </a:solidFill>
+                      <a:prstDash val="solid"/>
+                      <a:round/>
+                      <a:headEnd type="none" w="med" len="med"/>
+                      <a:tailEnd type="none" w="med" len="med"/>
+                    </a:lnB>
+                  </a:tcPr>
+                </a:tc>
+                <a:tc>
+                  <a:txBody>
+                    <a:bodyPr/>
+                    <a:lstStyle/>
+                    <a:p>
+                      <a:pPr algn="ctr"/>
+                      <a:r>
+                        <a:rPr lang="en-US" sz="1200" b="0" dirty="0">
+                          <a:effectLst/>
+                        </a:rPr>
+                        <a:t>4 to 30 V DC</a:t>
+                      </a:r>
+                    </a:p>
+                  </a:txBody>
+                  <a:tcPr marL="22155" marR="22155" marT="22155" marB="22155" anchor="ctr">
+                    <a:lnL w="12700" cap="flat" cmpd="sng" algn="ctr">
+                      <a:solidFill>
+                        <a:schemeClr val="tx1"/>
+                      </a:solidFill>
+                      <a:prstDash val="solid"/>
+                      <a:round/>
+                      <a:headEnd type="none" w="med" len="med"/>
+                      <a:tailEnd type="none" w="med" len="med"/>
+                    </a:lnL>
+                    <a:lnR w="12700" cap="flat" cmpd="sng" algn="ctr">
+                      <a:solidFill>
+                        <a:schemeClr val="tx1"/>
+                      </a:solidFill>
+                      <a:prstDash val="solid"/>
+                      <a:round/>
+                      <a:headEnd type="none" w="med" len="med"/>
+                      <a:tailEnd type="none" w="med" len="med"/>
+                    </a:lnR>
+                    <a:lnT w="12700" cap="flat" cmpd="sng" algn="ctr">
+                      <a:solidFill>
+                        <a:schemeClr val="tx1"/>
+                      </a:solidFill>
+                      <a:prstDash val="solid"/>
+                      <a:round/>
+                      <a:headEnd type="none" w="med" len="med"/>
+                      <a:tailEnd type="none" w="med" len="med"/>
+                    </a:lnT>
+                    <a:lnB w="12700" cap="flat" cmpd="sng" algn="ctr">
+                      <a:solidFill>
+                        <a:schemeClr val="tx1"/>
+                      </a:solidFill>
+                      <a:prstDash val="solid"/>
+                      <a:round/>
+                      <a:headEnd type="none" w="med" len="med"/>
+                      <a:tailEnd type="none" w="med" len="med"/>
+                    </a:lnB>
+                  </a:tcPr>
+                </a:tc>
+                <a:tc>
+                  <a:txBody>
+                    <a:bodyPr/>
+                    <a:lstStyle/>
+                    <a:p>
+                      <a:pPr algn="ctr"/>
+                      <a:r>
+                        <a:rPr lang="en-US" sz="1200" b="0">
+                          <a:effectLst/>
+                        </a:rPr>
+                        <a:t>3 to 5.5V DC</a:t>
+                      </a:r>
+                    </a:p>
+                  </a:txBody>
+                  <a:tcPr marL="22155" marR="22155" marT="22155" marB="22155" anchor="ctr">
+                    <a:lnL w="12700" cap="flat" cmpd="sng" algn="ctr">
+                      <a:solidFill>
+                        <a:schemeClr val="tx1"/>
+                      </a:solidFill>
+                      <a:prstDash val="solid"/>
+                      <a:round/>
+                      <a:headEnd type="none" w="med" len="med"/>
+                      <a:tailEnd type="none" w="med" len="med"/>
+                    </a:lnL>
+                    <a:lnR w="12700" cap="flat" cmpd="sng" algn="ctr">
+                      <a:solidFill>
+                        <a:schemeClr val="tx1"/>
+                      </a:solidFill>
+                      <a:prstDash val="solid"/>
+                      <a:round/>
+                      <a:headEnd type="none" w="med" len="med"/>
+                      <a:tailEnd type="none" w="med" len="med"/>
+                    </a:lnR>
+                    <a:lnT w="12700" cap="flat" cmpd="sng" algn="ctr">
+                      <a:solidFill>
+                        <a:schemeClr val="tx1"/>
+                      </a:solidFill>
+                      <a:prstDash val="solid"/>
+                      <a:round/>
+                      <a:headEnd type="none" w="med" len="med"/>
+                      <a:tailEnd type="none" w="med" len="med"/>
+                    </a:lnT>
+                    <a:lnB w="12700" cap="flat" cmpd="sng" algn="ctr">
+                      <a:solidFill>
+                        <a:schemeClr val="tx1"/>
+                      </a:solidFill>
+                      <a:prstDash val="solid"/>
+                      <a:round/>
+                      <a:headEnd type="none" w="med" len="med"/>
+                      <a:tailEnd type="none" w="med" len="med"/>
+                    </a:lnB>
+                  </a:tcPr>
+                </a:tc>
+                <a:tc>
+                  <a:txBody>
+                    <a:bodyPr/>
+                    <a:lstStyle/>
+                    <a:p>
+                      <a:pPr algn="ctr"/>
+                      <a:r>
+                        <a:rPr lang="en-SG" sz="1200" b="0">
+                          <a:effectLst/>
+                        </a:rPr>
+                        <a:t>1.7 to 3.6V (for the chip) 3.3 to 5V for the board</a:t>
+                      </a:r>
+                    </a:p>
+                  </a:txBody>
+                  <a:tcPr marL="22155" marR="22155" marT="22155" marB="22155" anchor="ctr">
+                    <a:lnL w="12700" cap="flat" cmpd="sng" algn="ctr">
+                      <a:solidFill>
+                        <a:schemeClr val="tx1"/>
+                      </a:solidFill>
+                      <a:prstDash val="solid"/>
+                      <a:round/>
+                      <a:headEnd type="none" w="med" len="med"/>
+                      <a:tailEnd type="none" w="med" len="med"/>
+                    </a:lnL>
+                    <a:lnR w="12700" cap="flat" cmpd="sng" algn="ctr">
+                      <a:solidFill>
+                        <a:schemeClr val="tx1"/>
+                      </a:solidFill>
+                      <a:prstDash val="solid"/>
+                      <a:round/>
+                      <a:headEnd type="none" w="med" len="med"/>
+                      <a:tailEnd type="none" w="med" len="med"/>
+                    </a:lnR>
+                    <a:lnT w="12700" cap="flat" cmpd="sng" algn="ctr">
+                      <a:solidFill>
+                        <a:schemeClr val="tx1"/>
+                      </a:solidFill>
+                      <a:prstDash val="solid"/>
+                      <a:round/>
+                      <a:headEnd type="none" w="med" len="med"/>
+                      <a:tailEnd type="none" w="med" len="med"/>
+                    </a:lnT>
+                    <a:lnB w="12700" cap="flat" cmpd="sng" algn="ctr">
+                      <a:solidFill>
+                        <a:schemeClr val="tx1"/>
+                      </a:solidFill>
+                      <a:prstDash val="solid"/>
+                      <a:round/>
+                      <a:headEnd type="none" w="med" len="med"/>
+                      <a:tailEnd type="none" w="med" len="med"/>
+                    </a:lnB>
+                  </a:tcPr>
+                </a:tc>
+                <a:tc>
+                  <a:txBody>
+                    <a:bodyPr/>
+                    <a:lstStyle/>
+                    <a:p>
+                      <a:pPr algn="ctr"/>
+                      <a:r>
+                        <a:rPr lang="en-SG" sz="1200" b="0" dirty="0">
+                          <a:effectLst/>
+                        </a:rPr>
+                        <a:t>1.8 to 3.6V (for the chip) 3.3 to 5V for the board</a:t>
+                      </a:r>
+                    </a:p>
+                  </a:txBody>
+                  <a:tcPr marL="22155" marR="22155" marT="22155" marB="22155" anchor="ctr">
+                    <a:lnL w="12700" cap="flat" cmpd="sng" algn="ctr">
+                      <a:solidFill>
+                        <a:schemeClr val="tx1"/>
+                      </a:solidFill>
+                      <a:prstDash val="solid"/>
+                      <a:round/>
+                      <a:headEnd type="none" w="med" len="med"/>
+                      <a:tailEnd type="none" w="med" len="med"/>
+                    </a:lnL>
+                    <a:lnR w="12700" cap="flat" cmpd="sng" algn="ctr">
+                      <a:solidFill>
+                        <a:schemeClr val="tx1"/>
+                      </a:solidFill>
+                      <a:prstDash val="solid"/>
+                      <a:round/>
+                      <a:headEnd type="none" w="med" len="med"/>
+                      <a:tailEnd type="none" w="med" len="med"/>
+                    </a:lnR>
+                    <a:lnT w="12700" cap="flat" cmpd="sng" algn="ctr">
+                      <a:solidFill>
+                        <a:schemeClr val="tx1"/>
+                      </a:solidFill>
+                      <a:prstDash val="solid"/>
+                      <a:round/>
+                      <a:headEnd type="none" w="med" len="med"/>
+                      <a:tailEnd type="none" w="med" len="med"/>
+                    </a:lnT>
+                    <a:lnB w="12700" cap="flat" cmpd="sng" algn="ctr">
+                      <a:solidFill>
+                        <a:schemeClr val="tx1"/>
+                      </a:solidFill>
+                      <a:prstDash val="solid"/>
+                      <a:round/>
+                      <a:headEnd type="none" w="med" len="med"/>
+                      <a:tailEnd type="none" w="med" len="med"/>
+                    </a:lnB>
+                  </a:tcPr>
+                </a:tc>
+                <a:extLst>
+                  <a:ext uri="{0D108BD9-81ED-4DB2-BD59-A6C34878D82A}">
+                    <a16:rowId xmlns:a16="http://schemas.microsoft.com/office/drawing/2014/main" val="4003136392"/>
+                  </a:ext>
+                </a:extLst>
+              </a:tr>
+              <a:tr h="440055">
+                <a:tc>
+                  <a:txBody>
+                    <a:bodyPr/>
+                    <a:lstStyle/>
+                    <a:p>
+                      <a:pPr algn="ctr"/>
+                      <a:r>
+                        <a:rPr lang="en-US" sz="1200" b="1">
+                          <a:effectLst/>
+                        </a:rPr>
+                        <a:t>Temperature</a:t>
+                      </a:r>
+                      <a:br>
+                        <a:rPr lang="en-US" sz="1200" b="1">
+                          <a:effectLst/>
+                        </a:rPr>
+                      </a:br>
+                      <a:r>
+                        <a:rPr lang="en-US" sz="1200" b="1">
+                          <a:effectLst/>
+                        </a:rPr>
+                        <a:t>range</a:t>
+                      </a:r>
+                      <a:endParaRPr lang="en-US" sz="1200" b="0">
+                        <a:effectLst/>
+                      </a:endParaRPr>
+                    </a:p>
+                  </a:txBody>
+                  <a:tcPr marL="22155" marR="22155" marT="22155" marB="22155" anchor="ctr">
+                    <a:lnL w="12700" cap="flat" cmpd="sng" algn="ctr">
+                      <a:solidFill>
+                        <a:schemeClr val="tx1"/>
+                      </a:solidFill>
+                      <a:prstDash val="solid"/>
+                      <a:round/>
+                      <a:headEnd type="none" w="med" len="med"/>
+                      <a:tailEnd type="none" w="med" len="med"/>
+                    </a:lnL>
+                    <a:lnR w="12700" cap="flat" cmpd="sng" algn="ctr">
+                      <a:solidFill>
+                        <a:schemeClr val="tx1"/>
+                      </a:solidFill>
+                      <a:prstDash val="solid"/>
+                      <a:round/>
+                      <a:headEnd type="none" w="med" len="med"/>
+                      <a:tailEnd type="none" w="med" len="med"/>
+                    </a:lnR>
+                    <a:lnT w="12700" cap="flat" cmpd="sng" algn="ctr">
+                      <a:solidFill>
+                        <a:schemeClr val="tx1"/>
+                      </a:solidFill>
+                      <a:prstDash val="solid"/>
+                      <a:round/>
+                      <a:headEnd type="none" w="med" len="med"/>
+                      <a:tailEnd type="none" w="med" len="med"/>
+                    </a:lnT>
+                    <a:lnB w="12700" cap="flat" cmpd="sng" algn="ctr">
+                      <a:solidFill>
+                        <a:schemeClr val="tx1"/>
+                      </a:solidFill>
+                      <a:prstDash val="solid"/>
+                      <a:round/>
+                      <a:headEnd type="none" w="med" len="med"/>
+                      <a:tailEnd type="none" w="med" len="med"/>
+                    </a:lnB>
+                  </a:tcPr>
+                </a:tc>
+                <a:tc>
+                  <a:txBody>
+                    <a:bodyPr/>
+                    <a:lstStyle/>
+                    <a:p>
+                      <a:pPr algn="ctr"/>
+                      <a:r>
+                        <a:rPr lang="en-US" sz="1200" b="0">
+                          <a:effectLst/>
+                        </a:rPr>
+                        <a:t>0 to 50ºC</a:t>
+                      </a:r>
+                    </a:p>
+                  </a:txBody>
+                  <a:tcPr marL="22155" marR="22155" marT="22155" marB="22155" anchor="ctr">
+                    <a:lnL w="12700" cap="flat" cmpd="sng" algn="ctr">
+                      <a:solidFill>
+                        <a:schemeClr val="tx1"/>
+                      </a:solidFill>
+                      <a:prstDash val="solid"/>
+                      <a:round/>
+                      <a:headEnd type="none" w="med" len="med"/>
+                      <a:tailEnd type="none" w="med" len="med"/>
+                    </a:lnL>
+                    <a:lnR w="12700" cap="flat" cmpd="sng" algn="ctr">
+                      <a:solidFill>
+                        <a:schemeClr val="tx1"/>
+                      </a:solidFill>
+                      <a:prstDash val="solid"/>
+                      <a:round/>
+                      <a:headEnd type="none" w="med" len="med"/>
+                      <a:tailEnd type="none" w="med" len="med"/>
+                    </a:lnR>
+                    <a:lnT w="12700" cap="flat" cmpd="sng" algn="ctr">
+                      <a:solidFill>
+                        <a:schemeClr val="tx1"/>
+                      </a:solidFill>
+                      <a:prstDash val="solid"/>
+                      <a:round/>
+                      <a:headEnd type="none" w="med" len="med"/>
+                      <a:tailEnd type="none" w="med" len="med"/>
+                    </a:lnT>
+                    <a:lnB w="12700" cap="flat" cmpd="sng" algn="ctr">
+                      <a:solidFill>
+                        <a:schemeClr val="tx1"/>
+                      </a:solidFill>
+                      <a:prstDash val="solid"/>
+                      <a:round/>
+                      <a:headEnd type="none" w="med" len="med"/>
+                      <a:tailEnd type="none" w="med" len="med"/>
+                    </a:lnB>
+                  </a:tcPr>
+                </a:tc>
+                <a:tc>
+                  <a:txBody>
+                    <a:bodyPr/>
+                    <a:lstStyle/>
+                    <a:p>
+                      <a:pPr algn="ctr"/>
+                      <a:r>
+                        <a:rPr lang="en-US" sz="1200" b="0">
+                          <a:effectLst/>
+                        </a:rPr>
+                        <a:t>-40 to 80ºC</a:t>
+                      </a:r>
+                    </a:p>
+                  </a:txBody>
+                  <a:tcPr marL="22155" marR="22155" marT="22155" marB="22155" anchor="ctr">
+                    <a:lnL w="12700" cap="flat" cmpd="sng" algn="ctr">
+                      <a:solidFill>
+                        <a:schemeClr val="tx1"/>
+                      </a:solidFill>
+                      <a:prstDash val="solid"/>
+                      <a:round/>
+                      <a:headEnd type="none" w="med" len="med"/>
+                      <a:tailEnd type="none" w="med" len="med"/>
+                    </a:lnL>
+                    <a:lnR w="12700" cap="flat" cmpd="sng" algn="ctr">
+                      <a:solidFill>
+                        <a:schemeClr val="tx1"/>
+                      </a:solidFill>
+                      <a:prstDash val="solid"/>
+                      <a:round/>
+                      <a:headEnd type="none" w="med" len="med"/>
+                      <a:tailEnd type="none" w="med" len="med"/>
+                    </a:lnR>
+                    <a:lnT w="12700" cap="flat" cmpd="sng" algn="ctr">
+                      <a:solidFill>
+                        <a:schemeClr val="tx1"/>
+                      </a:solidFill>
+                      <a:prstDash val="solid"/>
+                      <a:round/>
+                      <a:headEnd type="none" w="med" len="med"/>
+                      <a:tailEnd type="none" w="med" len="med"/>
+                    </a:lnT>
+                    <a:lnB w="12700" cap="flat" cmpd="sng" algn="ctr">
+                      <a:solidFill>
+                        <a:schemeClr val="tx1"/>
+                      </a:solidFill>
+                      <a:prstDash val="solid"/>
+                      <a:round/>
+                      <a:headEnd type="none" w="med" len="med"/>
+                      <a:tailEnd type="none" w="med" len="med"/>
+                    </a:lnB>
+                  </a:tcPr>
+                </a:tc>
+                <a:tc>
+                  <a:txBody>
+                    <a:bodyPr/>
+                    <a:lstStyle/>
+                    <a:p>
+                      <a:pPr algn="ctr"/>
+                      <a:r>
+                        <a:rPr lang="en-US" sz="1200" b="0">
+                          <a:effectLst/>
+                        </a:rPr>
+                        <a:t>-55 to 150ºC</a:t>
+                      </a:r>
+                    </a:p>
+                  </a:txBody>
+                  <a:tcPr marL="22155" marR="22155" marT="22155" marB="22155" anchor="ctr">
+                    <a:lnL w="12700" cap="flat" cmpd="sng" algn="ctr">
+                      <a:solidFill>
+                        <a:schemeClr val="tx1"/>
+                      </a:solidFill>
+                      <a:prstDash val="solid"/>
+                      <a:round/>
+                      <a:headEnd type="none" w="med" len="med"/>
+                      <a:tailEnd type="none" w="med" len="med"/>
+                    </a:lnL>
+                    <a:lnR w="12700" cap="flat" cmpd="sng" algn="ctr">
+                      <a:solidFill>
+                        <a:schemeClr val="tx1"/>
+                      </a:solidFill>
+                      <a:prstDash val="solid"/>
+                      <a:round/>
+                      <a:headEnd type="none" w="med" len="med"/>
+                      <a:tailEnd type="none" w="med" len="med"/>
+                    </a:lnR>
+                    <a:lnT w="12700" cap="flat" cmpd="sng" algn="ctr">
+                      <a:solidFill>
+                        <a:schemeClr val="tx1"/>
+                      </a:solidFill>
+                      <a:prstDash val="solid"/>
+                      <a:round/>
+                      <a:headEnd type="none" w="med" len="med"/>
+                      <a:tailEnd type="none" w="med" len="med"/>
+                    </a:lnT>
+                    <a:lnB w="12700" cap="flat" cmpd="sng" algn="ctr">
+                      <a:solidFill>
+                        <a:schemeClr val="tx1"/>
+                      </a:solidFill>
+                      <a:prstDash val="solid"/>
+                      <a:round/>
+                      <a:headEnd type="none" w="med" len="med"/>
+                      <a:tailEnd type="none" w="med" len="med"/>
+                    </a:lnB>
+                  </a:tcPr>
+                </a:tc>
+                <a:tc>
+                  <a:txBody>
+                    <a:bodyPr/>
+                    <a:lstStyle/>
+                    <a:p>
+                      <a:pPr algn="ctr"/>
+                      <a:r>
+                        <a:rPr lang="en-US" sz="1200" b="0" dirty="0">
+                          <a:effectLst/>
+                        </a:rPr>
+                        <a:t>-55 to 125ºC</a:t>
+                      </a:r>
+                    </a:p>
+                  </a:txBody>
+                  <a:tcPr marL="22155" marR="22155" marT="22155" marB="22155" anchor="ctr">
+                    <a:lnL w="12700" cap="flat" cmpd="sng" algn="ctr">
+                      <a:solidFill>
+                        <a:schemeClr val="tx1"/>
+                      </a:solidFill>
+                      <a:prstDash val="solid"/>
+                      <a:round/>
+                      <a:headEnd type="none" w="med" len="med"/>
+                      <a:tailEnd type="none" w="med" len="med"/>
+                    </a:lnL>
+                    <a:lnR w="12700" cap="flat" cmpd="sng" algn="ctr">
+                      <a:solidFill>
+                        <a:schemeClr val="tx1"/>
+                      </a:solidFill>
+                      <a:prstDash val="solid"/>
+                      <a:round/>
+                      <a:headEnd type="none" w="med" len="med"/>
+                      <a:tailEnd type="none" w="med" len="med"/>
+                    </a:lnR>
+                    <a:lnT w="12700" cap="flat" cmpd="sng" algn="ctr">
+                      <a:solidFill>
+                        <a:schemeClr val="tx1"/>
+                      </a:solidFill>
+                      <a:prstDash val="solid"/>
+                      <a:round/>
+                      <a:headEnd type="none" w="med" len="med"/>
+                      <a:tailEnd type="none" w="med" len="med"/>
+                    </a:lnT>
+                    <a:lnB w="12700" cap="flat" cmpd="sng" algn="ctr">
+                      <a:solidFill>
+                        <a:schemeClr val="tx1"/>
+                      </a:solidFill>
+                      <a:prstDash val="solid"/>
+                      <a:round/>
+                      <a:headEnd type="none" w="med" len="med"/>
+                      <a:tailEnd type="none" w="med" len="med"/>
+                    </a:lnB>
+                  </a:tcPr>
+                </a:tc>
+                <a:tc>
+                  <a:txBody>
+                    <a:bodyPr/>
+                    <a:lstStyle/>
+                    <a:p>
+                      <a:pPr algn="ctr"/>
+                      <a:r>
+                        <a:rPr lang="en-US" sz="1200" b="0">
+                          <a:effectLst/>
+                        </a:rPr>
+                        <a:t>-40 to 85ºC</a:t>
+                      </a:r>
+                    </a:p>
+                  </a:txBody>
+                  <a:tcPr marL="22155" marR="22155" marT="22155" marB="22155" anchor="ctr">
+                    <a:lnL w="12700" cap="flat" cmpd="sng" algn="ctr">
+                      <a:solidFill>
+                        <a:schemeClr val="tx1"/>
+                      </a:solidFill>
+                      <a:prstDash val="solid"/>
+                      <a:round/>
+                      <a:headEnd type="none" w="med" len="med"/>
+                      <a:tailEnd type="none" w="med" len="med"/>
+                    </a:lnL>
+                    <a:lnR w="12700" cap="flat" cmpd="sng" algn="ctr">
+                      <a:solidFill>
+                        <a:schemeClr val="tx1"/>
+                      </a:solidFill>
+                      <a:prstDash val="solid"/>
+                      <a:round/>
+                      <a:headEnd type="none" w="med" len="med"/>
+                      <a:tailEnd type="none" w="med" len="med"/>
+                    </a:lnR>
+                    <a:lnT w="12700" cap="flat" cmpd="sng" algn="ctr">
+                      <a:solidFill>
+                        <a:schemeClr val="tx1"/>
+                      </a:solidFill>
+                      <a:prstDash val="solid"/>
+                      <a:round/>
+                      <a:headEnd type="none" w="med" len="med"/>
+                      <a:tailEnd type="none" w="med" len="med"/>
+                    </a:lnT>
+                    <a:lnB w="12700" cap="flat" cmpd="sng" algn="ctr">
+                      <a:solidFill>
+                        <a:schemeClr val="tx1"/>
+                      </a:solidFill>
+                      <a:prstDash val="solid"/>
+                      <a:round/>
+                      <a:headEnd type="none" w="med" len="med"/>
+                      <a:tailEnd type="none" w="med" len="med"/>
+                    </a:lnB>
+                  </a:tcPr>
+                </a:tc>
+                <a:tc>
+                  <a:txBody>
+                    <a:bodyPr/>
+                    <a:lstStyle/>
+                    <a:p>
+                      <a:pPr algn="ctr"/>
+                      <a:r>
+                        <a:rPr lang="en-US" sz="1200" b="0" dirty="0">
+                          <a:effectLst/>
+                        </a:rPr>
+                        <a:t>0 to 65ºC</a:t>
+                      </a:r>
+                    </a:p>
+                  </a:txBody>
+                  <a:tcPr marL="22155" marR="22155" marT="22155" marB="22155" anchor="ctr">
+                    <a:lnL w="12700" cap="flat" cmpd="sng" algn="ctr">
+                      <a:solidFill>
+                        <a:schemeClr val="tx1"/>
+                      </a:solidFill>
+                      <a:prstDash val="solid"/>
+                      <a:round/>
+                      <a:headEnd type="none" w="med" len="med"/>
+                      <a:tailEnd type="none" w="med" len="med"/>
+                    </a:lnL>
+                    <a:lnR w="12700" cap="flat" cmpd="sng" algn="ctr">
+                      <a:solidFill>
+                        <a:schemeClr val="tx1"/>
+                      </a:solidFill>
+                      <a:prstDash val="solid"/>
+                      <a:round/>
+                      <a:headEnd type="none" w="med" len="med"/>
+                      <a:tailEnd type="none" w="med" len="med"/>
+                    </a:lnR>
+                    <a:lnT w="12700" cap="flat" cmpd="sng" algn="ctr">
+                      <a:solidFill>
+                        <a:schemeClr val="tx1"/>
+                      </a:solidFill>
+                      <a:prstDash val="solid"/>
+                      <a:round/>
+                      <a:headEnd type="none" w="med" len="med"/>
+                      <a:tailEnd type="none" w="med" len="med"/>
+                    </a:lnT>
+                    <a:lnB w="12700" cap="flat" cmpd="sng" algn="ctr">
+                      <a:solidFill>
+                        <a:schemeClr val="tx1"/>
+                      </a:solidFill>
+                      <a:prstDash val="solid"/>
+                      <a:round/>
+                      <a:headEnd type="none" w="med" len="med"/>
+                      <a:tailEnd type="none" w="med" len="med"/>
+                    </a:lnB>
+                  </a:tcPr>
+                </a:tc>
+                <a:extLst>
+                  <a:ext uri="{0D108BD9-81ED-4DB2-BD59-A6C34878D82A}">
+                    <a16:rowId xmlns:a16="http://schemas.microsoft.com/office/drawing/2014/main" val="2197052802"/>
+                  </a:ext>
+                </a:extLst>
+              </a:tr>
+              <a:tr h="440055">
+                <a:tc>
+                  <a:txBody>
+                    <a:bodyPr/>
+                    <a:lstStyle/>
+                    <a:p>
+                      <a:pPr algn="ctr"/>
+                      <a:r>
+                        <a:rPr lang="en-US" sz="1200" b="1">
+                          <a:effectLst/>
+                        </a:rPr>
+                        <a:t>Accuracy</a:t>
+                      </a:r>
+                      <a:endParaRPr lang="en-US" sz="1200" b="0">
+                        <a:effectLst/>
+                      </a:endParaRPr>
+                    </a:p>
+                  </a:txBody>
+                  <a:tcPr marL="22155" marR="22155" marT="22155" marB="22155" anchor="ctr">
+                    <a:lnL w="12700" cap="flat" cmpd="sng" algn="ctr">
+                      <a:solidFill>
+                        <a:schemeClr val="tx1"/>
+                      </a:solidFill>
+                      <a:prstDash val="solid"/>
+                      <a:round/>
+                      <a:headEnd type="none" w="med" len="med"/>
+                      <a:tailEnd type="none" w="med" len="med"/>
+                    </a:lnL>
+                    <a:lnR w="12700" cap="flat" cmpd="sng" algn="ctr">
+                      <a:solidFill>
+                        <a:schemeClr val="tx1"/>
+                      </a:solidFill>
+                      <a:prstDash val="solid"/>
+                      <a:round/>
+                      <a:headEnd type="none" w="med" len="med"/>
+                      <a:tailEnd type="none" w="med" len="med"/>
+                    </a:lnR>
+                    <a:lnT w="12700" cap="flat" cmpd="sng" algn="ctr">
+                      <a:solidFill>
+                        <a:schemeClr val="tx1"/>
+                      </a:solidFill>
+                      <a:prstDash val="solid"/>
+                      <a:round/>
+                      <a:headEnd type="none" w="med" len="med"/>
+                      <a:tailEnd type="none" w="med" len="med"/>
+                    </a:lnT>
+                    <a:lnB w="12700" cap="flat" cmpd="sng" algn="ctr">
+                      <a:solidFill>
+                        <a:schemeClr val="tx1"/>
+                      </a:solidFill>
+                      <a:prstDash val="solid"/>
+                      <a:round/>
+                      <a:headEnd type="none" w="med" len="med"/>
+                      <a:tailEnd type="none" w="med" len="med"/>
+                    </a:lnB>
+                  </a:tcPr>
+                </a:tc>
+                <a:tc>
+                  <a:txBody>
+                    <a:bodyPr/>
+                    <a:lstStyle/>
+                    <a:p>
+                      <a:pPr algn="ctr"/>
+                      <a:r>
+                        <a:rPr lang="en-US" sz="1200" b="0">
+                          <a:effectLst/>
+                        </a:rPr>
+                        <a:t>+/- 2ºC (at 0 to 50ºC)</a:t>
+                      </a:r>
+                    </a:p>
+                  </a:txBody>
+                  <a:tcPr marL="22155" marR="22155" marT="22155" marB="22155" anchor="ctr">
+                    <a:lnL w="12700" cap="flat" cmpd="sng" algn="ctr">
+                      <a:solidFill>
+                        <a:schemeClr val="tx1"/>
+                      </a:solidFill>
+                      <a:prstDash val="solid"/>
+                      <a:round/>
+                      <a:headEnd type="none" w="med" len="med"/>
+                      <a:tailEnd type="none" w="med" len="med"/>
+                    </a:lnL>
+                    <a:lnR w="12700" cap="flat" cmpd="sng" algn="ctr">
+                      <a:solidFill>
+                        <a:schemeClr val="tx1"/>
+                      </a:solidFill>
+                      <a:prstDash val="solid"/>
+                      <a:round/>
+                      <a:headEnd type="none" w="med" len="med"/>
+                      <a:tailEnd type="none" w="med" len="med"/>
+                    </a:lnR>
+                    <a:lnT w="12700" cap="flat" cmpd="sng" algn="ctr">
+                      <a:solidFill>
+                        <a:schemeClr val="tx1"/>
+                      </a:solidFill>
+                      <a:prstDash val="solid"/>
+                      <a:round/>
+                      <a:headEnd type="none" w="med" len="med"/>
+                      <a:tailEnd type="none" w="med" len="med"/>
+                    </a:lnT>
+                    <a:lnB w="12700" cap="flat" cmpd="sng" algn="ctr">
+                      <a:solidFill>
+                        <a:schemeClr val="tx1"/>
+                      </a:solidFill>
+                      <a:prstDash val="solid"/>
+                      <a:round/>
+                      <a:headEnd type="none" w="med" len="med"/>
+                      <a:tailEnd type="none" w="med" len="med"/>
+                    </a:lnB>
+                  </a:tcPr>
+                </a:tc>
+                <a:tc>
+                  <a:txBody>
+                    <a:bodyPr/>
+                    <a:lstStyle/>
+                    <a:p>
+                      <a:pPr algn="ctr"/>
+                      <a:r>
+                        <a:rPr lang="en-US" sz="1200" b="0">
+                          <a:effectLst/>
+                        </a:rPr>
+                        <a:t>+/- 0.5ºC (at -40 to 80ºC)</a:t>
+                      </a:r>
+                    </a:p>
+                  </a:txBody>
+                  <a:tcPr marL="22155" marR="22155" marT="22155" marB="22155" anchor="ctr">
+                    <a:lnL w="12700" cap="flat" cmpd="sng" algn="ctr">
+                      <a:solidFill>
+                        <a:schemeClr val="tx1"/>
+                      </a:solidFill>
+                      <a:prstDash val="solid"/>
+                      <a:round/>
+                      <a:headEnd type="none" w="med" len="med"/>
+                      <a:tailEnd type="none" w="med" len="med"/>
+                    </a:lnL>
+                    <a:lnR w="12700" cap="flat" cmpd="sng" algn="ctr">
+                      <a:solidFill>
+                        <a:schemeClr val="tx1"/>
+                      </a:solidFill>
+                      <a:prstDash val="solid"/>
+                      <a:round/>
+                      <a:headEnd type="none" w="med" len="med"/>
+                      <a:tailEnd type="none" w="med" len="med"/>
+                    </a:lnR>
+                    <a:lnT w="12700" cap="flat" cmpd="sng" algn="ctr">
+                      <a:solidFill>
+                        <a:schemeClr val="tx1"/>
+                      </a:solidFill>
+                      <a:prstDash val="solid"/>
+                      <a:round/>
+                      <a:headEnd type="none" w="med" len="med"/>
+                      <a:tailEnd type="none" w="med" len="med"/>
+                    </a:lnT>
+                    <a:lnB w="12700" cap="flat" cmpd="sng" algn="ctr">
+                      <a:solidFill>
+                        <a:schemeClr val="tx1"/>
+                      </a:solidFill>
+                      <a:prstDash val="solid"/>
+                      <a:round/>
+                      <a:headEnd type="none" w="med" len="med"/>
+                      <a:tailEnd type="none" w="med" len="med"/>
+                    </a:lnB>
+                  </a:tcPr>
+                </a:tc>
+                <a:tc>
+                  <a:txBody>
+                    <a:bodyPr/>
+                    <a:lstStyle/>
+                    <a:p>
+                      <a:pPr algn="ctr"/>
+                      <a:r>
+                        <a:rPr lang="en-US" sz="1200" b="0">
+                          <a:effectLst/>
+                        </a:rPr>
+                        <a:t>+/-0.5ºC (at 25ºC)</a:t>
+                      </a:r>
+                    </a:p>
+                  </a:txBody>
+                  <a:tcPr marL="22155" marR="22155" marT="22155" marB="22155" anchor="ctr">
+                    <a:lnL w="12700" cap="flat" cmpd="sng" algn="ctr">
+                      <a:solidFill>
+                        <a:schemeClr val="tx1"/>
+                      </a:solidFill>
+                      <a:prstDash val="solid"/>
+                      <a:round/>
+                      <a:headEnd type="none" w="med" len="med"/>
+                      <a:tailEnd type="none" w="med" len="med"/>
+                    </a:lnL>
+                    <a:lnR w="12700" cap="flat" cmpd="sng" algn="ctr">
+                      <a:solidFill>
+                        <a:schemeClr val="tx1"/>
+                      </a:solidFill>
+                      <a:prstDash val="solid"/>
+                      <a:round/>
+                      <a:headEnd type="none" w="med" len="med"/>
+                      <a:tailEnd type="none" w="med" len="med"/>
+                    </a:lnR>
+                    <a:lnT w="12700" cap="flat" cmpd="sng" algn="ctr">
+                      <a:solidFill>
+                        <a:schemeClr val="tx1"/>
+                      </a:solidFill>
+                      <a:prstDash val="solid"/>
+                      <a:round/>
+                      <a:headEnd type="none" w="med" len="med"/>
+                      <a:tailEnd type="none" w="med" len="med"/>
+                    </a:lnT>
+                    <a:lnB w="12700" cap="flat" cmpd="sng" algn="ctr">
+                      <a:solidFill>
+                        <a:schemeClr val="tx1"/>
+                      </a:solidFill>
+                      <a:prstDash val="solid"/>
+                      <a:round/>
+                      <a:headEnd type="none" w="med" len="med"/>
+                      <a:tailEnd type="none" w="med" len="med"/>
+                    </a:lnB>
+                  </a:tcPr>
+                </a:tc>
+                <a:tc>
+                  <a:txBody>
+                    <a:bodyPr/>
+                    <a:lstStyle/>
+                    <a:p>
+                      <a:pPr algn="ctr"/>
+                      <a:r>
+                        <a:rPr lang="en-US" sz="1200" b="0" dirty="0">
+                          <a:effectLst/>
+                        </a:rPr>
+                        <a:t>+/-0.5ºC (at -10 to 85ºC)</a:t>
+                      </a:r>
+                    </a:p>
+                  </a:txBody>
+                  <a:tcPr marL="22155" marR="22155" marT="22155" marB="22155" anchor="ctr">
+                    <a:lnL w="12700" cap="flat" cmpd="sng" algn="ctr">
+                      <a:solidFill>
+                        <a:schemeClr val="tx1"/>
+                      </a:solidFill>
+                      <a:prstDash val="solid"/>
+                      <a:round/>
+                      <a:headEnd type="none" w="med" len="med"/>
+                      <a:tailEnd type="none" w="med" len="med"/>
+                    </a:lnL>
+                    <a:lnR w="12700" cap="flat" cmpd="sng" algn="ctr">
+                      <a:solidFill>
+                        <a:schemeClr val="tx1"/>
+                      </a:solidFill>
+                      <a:prstDash val="solid"/>
+                      <a:round/>
+                      <a:headEnd type="none" w="med" len="med"/>
+                      <a:tailEnd type="none" w="med" len="med"/>
+                    </a:lnR>
+                    <a:lnT w="12700" cap="flat" cmpd="sng" algn="ctr">
+                      <a:solidFill>
+                        <a:schemeClr val="tx1"/>
+                      </a:solidFill>
+                      <a:prstDash val="solid"/>
+                      <a:round/>
+                      <a:headEnd type="none" w="med" len="med"/>
+                      <a:tailEnd type="none" w="med" len="med"/>
+                    </a:lnT>
+                    <a:lnB w="12700" cap="flat" cmpd="sng" algn="ctr">
+                      <a:solidFill>
+                        <a:schemeClr val="tx1"/>
+                      </a:solidFill>
+                      <a:prstDash val="solid"/>
+                      <a:round/>
+                      <a:headEnd type="none" w="med" len="med"/>
+                      <a:tailEnd type="none" w="med" len="med"/>
+                    </a:lnB>
+                  </a:tcPr>
+                </a:tc>
+                <a:tc>
+                  <a:txBody>
+                    <a:bodyPr/>
+                    <a:lstStyle/>
+                    <a:p>
+                      <a:pPr algn="ctr"/>
+                      <a:r>
+                        <a:rPr lang="en-US" sz="1200" b="0">
+                          <a:effectLst/>
+                        </a:rPr>
+                        <a:t>+/-0.5ºC (at 25ºC)</a:t>
+                      </a:r>
+                    </a:p>
+                  </a:txBody>
+                  <a:tcPr marL="22155" marR="22155" marT="22155" marB="22155" anchor="ctr">
+                    <a:lnL w="12700" cap="flat" cmpd="sng" algn="ctr">
+                      <a:solidFill>
+                        <a:schemeClr val="tx1"/>
+                      </a:solidFill>
+                      <a:prstDash val="solid"/>
+                      <a:round/>
+                      <a:headEnd type="none" w="med" len="med"/>
+                      <a:tailEnd type="none" w="med" len="med"/>
+                    </a:lnL>
+                    <a:lnR w="12700" cap="flat" cmpd="sng" algn="ctr">
+                      <a:solidFill>
+                        <a:schemeClr val="tx1"/>
+                      </a:solidFill>
+                      <a:prstDash val="solid"/>
+                      <a:round/>
+                      <a:headEnd type="none" w="med" len="med"/>
+                      <a:tailEnd type="none" w="med" len="med"/>
+                    </a:lnR>
+                    <a:lnT w="12700" cap="flat" cmpd="sng" algn="ctr">
+                      <a:solidFill>
+                        <a:schemeClr val="tx1"/>
+                      </a:solidFill>
+                      <a:prstDash val="solid"/>
+                      <a:round/>
+                      <a:headEnd type="none" w="med" len="med"/>
+                      <a:tailEnd type="none" w="med" len="med"/>
+                    </a:lnT>
+                    <a:lnB w="12700" cap="flat" cmpd="sng" algn="ctr">
+                      <a:solidFill>
+                        <a:schemeClr val="tx1"/>
+                      </a:solidFill>
+                      <a:prstDash val="solid"/>
+                      <a:round/>
+                      <a:headEnd type="none" w="med" len="med"/>
+                      <a:tailEnd type="none" w="med" len="med"/>
+                    </a:lnB>
+                  </a:tcPr>
+                </a:tc>
+                <a:tc>
+                  <a:txBody>
+                    <a:bodyPr/>
+                    <a:lstStyle/>
+                    <a:p>
+                      <a:pPr algn="ctr"/>
+                      <a:r>
+                        <a:rPr lang="en-US" sz="1200" b="0" dirty="0">
+                          <a:effectLst/>
+                        </a:rPr>
+                        <a:t>+/-0.5ºC (at 25ºC)</a:t>
+                      </a:r>
+                    </a:p>
+                  </a:txBody>
+                  <a:tcPr marL="22155" marR="22155" marT="22155" marB="22155" anchor="ctr">
+                    <a:lnL w="12700" cap="flat" cmpd="sng" algn="ctr">
+                      <a:solidFill>
+                        <a:schemeClr val="tx1"/>
+                      </a:solidFill>
+                      <a:prstDash val="solid"/>
+                      <a:round/>
+                      <a:headEnd type="none" w="med" len="med"/>
+                      <a:tailEnd type="none" w="med" len="med"/>
+                    </a:lnL>
+                    <a:lnR w="12700" cap="flat" cmpd="sng" algn="ctr">
+                      <a:solidFill>
+                        <a:schemeClr val="tx1"/>
+                      </a:solidFill>
+                      <a:prstDash val="solid"/>
+                      <a:round/>
+                      <a:headEnd type="none" w="med" len="med"/>
+                      <a:tailEnd type="none" w="med" len="med"/>
+                    </a:lnR>
+                    <a:lnT w="12700" cap="flat" cmpd="sng" algn="ctr">
+                      <a:solidFill>
+                        <a:schemeClr val="tx1"/>
+                      </a:solidFill>
+                      <a:prstDash val="solid"/>
+                      <a:round/>
+                      <a:headEnd type="none" w="med" len="med"/>
+                      <a:tailEnd type="none" w="med" len="med"/>
+                    </a:lnT>
+                    <a:lnB w="12700" cap="flat" cmpd="sng" algn="ctr">
+                      <a:solidFill>
+                        <a:schemeClr val="tx1"/>
+                      </a:solidFill>
+                      <a:prstDash val="solid"/>
+                      <a:round/>
+                      <a:headEnd type="none" w="med" len="med"/>
+                      <a:tailEnd type="none" w="med" len="med"/>
+                    </a:lnB>
+                  </a:tcPr>
+                </a:tc>
+                <a:extLst>
+                  <a:ext uri="{0D108BD9-81ED-4DB2-BD59-A6C34878D82A}">
+                    <a16:rowId xmlns:a16="http://schemas.microsoft.com/office/drawing/2014/main" val="993963080"/>
+                  </a:ext>
+                </a:extLst>
+              </a:tr>
+              <a:tr h="440055">
+                <a:tc>
+                  <a:txBody>
+                    <a:bodyPr/>
+                    <a:lstStyle/>
+                    <a:p>
+                      <a:pPr algn="ctr"/>
+                      <a:r>
+                        <a:rPr lang="en-US" sz="1200" b="1">
+                          <a:effectLst/>
+                        </a:rPr>
+                        <a:t>Support</a:t>
+                      </a:r>
+                      <a:br>
+                        <a:rPr lang="en-US" sz="1200" b="1">
+                          <a:effectLst/>
+                        </a:rPr>
+                      </a:br>
+                      <a:r>
+                        <a:rPr lang="en-US" sz="1200" b="1">
+                          <a:effectLst/>
+                        </a:rPr>
+                        <a:t>(Arduino IDE)</a:t>
+                      </a:r>
+                      <a:endParaRPr lang="en-US" sz="1200" b="0">
+                        <a:effectLst/>
+                      </a:endParaRPr>
+                    </a:p>
+                  </a:txBody>
+                  <a:tcPr marL="22155" marR="22155" marT="22155" marB="22155" anchor="ctr">
+                    <a:lnL w="12700" cap="flat" cmpd="sng" algn="ctr">
+                      <a:solidFill>
+                        <a:schemeClr val="tx1"/>
+                      </a:solidFill>
+                      <a:prstDash val="solid"/>
+                      <a:round/>
+                      <a:headEnd type="none" w="med" len="med"/>
+                      <a:tailEnd type="none" w="med" len="med"/>
+                    </a:lnL>
+                    <a:lnR w="12700" cap="flat" cmpd="sng" algn="ctr">
+                      <a:solidFill>
+                        <a:schemeClr val="tx1"/>
+                      </a:solidFill>
+                      <a:prstDash val="solid"/>
+                      <a:round/>
+                      <a:headEnd type="none" w="med" len="med"/>
+                      <a:tailEnd type="none" w="med" len="med"/>
+                    </a:lnR>
+                    <a:lnT w="12700" cap="flat" cmpd="sng" algn="ctr">
+                      <a:solidFill>
+                        <a:schemeClr val="tx1"/>
+                      </a:solidFill>
+                      <a:prstDash val="solid"/>
+                      <a:round/>
+                      <a:headEnd type="none" w="med" len="med"/>
+                      <a:tailEnd type="none" w="med" len="med"/>
+                    </a:lnT>
+                    <a:lnB w="12700" cap="flat" cmpd="sng" algn="ctr">
+                      <a:solidFill>
+                        <a:schemeClr val="tx1"/>
+                      </a:solidFill>
+                      <a:prstDash val="solid"/>
+                      <a:round/>
+                      <a:headEnd type="none" w="med" len="med"/>
+                      <a:tailEnd type="none" w="med" len="med"/>
+                    </a:lnB>
+                  </a:tcPr>
+                </a:tc>
+                <a:tc>
+                  <a:txBody>
+                    <a:bodyPr/>
+                    <a:lstStyle/>
+                    <a:p>
+                      <a:pPr algn="ctr"/>
+                      <a:r>
+                        <a:rPr lang="en-SG" sz="1200" b="0" u="none" strike="noStrike">
+                          <a:solidFill>
+                            <a:srgbClr val="1B78E2"/>
+                          </a:solidFill>
+                          <a:effectLst/>
+                          <a:hlinkClick r:id="rId3"/>
+                        </a:rPr>
+                        <a:t>Adafruit DHT Library</a:t>
+                      </a:r>
+                      <a:br>
+                        <a:rPr lang="en-SG" sz="1200" b="0" u="none" strike="noStrike">
+                          <a:solidFill>
+                            <a:srgbClr val="1B78E2"/>
+                          </a:solidFill>
+                          <a:effectLst/>
+                          <a:hlinkClick r:id="rId3"/>
+                        </a:rPr>
+                      </a:br>
+                      <a:br>
+                        <a:rPr lang="en-SG" sz="1200" b="0">
+                          <a:effectLst/>
+                        </a:rPr>
+                      </a:br>
+                      <a:r>
+                        <a:rPr lang="en-SG" sz="1200" b="0" u="none" strike="noStrike">
+                          <a:solidFill>
+                            <a:srgbClr val="1B78E2"/>
+                          </a:solidFill>
+                          <a:effectLst/>
+                          <a:hlinkClick r:id="rId4"/>
+                        </a:rPr>
+                        <a:t>Adafruit Unified Sensor Library</a:t>
+                      </a:r>
+                      <a:endParaRPr lang="en-SG" sz="1200" b="0">
+                        <a:effectLst/>
+                      </a:endParaRPr>
+                    </a:p>
+                  </a:txBody>
+                  <a:tcPr marL="22155" marR="22155" marT="22155" marB="22155" anchor="ctr">
+                    <a:lnL w="12700" cap="flat" cmpd="sng" algn="ctr">
+                      <a:solidFill>
+                        <a:schemeClr val="tx1"/>
+                      </a:solidFill>
+                      <a:prstDash val="solid"/>
+                      <a:round/>
+                      <a:headEnd type="none" w="med" len="med"/>
+                      <a:tailEnd type="none" w="med" len="med"/>
+                    </a:lnL>
+                    <a:lnR w="12700" cap="flat" cmpd="sng" algn="ctr">
+                      <a:solidFill>
+                        <a:schemeClr val="tx1"/>
+                      </a:solidFill>
+                      <a:prstDash val="solid"/>
+                      <a:round/>
+                      <a:headEnd type="none" w="med" len="med"/>
+                      <a:tailEnd type="none" w="med" len="med"/>
+                    </a:lnR>
+                    <a:lnT w="12700" cap="flat" cmpd="sng" algn="ctr">
+                      <a:solidFill>
+                        <a:schemeClr val="tx1"/>
+                      </a:solidFill>
+                      <a:prstDash val="solid"/>
+                      <a:round/>
+                      <a:headEnd type="none" w="med" len="med"/>
+                      <a:tailEnd type="none" w="med" len="med"/>
+                    </a:lnT>
+                    <a:lnB w="12700" cap="flat" cmpd="sng" algn="ctr">
+                      <a:solidFill>
+                        <a:schemeClr val="tx1"/>
+                      </a:solidFill>
+                      <a:prstDash val="solid"/>
+                      <a:round/>
+                      <a:headEnd type="none" w="med" len="med"/>
+                      <a:tailEnd type="none" w="med" len="med"/>
+                    </a:lnB>
+                  </a:tcPr>
+                </a:tc>
+                <a:tc>
+                  <a:txBody>
+                    <a:bodyPr/>
+                    <a:lstStyle/>
+                    <a:p>
+                      <a:pPr algn="ctr"/>
+                      <a:r>
+                        <a:rPr lang="en-SG" sz="1200" b="0" u="none" strike="noStrike">
+                          <a:solidFill>
+                            <a:srgbClr val="1B78E2"/>
+                          </a:solidFill>
+                          <a:effectLst/>
+                          <a:hlinkClick r:id="rId3"/>
+                        </a:rPr>
+                        <a:t>Adafruit DHT Library</a:t>
+                      </a:r>
+                      <a:br>
+                        <a:rPr lang="en-SG" sz="1200" b="0" u="none" strike="noStrike">
+                          <a:solidFill>
+                            <a:srgbClr val="1B78E2"/>
+                          </a:solidFill>
+                          <a:effectLst/>
+                          <a:hlinkClick r:id="rId3"/>
+                        </a:rPr>
+                      </a:br>
+                      <a:br>
+                        <a:rPr lang="en-SG" sz="1200" b="0">
+                          <a:effectLst/>
+                        </a:rPr>
+                      </a:br>
+                      <a:r>
+                        <a:rPr lang="en-SG" sz="1200" b="0" u="none" strike="noStrike">
+                          <a:solidFill>
+                            <a:srgbClr val="1B78E2"/>
+                          </a:solidFill>
+                          <a:effectLst/>
+                          <a:hlinkClick r:id="rId4"/>
+                        </a:rPr>
+                        <a:t>Adafruit Unified Sensor Library</a:t>
+                      </a:r>
+                      <a:endParaRPr lang="en-SG" sz="1200" b="0">
+                        <a:effectLst/>
+                      </a:endParaRPr>
+                    </a:p>
+                  </a:txBody>
+                  <a:tcPr marL="22155" marR="22155" marT="22155" marB="22155" anchor="ctr">
+                    <a:lnL w="12700" cap="flat" cmpd="sng" algn="ctr">
+                      <a:solidFill>
+                        <a:schemeClr val="tx1"/>
+                      </a:solidFill>
+                      <a:prstDash val="solid"/>
+                      <a:round/>
+                      <a:headEnd type="none" w="med" len="med"/>
+                      <a:tailEnd type="none" w="med" len="med"/>
+                    </a:lnL>
+                    <a:lnR w="12700" cap="flat" cmpd="sng" algn="ctr">
+                      <a:solidFill>
+                        <a:schemeClr val="tx1"/>
+                      </a:solidFill>
+                      <a:prstDash val="solid"/>
+                      <a:round/>
+                      <a:headEnd type="none" w="med" len="med"/>
+                      <a:tailEnd type="none" w="med" len="med"/>
+                    </a:lnR>
+                    <a:lnT w="12700" cap="flat" cmpd="sng" algn="ctr">
+                      <a:solidFill>
+                        <a:schemeClr val="tx1"/>
+                      </a:solidFill>
+                      <a:prstDash val="solid"/>
+                      <a:round/>
+                      <a:headEnd type="none" w="med" len="med"/>
+                      <a:tailEnd type="none" w="med" len="med"/>
+                    </a:lnT>
+                    <a:lnB w="12700" cap="flat" cmpd="sng" algn="ctr">
+                      <a:solidFill>
+                        <a:schemeClr val="tx1"/>
+                      </a:solidFill>
+                      <a:prstDash val="solid"/>
+                      <a:round/>
+                      <a:headEnd type="none" w="med" len="med"/>
+                      <a:tailEnd type="none" w="med" len="med"/>
+                    </a:lnB>
+                  </a:tcPr>
+                </a:tc>
+                <a:tc>
+                  <a:txBody>
+                    <a:bodyPr/>
+                    <a:lstStyle/>
+                    <a:p>
+                      <a:pPr algn="ctr"/>
+                      <a:r>
+                        <a:rPr lang="en-US" sz="1200" b="0">
+                          <a:effectLst/>
+                        </a:rPr>
+                        <a:t>analogRead()</a:t>
+                      </a:r>
+                    </a:p>
+                  </a:txBody>
+                  <a:tcPr marL="22155" marR="22155" marT="22155" marB="22155" anchor="ctr">
+                    <a:lnL w="12700" cap="flat" cmpd="sng" algn="ctr">
+                      <a:solidFill>
+                        <a:schemeClr val="tx1"/>
+                      </a:solidFill>
+                      <a:prstDash val="solid"/>
+                      <a:round/>
+                      <a:headEnd type="none" w="med" len="med"/>
+                      <a:tailEnd type="none" w="med" len="med"/>
+                    </a:lnL>
+                    <a:lnR w="12700" cap="flat" cmpd="sng" algn="ctr">
+                      <a:solidFill>
+                        <a:schemeClr val="tx1"/>
+                      </a:solidFill>
+                      <a:prstDash val="solid"/>
+                      <a:round/>
+                      <a:headEnd type="none" w="med" len="med"/>
+                      <a:tailEnd type="none" w="med" len="med"/>
+                    </a:lnR>
+                    <a:lnT w="12700" cap="flat" cmpd="sng" algn="ctr">
+                      <a:solidFill>
+                        <a:schemeClr val="tx1"/>
+                      </a:solidFill>
+                      <a:prstDash val="solid"/>
+                      <a:round/>
+                      <a:headEnd type="none" w="med" len="med"/>
+                      <a:tailEnd type="none" w="med" len="med"/>
+                    </a:lnT>
+                    <a:lnB w="12700" cap="flat" cmpd="sng" algn="ctr">
+                      <a:solidFill>
+                        <a:schemeClr val="tx1"/>
+                      </a:solidFill>
+                      <a:prstDash val="solid"/>
+                      <a:round/>
+                      <a:headEnd type="none" w="med" len="med"/>
+                      <a:tailEnd type="none" w="med" len="med"/>
+                    </a:lnB>
+                  </a:tcPr>
+                </a:tc>
+                <a:tc>
+                  <a:txBody>
+                    <a:bodyPr/>
+                    <a:lstStyle/>
+                    <a:p>
+                      <a:pPr algn="ctr"/>
+                      <a:r>
+                        <a:rPr lang="en-US" sz="1200" b="0" u="none" strike="noStrike" dirty="0" err="1">
+                          <a:solidFill>
+                            <a:srgbClr val="1B78E2"/>
+                          </a:solidFill>
+                          <a:effectLst/>
+                          <a:hlinkClick r:id="rId5"/>
+                        </a:rPr>
+                        <a:t>DallasTemperature</a:t>
+                      </a:r>
+                      <a:br>
+                        <a:rPr lang="en-US" sz="1200" b="0" dirty="0">
+                          <a:effectLst/>
+                        </a:rPr>
+                      </a:br>
+                      <a:br>
+                        <a:rPr lang="en-US" sz="1200" b="0" dirty="0">
+                          <a:effectLst/>
+                        </a:rPr>
+                      </a:br>
+                      <a:r>
+                        <a:rPr lang="en-US" sz="1200" b="0" u="none" strike="noStrike" dirty="0" err="1">
+                          <a:solidFill>
+                            <a:srgbClr val="1B78E2"/>
+                          </a:solidFill>
+                          <a:effectLst/>
+                          <a:hlinkClick r:id="rId6"/>
+                        </a:rPr>
+                        <a:t>OneWire</a:t>
+                      </a:r>
+                      <a:endParaRPr lang="en-US" sz="1200" b="0" dirty="0">
+                        <a:effectLst/>
+                      </a:endParaRPr>
+                    </a:p>
+                  </a:txBody>
+                  <a:tcPr marL="22155" marR="22155" marT="22155" marB="22155" anchor="ctr">
+                    <a:lnL w="12700" cap="flat" cmpd="sng" algn="ctr">
+                      <a:solidFill>
+                        <a:schemeClr val="tx1"/>
+                      </a:solidFill>
+                      <a:prstDash val="solid"/>
+                      <a:round/>
+                      <a:headEnd type="none" w="med" len="med"/>
+                      <a:tailEnd type="none" w="med" len="med"/>
+                    </a:lnL>
+                    <a:lnR w="12700" cap="flat" cmpd="sng" algn="ctr">
+                      <a:solidFill>
+                        <a:schemeClr val="tx1"/>
+                      </a:solidFill>
+                      <a:prstDash val="solid"/>
+                      <a:round/>
+                      <a:headEnd type="none" w="med" len="med"/>
+                      <a:tailEnd type="none" w="med" len="med"/>
+                    </a:lnR>
+                    <a:lnT w="12700" cap="flat" cmpd="sng" algn="ctr">
+                      <a:solidFill>
+                        <a:schemeClr val="tx1"/>
+                      </a:solidFill>
+                      <a:prstDash val="solid"/>
+                      <a:round/>
+                      <a:headEnd type="none" w="med" len="med"/>
+                      <a:tailEnd type="none" w="med" len="med"/>
+                    </a:lnT>
+                    <a:lnB w="12700" cap="flat" cmpd="sng" algn="ctr">
+                      <a:solidFill>
+                        <a:schemeClr val="tx1"/>
+                      </a:solidFill>
+                      <a:prstDash val="solid"/>
+                      <a:round/>
+                      <a:headEnd type="none" w="med" len="med"/>
+                      <a:tailEnd type="none" w="med" len="med"/>
+                    </a:lnB>
+                  </a:tcPr>
+                </a:tc>
+                <a:tc>
+                  <a:txBody>
+                    <a:bodyPr/>
+                    <a:lstStyle/>
+                    <a:p>
+                      <a:pPr algn="ctr"/>
+                      <a:r>
+                        <a:rPr lang="en-SG" sz="1200" b="0" u="none" strike="noStrike" dirty="0">
+                          <a:solidFill>
+                            <a:srgbClr val="1B78E2"/>
+                          </a:solidFill>
+                          <a:effectLst/>
+                          <a:hlinkClick r:id="rId7"/>
+                        </a:rPr>
+                        <a:t>Adafruit BME280 library</a:t>
+                      </a:r>
+                      <a:br>
+                        <a:rPr lang="en-SG" sz="1200" b="0" u="none" strike="noStrike" dirty="0">
+                          <a:solidFill>
+                            <a:srgbClr val="1B78E2"/>
+                          </a:solidFill>
+                          <a:effectLst/>
+                          <a:hlinkClick r:id="rId7"/>
+                        </a:rPr>
+                      </a:br>
+                      <a:br>
+                        <a:rPr lang="en-SG" sz="1200" b="0" dirty="0">
+                          <a:effectLst/>
+                        </a:rPr>
+                      </a:br>
+                      <a:r>
+                        <a:rPr lang="en-SG" sz="1200" b="0" u="none" strike="noStrike" dirty="0">
+                          <a:solidFill>
+                            <a:srgbClr val="1B78E2"/>
+                          </a:solidFill>
+                          <a:effectLst/>
+                          <a:hlinkClick r:id="rId4"/>
+                        </a:rPr>
+                        <a:t>Adafruit Unified Sensor Library</a:t>
+                      </a:r>
+                      <a:endParaRPr lang="en-SG" sz="1200" b="0" dirty="0">
+                        <a:effectLst/>
+                      </a:endParaRPr>
+                    </a:p>
+                  </a:txBody>
+                  <a:tcPr marL="22155" marR="22155" marT="22155" marB="22155" anchor="ctr">
+                    <a:lnL w="12700" cap="flat" cmpd="sng" algn="ctr">
+                      <a:solidFill>
+                        <a:schemeClr val="tx1"/>
+                      </a:solidFill>
+                      <a:prstDash val="solid"/>
+                      <a:round/>
+                      <a:headEnd type="none" w="med" len="med"/>
+                      <a:tailEnd type="none" w="med" len="med"/>
+                    </a:lnL>
+                    <a:lnR w="12700" cap="flat" cmpd="sng" algn="ctr">
+                      <a:solidFill>
+                        <a:schemeClr val="tx1"/>
+                      </a:solidFill>
+                      <a:prstDash val="solid"/>
+                      <a:round/>
+                      <a:headEnd type="none" w="med" len="med"/>
+                      <a:tailEnd type="none" w="med" len="med"/>
+                    </a:lnR>
+                    <a:lnT w="12700" cap="flat" cmpd="sng" algn="ctr">
+                      <a:solidFill>
+                        <a:schemeClr val="tx1"/>
+                      </a:solidFill>
+                      <a:prstDash val="solid"/>
+                      <a:round/>
+                      <a:headEnd type="none" w="med" len="med"/>
+                      <a:tailEnd type="none" w="med" len="med"/>
+                    </a:lnT>
+                    <a:lnB w="12700" cap="flat" cmpd="sng" algn="ctr">
+                      <a:solidFill>
+                        <a:schemeClr val="tx1"/>
+                      </a:solidFill>
+                      <a:prstDash val="solid"/>
+                      <a:round/>
+                      <a:headEnd type="none" w="med" len="med"/>
+                      <a:tailEnd type="none" w="med" len="med"/>
+                    </a:lnB>
+                  </a:tcPr>
+                </a:tc>
+                <a:tc>
+                  <a:txBody>
+                    <a:bodyPr/>
+                    <a:lstStyle/>
+                    <a:p>
+                      <a:pPr algn="ctr"/>
+                      <a:r>
+                        <a:rPr lang="en-SG" sz="1200" b="0" u="none" strike="noStrike" dirty="0">
+                          <a:solidFill>
+                            <a:srgbClr val="1B78E2"/>
+                          </a:solidFill>
+                          <a:effectLst/>
+                          <a:hlinkClick r:id="rId8"/>
+                        </a:rPr>
+                        <a:t>Adafruit BME085</a:t>
+                      </a:r>
+                      <a:br>
+                        <a:rPr lang="en-SG" sz="1200" b="0" u="none" strike="noStrike" dirty="0">
+                          <a:solidFill>
+                            <a:srgbClr val="1B78E2"/>
+                          </a:solidFill>
+                          <a:effectLst/>
+                          <a:hlinkClick r:id="rId8"/>
+                        </a:rPr>
+                      </a:br>
+                      <a:br>
+                        <a:rPr lang="en-SG" sz="1200" b="0" dirty="0">
+                          <a:effectLst/>
+                        </a:rPr>
+                      </a:br>
+                      <a:r>
+                        <a:rPr lang="en-SG" sz="1200" b="0" u="none" strike="noStrike" dirty="0">
+                          <a:solidFill>
+                            <a:srgbClr val="1B78E2"/>
+                          </a:solidFill>
+                          <a:effectLst/>
+                          <a:hlinkClick r:id="rId4"/>
+                        </a:rPr>
+                        <a:t>Adafruit Unified Sensor Library</a:t>
+                      </a:r>
+                      <a:endParaRPr lang="en-SG" sz="1200" b="0" dirty="0">
+                        <a:effectLst/>
+                      </a:endParaRPr>
+                    </a:p>
+                  </a:txBody>
+                  <a:tcPr marL="22155" marR="22155" marT="22155" marB="22155" anchor="ctr">
+                    <a:lnL w="12700" cap="flat" cmpd="sng" algn="ctr">
+                      <a:solidFill>
+                        <a:schemeClr val="tx1"/>
+                      </a:solidFill>
+                      <a:prstDash val="solid"/>
+                      <a:round/>
+                      <a:headEnd type="none" w="med" len="med"/>
+                      <a:tailEnd type="none" w="med" len="med"/>
+                    </a:lnL>
+                    <a:lnR w="12700" cap="flat" cmpd="sng" algn="ctr">
+                      <a:solidFill>
+                        <a:schemeClr val="tx1"/>
+                      </a:solidFill>
+                      <a:prstDash val="solid"/>
+                      <a:round/>
+                      <a:headEnd type="none" w="med" len="med"/>
+                      <a:tailEnd type="none" w="med" len="med"/>
+                    </a:lnR>
+                    <a:lnT w="12700" cap="flat" cmpd="sng" algn="ctr">
+                      <a:solidFill>
+                        <a:schemeClr val="tx1"/>
+                      </a:solidFill>
+                      <a:prstDash val="solid"/>
+                      <a:round/>
+                      <a:headEnd type="none" w="med" len="med"/>
+                      <a:tailEnd type="none" w="med" len="med"/>
+                    </a:lnT>
+                    <a:lnB w="12700" cap="flat" cmpd="sng" algn="ctr">
+                      <a:solidFill>
+                        <a:schemeClr val="tx1"/>
+                      </a:solidFill>
+                      <a:prstDash val="solid"/>
+                      <a:round/>
+                      <a:headEnd type="none" w="med" len="med"/>
+                      <a:tailEnd type="none" w="med" len="med"/>
+                    </a:lnB>
+                  </a:tcPr>
+                </a:tc>
+                <a:extLst>
+                  <a:ext uri="{0D108BD9-81ED-4DB2-BD59-A6C34878D82A}">
+                    <a16:rowId xmlns:a16="http://schemas.microsoft.com/office/drawing/2014/main" val="1404456444"/>
+                  </a:ext>
+                </a:extLst>
+              </a:tr>
+            </a:tbl>
+          </a:graphicData>
+        </a:graphic>
+      </p:graphicFrame>
+      <p:grpSp>
+        <p:nvGrpSpPr>
+          <p:cNvPr id="22" name="Group 21">
+            <a:extLst>
+              <a:ext uri="{FF2B5EF4-FFF2-40B4-BE49-F238E27FC236}">
+                <a16:creationId xmlns:a16="http://schemas.microsoft.com/office/drawing/2014/main" id="{4FD86AF7-8BA6-4146-BDDE-C9FC406C85A5}"/>
+              </a:ext>
+            </a:extLst>
+          </p:cNvPr>
+          <p:cNvGrpSpPr/>
+          <p:nvPr/>
+        </p:nvGrpSpPr>
+        <p:grpSpPr>
+          <a:xfrm>
+            <a:off x="2168364" y="2015489"/>
+            <a:ext cx="5825016" cy="704850"/>
+            <a:chOff x="2168364" y="2015489"/>
+            <a:chExt cx="5825016" cy="704850"/>
+          </a:xfrm>
+        </p:grpSpPr>
+        <p:pic>
+          <p:nvPicPr>
+            <p:cNvPr id="15" name="Picture 14">
+              <a:extLst>
+                <a:ext uri="{FF2B5EF4-FFF2-40B4-BE49-F238E27FC236}">
+                  <a16:creationId xmlns:a16="http://schemas.microsoft.com/office/drawing/2014/main" id="{C6955F87-81B0-4180-A594-2B1C0B197AB3}"/>
+                </a:ext>
+              </a:extLst>
+            </p:cNvPr>
+            <p:cNvPicPr>
+              <a:picLocks noChangeAspect="1"/>
+            </p:cNvPicPr>
+            <p:nvPr/>
+          </p:nvPicPr>
+          <p:blipFill>
+            <a:blip r:embed="rId9"/>
+            <a:stretch>
+              <a:fillRect/>
+            </a:stretch>
+          </p:blipFill>
+          <p:spPr>
+            <a:xfrm>
+              <a:off x="2168364" y="2103603"/>
+              <a:ext cx="377985" cy="542591"/>
+            </a:xfrm>
+            <a:prstGeom prst="rect">
+              <a:avLst/>
+            </a:prstGeom>
+          </p:spPr>
+        </p:pic>
+        <p:pic>
+          <p:nvPicPr>
+            <p:cNvPr id="1033" name="Picture 9">
+              <a:extLst>
+                <a:ext uri="{FF2B5EF4-FFF2-40B4-BE49-F238E27FC236}">
+                  <a16:creationId xmlns:a16="http://schemas.microsoft.com/office/drawing/2014/main" id="{A9437434-1CF8-4F2A-83A1-A3D11BB9424C}"/>
+                </a:ext>
+              </a:extLst>
+            </p:cNvPr>
+            <p:cNvPicPr>
+              <a:picLocks noChangeAspect="1" noChangeArrowheads="1"/>
+            </p:cNvPicPr>
+            <p:nvPr/>
+          </p:nvPicPr>
+          <p:blipFill>
+            <a:blip r:embed="rId10">
+              <a:extLst>
+                <a:ext uri="{28A0092B-C50C-407E-A947-70E740481C1C}">
+                  <a14:useLocalDpi xmlns:a14="http://schemas.microsoft.com/office/drawing/2010/main" val="0"/>
+                </a:ext>
+              </a:extLst>
+            </a:blip>
+            <a:srcRect/>
+            <a:stretch>
+              <a:fillRect/>
+            </a:stretch>
+          </p:blipFill>
+          <p:spPr bwMode="auto">
+            <a:xfrm>
+              <a:off x="3263900" y="2103603"/>
+              <a:ext cx="381000" cy="542925"/>
+            </a:xfrm>
+            <a:prstGeom prst="rect">
+              <a:avLst/>
+            </a:prstGeom>
+            <a:noFill/>
+            <a:extLst>
+              <a:ext uri="{909E8E84-426E-40DD-AFC4-6F175D3DCCD1}">
+                <a14:hiddenFill xmlns:a14="http://schemas.microsoft.com/office/drawing/2010/main">
+                  <a:solidFill>
+                    <a:srgbClr val="FFFFFF"/>
+                  </a:solidFill>
+                </a14:hiddenFill>
+              </a:ext>
+            </a:extLst>
+          </p:spPr>
+        </p:pic>
+        <p:pic>
+          <p:nvPicPr>
+            <p:cNvPr id="1035" name="Picture 11">
+              <a:extLst>
+                <a:ext uri="{FF2B5EF4-FFF2-40B4-BE49-F238E27FC236}">
+                  <a16:creationId xmlns:a16="http://schemas.microsoft.com/office/drawing/2014/main" id="{F7819AC7-D1D0-4921-8E97-45901EB1626A}"/>
+                </a:ext>
+              </a:extLst>
+            </p:cNvPr>
+            <p:cNvPicPr>
+              <a:picLocks noChangeAspect="1" noChangeArrowheads="1"/>
+            </p:cNvPicPr>
+            <p:nvPr/>
+          </p:nvPicPr>
+          <p:blipFill>
+            <a:blip r:embed="rId11">
+              <a:extLst>
+                <a:ext uri="{28A0092B-C50C-407E-A947-70E740481C1C}">
+                  <a14:useLocalDpi xmlns:a14="http://schemas.microsoft.com/office/drawing/2010/main" val="0"/>
+                </a:ext>
+              </a:extLst>
+            </a:blip>
+            <a:srcRect/>
+            <a:stretch>
+              <a:fillRect/>
+            </a:stretch>
+          </p:blipFill>
+          <p:spPr bwMode="auto">
+            <a:xfrm>
+              <a:off x="4438650" y="2239166"/>
+              <a:ext cx="133350" cy="271463"/>
+            </a:xfrm>
+            <a:prstGeom prst="rect">
+              <a:avLst/>
+            </a:prstGeom>
+            <a:noFill/>
+            <a:extLst>
+              <a:ext uri="{909E8E84-426E-40DD-AFC4-6F175D3DCCD1}">
+                <a14:hiddenFill xmlns:a14="http://schemas.microsoft.com/office/drawing/2010/main">
+                  <a:solidFill>
+                    <a:srgbClr val="FFFFFF"/>
+                  </a:solidFill>
+                </a14:hiddenFill>
+              </a:ext>
+            </a:extLst>
+          </p:spPr>
+        </p:pic>
+        <p:pic>
+          <p:nvPicPr>
+            <p:cNvPr id="20" name="Picture 19">
+              <a:extLst>
+                <a:ext uri="{FF2B5EF4-FFF2-40B4-BE49-F238E27FC236}">
+                  <a16:creationId xmlns:a16="http://schemas.microsoft.com/office/drawing/2014/main" id="{77325691-DE84-43FD-AC68-B84213990770}"/>
+                </a:ext>
+              </a:extLst>
+            </p:cNvPr>
+            <p:cNvPicPr>
+              <a:picLocks noChangeAspect="1"/>
+            </p:cNvPicPr>
+            <p:nvPr/>
+          </p:nvPicPr>
+          <p:blipFill>
+            <a:blip r:embed="rId12"/>
+            <a:stretch>
+              <a:fillRect/>
+            </a:stretch>
+          </p:blipFill>
+          <p:spPr>
+            <a:xfrm>
+              <a:off x="5332411" y="2038349"/>
+              <a:ext cx="525464" cy="637265"/>
+            </a:xfrm>
+            <a:prstGeom prst="rect">
+              <a:avLst/>
+            </a:prstGeom>
+          </p:spPr>
+        </p:pic>
+        <p:pic>
+          <p:nvPicPr>
+            <p:cNvPr id="21" name="Picture 20">
+              <a:extLst>
+                <a:ext uri="{FF2B5EF4-FFF2-40B4-BE49-F238E27FC236}">
+                  <a16:creationId xmlns:a16="http://schemas.microsoft.com/office/drawing/2014/main" id="{EE73A8EA-60F9-4602-8289-FD2B26CEC74B}"/>
+                </a:ext>
+              </a:extLst>
+            </p:cNvPr>
+            <p:cNvPicPr>
+              <a:picLocks noChangeAspect="1"/>
+            </p:cNvPicPr>
+            <p:nvPr/>
+          </p:nvPicPr>
+          <p:blipFill>
+            <a:blip r:embed="rId13"/>
+            <a:stretch>
+              <a:fillRect/>
+            </a:stretch>
+          </p:blipFill>
+          <p:spPr>
+            <a:xfrm>
+              <a:off x="6432711" y="2015489"/>
+              <a:ext cx="542925" cy="704850"/>
+            </a:xfrm>
+            <a:prstGeom prst="rect">
+              <a:avLst/>
+            </a:prstGeom>
+          </p:spPr>
+        </p:pic>
+        <p:pic>
+          <p:nvPicPr>
+            <p:cNvPr id="1037" name="Picture 13">
+              <a:extLst>
+                <a:ext uri="{FF2B5EF4-FFF2-40B4-BE49-F238E27FC236}">
+                  <a16:creationId xmlns:a16="http://schemas.microsoft.com/office/drawing/2014/main" id="{C1375A1E-F919-4447-8896-E5E0193E36E3}"/>
+                </a:ext>
+              </a:extLst>
+            </p:cNvPr>
+            <p:cNvPicPr>
+              <a:picLocks noChangeAspect="1" noChangeArrowheads="1"/>
+            </p:cNvPicPr>
+            <p:nvPr/>
+          </p:nvPicPr>
+          <p:blipFill>
+            <a:blip r:embed="rId14">
+              <a:extLst>
+                <a:ext uri="{28A0092B-C50C-407E-A947-70E740481C1C}">
+                  <a14:useLocalDpi xmlns:a14="http://schemas.microsoft.com/office/drawing/2010/main" val="0"/>
+                </a:ext>
+              </a:extLst>
+            </a:blip>
+            <a:srcRect/>
+            <a:stretch>
+              <a:fillRect/>
+            </a:stretch>
+          </p:blipFill>
+          <p:spPr bwMode="auto">
+            <a:xfrm>
+              <a:off x="7545386" y="2052341"/>
+              <a:ext cx="447994" cy="593853"/>
+            </a:xfrm>
+            <a:prstGeom prst="rect">
+              <a:avLst/>
+            </a:prstGeom>
+            <a:noFill/>
+            <a:extLst>
+              <a:ext uri="{909E8E84-426E-40DD-AFC4-6F175D3DCCD1}">
+                <a14:hiddenFill xmlns:a14="http://schemas.microsoft.com/office/drawing/2010/main">
+                  <a:solidFill>
+                    <a:srgbClr val="FFFFFF"/>
+                  </a:solidFill>
+                </a14:hiddenFill>
+              </a:ext>
+            </a:extLst>
+          </p:spPr>
+        </p:pic>
+      </p:grpSp>
+    </p:spTree>
+    <p:extLst>
+      <p:ext uri="{BB962C8B-B14F-4D97-AF65-F5344CB8AC3E}">
+        <p14:creationId xmlns:p14="http://schemas.microsoft.com/office/powerpoint/2010/main" val="2987090315"/>
+      </p:ext>
+    </p:extLst>
+  </p:cSld>
+  <p:clrMapOvr>
+    <a:masterClrMapping/>
+  </p:clrMapOvr>
+</p:sld>
+</file>
+
+<file path=ppt/slides/slide13.xml><?xml version="1.0" encoding="utf-8"?>
+<p:sld xmlns:a="http://schemas.openxmlformats.org/drawingml/2006/main" xmlns:r="http://schemas.openxmlformats.org/officeDocument/2006/relationships" xmlns:p="http://schemas.openxmlformats.org/presentationml/2006/main">
+  <p:cSld>
+    <p:spTree>
+      <p:nvGrpSpPr>
+        <p:cNvPr id="1" name=""/>
+        <p:cNvGrpSpPr/>
+        <p:nvPr/>
+      </p:nvGrpSpPr>
+      <p:grpSpPr>
+        <a:xfrm>
+          <a:off x="0" y="0"/>
+          <a:ext cx="0" cy="0"/>
+          <a:chOff x="0" y="0"/>
+          <a:chExt cx="0" cy="0"/>
+        </a:xfrm>
+      </p:grpSpPr>
+      <p:sp>
+        <p:nvSpPr>
+          <p:cNvPr id="2" name="Title 1">
+            <a:extLst>
+              <a:ext uri="{FF2B5EF4-FFF2-40B4-BE49-F238E27FC236}">
+                <a16:creationId xmlns:a16="http://schemas.microsoft.com/office/drawing/2014/main" id="{F2BF3615-4254-45DB-B139-8D03512936A1}"/>
+              </a:ext>
+            </a:extLst>
+          </p:cNvPr>
+          <p:cNvSpPr>
+            <a:spLocks noGrp="1"/>
+          </p:cNvSpPr>
+          <p:nvPr>
+            <p:ph type="title"/>
+          </p:nvPr>
+        </p:nvSpPr>
+        <p:spPr/>
+        <p:txBody>
+          <a:bodyPr/>
+          <a:lstStyle/>
+          <a:p>
+            <a:r>
+              <a:rPr lang="en-SG" dirty="0"/>
+              <a:t>Real Time Clock Modules</a:t>
+            </a:r>
+            <a:endParaRPr lang="en-US" dirty="0"/>
+          </a:p>
+        </p:txBody>
+      </p:sp>
+      <p:sp>
+        <p:nvSpPr>
+          <p:cNvPr id="3" name="Content Placeholder 2">
+            <a:extLst>
+              <a:ext uri="{FF2B5EF4-FFF2-40B4-BE49-F238E27FC236}">
+                <a16:creationId xmlns:a16="http://schemas.microsoft.com/office/drawing/2014/main" id="{885925FA-BA16-46F5-9694-51AB2A0C1FE0}"/>
+              </a:ext>
+            </a:extLst>
+          </p:cNvPr>
+          <p:cNvSpPr>
+            <a:spLocks noGrp="1"/>
+          </p:cNvSpPr>
+          <p:nvPr>
+            <p:ph idx="1"/>
+          </p:nvPr>
+        </p:nvSpPr>
+        <p:spPr/>
+        <p:txBody>
+          <a:bodyPr/>
+          <a:lstStyle/>
+          <a:p>
+            <a:r>
+              <a:rPr lang="en-SG" dirty="0"/>
+              <a:t>Uno has no RTC to keep track of time.</a:t>
+            </a:r>
+          </a:p>
+          <a:p>
+            <a:r>
+              <a:rPr lang="en-SG" dirty="0"/>
+              <a:t>Use </a:t>
+            </a:r>
+            <a:r>
+              <a:rPr lang="en-SG" dirty="0" err="1"/>
+              <a:t>RTCLib</a:t>
+            </a:r>
+            <a:endParaRPr lang="en-SG" dirty="0"/>
+          </a:p>
+          <a:p>
+            <a:r>
+              <a:rPr lang="en-SG" dirty="0"/>
+              <a:t>Use independent </a:t>
+            </a:r>
+            <a:r>
+              <a:rPr lang="en-SG" dirty="0">
+                <a:hlinkClick r:id="rId2"/>
+              </a:rPr>
+              <a:t>RTC Modules</a:t>
+            </a:r>
+            <a:endParaRPr lang="en-SG" dirty="0"/>
+          </a:p>
+          <a:p>
+            <a:pPr lvl="1"/>
+            <a:r>
+              <a:rPr lang="en-SG" dirty="0">
+                <a:hlinkClick r:id="rId3"/>
+              </a:rPr>
+              <a:t>DS1307</a:t>
+            </a:r>
+            <a:endParaRPr lang="en-SG" dirty="0"/>
+          </a:p>
+          <a:p>
+            <a:pPr lvl="2"/>
+            <a:r>
+              <a:rPr lang="en-SG" dirty="0"/>
+              <a:t>Has a 32KHz crystal oscillator (slightly off)</a:t>
+            </a:r>
+          </a:p>
+          <a:p>
+            <a:pPr lvl="2"/>
+            <a:r>
+              <a:rPr lang="en-SG" dirty="0"/>
+              <a:t>Has provision for DS18B20 connection</a:t>
+            </a:r>
+          </a:p>
+          <a:p>
+            <a:pPr lvl="2"/>
+            <a:r>
+              <a:rPr lang="en-SG" dirty="0"/>
+              <a:t>Has battery backup</a:t>
+            </a:r>
+          </a:p>
+          <a:p>
+            <a:pPr lvl="1"/>
+            <a:r>
+              <a:rPr lang="en-SG" dirty="0">
+                <a:hlinkClick r:id="rId4"/>
+              </a:rPr>
+              <a:t>DS3231</a:t>
+            </a:r>
+            <a:endParaRPr lang="en-SG" dirty="0"/>
+          </a:p>
+          <a:p>
+            <a:pPr lvl="2"/>
+            <a:r>
+              <a:rPr lang="en-SG" dirty="0"/>
+              <a:t>Uses I2C communications</a:t>
+            </a:r>
+          </a:p>
+          <a:p>
+            <a:pPr lvl="2"/>
+            <a:r>
+              <a:rPr lang="en-SG" dirty="0"/>
+              <a:t>Uses temperature controlled oscillator</a:t>
+            </a:r>
+          </a:p>
+          <a:p>
+            <a:pPr lvl="2"/>
+            <a:r>
+              <a:rPr lang="en-SG" dirty="0"/>
+              <a:t>Has battery backup</a:t>
+            </a:r>
+            <a:endParaRPr lang="en-US" dirty="0"/>
+          </a:p>
+        </p:txBody>
+      </p:sp>
+      <p:sp>
+        <p:nvSpPr>
+          <p:cNvPr id="4" name="Slide Number Placeholder 3">
+            <a:extLst>
+              <a:ext uri="{FF2B5EF4-FFF2-40B4-BE49-F238E27FC236}">
+                <a16:creationId xmlns:a16="http://schemas.microsoft.com/office/drawing/2014/main" id="{72C49EB1-5488-44CC-ABE0-4AE3559CF345}"/>
+              </a:ext>
+            </a:extLst>
+          </p:cNvPr>
+          <p:cNvSpPr>
+            <a:spLocks noGrp="1"/>
+          </p:cNvSpPr>
+          <p:nvPr>
+            <p:ph type="sldNum" sz="quarter" idx="12"/>
+          </p:nvPr>
+        </p:nvSpPr>
+        <p:spPr/>
+        <p:txBody>
+          <a:bodyPr/>
+          <a:lstStyle/>
+          <a:p>
+            <a:fld id="{CAB166B3-F268-4CEF-878A-CFB0D0D505D3}" type="slidenum">
+              <a:rPr lang="en-US" smtClean="0"/>
+              <a:t>13</a:t>
+            </a:fld>
+            <a:endParaRPr lang="en-US"/>
+          </a:p>
+        </p:txBody>
+      </p:sp>
+    </p:spTree>
+    <p:extLst>
+      <p:ext uri="{BB962C8B-B14F-4D97-AF65-F5344CB8AC3E}">
+        <p14:creationId xmlns:p14="http://schemas.microsoft.com/office/powerpoint/2010/main" val="241814599"/>
+      </p:ext>
+    </p:extLst>
+  </p:cSld>
+  <p:clrMapOvr>
+    <a:masterClrMapping/>
+  </p:clrMapOvr>
+</p:sld>
+</file>
+
+<file path=ppt/slides/slide14.xml><?xml version="1.0" encoding="utf-8"?>
+<p:sld xmlns:a="http://schemas.openxmlformats.org/drawingml/2006/main" xmlns:r="http://schemas.openxmlformats.org/officeDocument/2006/relationships" xmlns:p="http://schemas.openxmlformats.org/presentationml/2006/main">
+  <p:cSld>
+    <p:spTree>
+      <p:nvGrpSpPr>
+        <p:cNvPr id="1" name=""/>
+        <p:cNvGrpSpPr/>
+        <p:nvPr/>
+      </p:nvGrpSpPr>
+      <p:grpSpPr>
+        <a:xfrm>
+          <a:off x="0" y="0"/>
+          <a:ext cx="0" cy="0"/>
+          <a:chOff x="0" y="0"/>
+          <a:chExt cx="0" cy="0"/>
+        </a:xfrm>
+      </p:grpSpPr>
+      <p:sp>
+        <p:nvSpPr>
+          <p:cNvPr id="2" name="Title 1">
+            <a:extLst>
+              <a:ext uri="{FF2B5EF4-FFF2-40B4-BE49-F238E27FC236}">
+                <a16:creationId xmlns:a16="http://schemas.microsoft.com/office/drawing/2014/main" id="{BF8DA63A-2008-47F3-86B6-E72FF7791EC2}"/>
+              </a:ext>
+            </a:extLst>
+          </p:cNvPr>
+          <p:cNvSpPr>
+            <a:spLocks noGrp="1"/>
+          </p:cNvSpPr>
+          <p:nvPr>
+            <p:ph type="title"/>
+          </p:nvPr>
+        </p:nvSpPr>
+        <p:spPr/>
+        <p:txBody>
+          <a:bodyPr/>
+          <a:lstStyle/>
+          <a:p>
+            <a:r>
+              <a:rPr lang="en-SG" dirty="0">
+                <a:hlinkClick r:id="rId2"/>
+              </a:rPr>
+              <a:t>Real Time Clock Modules</a:t>
+            </a:r>
+            <a:endParaRPr lang="en-US" dirty="0"/>
+          </a:p>
+        </p:txBody>
+      </p:sp>
+      <p:sp>
+        <p:nvSpPr>
+          <p:cNvPr id="5" name="Content Placeholder 4">
+            <a:extLst>
+              <a:ext uri="{FF2B5EF4-FFF2-40B4-BE49-F238E27FC236}">
+                <a16:creationId xmlns:a16="http://schemas.microsoft.com/office/drawing/2014/main" id="{B160C6F3-E102-4247-BA50-A2E08019709E}"/>
+              </a:ext>
+            </a:extLst>
+          </p:cNvPr>
+          <p:cNvSpPr>
+            <a:spLocks noGrp="1"/>
+          </p:cNvSpPr>
+          <p:nvPr>
+            <p:ph sz="half" idx="1"/>
+          </p:nvPr>
+        </p:nvSpPr>
+        <p:spPr>
+          <a:xfrm>
+            <a:off x="628650" y="2368627"/>
+            <a:ext cx="3886200" cy="3808336"/>
+          </a:xfrm>
+        </p:spPr>
+        <p:txBody>
+          <a:bodyPr/>
+          <a:lstStyle/>
+          <a:p>
+            <a:r>
+              <a:rPr lang="en-SG" sz="2000" dirty="0">
+                <a:hlinkClick r:id="rId3"/>
+              </a:rPr>
+              <a:t>DS1307</a:t>
+            </a:r>
+            <a:endParaRPr lang="en-SG" sz="2000" dirty="0"/>
+          </a:p>
+          <a:p>
+            <a:pPr lvl="1"/>
+            <a:r>
+              <a:rPr lang="en-SG" sz="1800" dirty="0"/>
+              <a:t>Uses </a:t>
+            </a:r>
+            <a:r>
+              <a:rPr lang="en-SG" sz="1800" dirty="0" err="1"/>
+              <a:t>OneWire</a:t>
+            </a:r>
+            <a:r>
+              <a:rPr lang="en-SG" sz="1800" dirty="0"/>
+              <a:t> communications</a:t>
+            </a:r>
+          </a:p>
+          <a:p>
+            <a:pPr lvl="1"/>
+            <a:r>
+              <a:rPr lang="en-SG" sz="1800" dirty="0"/>
+              <a:t>Has a 32KHz crystal oscillator</a:t>
+            </a:r>
+          </a:p>
+          <a:p>
+            <a:pPr lvl="1"/>
+            <a:r>
+              <a:rPr lang="en-SG" sz="1800" dirty="0"/>
+              <a:t>Has provision for DS18B20 connection</a:t>
+            </a:r>
+          </a:p>
+          <a:p>
+            <a:pPr lvl="1"/>
+            <a:r>
+              <a:rPr lang="en-SG" sz="1800" dirty="0"/>
+              <a:t>Has battery backup</a:t>
+            </a:r>
+          </a:p>
+          <a:p>
+            <a:pPr marL="0" indent="0">
+              <a:buNone/>
+            </a:pPr>
+            <a:endParaRPr lang="en-US" sz="2000" dirty="0"/>
+          </a:p>
+        </p:txBody>
+      </p:sp>
+      <p:sp>
+        <p:nvSpPr>
+          <p:cNvPr id="6" name="Content Placeholder 5">
+            <a:extLst>
+              <a:ext uri="{FF2B5EF4-FFF2-40B4-BE49-F238E27FC236}">
+                <a16:creationId xmlns:a16="http://schemas.microsoft.com/office/drawing/2014/main" id="{4C4D0EF7-0BDF-4668-8297-A22EF6202DE7}"/>
+              </a:ext>
+            </a:extLst>
+          </p:cNvPr>
+          <p:cNvSpPr>
+            <a:spLocks noGrp="1"/>
+          </p:cNvSpPr>
+          <p:nvPr>
+            <p:ph sz="half" idx="2"/>
+          </p:nvPr>
+        </p:nvSpPr>
+        <p:spPr>
+          <a:xfrm>
+            <a:off x="4629150" y="2368627"/>
+            <a:ext cx="3886200" cy="3808336"/>
+          </a:xfrm>
+        </p:spPr>
+        <p:txBody>
+          <a:bodyPr/>
+          <a:lstStyle/>
+          <a:p>
+            <a:r>
+              <a:rPr lang="en-SG" sz="2000" dirty="0">
+                <a:hlinkClick r:id="rId4"/>
+              </a:rPr>
+              <a:t>DS3231</a:t>
+            </a:r>
+            <a:endParaRPr lang="en-SG" sz="2000" dirty="0"/>
+          </a:p>
+          <a:p>
+            <a:pPr lvl="1"/>
+            <a:r>
+              <a:rPr lang="en-SG" sz="1800" dirty="0"/>
+              <a:t>Uses I2C communications</a:t>
+            </a:r>
+          </a:p>
+          <a:p>
+            <a:pPr lvl="1"/>
+            <a:r>
+              <a:rPr lang="en-SG" sz="1800" dirty="0"/>
+              <a:t>Uses temperature controlled oscillator</a:t>
+            </a:r>
+          </a:p>
+          <a:p>
+            <a:pPr lvl="1"/>
+            <a:r>
+              <a:rPr lang="en-SG" sz="1800" dirty="0"/>
+              <a:t>Has battery backup</a:t>
+            </a:r>
+            <a:endParaRPr lang="en-US" sz="1800" dirty="0"/>
+          </a:p>
+          <a:p>
+            <a:pPr marL="0" indent="0">
+              <a:buNone/>
+            </a:pPr>
+            <a:endParaRPr lang="en-US" sz="2000" dirty="0"/>
+          </a:p>
+        </p:txBody>
+      </p:sp>
+      <p:sp>
+        <p:nvSpPr>
+          <p:cNvPr id="4" name="Slide Number Placeholder 3">
+            <a:extLst>
+              <a:ext uri="{FF2B5EF4-FFF2-40B4-BE49-F238E27FC236}">
+                <a16:creationId xmlns:a16="http://schemas.microsoft.com/office/drawing/2014/main" id="{14FAEB30-3759-4D28-A7AA-3DEA35F398DA}"/>
+              </a:ext>
+            </a:extLst>
+          </p:cNvPr>
+          <p:cNvSpPr>
+            <a:spLocks noGrp="1"/>
+          </p:cNvSpPr>
+          <p:nvPr>
+            <p:ph type="sldNum" sz="quarter" idx="12"/>
+          </p:nvPr>
+        </p:nvSpPr>
+        <p:spPr/>
+        <p:txBody>
+          <a:bodyPr/>
+          <a:lstStyle/>
+          <a:p>
+            <a:fld id="{CAB166B3-F268-4CEF-878A-CFB0D0D505D3}" type="slidenum">
+              <a:rPr lang="en-US" smtClean="0"/>
+              <a:t>14</a:t>
+            </a:fld>
+            <a:endParaRPr lang="en-US"/>
+          </a:p>
+        </p:txBody>
+      </p:sp>
+      <p:pic>
+        <p:nvPicPr>
+          <p:cNvPr id="8" name="Picture 7">
+            <a:extLst>
+              <a:ext uri="{FF2B5EF4-FFF2-40B4-BE49-F238E27FC236}">
+                <a16:creationId xmlns:a16="http://schemas.microsoft.com/office/drawing/2014/main" id="{ABE5851E-7C9E-432F-8728-FFE4DAEA297A}"/>
+              </a:ext>
+            </a:extLst>
+          </p:cNvPr>
+          <p:cNvPicPr>
+            <a:picLocks noChangeAspect="1"/>
+          </p:cNvPicPr>
+          <p:nvPr/>
+        </p:nvPicPr>
+        <p:blipFill>
+          <a:blip r:embed="rId5"/>
+          <a:stretch>
+            <a:fillRect/>
+          </a:stretch>
+        </p:blipFill>
+        <p:spPr>
+          <a:xfrm>
+            <a:off x="1539091" y="4263232"/>
+            <a:ext cx="1478756" cy="2093119"/>
+          </a:xfrm>
+          <a:prstGeom prst="rect">
+            <a:avLst/>
+          </a:prstGeom>
+        </p:spPr>
+      </p:pic>
+      <p:pic>
+        <p:nvPicPr>
+          <p:cNvPr id="10" name="Picture 9">
+            <a:extLst>
+              <a:ext uri="{FF2B5EF4-FFF2-40B4-BE49-F238E27FC236}">
+                <a16:creationId xmlns:a16="http://schemas.microsoft.com/office/drawing/2014/main" id="{CC82493F-F1EA-49BC-9E9D-9235C01C0288}"/>
+              </a:ext>
+            </a:extLst>
+          </p:cNvPr>
+          <p:cNvPicPr>
+            <a:picLocks noChangeAspect="1"/>
+          </p:cNvPicPr>
+          <p:nvPr/>
+        </p:nvPicPr>
+        <p:blipFill>
+          <a:blip r:embed="rId6"/>
+          <a:stretch>
+            <a:fillRect/>
+          </a:stretch>
+        </p:blipFill>
+        <p:spPr>
+          <a:xfrm>
+            <a:off x="5348173" y="4106070"/>
+            <a:ext cx="1450181" cy="2250281"/>
+          </a:xfrm>
+          <a:prstGeom prst="rect">
+            <a:avLst/>
+          </a:prstGeom>
+        </p:spPr>
+      </p:pic>
+      <p:sp>
+        <p:nvSpPr>
+          <p:cNvPr id="11" name="TextBox 10">
+            <a:extLst>
+              <a:ext uri="{FF2B5EF4-FFF2-40B4-BE49-F238E27FC236}">
+                <a16:creationId xmlns:a16="http://schemas.microsoft.com/office/drawing/2014/main" id="{A8276FC5-F4E5-465D-8B9B-0C071846273B}"/>
+              </a:ext>
+            </a:extLst>
+          </p:cNvPr>
+          <p:cNvSpPr txBox="1"/>
+          <p:nvPr/>
+        </p:nvSpPr>
+        <p:spPr>
+          <a:xfrm>
+            <a:off x="771181" y="1457218"/>
+            <a:ext cx="6610912" cy="646331"/>
+          </a:xfrm>
+          <a:prstGeom prst="rect">
+            <a:avLst/>
+          </a:prstGeom>
+          <a:noFill/>
+        </p:spPr>
+        <p:txBody>
+          <a:bodyPr wrap="none" rtlCol="0">
+            <a:spAutoFit/>
+          </a:bodyPr>
+          <a:lstStyle/>
+          <a:p>
+            <a:pPr algn="l"/>
+            <a:r>
+              <a:rPr lang="en-SG" dirty="0"/>
+              <a:t>Uno does not have a RTC module to keep accurate time (</a:t>
+            </a:r>
+            <a:r>
+              <a:rPr lang="en-SG" dirty="0" err="1"/>
+              <a:t>powerd</a:t>
+            </a:r>
+            <a:r>
+              <a:rPr lang="en-SG" dirty="0"/>
+              <a:t> off)</a:t>
+            </a:r>
+          </a:p>
+          <a:p>
+            <a:pPr algn="l"/>
+            <a:r>
+              <a:rPr lang="en-SG" dirty="0"/>
+              <a:t>Use a RTC Clock Module and</a:t>
+            </a:r>
+            <a:r>
+              <a:rPr lang="en-SG" dirty="0">
+                <a:hlinkClick r:id="rId7"/>
+              </a:rPr>
+              <a:t> Adafruit </a:t>
+            </a:r>
+            <a:r>
+              <a:rPr lang="en-SG" dirty="0" err="1">
+                <a:hlinkClick r:id="rId7"/>
+              </a:rPr>
+              <a:t>RTCLib</a:t>
+            </a:r>
+            <a:endParaRPr lang="en-US" dirty="0"/>
+          </a:p>
+        </p:txBody>
+      </p:sp>
+    </p:spTree>
+    <p:extLst>
+      <p:ext uri="{BB962C8B-B14F-4D97-AF65-F5344CB8AC3E}">
+        <p14:creationId xmlns:p14="http://schemas.microsoft.com/office/powerpoint/2010/main" val="3896112271"/>
+      </p:ext>
+    </p:extLst>
+  </p:cSld>
+  <p:clrMapOvr>
+    <a:masterClrMapping/>
+  </p:clrMapOvr>
+</p:sld>
+</file>
+
+<file path=ppt/slides/slide15.xml><?xml version="1.0" encoding="utf-8"?>
+<p:sld xmlns:a="http://schemas.openxmlformats.org/drawingml/2006/main" xmlns:r="http://schemas.openxmlformats.org/officeDocument/2006/relationships" xmlns:p="http://schemas.openxmlformats.org/presentationml/2006/main">
+  <p:cSld>
+    <p:spTree>
+      <p:nvGrpSpPr>
+        <p:cNvPr id="1" name=""/>
+        <p:cNvGrpSpPr/>
+        <p:nvPr/>
+      </p:nvGrpSpPr>
+      <p:grpSpPr>
+        <a:xfrm>
+          <a:off x="0" y="0"/>
+          <a:ext cx="0" cy="0"/>
+          <a:chOff x="0" y="0"/>
+          <a:chExt cx="0" cy="0"/>
+        </a:xfrm>
+      </p:grpSpPr>
+      <p:sp>
+        <p:nvSpPr>
+          <p:cNvPr id="2" name="Title 1">
+            <a:extLst>
+              <a:ext uri="{FF2B5EF4-FFF2-40B4-BE49-F238E27FC236}">
+                <a16:creationId xmlns:a16="http://schemas.microsoft.com/office/drawing/2014/main" id="{10D1060D-741A-499F-B6B6-DDFCEB7FC034}"/>
+              </a:ext>
+            </a:extLst>
+          </p:cNvPr>
+          <p:cNvSpPr>
+            <a:spLocks noGrp="1"/>
+          </p:cNvSpPr>
+          <p:nvPr>
+            <p:ph type="title"/>
+          </p:nvPr>
+        </p:nvSpPr>
+        <p:spPr/>
+        <p:txBody>
+          <a:bodyPr/>
+          <a:lstStyle/>
+          <a:p>
+            <a:r>
+              <a:rPr lang="en-SG" dirty="0"/>
+              <a:t>References:</a:t>
+            </a:r>
+            <a:endParaRPr lang="en-US" dirty="0"/>
+          </a:p>
+        </p:txBody>
+      </p:sp>
+      <p:sp>
+        <p:nvSpPr>
+          <p:cNvPr id="6" name="Content Placeholder 5">
+            <a:extLst>
+              <a:ext uri="{FF2B5EF4-FFF2-40B4-BE49-F238E27FC236}">
+                <a16:creationId xmlns:a16="http://schemas.microsoft.com/office/drawing/2014/main" id="{24BF2D0C-63C4-4A9F-B6F1-4B334E4138D4}"/>
+              </a:ext>
+            </a:extLst>
+          </p:cNvPr>
+          <p:cNvSpPr>
+            <a:spLocks noGrp="1"/>
+          </p:cNvSpPr>
+          <p:nvPr>
+            <p:ph idx="1"/>
+          </p:nvPr>
+        </p:nvSpPr>
+        <p:spPr/>
+        <p:txBody>
+          <a:bodyPr/>
+          <a:lstStyle/>
+          <a:p>
+            <a:r>
+              <a:rPr lang="en-SG" dirty="0" err="1">
+                <a:hlinkClick r:id="rId2"/>
+              </a:rPr>
+              <a:t>Dronebot</a:t>
+            </a:r>
+            <a:r>
+              <a:rPr lang="en-SG" dirty="0">
+                <a:hlinkClick r:id="rId2"/>
+              </a:rPr>
+              <a:t> workshop</a:t>
+            </a:r>
+            <a:endParaRPr lang="en-SG" dirty="0"/>
+          </a:p>
+          <a:p>
+            <a:r>
+              <a:rPr lang="en-SG" dirty="0">
+                <a:hlinkClick r:id="rId3"/>
+              </a:rPr>
+              <a:t>Last Minute Engineers</a:t>
+            </a:r>
+            <a:endParaRPr lang="en-SG" dirty="0"/>
+          </a:p>
+          <a:p>
+            <a:r>
+              <a:rPr lang="en-SG" dirty="0">
+                <a:hlinkClick r:id="rId4"/>
+              </a:rPr>
+              <a:t>Arduino Project Hub</a:t>
+            </a:r>
+            <a:endParaRPr lang="en-SG" dirty="0"/>
+          </a:p>
+          <a:p>
+            <a:r>
+              <a:rPr lang="en-SG" dirty="0" err="1">
+                <a:hlinkClick r:id="rId5"/>
+              </a:rPr>
+              <a:t>Instructables</a:t>
+            </a:r>
+            <a:endParaRPr lang="en-SG" dirty="0"/>
+          </a:p>
+          <a:p>
+            <a:endParaRPr lang="en-US" dirty="0"/>
+          </a:p>
+        </p:txBody>
+      </p:sp>
+      <p:sp>
+        <p:nvSpPr>
+          <p:cNvPr id="5" name="Slide Number Placeholder 4">
+            <a:extLst>
+              <a:ext uri="{FF2B5EF4-FFF2-40B4-BE49-F238E27FC236}">
+                <a16:creationId xmlns:a16="http://schemas.microsoft.com/office/drawing/2014/main" id="{1C66DE5E-787C-49AB-8BF2-C7E362F8EFFD}"/>
+              </a:ext>
+            </a:extLst>
+          </p:cNvPr>
+          <p:cNvSpPr>
+            <a:spLocks noGrp="1"/>
+          </p:cNvSpPr>
+          <p:nvPr>
+            <p:ph type="sldNum" sz="quarter" idx="12"/>
+          </p:nvPr>
+        </p:nvSpPr>
+        <p:spPr/>
+        <p:txBody>
+          <a:bodyPr/>
+          <a:lstStyle/>
+          <a:p>
+            <a:fld id="{CAB166B3-F268-4CEF-878A-CFB0D0D505D3}" type="slidenum">
+              <a:rPr lang="en-US" smtClean="0"/>
+              <a:t>15</a:t>
+            </a:fld>
+            <a:endParaRPr lang="en-US"/>
+          </a:p>
+        </p:txBody>
+      </p:sp>
+    </p:spTree>
+    <p:extLst>
+      <p:ext uri="{BB962C8B-B14F-4D97-AF65-F5344CB8AC3E}">
+        <p14:creationId xmlns:p14="http://schemas.microsoft.com/office/powerpoint/2010/main" val="2210629397"/>
+      </p:ext>
+    </p:extLst>
+  </p:cSld>
+  <p:clrMapOvr>
+    <a:masterClrMapping/>
+  </p:clrMapOvr>
+</p:sld>
+</file>
+
+<file path=ppt/slides/slide16.xml><?xml version="1.0" encoding="utf-8"?>
+<p:sld xmlns:a="http://schemas.openxmlformats.org/drawingml/2006/main" xmlns:r="http://schemas.openxmlformats.org/officeDocument/2006/relationships" xmlns:p="http://schemas.openxmlformats.org/presentationml/2006/main">
+  <p:cSld>
+    <p:spTree>
+      <p:nvGrpSpPr>
+        <p:cNvPr id="1" name=""/>
+        <p:cNvGrpSpPr/>
+        <p:nvPr/>
+      </p:nvGrpSpPr>
+      <p:grpSpPr>
+        <a:xfrm>
+          <a:off x="0" y="0"/>
+          <a:ext cx="0" cy="0"/>
+          <a:chOff x="0" y="0"/>
+          <a:chExt cx="0" cy="0"/>
+        </a:xfrm>
+      </p:grpSpPr>
+      <p:sp>
+        <p:nvSpPr>
+          <p:cNvPr id="2" name="Title 1">
+            <a:extLst>
+              <a:ext uri="{FF2B5EF4-FFF2-40B4-BE49-F238E27FC236}">
+                <a16:creationId xmlns:a16="http://schemas.microsoft.com/office/drawing/2014/main" id="{29757EC0-C4C7-4C21-8BBD-162462AD095F}"/>
+              </a:ext>
+            </a:extLst>
+          </p:cNvPr>
+          <p:cNvSpPr>
+            <a:spLocks noGrp="1"/>
+          </p:cNvSpPr>
+          <p:nvPr>
+            <p:ph type="ctrTitle"/>
+          </p:nvPr>
+        </p:nvSpPr>
+        <p:spPr/>
+        <p:txBody>
+          <a:bodyPr/>
+          <a:lstStyle/>
+          <a:p>
+            <a:r>
+              <a:rPr lang="en-US" dirty="0"/>
+              <a:t>EP1000</a:t>
+            </a:r>
+          </a:p>
+        </p:txBody>
+      </p:sp>
+      <p:sp>
+        <p:nvSpPr>
+          <p:cNvPr id="3" name="Subtitle 2">
+            <a:extLst>
+              <a:ext uri="{FF2B5EF4-FFF2-40B4-BE49-F238E27FC236}">
+                <a16:creationId xmlns:a16="http://schemas.microsoft.com/office/drawing/2014/main" id="{1F579C3D-8773-4BAF-B0E2-847945ECA23E}"/>
+              </a:ext>
+            </a:extLst>
+          </p:cNvPr>
+          <p:cNvSpPr>
+            <a:spLocks noGrp="1"/>
+          </p:cNvSpPr>
+          <p:nvPr>
+            <p:ph type="subTitle" idx="1"/>
+          </p:nvPr>
+        </p:nvSpPr>
+        <p:spPr/>
+        <p:txBody>
+          <a:bodyPr/>
+          <a:lstStyle/>
+          <a:p>
+            <a:r>
+              <a:rPr lang="en-US" dirty="0"/>
+              <a:t>Sensors</a:t>
+            </a:r>
+          </a:p>
+          <a:p>
+            <a:r>
+              <a:rPr lang="en-US" dirty="0">
+                <a:solidFill>
+                  <a:srgbClr val="FF0000"/>
+                </a:solidFill>
+              </a:rPr>
+              <a:t>End</a:t>
+            </a:r>
+          </a:p>
+        </p:txBody>
+      </p:sp>
+    </p:spTree>
+    <p:extLst>
+      <p:ext uri="{BB962C8B-B14F-4D97-AF65-F5344CB8AC3E}">
+        <p14:creationId xmlns:p14="http://schemas.microsoft.com/office/powerpoint/2010/main" val="2293809126"/>
       </p:ext>
     </p:extLst>
   </p:cSld>
@@ -3601,7 +8658,7 @@
           <p:cNvPr id="2" name="Title 1">
             <a:extLst>
               <a:ext uri="{FF2B5EF4-FFF2-40B4-BE49-F238E27FC236}">
-                <a16:creationId xmlns:a16="http://schemas.microsoft.com/office/drawing/2014/main" id="{4D71CF95-DF0E-47E9-B169-67BEAB9CFA96}"/>
+                <a16:creationId xmlns:a16="http://schemas.microsoft.com/office/drawing/2014/main" id="{AE1654E8-FEFC-4FA7-876F-8518A026BFB1}"/>
               </a:ext>
             </a:extLst>
           </p:cNvPr>
@@ -3619,7 +8676,7 @@
           <a:p>
             <a:r>
               <a:rPr lang="en-SG" dirty="0"/>
-              <a:t>Arduino System</a:t>
+              <a:t>Input Devices - Sensors</a:t>
             </a:r>
             <a:endParaRPr lang="en-US" dirty="0"/>
           </a:p>
@@ -3630,7 +8687,7 @@
           <p:cNvPr id="3" name="Content Placeholder 2">
             <a:extLst>
               <a:ext uri="{FF2B5EF4-FFF2-40B4-BE49-F238E27FC236}">
-                <a16:creationId xmlns:a16="http://schemas.microsoft.com/office/drawing/2014/main" id="{9B0F8E62-4E7A-470E-B5E9-49E5B4088D02}"/>
+                <a16:creationId xmlns:a16="http://schemas.microsoft.com/office/drawing/2014/main" id="{E2DBBDF6-9A6B-4CFE-B3EF-E452E1E1EE28}"/>
               </a:ext>
             </a:extLst>
           </p:cNvPr>
@@ -3647,56 +8704,76 @@
           <a:lstStyle/>
           <a:p>
             <a:r>
-              <a:rPr lang="en-SG" sz="2400" dirty="0"/>
-              <a:t>Very popular because of abundance of Code Libraries for every known sensor, device, application.</a:t>
-            </a:r>
-          </a:p>
-          <a:p>
-            <a:r>
-              <a:rPr lang="en-SG" sz="2400" dirty="0"/>
-              <a:t>No need to write your own code, use a library</a:t>
-            </a:r>
-          </a:p>
-          <a:p>
-            <a:r>
-              <a:rPr lang="en-SG" sz="2400" dirty="0"/>
-              <a:t>Lots of examples available</a:t>
-            </a:r>
-          </a:p>
-          <a:p>
-            <a:r>
-              <a:rPr lang="en-SG" sz="2400" dirty="0"/>
-              <a:t>Library consists of</a:t>
+              <a:rPr lang="en-SG" dirty="0"/>
+              <a:t>Sensors are input devices</a:t>
             </a:r>
           </a:p>
           <a:p>
             <a:pPr lvl="1"/>
             <a:r>
-              <a:rPr lang="en-SG" sz="2000" dirty="0"/>
-              <a:t>C++ file (.</a:t>
-            </a:r>
-            <a:r>
-              <a:rPr lang="en-SG" sz="2000" dirty="0" err="1"/>
-              <a:t>cpp</a:t>
-            </a:r>
-            <a:r>
-              <a:rPr lang="en-SG" sz="2000" dirty="0"/>
-              <a:t>) which holds the code (usually a Class) which talks to the device/application</a:t>
+              <a:rPr lang="en-SG" dirty="0"/>
+              <a:t>Measure some physical quantity (touch, light, heat etc)</a:t>
             </a:r>
           </a:p>
           <a:p>
             <a:pPr lvl="1"/>
             <a:r>
-              <a:rPr lang="en-SG" sz="2000" dirty="0"/>
-              <a:t>Header file (.h) which holds the definitions of the Class and functions available.  This must be included in your source code.</a:t>
-            </a:r>
-          </a:p>
-          <a:p>
-            <a:r>
-              <a:rPr lang="en-SG" sz="2400" dirty="0"/>
-              <a:t>Once library is loaded, we just need to use the functions/methods to implement our application.</a:t>
-            </a:r>
-            <a:endParaRPr lang="en-US" sz="2400" dirty="0"/>
+              <a:rPr lang="en-SG" dirty="0"/>
+              <a:t>Changes are slow (compared to computational power)</a:t>
+            </a:r>
+          </a:p>
+          <a:p>
+            <a:pPr lvl="1"/>
+            <a:r>
+              <a:rPr lang="en-SG" dirty="0"/>
+              <a:t>Most readings are </a:t>
+            </a:r>
+            <a:r>
+              <a:rPr lang="en-SG" dirty="0" err="1"/>
+              <a:t>analog</a:t>
+            </a:r>
+            <a:r>
+              <a:rPr lang="en-SG" dirty="0"/>
+              <a:t> by nature</a:t>
+            </a:r>
+          </a:p>
+          <a:p>
+            <a:pPr lvl="1"/>
+            <a:r>
+              <a:rPr lang="en-SG" dirty="0"/>
+              <a:t>Requires conversion to digital for processing</a:t>
+            </a:r>
+          </a:p>
+          <a:p>
+            <a:r>
+              <a:rPr lang="en-SG" dirty="0"/>
+              <a:t>Methods of reading sensors</a:t>
+            </a:r>
+          </a:p>
+          <a:p>
+            <a:pPr lvl="1"/>
+            <a:r>
+              <a:rPr lang="en-SG" dirty="0"/>
+              <a:t>Data is always available (e.g. temperature)</a:t>
+            </a:r>
+          </a:p>
+          <a:p>
+            <a:pPr lvl="1"/>
+            <a:r>
+              <a:rPr lang="en-SG" dirty="0"/>
+              <a:t>Polling to check whether data is available from sensor</a:t>
+            </a:r>
+          </a:p>
+          <a:p>
+            <a:pPr lvl="1"/>
+            <a:r>
+              <a:rPr lang="en-SG" dirty="0"/>
+              <a:t>Triggering – sensor will send a signal indicating data</a:t>
+            </a:r>
+          </a:p>
+          <a:p>
+            <a:pPr lvl="1"/>
+            <a:endParaRPr lang="en-US" dirty="0"/>
           </a:p>
         </p:txBody>
       </p:sp>
@@ -3705,7 +8782,7 @@
           <p:cNvPr id="4" name="Slide Number Placeholder 3">
             <a:extLst>
               <a:ext uri="{FF2B5EF4-FFF2-40B4-BE49-F238E27FC236}">
-                <a16:creationId xmlns:a16="http://schemas.microsoft.com/office/drawing/2014/main" id="{855210D9-FFD8-4D5C-9EF2-8BEA8EDB33DF}"/>
+                <a16:creationId xmlns:a16="http://schemas.microsoft.com/office/drawing/2014/main" id="{1CDC2CAD-B9B1-4AC9-8665-44BECAD6F428}"/>
               </a:ext>
             </a:extLst>
           </p:cNvPr>
@@ -3732,7 +8809,7 @@
     </p:spTree>
     <p:extLst>
       <p:ext uri="{BB962C8B-B14F-4D97-AF65-F5344CB8AC3E}">
-        <p14:creationId xmlns:p14="http://schemas.microsoft.com/office/powerpoint/2010/main" val="3612201942"/>
+        <p14:creationId xmlns:p14="http://schemas.microsoft.com/office/powerpoint/2010/main" val="1205528300"/>
       </p:ext>
     </p:extLst>
   </p:cSld>
@@ -3764,7 +8841,7 @@
           <p:cNvPr id="2" name="Title 1">
             <a:extLst>
               <a:ext uri="{FF2B5EF4-FFF2-40B4-BE49-F238E27FC236}">
-                <a16:creationId xmlns:a16="http://schemas.microsoft.com/office/drawing/2014/main" id="{2022DB6E-383F-44C7-835D-2B05E86502F9}"/>
+                <a16:creationId xmlns:a16="http://schemas.microsoft.com/office/drawing/2014/main" id="{309CCD1E-1B15-48AF-B23B-157EDDC866A5}"/>
               </a:ext>
             </a:extLst>
           </p:cNvPr>
@@ -3782,125 +8859,18 @@
           <a:p>
             <a:r>
               <a:rPr lang="en-SG" dirty="0"/>
-              <a:t>Loading the Library</a:t>
+              <a:t>Typical Sensors</a:t>
             </a:r>
             <a:endParaRPr lang="en-US" dirty="0"/>
-          </a:p>
-        </p:txBody>
-      </p:sp>
-      <p:sp>
-        <p:nvSpPr>
-          <p:cNvPr id="3" name="Content Placeholder 2">
-            <a:extLst>
-              <a:ext uri="{FF2B5EF4-FFF2-40B4-BE49-F238E27FC236}">
-                <a16:creationId xmlns:a16="http://schemas.microsoft.com/office/drawing/2014/main" id="{991B458A-C11F-430D-8BDA-15118F094137}"/>
-              </a:ext>
-            </a:extLst>
-          </p:cNvPr>
-          <p:cNvSpPr>
-            <a:spLocks noGrp="1"/>
-          </p:cNvSpPr>
-          <p:nvPr>
-            <p:ph idx="1"/>
-          </p:nvPr>
-        </p:nvSpPr>
-        <p:spPr>
-          <a:xfrm>
-            <a:off x="628650" y="1825625"/>
-            <a:ext cx="7886700" cy="2088007"/>
-          </a:xfrm>
-        </p:spPr>
-        <p:txBody>
-          <a:bodyPr/>
-          <a:lstStyle/>
-          <a:p>
-            <a:r>
-              <a:rPr lang="en-SG" sz="2400" dirty="0"/>
-              <a:t>3 ways of loading the library</a:t>
-            </a:r>
-          </a:p>
-          <a:p>
-            <a:pPr marL="914400" lvl="1" indent="-457200">
-              <a:buFont typeface="+mj-lt"/>
-              <a:buAutoNum type="arabicPeriod"/>
-            </a:pPr>
-            <a:r>
-              <a:rPr lang="en-SG" sz="2000" dirty="0"/>
-              <a:t>Use the Arduino Library Management system</a:t>
-            </a:r>
-          </a:p>
-          <a:p>
-            <a:pPr marL="914400" lvl="1" indent="-457200">
-              <a:buFont typeface="+mj-lt"/>
-              <a:buAutoNum type="arabicPeriod"/>
-            </a:pPr>
-            <a:r>
-              <a:rPr lang="en-SG" sz="2000" dirty="0"/>
-              <a:t>Download the compressed library (.zip) and use the IDE to load the library</a:t>
-            </a:r>
-          </a:p>
-          <a:p>
-            <a:pPr marL="914400" lvl="1" indent="-457200">
-              <a:buFont typeface="+mj-lt"/>
-              <a:buAutoNum type="arabicPeriod"/>
-            </a:pPr>
-            <a:r>
-              <a:rPr lang="en-SG" sz="2000" dirty="0"/>
-              <a:t>Download the compressed library (.zip), extract the .h and .</a:t>
-            </a:r>
-            <a:r>
-              <a:rPr lang="en-SG" sz="2000" dirty="0" err="1"/>
-              <a:t>cpp</a:t>
-            </a:r>
-            <a:r>
-              <a:rPr lang="en-SG" sz="2000" dirty="0"/>
-              <a:t> files, manually copy them into the correct folders, restart the IDE.</a:t>
-            </a:r>
-          </a:p>
-          <a:p>
-            <a:r>
-              <a:rPr lang="en-SG" sz="2400" dirty="0"/>
-              <a:t>Library folder location</a:t>
-            </a:r>
-            <a:endParaRPr lang="en-US" sz="2400" dirty="0"/>
-          </a:p>
-        </p:txBody>
-      </p:sp>
-      <p:sp>
-        <p:nvSpPr>
-          <p:cNvPr id="4" name="Slide Number Placeholder 3">
-            <a:extLst>
-              <a:ext uri="{FF2B5EF4-FFF2-40B4-BE49-F238E27FC236}">
-                <a16:creationId xmlns:a16="http://schemas.microsoft.com/office/drawing/2014/main" id="{92FA9041-AA58-4A82-9AB1-0E3F97400B14}"/>
-              </a:ext>
-            </a:extLst>
-          </p:cNvPr>
-          <p:cNvSpPr>
-            <a:spLocks noGrp="1"/>
-          </p:cNvSpPr>
-          <p:nvPr>
-            <p:ph type="sldNum" sz="quarter" idx="12"/>
-          </p:nvPr>
-        </p:nvSpPr>
-        <p:spPr/>
-        <p:txBody>
-          <a:bodyPr/>
-          <a:lstStyle/>
-          <a:p>
-            <a:fld id="{CAB166B3-F268-4CEF-878A-CFB0D0D505D3}" type="slidenum">
-              <a:rPr lang="en-US" smtClean="0"/>
-              <a:t>3</a:t>
-            </a:fld>
-            <a:endParaRPr lang="en-US"/>
           </a:p>
         </p:txBody>
       </p:sp>
       <p:graphicFrame>
         <p:nvGraphicFramePr>
-          <p:cNvPr id="5" name="Table 4">
+          <p:cNvPr id="5" name="Table 5">
             <a:extLst>
               <a:ext uri="{FF2B5EF4-FFF2-40B4-BE49-F238E27FC236}">
-                <a16:creationId xmlns:a16="http://schemas.microsoft.com/office/drawing/2014/main" id="{78997546-3EB2-425E-B6EB-778A1179AD3B}"/>
+                <a16:creationId xmlns:a16="http://schemas.microsoft.com/office/drawing/2014/main" id="{464E94DE-3A41-4AB0-BA93-A9ACAC41BFB5}"/>
               </a:ext>
             </a:extLst>
           </p:cNvPr>
@@ -3908,95 +8878,65 @@
             <a:graphicFrameLocks noGrp="1"/>
           </p:cNvGraphicFramePr>
           <p:nvPr>
+            <p:ph idx="1"/>
             <p:extLst>
               <p:ext uri="{D42A27DB-BD31-4B8C-83A1-F6EECF244321}">
-                <p14:modId xmlns:p14="http://schemas.microsoft.com/office/powerpoint/2010/main" val="2675013447"/>
+                <p14:modId xmlns:p14="http://schemas.microsoft.com/office/powerpoint/2010/main" val="2565947087"/>
               </p:ext>
             </p:extLst>
           </p:nvPr>
         </p:nvGraphicFramePr>
         <p:xfrm>
-          <a:off x="925118" y="4378588"/>
-          <a:ext cx="7482078" cy="1049106"/>
+          <a:off x="473202" y="1587881"/>
+          <a:ext cx="7886700" cy="4079240"/>
         </p:xfrm>
         <a:graphic>
           <a:graphicData uri="http://schemas.openxmlformats.org/drawingml/2006/table">
             <a:tbl>
-              <a:tblPr/>
+              <a:tblPr firstRow="1" bandRow="1">
+                <a:tableStyleId>{93296810-A885-4BE3-A3E7-6D5BEEA58F35}</a:tableStyleId>
+              </a:tblPr>
               <a:tblGrid>
-                <a:gridCol w="2771812">
+                <a:gridCol w="2096262">
                   <a:extLst>
                     <a:ext uri="{9D8B030D-6E8A-4147-A177-3AD203B41FA5}">
-                      <a16:colId xmlns:a16="http://schemas.microsoft.com/office/drawing/2014/main" val="618878277"/>
+                      <a16:colId xmlns:a16="http://schemas.microsoft.com/office/drawing/2014/main" val="1198807004"/>
                     </a:ext>
                   </a:extLst>
                 </a:gridCol>
-                <a:gridCol w="4710266">
+                <a:gridCol w="2697480">
                   <a:extLst>
                     <a:ext uri="{9D8B030D-6E8A-4147-A177-3AD203B41FA5}">
-                      <a16:colId xmlns:a16="http://schemas.microsoft.com/office/drawing/2014/main" val="4058475527"/>
+                      <a16:colId xmlns:a16="http://schemas.microsoft.com/office/drawing/2014/main" val="362845924"/>
+                    </a:ext>
+                  </a:extLst>
+                </a:gridCol>
+                <a:gridCol w="3092958">
+                  <a:extLst>
+                    <a:ext uri="{9D8B030D-6E8A-4147-A177-3AD203B41FA5}">
+                      <a16:colId xmlns:a16="http://schemas.microsoft.com/office/drawing/2014/main" val="4035551564"/>
                     </a:ext>
                   </a:extLst>
                 </a:gridCol>
               </a:tblGrid>
-              <a:tr h="277527">
+              <a:tr h="370840">
                 <a:tc>
                   <a:txBody>
                     <a:bodyPr/>
                     <a:lstStyle/>
                     <a:p>
                       <a:r>
-                        <a:rPr lang="en-US" sz="1500" b="1" dirty="0">
-                          <a:effectLst/>
-                        </a:rPr>
-                        <a:t>Library</a:t>
+                        <a:rPr lang="en-SG" sz="1600" dirty="0"/>
+                        <a:t>Physical </a:t>
                       </a:r>
+                      <a:r>
+                        <a:rPr lang="en-SG" sz="1600" dirty="0" err="1"/>
+                        <a:t>Quatity</a:t>
+                      </a:r>
+                      <a:endParaRPr lang="en-US" sz="1600" dirty="0"/>
                     </a:p>
                   </a:txBody>
-                  <a:tcPr marL="104619" marR="104619" marT="48286" marB="48286" anchor="ctr">
-                    <a:lnL w="12700" cap="flat" cmpd="sng" algn="ctr">
-                      <a:solidFill>
-                        <a:schemeClr val="tx1"/>
-                      </a:solidFill>
-                      <a:prstDash val="solid"/>
-                      <a:round/>
-                      <a:headEnd type="none" w="med" len="med"/>
-                      <a:tailEnd type="none" w="med" len="med"/>
-                    </a:lnL>
-                    <a:lnR w="12700" cap="flat" cmpd="sng" algn="ctr">
-                      <a:solidFill>
-                        <a:schemeClr val="tx1"/>
-                      </a:solidFill>
-                      <a:prstDash val="solid"/>
-                      <a:round/>
-                      <a:headEnd type="none" w="med" len="med"/>
-                      <a:tailEnd type="none" w="med" len="med"/>
-                    </a:lnR>
-                    <a:lnT w="12700" cap="flat" cmpd="sng" algn="ctr">
-                      <a:solidFill>
-                        <a:schemeClr val="tx1"/>
-                      </a:solidFill>
-                      <a:prstDash val="solid"/>
-                      <a:round/>
-                      <a:headEnd type="none" w="med" len="med"/>
-                      <a:tailEnd type="none" w="med" len="med"/>
-                    </a:lnT>
-                    <a:lnB w="12700" cap="flat" cmpd="sng" algn="ctr">
-                      <a:solidFill>
-                        <a:schemeClr val="tx1"/>
-                      </a:solidFill>
-                      <a:prstDash val="solid"/>
-                      <a:round/>
-                      <a:headEnd type="none" w="med" len="med"/>
-                      <a:tailEnd type="none" w="med" len="med"/>
-                    </a:lnB>
-                    <a:solidFill>
-                      <a:schemeClr val="accent6">
-                        <a:lumMod val="60000"/>
-                        <a:lumOff val="40000"/>
-                      </a:schemeClr>
-                    </a:solidFill>
-                  </a:tcPr>
+                  <a:tcPr/>
                 </a:tc>
                 <a:tc>
                   <a:txBody>
@@ -4004,119 +8944,13 @@
                     <a:lstStyle/>
                     <a:p>
                       <a:r>
-                        <a:rPr lang="en-US" sz="1500" b="1" dirty="0">
-                          <a:effectLst/>
-                        </a:rPr>
-                        <a:t>Folder location</a:t>
+                        <a:rPr lang="en-SG" sz="1600" dirty="0"/>
+                        <a:t>Sensor</a:t>
                       </a:r>
+                      <a:endParaRPr lang="en-US" sz="1600" dirty="0"/>
                     </a:p>
                   </a:txBody>
-                  <a:tcPr marL="104619" marR="104619" marT="48286" marB="48286" anchor="ctr">
-                    <a:lnL w="12700" cap="flat" cmpd="sng" algn="ctr">
-                      <a:solidFill>
-                        <a:schemeClr val="tx1"/>
-                      </a:solidFill>
-                      <a:prstDash val="solid"/>
-                      <a:round/>
-                      <a:headEnd type="none" w="med" len="med"/>
-                      <a:tailEnd type="none" w="med" len="med"/>
-                    </a:lnL>
-                    <a:lnR w="12700" cap="flat" cmpd="sng" algn="ctr">
-                      <a:solidFill>
-                        <a:schemeClr val="tx1"/>
-                      </a:solidFill>
-                      <a:prstDash val="solid"/>
-                      <a:round/>
-                      <a:headEnd type="none" w="med" len="med"/>
-                      <a:tailEnd type="none" w="med" len="med"/>
-                    </a:lnR>
-                    <a:lnT w="12700" cap="flat" cmpd="sng" algn="ctr">
-                      <a:solidFill>
-                        <a:schemeClr val="tx1"/>
-                      </a:solidFill>
-                      <a:prstDash val="solid"/>
-                      <a:round/>
-                      <a:headEnd type="none" w="med" len="med"/>
-                      <a:tailEnd type="none" w="med" len="med"/>
-                    </a:lnT>
-                    <a:lnB w="12700" cap="flat" cmpd="sng" algn="ctr">
-                      <a:solidFill>
-                        <a:schemeClr val="tx1"/>
-                      </a:solidFill>
-                      <a:prstDash val="solid"/>
-                      <a:round/>
-                      <a:headEnd type="none" w="med" len="med"/>
-                      <a:tailEnd type="none" w="med" len="med"/>
-                    </a:lnB>
-                    <a:solidFill>
-                      <a:schemeClr val="accent6">
-                        <a:lumMod val="60000"/>
-                        <a:lumOff val="40000"/>
-                      </a:schemeClr>
-                    </a:solidFill>
-                  </a:tcPr>
-                </a:tc>
-                <a:extLst>
-                  <a:ext uri="{0D108BD9-81ED-4DB2-BD59-A6C34878D82A}">
-                    <a16:rowId xmlns:a16="http://schemas.microsoft.com/office/drawing/2014/main" val="722141646"/>
-                  </a:ext>
-                </a:extLst>
-              </a:tr>
-              <a:tr h="264520">
-                <a:tc>
-                  <a:txBody>
-                    <a:bodyPr/>
-                    <a:lstStyle/>
-                    <a:p>
-                      <a:r>
-                        <a:rPr lang="en-US" sz="1400" dirty="0">
-                          <a:effectLst/>
-                        </a:rPr>
-                        <a:t>Arduino IDE System Libraries</a:t>
-                      </a:r>
-                    </a:p>
-                  </a:txBody>
-                  <a:tcPr marL="104619" marR="104619" marT="48286" marB="48286" anchor="ctr">
-                    <a:lnL w="12700" cap="flat" cmpd="sng" algn="ctr">
-                      <a:solidFill>
-                        <a:schemeClr val="tx1"/>
-                      </a:solidFill>
-                      <a:prstDash val="solid"/>
-                      <a:round/>
-                      <a:headEnd type="none" w="med" len="med"/>
-                      <a:tailEnd type="none" w="med" len="med"/>
-                    </a:lnL>
-                    <a:lnR w="12700" cap="flat" cmpd="sng" algn="ctr">
-                      <a:solidFill>
-                        <a:schemeClr val="tx1"/>
-                      </a:solidFill>
-                      <a:prstDash val="solid"/>
-                      <a:round/>
-                      <a:headEnd type="none" w="med" len="med"/>
-                      <a:tailEnd type="none" w="med" len="med"/>
-                    </a:lnR>
-                    <a:lnT w="12700" cap="flat" cmpd="sng" algn="ctr">
-                      <a:solidFill>
-                        <a:schemeClr val="tx1"/>
-                      </a:solidFill>
-                      <a:prstDash val="solid"/>
-                      <a:round/>
-                      <a:headEnd type="none" w="med" len="med"/>
-                      <a:tailEnd type="none" w="med" len="med"/>
-                    </a:lnT>
-                    <a:lnB w="12700" cap="flat" cmpd="sng" algn="ctr">
-                      <a:solidFill>
-                        <a:schemeClr val="tx1"/>
-                      </a:solidFill>
-                      <a:prstDash val="solid"/>
-                      <a:round/>
-                      <a:headEnd type="none" w="med" len="med"/>
-                      <a:tailEnd type="none" w="med" len="med"/>
-                    </a:lnB>
-                    <a:solidFill>
-                      <a:schemeClr val="bg1"/>
-                    </a:solidFill>
-                  </a:tcPr>
+                  <a:tcPr/>
                 </a:tc>
                 <a:tc>
                   <a:txBody>
@@ -4124,116 +8958,34 @@
                     <a:lstStyle/>
                     <a:p>
                       <a:r>
-                        <a:rPr lang="pt-BR" sz="1400" dirty="0">
-                          <a:effectLst/>
-                        </a:rPr>
-                        <a:t>C:\Program Files (x86)\Arduino\libraries</a:t>
+                        <a:rPr lang="en-SG" sz="1600" dirty="0"/>
+                        <a:t>Typical devices</a:t>
                       </a:r>
+                      <a:endParaRPr lang="en-US" sz="1600" dirty="0"/>
                     </a:p>
                   </a:txBody>
-                  <a:tcPr marL="104619" marR="104619" marT="48286" marB="48286" anchor="ctr">
-                    <a:lnL w="12700" cap="flat" cmpd="sng" algn="ctr">
-                      <a:solidFill>
-                        <a:schemeClr val="tx1"/>
-                      </a:solidFill>
-                      <a:prstDash val="solid"/>
-                      <a:round/>
-                      <a:headEnd type="none" w="med" len="med"/>
-                      <a:tailEnd type="none" w="med" len="med"/>
-                    </a:lnL>
-                    <a:lnR w="12700" cap="flat" cmpd="sng" algn="ctr">
-                      <a:solidFill>
-                        <a:schemeClr val="tx1"/>
-                      </a:solidFill>
-                      <a:prstDash val="solid"/>
-                      <a:round/>
-                      <a:headEnd type="none" w="med" len="med"/>
-                      <a:tailEnd type="none" w="med" len="med"/>
-                    </a:lnR>
-                    <a:lnT w="12700" cap="flat" cmpd="sng" algn="ctr">
-                      <a:solidFill>
-                        <a:schemeClr val="tx1"/>
-                      </a:solidFill>
-                      <a:prstDash val="solid"/>
-                      <a:round/>
-                      <a:headEnd type="none" w="med" len="med"/>
-                      <a:tailEnd type="none" w="med" len="med"/>
-                    </a:lnT>
-                    <a:lnB w="12700" cap="flat" cmpd="sng" algn="ctr">
-                      <a:solidFill>
-                        <a:schemeClr val="tx1"/>
-                      </a:solidFill>
-                      <a:prstDash val="solid"/>
-                      <a:round/>
-                      <a:headEnd type="none" w="med" len="med"/>
-                      <a:tailEnd type="none" w="med" len="med"/>
-                    </a:lnB>
-                    <a:solidFill>
-                      <a:schemeClr val="bg1"/>
-                    </a:solidFill>
-                  </a:tcPr>
+                  <a:tcPr/>
                 </a:tc>
                 <a:extLst>
                   <a:ext uri="{0D108BD9-81ED-4DB2-BD59-A6C34878D82A}">
-                    <a16:rowId xmlns:a16="http://schemas.microsoft.com/office/drawing/2014/main" val="3731465853"/>
+                    <a16:rowId xmlns:a16="http://schemas.microsoft.com/office/drawing/2014/main" val="3443156516"/>
                   </a:ext>
                 </a:extLst>
               </a:tr>
-              <a:tr h="414002">
+              <a:tr h="370840">
                 <a:tc>
                   <a:txBody>
                     <a:bodyPr/>
                     <a:lstStyle/>
                     <a:p>
                       <a:r>
-                        <a:rPr lang="en-US" sz="1400" dirty="0">
-                          <a:effectLst/>
-                        </a:rPr>
-                        <a:t>User libraries</a:t>
+                        <a:rPr lang="en-SG" sz="1600" dirty="0"/>
+                        <a:t>Heat</a:t>
                       </a:r>
+                      <a:endParaRPr lang="en-US" sz="1600" dirty="0"/>
                     </a:p>
                   </a:txBody>
-                  <a:tcPr marL="104619" marR="104619" marT="48286" marB="48286" anchor="ctr">
-                    <a:lnL w="12700" cap="flat" cmpd="sng" algn="ctr">
-                      <a:solidFill>
-                        <a:schemeClr val="tx1"/>
-                      </a:solidFill>
-                      <a:prstDash val="solid"/>
-                      <a:round/>
-                      <a:headEnd type="none" w="med" len="med"/>
-                      <a:tailEnd type="none" w="med" len="med"/>
-                    </a:lnL>
-                    <a:lnR w="12700" cap="flat" cmpd="sng" algn="ctr">
-                      <a:solidFill>
-                        <a:schemeClr val="tx1"/>
-                      </a:solidFill>
-                      <a:prstDash val="solid"/>
-                      <a:round/>
-                      <a:headEnd type="none" w="med" len="med"/>
-                      <a:tailEnd type="none" w="med" len="med"/>
-                    </a:lnR>
-                    <a:lnT w="12700" cap="flat" cmpd="sng" algn="ctr">
-                      <a:solidFill>
-                        <a:schemeClr val="tx1"/>
-                      </a:solidFill>
-                      <a:prstDash val="solid"/>
-                      <a:round/>
-                      <a:headEnd type="none" w="med" len="med"/>
-                      <a:tailEnd type="none" w="med" len="med"/>
-                    </a:lnT>
-                    <a:lnB w="12700" cap="flat" cmpd="sng" algn="ctr">
-                      <a:solidFill>
-                        <a:schemeClr val="tx1"/>
-                      </a:solidFill>
-                      <a:prstDash val="solid"/>
-                      <a:round/>
-                      <a:headEnd type="none" w="med" len="med"/>
-                      <a:tailEnd type="none" w="med" len="med"/>
-                    </a:lnB>
-                    <a:solidFill>
-                      <a:schemeClr val="bg1"/>
-                    </a:solidFill>
-                  </a:tcPr>
+                  <a:tcPr/>
                 </a:tc>
                 <a:tc>
                   <a:txBody>
@@ -4241,58 +8993,552 @@
                     <a:lstStyle/>
                     <a:p>
                       <a:r>
-                        <a:rPr lang="en-US" sz="1400" dirty="0">
-                          <a:effectLst/>
-                        </a:rPr>
-                        <a:t>C:\Users\&lt;username&gt;\Documents\Arduino\libraries</a:t>
+                        <a:rPr lang="en-SG" sz="1600" dirty="0"/>
+                        <a:t>Thermal probe</a:t>
                       </a:r>
+                      <a:endParaRPr lang="en-US" sz="1600" dirty="0"/>
                     </a:p>
                   </a:txBody>
-                  <a:tcPr marL="104619" marR="104619" marT="48286" marB="48286" anchor="ctr">
-                    <a:lnL w="12700" cap="flat" cmpd="sng" algn="ctr">
-                      <a:solidFill>
-                        <a:schemeClr val="tx1"/>
-                      </a:solidFill>
-                      <a:prstDash val="solid"/>
-                      <a:round/>
-                      <a:headEnd type="none" w="med" len="med"/>
-                      <a:tailEnd type="none" w="med" len="med"/>
-                    </a:lnL>
-                    <a:lnR w="12700" cap="flat" cmpd="sng" algn="ctr">
-                      <a:solidFill>
-                        <a:schemeClr val="tx1"/>
-                      </a:solidFill>
-                      <a:prstDash val="solid"/>
-                      <a:round/>
-                      <a:headEnd type="none" w="med" len="med"/>
-                      <a:tailEnd type="none" w="med" len="med"/>
-                    </a:lnR>
-                    <a:lnT w="12700" cap="flat" cmpd="sng" algn="ctr">
-                      <a:solidFill>
-                        <a:schemeClr val="tx1"/>
-                      </a:solidFill>
-                      <a:prstDash val="solid"/>
-                      <a:round/>
-                      <a:headEnd type="none" w="med" len="med"/>
-                      <a:tailEnd type="none" w="med" len="med"/>
-                    </a:lnT>
-                    <a:lnB w="12700" cap="flat" cmpd="sng" algn="ctr">
-                      <a:solidFill>
-                        <a:schemeClr val="tx1"/>
-                      </a:solidFill>
-                      <a:prstDash val="solid"/>
-                      <a:round/>
-                      <a:headEnd type="none" w="med" len="med"/>
-                      <a:tailEnd type="none" w="med" len="med"/>
-                    </a:lnB>
-                    <a:solidFill>
-                      <a:schemeClr val="bg1"/>
-                    </a:solidFill>
-                  </a:tcPr>
+                  <a:tcPr/>
+                </a:tc>
+                <a:tc>
+                  <a:txBody>
+                    <a:bodyPr/>
+                    <a:lstStyle/>
+                    <a:p>
+                      <a:r>
+                        <a:rPr lang="en-SG" sz="1600" dirty="0">
+                          <a:hlinkClick r:id="rId2"/>
+                        </a:rPr>
+                        <a:t>LM35</a:t>
+                      </a:r>
+                      <a:r>
+                        <a:rPr lang="en-SG" sz="1600" dirty="0"/>
+                        <a:t>, </a:t>
+                      </a:r>
+                      <a:r>
+                        <a:rPr lang="en-SG" sz="1600" dirty="0">
+                          <a:hlinkClick r:id="rId3"/>
+                        </a:rPr>
+                        <a:t>DHT11</a:t>
+                      </a:r>
+                      <a:r>
+                        <a:rPr lang="en-SG" sz="1600" dirty="0"/>
+                        <a:t>, </a:t>
+                      </a:r>
+                      <a:r>
+                        <a:rPr lang="en-SG" sz="1600" dirty="0">
+                          <a:hlinkClick r:id="rId4"/>
+                        </a:rPr>
+                        <a:t>DS18B20</a:t>
+                      </a:r>
+                      <a:endParaRPr lang="en-US" sz="1600" dirty="0"/>
+                    </a:p>
+                  </a:txBody>
+                  <a:tcPr/>
                 </a:tc>
                 <a:extLst>
                   <a:ext uri="{0D108BD9-81ED-4DB2-BD59-A6C34878D82A}">
-                    <a16:rowId xmlns:a16="http://schemas.microsoft.com/office/drawing/2014/main" val="818806029"/>
+                    <a16:rowId xmlns:a16="http://schemas.microsoft.com/office/drawing/2014/main" val="1669065644"/>
+                  </a:ext>
+                </a:extLst>
+              </a:tr>
+              <a:tr h="370840">
+                <a:tc>
+                  <a:txBody>
+                    <a:bodyPr/>
+                    <a:lstStyle/>
+                    <a:p>
+                      <a:r>
+                        <a:rPr lang="en-SG" sz="1600" dirty="0"/>
+                        <a:t>Light</a:t>
+                      </a:r>
+                      <a:endParaRPr lang="en-US" sz="1600" dirty="0"/>
+                    </a:p>
+                  </a:txBody>
+                  <a:tcPr/>
+                </a:tc>
+                <a:tc>
+                  <a:txBody>
+                    <a:bodyPr/>
+                    <a:lstStyle/>
+                    <a:p>
+                      <a:r>
+                        <a:rPr lang="en-SG" sz="1600" dirty="0"/>
+                        <a:t>Light-sensitive transistor</a:t>
+                      </a:r>
+                      <a:endParaRPr lang="en-US" sz="1600" dirty="0"/>
+                    </a:p>
+                  </a:txBody>
+                  <a:tcPr/>
+                </a:tc>
+                <a:tc>
+                  <a:txBody>
+                    <a:bodyPr/>
+                    <a:lstStyle/>
+                    <a:p>
+                      <a:r>
+                        <a:rPr lang="en-SG" sz="1600" dirty="0">
+                          <a:hlinkClick r:id="rId5"/>
+                        </a:rPr>
+                        <a:t>LDR-5516</a:t>
+                      </a:r>
+                      <a:r>
+                        <a:rPr lang="en-SG" sz="1600" dirty="0"/>
+                        <a:t>, </a:t>
+                      </a:r>
+                      <a:r>
+                        <a:rPr lang="en-SG" sz="1600" dirty="0">
+                          <a:hlinkClick r:id="rId6"/>
+                        </a:rPr>
+                        <a:t>Light detectors</a:t>
+                      </a:r>
+                      <a:endParaRPr lang="en-US" sz="1600" dirty="0"/>
+                    </a:p>
+                  </a:txBody>
+                  <a:tcPr/>
+                </a:tc>
+                <a:extLst>
+                  <a:ext uri="{0D108BD9-81ED-4DB2-BD59-A6C34878D82A}">
+                    <a16:rowId xmlns:a16="http://schemas.microsoft.com/office/drawing/2014/main" val="2883368546"/>
+                  </a:ext>
+                </a:extLst>
+              </a:tr>
+              <a:tr h="370840">
+                <a:tc>
+                  <a:txBody>
+                    <a:bodyPr/>
+                    <a:lstStyle/>
+                    <a:p>
+                      <a:r>
+                        <a:rPr lang="en-SG" sz="1600" dirty="0"/>
+                        <a:t>Sound</a:t>
+                      </a:r>
+                      <a:endParaRPr lang="en-US" sz="1600" dirty="0"/>
+                    </a:p>
+                  </a:txBody>
+                  <a:tcPr/>
+                </a:tc>
+                <a:tc>
+                  <a:txBody>
+                    <a:bodyPr/>
+                    <a:lstStyle/>
+                    <a:p>
+                      <a:r>
+                        <a:rPr lang="en-SG" sz="1600" dirty="0"/>
+                        <a:t>Microphones</a:t>
+                      </a:r>
+                      <a:endParaRPr lang="en-US" sz="1600" dirty="0"/>
+                    </a:p>
+                  </a:txBody>
+                  <a:tcPr/>
+                </a:tc>
+                <a:tc>
+                  <a:txBody>
+                    <a:bodyPr/>
+                    <a:lstStyle/>
+                    <a:p>
+                      <a:r>
+                        <a:rPr lang="en-SG" sz="1600" dirty="0">
+                          <a:hlinkClick r:id="rId7"/>
+                        </a:rPr>
+                        <a:t>Sound Sensor KY-038</a:t>
+                      </a:r>
+                      <a:endParaRPr lang="en-US" sz="1600" dirty="0"/>
+                    </a:p>
+                  </a:txBody>
+                  <a:tcPr/>
+                </a:tc>
+                <a:extLst>
+                  <a:ext uri="{0D108BD9-81ED-4DB2-BD59-A6C34878D82A}">
+                    <a16:rowId xmlns:a16="http://schemas.microsoft.com/office/drawing/2014/main" val="2372139030"/>
+                  </a:ext>
+                </a:extLst>
+              </a:tr>
+              <a:tr h="370840">
+                <a:tc>
+                  <a:txBody>
+                    <a:bodyPr/>
+                    <a:lstStyle/>
+                    <a:p>
+                      <a:r>
+                        <a:rPr lang="en-SG" sz="1600" dirty="0"/>
+                        <a:t>Distance</a:t>
+                      </a:r>
+                      <a:endParaRPr lang="en-US" sz="1600" dirty="0"/>
+                    </a:p>
+                  </a:txBody>
+                  <a:tcPr/>
+                </a:tc>
+                <a:tc>
+                  <a:txBody>
+                    <a:bodyPr/>
+                    <a:lstStyle/>
+                    <a:p>
+                      <a:r>
+                        <a:rPr lang="en-SG" sz="1600" dirty="0"/>
+                        <a:t>Ultrasonic distance measurer</a:t>
+                      </a:r>
+                      <a:endParaRPr lang="en-US" sz="1600" dirty="0"/>
+                    </a:p>
+                  </a:txBody>
+                  <a:tcPr/>
+                </a:tc>
+                <a:tc>
+                  <a:txBody>
+                    <a:bodyPr/>
+                    <a:lstStyle/>
+                    <a:p>
+                      <a:r>
+                        <a:rPr lang="en-SG" sz="1600" dirty="0">
+                          <a:hlinkClick r:id="rId8"/>
+                        </a:rPr>
+                        <a:t>HC-SR04</a:t>
+                      </a:r>
+                      <a:endParaRPr lang="en-US" sz="1600" dirty="0"/>
+                    </a:p>
+                  </a:txBody>
+                  <a:tcPr/>
+                </a:tc>
+                <a:extLst>
+                  <a:ext uri="{0D108BD9-81ED-4DB2-BD59-A6C34878D82A}">
+                    <a16:rowId xmlns:a16="http://schemas.microsoft.com/office/drawing/2014/main" val="2950011905"/>
+                  </a:ext>
+                </a:extLst>
+              </a:tr>
+              <a:tr h="370840">
+                <a:tc>
+                  <a:txBody>
+                    <a:bodyPr/>
+                    <a:lstStyle/>
+                    <a:p>
+                      <a:r>
+                        <a:rPr lang="en-SG" sz="1600" dirty="0"/>
+                        <a:t>Touch</a:t>
+                      </a:r>
+                      <a:endParaRPr lang="en-US" sz="1600" dirty="0"/>
+                    </a:p>
+                  </a:txBody>
+                  <a:tcPr/>
+                </a:tc>
+                <a:tc>
+                  <a:txBody>
+                    <a:bodyPr/>
+                    <a:lstStyle/>
+                    <a:p>
+                      <a:r>
+                        <a:rPr lang="en-SG" sz="1600" dirty="0"/>
+                        <a:t>Capacitive touch plate</a:t>
+                      </a:r>
+                      <a:endParaRPr lang="en-US" sz="1600" dirty="0"/>
+                    </a:p>
+                  </a:txBody>
+                  <a:tcPr/>
+                </a:tc>
+                <a:tc>
+                  <a:txBody>
+                    <a:bodyPr/>
+                    <a:lstStyle/>
+                    <a:p>
+                      <a:r>
+                        <a:rPr lang="en-SG" sz="1600" dirty="0">
+                          <a:hlinkClick r:id="rId9"/>
+                        </a:rPr>
+                        <a:t>Touch switches</a:t>
+                      </a:r>
+                      <a:endParaRPr lang="en-US" sz="1600" dirty="0"/>
+                    </a:p>
+                  </a:txBody>
+                  <a:tcPr/>
+                </a:tc>
+                <a:extLst>
+                  <a:ext uri="{0D108BD9-81ED-4DB2-BD59-A6C34878D82A}">
+                    <a16:rowId xmlns:a16="http://schemas.microsoft.com/office/drawing/2014/main" val="972995027"/>
+                  </a:ext>
+                </a:extLst>
+              </a:tr>
+              <a:tr h="370840">
+                <a:tc>
+                  <a:txBody>
+                    <a:bodyPr/>
+                    <a:lstStyle/>
+                    <a:p>
+                      <a:r>
+                        <a:rPr lang="en-SG" sz="1600" dirty="0"/>
+                        <a:t>Movement</a:t>
+                      </a:r>
+                      <a:endParaRPr lang="en-US" sz="1600" dirty="0"/>
+                    </a:p>
+                  </a:txBody>
+                  <a:tcPr/>
+                </a:tc>
+                <a:tc>
+                  <a:txBody>
+                    <a:bodyPr/>
+                    <a:lstStyle/>
+                    <a:p>
+                      <a:r>
+                        <a:rPr lang="en-SG" sz="1600" dirty="0"/>
+                        <a:t>Infra-red movement detector</a:t>
+                      </a:r>
+                      <a:endParaRPr lang="en-US" sz="1600" dirty="0"/>
+                    </a:p>
+                  </a:txBody>
+                  <a:tcPr/>
+                </a:tc>
+                <a:tc>
+                  <a:txBody>
+                    <a:bodyPr/>
+                    <a:lstStyle/>
+                    <a:p>
+                      <a:r>
+                        <a:rPr lang="en-SG" sz="1600" dirty="0">
+                          <a:hlinkClick r:id="rId10"/>
+                        </a:rPr>
+                        <a:t>HC-SR501 PIR</a:t>
+                      </a:r>
+                      <a:r>
+                        <a:rPr lang="en-SG" sz="1600" dirty="0"/>
+                        <a:t>, </a:t>
+                      </a:r>
+                      <a:r>
+                        <a:rPr lang="en-SG" sz="1600" dirty="0">
+                          <a:hlinkClick r:id="rId11"/>
+                        </a:rPr>
+                        <a:t>RCWL-0516</a:t>
+                      </a:r>
+                      <a:endParaRPr lang="en-US" sz="1600" dirty="0"/>
+                    </a:p>
+                  </a:txBody>
+                  <a:tcPr/>
+                </a:tc>
+                <a:extLst>
+                  <a:ext uri="{0D108BD9-81ED-4DB2-BD59-A6C34878D82A}">
+                    <a16:rowId xmlns:a16="http://schemas.microsoft.com/office/drawing/2014/main" val="948529097"/>
+                  </a:ext>
+                </a:extLst>
+              </a:tr>
+              <a:tr h="370840">
+                <a:tc>
+                  <a:txBody>
+                    <a:bodyPr/>
+                    <a:lstStyle/>
+                    <a:p>
+                      <a:r>
+                        <a:rPr lang="en-SG" sz="1600" dirty="0"/>
+                        <a:t>Water (Humidity)</a:t>
+                      </a:r>
+                      <a:endParaRPr lang="en-US" sz="1600" dirty="0"/>
+                    </a:p>
+                  </a:txBody>
+                  <a:tcPr/>
+                </a:tc>
+                <a:tc>
+                  <a:txBody>
+                    <a:bodyPr/>
+                    <a:lstStyle/>
+                    <a:p>
+                      <a:r>
+                        <a:rPr lang="en-SG" sz="1600" dirty="0"/>
+                        <a:t>Humidity sensor</a:t>
+                      </a:r>
+                      <a:endParaRPr lang="en-US" sz="1600" dirty="0"/>
+                    </a:p>
+                  </a:txBody>
+                  <a:tcPr/>
+                </a:tc>
+                <a:tc>
+                  <a:txBody>
+                    <a:bodyPr/>
+                    <a:lstStyle/>
+                    <a:p>
+                      <a:r>
+                        <a:rPr lang="en-SG" sz="1600" dirty="0">
+                          <a:hlinkClick r:id="rId3"/>
+                        </a:rPr>
+                        <a:t>DHT-11</a:t>
+                      </a:r>
+                      <a:r>
+                        <a:rPr lang="en-SG" sz="1600" dirty="0"/>
+                        <a:t>, </a:t>
+                      </a:r>
+                      <a:r>
+                        <a:rPr lang="en-SG" sz="1600" dirty="0">
+                          <a:hlinkClick r:id="rId12"/>
+                        </a:rPr>
+                        <a:t>Water level sensor</a:t>
+                      </a:r>
+                      <a:endParaRPr lang="en-US" sz="1600" dirty="0"/>
+                    </a:p>
+                  </a:txBody>
+                  <a:tcPr/>
+                </a:tc>
+                <a:extLst>
+                  <a:ext uri="{0D108BD9-81ED-4DB2-BD59-A6C34878D82A}">
+                    <a16:rowId xmlns:a16="http://schemas.microsoft.com/office/drawing/2014/main" val="4166285166"/>
+                  </a:ext>
+                </a:extLst>
+              </a:tr>
+              <a:tr h="370840">
+                <a:tc>
+                  <a:txBody>
+                    <a:bodyPr/>
+                    <a:lstStyle/>
+                    <a:p>
+                      <a:r>
+                        <a:rPr lang="en-SG" sz="1600" dirty="0"/>
+                        <a:t>Time</a:t>
+                      </a:r>
+                      <a:endParaRPr lang="en-US" sz="1600" dirty="0"/>
+                    </a:p>
+                  </a:txBody>
+                  <a:tcPr/>
+                </a:tc>
+                <a:tc>
+                  <a:txBody>
+                    <a:bodyPr/>
+                    <a:lstStyle/>
+                    <a:p>
+                      <a:r>
+                        <a:rPr lang="en-SG" sz="1600" dirty="0"/>
+                        <a:t>Real-time Clocks</a:t>
+                      </a:r>
+                      <a:endParaRPr lang="en-US" sz="1600" dirty="0"/>
+                    </a:p>
+                  </a:txBody>
+                  <a:tcPr/>
+                </a:tc>
+                <a:tc>
+                  <a:txBody>
+                    <a:bodyPr/>
+                    <a:lstStyle/>
+                    <a:p>
+                      <a:r>
+                        <a:rPr lang="en-SG" sz="1600" dirty="0">
+                          <a:hlinkClick r:id="rId13"/>
+                        </a:rPr>
+                        <a:t>DS3231. DS1302</a:t>
+                      </a:r>
+                      <a:endParaRPr lang="en-US" sz="1600" dirty="0"/>
+                    </a:p>
+                  </a:txBody>
+                  <a:tcPr/>
+                </a:tc>
+                <a:extLst>
+                  <a:ext uri="{0D108BD9-81ED-4DB2-BD59-A6C34878D82A}">
+                    <a16:rowId xmlns:a16="http://schemas.microsoft.com/office/drawing/2014/main" val="3610389493"/>
+                  </a:ext>
+                </a:extLst>
+              </a:tr>
+              <a:tr h="370840">
+                <a:tc>
+                  <a:txBody>
+                    <a:bodyPr/>
+                    <a:lstStyle/>
+                    <a:p>
+                      <a:r>
+                        <a:rPr lang="en-SG" sz="1600" dirty="0"/>
+                        <a:t>Weight</a:t>
+                      </a:r>
+                      <a:endParaRPr lang="en-US" sz="1600" dirty="0"/>
+                    </a:p>
+                  </a:txBody>
+                  <a:tcPr/>
+                </a:tc>
+                <a:tc>
+                  <a:txBody>
+                    <a:bodyPr/>
+                    <a:lstStyle/>
+                    <a:p>
+                      <a:r>
+                        <a:rPr lang="en-SG" sz="1600" dirty="0"/>
+                        <a:t>Load Cell</a:t>
+                      </a:r>
+                      <a:endParaRPr lang="en-US" sz="1600" dirty="0"/>
+                    </a:p>
+                  </a:txBody>
+                  <a:tcPr/>
+                </a:tc>
+                <a:tc>
+                  <a:txBody>
+                    <a:bodyPr/>
+                    <a:lstStyle/>
+                    <a:p>
+                      <a:r>
+                        <a:rPr lang="en-SG" sz="1600" dirty="0">
+                          <a:hlinkClick r:id="rId14"/>
+                        </a:rPr>
+                        <a:t>LWC with HX711 ADC</a:t>
+                      </a:r>
+                      <a:endParaRPr lang="en-US" sz="1600" dirty="0"/>
+                    </a:p>
+                  </a:txBody>
+                  <a:tcPr/>
+                </a:tc>
+                <a:extLst>
+                  <a:ext uri="{0D108BD9-81ED-4DB2-BD59-A6C34878D82A}">
+                    <a16:rowId xmlns:a16="http://schemas.microsoft.com/office/drawing/2014/main" val="2915685284"/>
+                  </a:ext>
+                </a:extLst>
+              </a:tr>
+              <a:tr h="370840">
+                <a:tc>
+                  <a:txBody>
+                    <a:bodyPr/>
+                    <a:lstStyle/>
+                    <a:p>
+                      <a:r>
+                        <a:rPr lang="en-SG" sz="1600" dirty="0"/>
+                        <a:t>Video</a:t>
+                      </a:r>
+                      <a:endParaRPr lang="en-US" sz="1600" dirty="0"/>
+                    </a:p>
+                  </a:txBody>
+                  <a:tcPr/>
+                </a:tc>
+                <a:tc>
+                  <a:txBody>
+                    <a:bodyPr/>
+                    <a:lstStyle/>
+                    <a:p>
+                      <a:r>
+                        <a:rPr lang="en-SG" sz="1600" dirty="0"/>
+                        <a:t>Video Camera</a:t>
+                      </a:r>
+                      <a:endParaRPr lang="en-US" sz="1600" dirty="0"/>
+                    </a:p>
+                  </a:txBody>
+                  <a:tcPr/>
+                </a:tc>
+                <a:tc>
+                  <a:txBody>
+                    <a:bodyPr/>
+                    <a:lstStyle/>
+                    <a:p>
+                      <a:r>
+                        <a:rPr lang="en-SG" sz="1600" dirty="0">
+                          <a:hlinkClick r:id="rId15"/>
+                        </a:rPr>
+                        <a:t>OV7670</a:t>
+                      </a:r>
+                      <a:r>
+                        <a:rPr lang="en-SG" sz="1600" dirty="0"/>
+                        <a:t>, </a:t>
+                      </a:r>
+                      <a:r>
+                        <a:rPr lang="en-SG" sz="1600" dirty="0">
+                          <a:hlinkClick r:id="rId16"/>
+                        </a:rPr>
+                        <a:t>Pixy2</a:t>
+                      </a:r>
+                      <a:endParaRPr lang="en-US" sz="1600" dirty="0"/>
+                    </a:p>
+                  </a:txBody>
+                  <a:tcPr/>
+                </a:tc>
+                <a:extLst>
+                  <a:ext uri="{0D108BD9-81ED-4DB2-BD59-A6C34878D82A}">
+                    <a16:rowId xmlns:a16="http://schemas.microsoft.com/office/drawing/2014/main" val="1861819270"/>
                   </a:ext>
                 </a:extLst>
               </a:tr>
@@ -4302,10 +9548,39 @@
       </p:graphicFrame>
       <p:sp>
         <p:nvSpPr>
+          <p:cNvPr id="4" name="Slide Number Placeholder 3">
+            <a:extLst>
+              <a:ext uri="{FF2B5EF4-FFF2-40B4-BE49-F238E27FC236}">
+                <a16:creationId xmlns:a16="http://schemas.microsoft.com/office/drawing/2014/main" id="{9F3D46FD-DB49-4C53-8ACC-FE9387447526}"/>
+              </a:ext>
+            </a:extLst>
+          </p:cNvPr>
+          <p:cNvSpPr>
+            <a:spLocks noGrp="1"/>
+          </p:cNvSpPr>
+          <p:nvPr>
+            <p:ph type="sldNum" sz="quarter" idx="12"/>
+          </p:nvPr>
+        </p:nvSpPr>
+        <p:spPr/>
+        <p:txBody>
+          <a:bodyPr/>
+          <a:lstStyle/>
+          <a:p>
+            <a:fld id="{CAB166B3-F268-4CEF-878A-CFB0D0D505D3}" type="slidenum">
+              <a:rPr lang="en-US" smtClean="0"/>
+              <a:t>3</a:t>
+            </a:fld>
+            <a:endParaRPr lang="en-US"/>
+          </a:p>
+        </p:txBody>
+      </p:sp>
+      <p:sp>
+        <p:nvSpPr>
           <p:cNvPr id="6" name="TextBox 5">
             <a:extLst>
               <a:ext uri="{FF2B5EF4-FFF2-40B4-BE49-F238E27FC236}">
-                <a16:creationId xmlns:a16="http://schemas.microsoft.com/office/drawing/2014/main" id="{23E0FFB2-58B9-4C4C-984F-7A9A433FF9A9}"/>
+                <a16:creationId xmlns:a16="http://schemas.microsoft.com/office/drawing/2014/main" id="{5AF52CEF-4213-4B02-AF1F-E4118147EC05}"/>
               </a:ext>
             </a:extLst>
           </p:cNvPr>
@@ -4314,8 +9589,8 @@
         </p:nvSpPr>
         <p:spPr>
           <a:xfrm>
-            <a:off x="4629174" y="5554096"/>
-            <a:ext cx="3778022" cy="338554"/>
+            <a:off x="4572000" y="5707916"/>
+            <a:ext cx="3146631" cy="830997"/>
           </a:xfrm>
           <a:prstGeom prst="rect">
             <a:avLst/>
@@ -4330,21 +9605,61 @@
           <a:p>
             <a:pPr algn="l"/>
             <a:r>
-              <a:rPr lang="en-SG" sz="1600" dirty="0"/>
-              <a:t>User Library folder: </a:t>
-            </a:r>
-            <a:r>
-              <a:rPr lang="en-SG" sz="1600" b="1" dirty="0"/>
-              <a:t>IDE &gt; File &gt; Preferences</a:t>
-            </a:r>
-            <a:endParaRPr lang="en-US" sz="1600" b="1" dirty="0"/>
+              <a:rPr lang="en-SG" sz="1200" dirty="0"/>
+              <a:t>Ref: </a:t>
+            </a:r>
+          </a:p>
+          <a:p>
+            <a:pPr marL="285750" indent="-285750" algn="l">
+              <a:buFont typeface="Arial" panose="020B0604020202020204" pitchFamily="34" charset="0"/>
+              <a:buChar char="•"/>
+            </a:pPr>
+            <a:r>
+              <a:rPr lang="en-SG" sz="1200" dirty="0">
+                <a:hlinkClick r:id="rId17"/>
+              </a:rPr>
+              <a:t>Arduino - 245 Sensor Projects</a:t>
+            </a:r>
+            <a:endParaRPr lang="en-SG" sz="1200" dirty="0"/>
+          </a:p>
+          <a:p>
+            <a:pPr marL="285750" indent="-285750" algn="l">
+              <a:buFont typeface="Arial" panose="020B0604020202020204" pitchFamily="34" charset="0"/>
+              <a:buChar char="•"/>
+            </a:pPr>
+            <a:r>
+              <a:rPr lang="en-SG" sz="1200" dirty="0" err="1">
+                <a:hlinkClick r:id="rId18"/>
+              </a:rPr>
+              <a:t>Instructables</a:t>
+            </a:r>
+            <a:r>
+              <a:rPr lang="en-SG" sz="1200" dirty="0">
+                <a:hlinkClick r:id="rId18"/>
+              </a:rPr>
+              <a:t> – 37 in 1 Sensor Kit Explained</a:t>
+            </a:r>
+            <a:endParaRPr lang="en-SG" sz="1200" dirty="0"/>
+          </a:p>
+          <a:p>
+            <a:pPr marL="285750" indent="-285750" algn="l">
+              <a:buFont typeface="Arial" panose="020B0604020202020204" pitchFamily="34" charset="0"/>
+              <a:buChar char="•"/>
+            </a:pPr>
+            <a:r>
+              <a:rPr lang="en-SG" sz="1200" dirty="0">
+                <a:hlinkClick r:id="rId19"/>
+              </a:rPr>
+              <a:t>Bas On Tech – Arduino Tutorials</a:t>
+            </a:r>
+            <a:endParaRPr lang="en-US" sz="1200" dirty="0"/>
           </a:p>
         </p:txBody>
       </p:sp>
     </p:spTree>
     <p:extLst>
       <p:ext uri="{BB962C8B-B14F-4D97-AF65-F5344CB8AC3E}">
-        <p14:creationId xmlns:p14="http://schemas.microsoft.com/office/powerpoint/2010/main" val="1844650874"/>
+        <p14:creationId xmlns:p14="http://schemas.microsoft.com/office/powerpoint/2010/main" val="2440350042"/>
       </p:ext>
     </p:extLst>
   </p:cSld>
@@ -4376,7 +9691,7 @@
           <p:cNvPr id="2" name="Title 1">
             <a:extLst>
               <a:ext uri="{FF2B5EF4-FFF2-40B4-BE49-F238E27FC236}">
-                <a16:creationId xmlns:a16="http://schemas.microsoft.com/office/drawing/2014/main" id="{EF6C5E0C-61AF-487C-BF44-A7122FEFE042}"/>
+                <a16:creationId xmlns:a16="http://schemas.microsoft.com/office/drawing/2014/main" id="{41F98E9D-D2C9-4652-8D08-66490B3D4785}"/>
               </a:ext>
             </a:extLst>
           </p:cNvPr>
@@ -4394,18 +9709,77 @@
           <a:p>
             <a:r>
               <a:rPr lang="en-SG" dirty="0"/>
-              <a:t>Arduino IDE Managed Libraries</a:t>
+              <a:t>Measure Light Intensity</a:t>
             </a:r>
             <a:endParaRPr lang="en-US" dirty="0"/>
           </a:p>
         </p:txBody>
       </p:sp>
+      <p:pic>
+        <p:nvPicPr>
+          <p:cNvPr id="10" name="Content Placeholder 9">
+            <a:extLst>
+              <a:ext uri="{FF2B5EF4-FFF2-40B4-BE49-F238E27FC236}">
+                <a16:creationId xmlns:a16="http://schemas.microsoft.com/office/drawing/2014/main" id="{424F1A36-3B89-4C3E-BEEF-4DEC169B536E}"/>
+              </a:ext>
+            </a:extLst>
+          </p:cNvPr>
+          <p:cNvPicPr>
+            <a:picLocks noGrp="1" noChangeAspect="1"/>
+          </p:cNvPicPr>
+          <p:nvPr>
+            <p:ph sz="half" idx="1"/>
+          </p:nvPr>
+        </p:nvPicPr>
+        <p:blipFill>
+          <a:blip r:embed="rId2"/>
+          <a:stretch>
+            <a:fillRect/>
+          </a:stretch>
+        </p:blipFill>
+        <p:spPr>
+          <a:xfrm>
+            <a:off x="638175" y="1865217"/>
+            <a:ext cx="3867150" cy="4162425"/>
+          </a:xfrm>
+        </p:spPr>
+      </p:pic>
+      <p:pic>
+        <p:nvPicPr>
+          <p:cNvPr id="7" name="Content Placeholder 6">
+            <a:hlinkClick r:id="rId3"/>
+            <a:extLst>
+              <a:ext uri="{FF2B5EF4-FFF2-40B4-BE49-F238E27FC236}">
+                <a16:creationId xmlns:a16="http://schemas.microsoft.com/office/drawing/2014/main" id="{179E1318-8168-4BBB-BFF2-0F464BEAC0B8}"/>
+              </a:ext>
+            </a:extLst>
+          </p:cNvPr>
+          <p:cNvPicPr>
+            <a:picLocks noGrp="1" noChangeAspect="1"/>
+          </p:cNvPicPr>
+          <p:nvPr>
+            <p:ph sz="half" idx="2"/>
+          </p:nvPr>
+        </p:nvPicPr>
+        <p:blipFill>
+          <a:blip r:embed="rId4"/>
+          <a:stretch>
+            <a:fillRect/>
+          </a:stretch>
+        </p:blipFill>
+        <p:spPr>
+          <a:xfrm>
+            <a:off x="4629150" y="1860965"/>
+            <a:ext cx="3886200" cy="2937995"/>
+          </a:xfrm>
+        </p:spPr>
+      </p:pic>
       <p:sp>
         <p:nvSpPr>
-          <p:cNvPr id="3" name="Content Placeholder 2">
+          <p:cNvPr id="4" name="Slide Number Placeholder 3">
             <a:extLst>
               <a:ext uri="{FF2B5EF4-FFF2-40B4-BE49-F238E27FC236}">
-                <a16:creationId xmlns:a16="http://schemas.microsoft.com/office/drawing/2014/main" id="{2E70C3C2-5F95-41EF-B9F3-891238EBDAA9}"/>
+                <a16:creationId xmlns:a16="http://schemas.microsoft.com/office/drawing/2014/main" id="{B0EC3CC7-08D0-4E5D-82C3-5866C10C7558}"/>
               </a:ext>
             </a:extLst>
           </p:cNvPr>
@@ -4413,52 +9787,6 @@
             <a:spLocks noGrp="1"/>
           </p:cNvSpPr>
           <p:nvPr>
-            <p:ph idx="1"/>
-          </p:nvPr>
-        </p:nvSpPr>
-        <p:spPr>
-          <a:xfrm>
-            <a:off x="638806" y="1568275"/>
-            <a:ext cx="7886700" cy="1517343"/>
-          </a:xfrm>
-        </p:spPr>
-        <p:txBody>
-          <a:bodyPr/>
-          <a:lstStyle/>
-          <a:p>
-            <a:r>
-              <a:rPr lang="en-SG" sz="2400" dirty="0"/>
-              <a:t>Simplest method of loading a library</a:t>
-            </a:r>
-          </a:p>
-          <a:p>
-            <a:r>
-              <a:rPr lang="en-SG" sz="2400" dirty="0"/>
-              <a:t>Recommended by Arduino, for most used libraries</a:t>
-            </a:r>
-          </a:p>
-          <a:p>
-            <a:r>
-              <a:rPr lang="en-SG" sz="2400" dirty="0"/>
-              <a:t>IDE &gt; Tools &gt; Manage Libraries</a:t>
-            </a:r>
-            <a:endParaRPr lang="en-US" sz="2400" dirty="0"/>
-          </a:p>
-        </p:txBody>
-      </p:sp>
-      <p:sp>
-        <p:nvSpPr>
-          <p:cNvPr id="4" name="Slide Number Placeholder 3">
-            <a:extLst>
-              <a:ext uri="{FF2B5EF4-FFF2-40B4-BE49-F238E27FC236}">
-                <a16:creationId xmlns:a16="http://schemas.microsoft.com/office/drawing/2014/main" id="{3BD7125F-8111-4682-8D20-7491CB4CB079}"/>
-              </a:ext>
-            </a:extLst>
-          </p:cNvPr>
-          <p:cNvSpPr>
-            <a:spLocks noGrp="1"/>
-          </p:cNvSpPr>
-          <p:nvPr>
             <p:ph type="sldNum" sz="quarter" idx="12"/>
           </p:nvPr>
         </p:nvSpPr>
@@ -4475,59 +9803,12 @@
           </a:p>
         </p:txBody>
       </p:sp>
-      <p:pic>
-        <p:nvPicPr>
-          <p:cNvPr id="2050" name="Picture 2" descr="IDE Library Management Tool">
+      <p:sp>
+        <p:nvSpPr>
+          <p:cNvPr id="8" name="TextBox 7">
             <a:extLst>
               <a:ext uri="{FF2B5EF4-FFF2-40B4-BE49-F238E27FC236}">
-                <a16:creationId xmlns:a16="http://schemas.microsoft.com/office/drawing/2014/main" id="{B7615AB7-612D-4032-AE3B-986E03AA37F7}"/>
-              </a:ext>
-            </a:extLst>
-          </p:cNvPr>
-          <p:cNvPicPr>
-            <a:picLocks noChangeAspect="1" noChangeArrowheads="1"/>
-          </p:cNvPicPr>
-          <p:nvPr/>
-        </p:nvPicPr>
-        <p:blipFill>
-          <a:blip r:embed="rId2">
-            <a:extLst>
-              <a:ext uri="{28A0092B-C50C-407E-A947-70E740481C1C}">
-                <a14:useLocalDpi xmlns:a14="http://schemas.microsoft.com/office/drawing/2010/main" val="0"/>
-              </a:ext>
-            </a:extLst>
-          </a:blip>
-          <a:srcRect/>
-          <a:stretch>
-            <a:fillRect/>
-          </a:stretch>
-        </p:blipFill>
-        <p:spPr bwMode="auto">
-          <a:xfrm>
-            <a:off x="982918" y="3234660"/>
-            <a:ext cx="4248150" cy="2276475"/>
-          </a:xfrm>
-          <a:prstGeom prst="rect">
-            <a:avLst/>
-          </a:prstGeom>
-          <a:noFill/>
-          <a:extLst>
-            <a:ext uri="{909E8E84-426E-40DD-AFC4-6F175D3DCCD1}">
-              <a14:hiddenFill xmlns:a14="http://schemas.microsoft.com/office/drawing/2010/main">
-                <a:solidFill>
-                  <a:srgbClr val="FFFFFF"/>
-                </a:solidFill>
-              </a14:hiddenFill>
-            </a:ext>
-          </a:extLst>
-        </p:spPr>
-      </p:pic>
-      <p:sp>
-        <p:nvSpPr>
-          <p:cNvPr id="5" name="TextBox 4">
-            <a:extLst>
-              <a:ext uri="{FF2B5EF4-FFF2-40B4-BE49-F238E27FC236}">
-                <a16:creationId xmlns:a16="http://schemas.microsoft.com/office/drawing/2014/main" id="{20176323-D197-42A2-9103-B12CC40B669D}"/>
+                <a16:creationId xmlns:a16="http://schemas.microsoft.com/office/drawing/2014/main" id="{BA49F937-1CF8-4090-B851-8334C0C389FD}"/>
               </a:ext>
             </a:extLst>
           </p:cNvPr>
@@ -4536,85 +9817,8 @@
         </p:nvSpPr>
         <p:spPr>
           <a:xfrm>
-            <a:off x="5359195" y="3124200"/>
-            <a:ext cx="3156155" cy="2308324"/>
-          </a:xfrm>
-          <a:prstGeom prst="rect">
-            <a:avLst/>
-          </a:prstGeom>
-          <a:noFill/>
-        </p:spPr>
-        <p:txBody>
-          <a:bodyPr wrap="square" rtlCol="0">
-            <a:spAutoFit/>
-          </a:bodyPr>
-          <a:lstStyle/>
-          <a:p>
-            <a:pPr marL="285750" indent="-285750" algn="l">
-              <a:buFont typeface="Arial" panose="020B0604020202020204" pitchFamily="34" charset="0"/>
-              <a:buChar char="•"/>
-            </a:pPr>
-            <a:r>
-              <a:rPr lang="en-SG" dirty="0"/>
-              <a:t>Search for the library you require</a:t>
-            </a:r>
-          </a:p>
-          <a:p>
-            <a:pPr marL="285750" indent="-285750" algn="l">
-              <a:buFont typeface="Arial" panose="020B0604020202020204" pitchFamily="34" charset="0"/>
-              <a:buChar char="•"/>
-            </a:pPr>
-            <a:r>
-              <a:rPr lang="en-SG" dirty="0"/>
-              <a:t>Select the library</a:t>
-            </a:r>
-          </a:p>
-          <a:p>
-            <a:pPr marL="285750" indent="-285750" algn="l">
-              <a:buFont typeface="Arial" panose="020B0604020202020204" pitchFamily="34" charset="0"/>
-              <a:buChar char="•"/>
-            </a:pPr>
-            <a:r>
-              <a:rPr lang="en-SG" dirty="0"/>
-              <a:t>To use the library</a:t>
-            </a:r>
-            <a:br>
-              <a:rPr lang="en-SG" dirty="0"/>
-            </a:br>
-            <a:r>
-              <a:rPr lang="en-SG" dirty="0"/>
-              <a:t>IDE &gt; Sketch &gt; Include library</a:t>
-            </a:r>
-          </a:p>
-          <a:p>
-            <a:pPr marL="285750" indent="-285750" algn="l">
-              <a:buFont typeface="Arial" panose="020B0604020202020204" pitchFamily="34" charset="0"/>
-              <a:buChar char="•"/>
-            </a:pPr>
-            <a:r>
-              <a:rPr lang="en-SG" dirty="0"/>
-              <a:t>Sometimes examples are included with the library for you to test the functions.</a:t>
-            </a:r>
-            <a:endParaRPr lang="en-US" dirty="0"/>
-          </a:p>
-        </p:txBody>
-      </p:sp>
-      <p:sp>
-        <p:nvSpPr>
-          <p:cNvPr id="6" name="TextBox 5">
-            <a:extLst>
-              <a:ext uri="{FF2B5EF4-FFF2-40B4-BE49-F238E27FC236}">
-                <a16:creationId xmlns:a16="http://schemas.microsoft.com/office/drawing/2014/main" id="{ADA829A0-03C2-43A7-A92E-D53EC6716CEC}"/>
-              </a:ext>
-            </a:extLst>
-          </p:cNvPr>
-          <p:cNvSpPr txBox="1"/>
-          <p:nvPr/>
-        </p:nvSpPr>
-        <p:spPr>
-          <a:xfrm>
-            <a:off x="982918" y="5725160"/>
-            <a:ext cx="6608540" cy="338554"/>
+            <a:off x="5248656" y="4798960"/>
+            <a:ext cx="3166060" cy="584775"/>
           </a:xfrm>
           <a:prstGeom prst="rect">
             <a:avLst/>
@@ -4627,18 +9831,26 @@
           </a:bodyPr>
           <a:lstStyle/>
           <a:p>
-            <a:pPr algn="l"/>
-            <a:r>
-              <a:rPr lang="en-SG" sz="1600" b="1" dirty="0">
-                <a:solidFill>
-                  <a:srgbClr val="FF0000"/>
-                </a:solidFill>
+            <a:r>
+              <a:rPr lang="en-SG" sz="1600" dirty="0">
+                <a:hlinkClick r:id="rId3"/>
               </a:rPr>
-              <a:t>Problems: </a:t>
-            </a:r>
+              <a:t>Light-depended Resistor (LDR 5516)</a:t>
+            </a:r>
+            <a:endParaRPr lang="en-SG" sz="1600" dirty="0"/>
+          </a:p>
+          <a:p>
             <a:r>
               <a:rPr lang="en-SG" sz="1600" dirty="0"/>
-              <a:t>Sometimes library you want is not available. (too new, rarely used)</a:t>
+              <a:t>Read the equivalent </a:t>
+            </a:r>
+            <a:r>
+              <a:rPr lang="en-SG" sz="1600" dirty="0" err="1"/>
+              <a:t>analog</a:t>
+            </a:r>
+            <a:r>
+              <a:rPr lang="en-SG" sz="1600" dirty="0"/>
+              <a:t> voltage</a:t>
             </a:r>
             <a:endParaRPr lang="en-US" sz="1600" dirty="0"/>
           </a:p>
@@ -4647,7 +9859,7 @@
     </p:spTree>
     <p:extLst>
       <p:ext uri="{BB962C8B-B14F-4D97-AF65-F5344CB8AC3E}">
-        <p14:creationId xmlns:p14="http://schemas.microsoft.com/office/powerpoint/2010/main" val="2230635492"/>
+        <p14:creationId xmlns:p14="http://schemas.microsoft.com/office/powerpoint/2010/main" val="3079139838"/>
       </p:ext>
     </p:extLst>
   </p:cSld>
@@ -4679,7 +9891,7 @@
           <p:cNvPr id="2" name="Title 1">
             <a:extLst>
               <a:ext uri="{FF2B5EF4-FFF2-40B4-BE49-F238E27FC236}">
-                <a16:creationId xmlns:a16="http://schemas.microsoft.com/office/drawing/2014/main" id="{DA9F7D71-609E-42AA-8F44-685F72AD80B0}"/>
+                <a16:creationId xmlns:a16="http://schemas.microsoft.com/office/drawing/2014/main" id="{60107F8D-71CE-4A72-A489-794FF61B1193}"/>
               </a:ext>
             </a:extLst>
           </p:cNvPr>
@@ -4697,7 +9909,7 @@
           <a:p>
             <a:r>
               <a:rPr lang="en-SG" dirty="0"/>
-              <a:t>IDE Managed Library</a:t>
+              <a:t>Matrix Keypad with Library</a:t>
             </a:r>
             <a:endParaRPr lang="en-US" dirty="0"/>
           </a:p>
@@ -4705,10 +9917,11 @@
       </p:sp>
       <p:pic>
         <p:nvPicPr>
-          <p:cNvPr id="6" name="Content Placeholder 5">
+          <p:cNvPr id="9" name="Content Placeholder 8">
+            <a:hlinkClick r:id="rId2"/>
             <a:extLst>
               <a:ext uri="{FF2B5EF4-FFF2-40B4-BE49-F238E27FC236}">
-                <a16:creationId xmlns:a16="http://schemas.microsoft.com/office/drawing/2014/main" id="{EDC92BA1-3395-4DBC-81DC-9B1568CC6C53}"/>
+                <a16:creationId xmlns:a16="http://schemas.microsoft.com/office/drawing/2014/main" id="{801F6004-0A7B-42E5-8D64-135C336D5A08}"/>
               </a:ext>
             </a:extLst>
           </p:cNvPr>
@@ -4716,28 +9929,58 @@
             <a:picLocks noGrp="1" noChangeAspect="1"/>
           </p:cNvPicPr>
           <p:nvPr>
-            <p:ph idx="1"/>
+            <p:ph sz="half" idx="1"/>
           </p:nvPr>
         </p:nvPicPr>
         <p:blipFill>
-          <a:blip r:embed="rId2"/>
+          <a:blip r:embed="rId3"/>
           <a:stretch>
             <a:fillRect/>
           </a:stretch>
         </p:blipFill>
         <p:spPr>
           <a:xfrm>
-            <a:off x="828675" y="1891506"/>
-            <a:ext cx="7486650" cy="4219575"/>
+            <a:off x="171502" y="1541967"/>
+            <a:ext cx="4477615" cy="4727873"/>
+          </a:xfrm>
+        </p:spPr>
+      </p:pic>
+      <p:pic>
+        <p:nvPicPr>
+          <p:cNvPr id="7" name="Content Placeholder 6">
+            <a:hlinkClick r:id="rId2"/>
+            <a:extLst>
+              <a:ext uri="{FF2B5EF4-FFF2-40B4-BE49-F238E27FC236}">
+                <a16:creationId xmlns:a16="http://schemas.microsoft.com/office/drawing/2014/main" id="{B5F13E6A-4A5B-4954-B475-CE670914B429}"/>
+              </a:ext>
+            </a:extLst>
+          </p:cNvPr>
+          <p:cNvPicPr>
+            <a:picLocks noGrp="1" noChangeAspect="1"/>
+          </p:cNvPicPr>
+          <p:nvPr>
+            <p:ph sz="half" idx="2"/>
+          </p:nvPr>
+        </p:nvPicPr>
+        <p:blipFill>
+          <a:blip r:embed="rId4"/>
+          <a:stretch>
+            <a:fillRect/>
+          </a:stretch>
+        </p:blipFill>
+        <p:spPr>
+          <a:xfrm>
+            <a:off x="4800574" y="1539185"/>
+            <a:ext cx="3543352" cy="4351338"/>
           </a:xfrm>
         </p:spPr>
       </p:pic>
       <p:sp>
         <p:nvSpPr>
-          <p:cNvPr id="4" name="Slide Number Placeholder 3">
+          <p:cNvPr id="5" name="Slide Number Placeholder 4">
             <a:extLst>
               <a:ext uri="{FF2B5EF4-FFF2-40B4-BE49-F238E27FC236}">
-                <a16:creationId xmlns:a16="http://schemas.microsoft.com/office/drawing/2014/main" id="{9D1BD904-F8AE-4736-AB55-98083A02D58E}"/>
+                <a16:creationId xmlns:a16="http://schemas.microsoft.com/office/drawing/2014/main" id="{1343C1D2-C407-4A65-806C-058841717875}"/>
               </a:ext>
             </a:extLst>
           </p:cNvPr>
@@ -4761,10 +10004,111 @@
           </a:p>
         </p:txBody>
       </p:sp>
+      <p:sp>
+        <p:nvSpPr>
+          <p:cNvPr id="10" name="TextBox 9">
+            <a:extLst>
+              <a:ext uri="{FF2B5EF4-FFF2-40B4-BE49-F238E27FC236}">
+                <a16:creationId xmlns:a16="http://schemas.microsoft.com/office/drawing/2014/main" id="{7C57F0B1-C872-487A-8755-1CA9EBD1565A}"/>
+              </a:ext>
+            </a:extLst>
+          </p:cNvPr>
+          <p:cNvSpPr txBox="1"/>
+          <p:nvPr/>
+        </p:nvSpPr>
+        <p:spPr>
+          <a:xfrm>
+            <a:off x="4693952" y="5958099"/>
+            <a:ext cx="3649974" cy="584775"/>
+          </a:xfrm>
+          <a:prstGeom prst="rect">
+            <a:avLst/>
+          </a:prstGeom>
+          <a:noFill/>
+        </p:spPr>
+        <p:txBody>
+          <a:bodyPr wrap="none" rtlCol="0">
+            <a:spAutoFit/>
+          </a:bodyPr>
+          <a:lstStyle/>
+          <a:p>
+            <a:pPr algn="l"/>
+            <a:r>
+              <a:rPr lang="en-SG" sz="1600" dirty="0"/>
+              <a:t>Simulation only works with some libraries</a:t>
+            </a:r>
+            <a:br>
+              <a:rPr lang="en-SG" sz="1600" dirty="0"/>
+            </a:br>
+            <a:r>
+              <a:rPr lang="en-SG" sz="1600" dirty="0"/>
+              <a:t>Ref: L</a:t>
+            </a:r>
+            <a:r>
+              <a:rPr lang="en-SG" sz="1600" dirty="0">
+                <a:hlinkClick r:id="rId5"/>
+              </a:rPr>
+              <a:t>ibraries with </a:t>
+            </a:r>
+            <a:r>
+              <a:rPr lang="en-SG" sz="1600" dirty="0" err="1">
+                <a:hlinkClick r:id="rId5"/>
+              </a:rPr>
+              <a:t>TinkerCAD</a:t>
+            </a:r>
+            <a:endParaRPr lang="en-US" sz="1600" dirty="0"/>
+          </a:p>
+        </p:txBody>
+      </p:sp>
+      <p:sp>
+        <p:nvSpPr>
+          <p:cNvPr id="11" name="TextBox 10">
+            <a:extLst>
+              <a:ext uri="{FF2B5EF4-FFF2-40B4-BE49-F238E27FC236}">
+                <a16:creationId xmlns:a16="http://schemas.microsoft.com/office/drawing/2014/main" id="{18C2985C-9386-48F4-8EAA-60A5B25E670A}"/>
+              </a:ext>
+            </a:extLst>
+          </p:cNvPr>
+          <p:cNvSpPr txBox="1"/>
+          <p:nvPr/>
+        </p:nvSpPr>
+        <p:spPr>
+          <a:xfrm>
+            <a:off x="6782675" y="1191306"/>
+            <a:ext cx="1407950" cy="338554"/>
+          </a:xfrm>
+          <a:prstGeom prst="rect">
+            <a:avLst/>
+          </a:prstGeom>
+          <a:noFill/>
+        </p:spPr>
+        <p:txBody>
+          <a:bodyPr wrap="none" rtlCol="0">
+            <a:spAutoFit/>
+          </a:bodyPr>
+          <a:lstStyle/>
+          <a:p>
+            <a:pPr algn="l"/>
+            <a:r>
+              <a:rPr lang="en-SG" sz="1600" dirty="0" err="1">
+                <a:hlinkClick r:id="rId6"/>
+              </a:rPr>
+              <a:t>KeyPad</a:t>
+            </a:r>
+            <a:r>
+              <a:rPr lang="en-SG" sz="1600" dirty="0">
+                <a:hlinkClick r:id="rId6"/>
+              </a:rPr>
+              <a:t> Library</a:t>
+            </a:r>
+            <a:endParaRPr lang="en-US" sz="1600" dirty="0"/>
+          </a:p>
+        </p:txBody>
+      </p:sp>
     </p:spTree>
     <p:extLst>
       <p:ext uri="{BB962C8B-B14F-4D97-AF65-F5344CB8AC3E}">
-        <p14:creationId xmlns:p14="http://schemas.microsoft.com/office/powerpoint/2010/main" val="1694104481"/>
+        <p14:creationId xmlns:p14="http://schemas.microsoft.com/office/powerpoint/2010/main" val="146594511"/>
       </p:ext>
     </p:extLst>
   </p:cSld>
@@ -4796,7 +10140,7 @@
           <p:cNvPr id="2" name="Title 1">
             <a:extLst>
               <a:ext uri="{FF2B5EF4-FFF2-40B4-BE49-F238E27FC236}">
-                <a16:creationId xmlns:a16="http://schemas.microsoft.com/office/drawing/2014/main" id="{8CB70360-8CA7-48EE-9B31-F4981680553A}"/>
+                <a16:creationId xmlns:a16="http://schemas.microsoft.com/office/drawing/2014/main" id="{C4B331DF-994E-4D7F-B17A-14AB1A9DFAB7}"/>
               </a:ext>
             </a:extLst>
           </p:cNvPr>
@@ -4814,18 +10158,87 @@
           <a:p>
             <a:r>
               <a:rPr lang="en-SG" dirty="0"/>
-              <a:t>Include the header file</a:t>
+              <a:t>Measuring Distance</a:t>
             </a:r>
             <a:endParaRPr lang="en-US" dirty="0"/>
+          </a:p>
+        </p:txBody>
+      </p:sp>
+      <p:sp>
+        <p:nvSpPr>
+          <p:cNvPr id="3" name="Content Placeholder 2">
+            <a:extLst>
+              <a:ext uri="{FF2B5EF4-FFF2-40B4-BE49-F238E27FC236}">
+                <a16:creationId xmlns:a16="http://schemas.microsoft.com/office/drawing/2014/main" id="{86DA38D1-B8FA-469A-9B01-871A2EF889A6}"/>
+              </a:ext>
+            </a:extLst>
+          </p:cNvPr>
+          <p:cNvSpPr>
+            <a:spLocks noGrp="1"/>
+          </p:cNvSpPr>
+          <p:nvPr>
+            <p:ph sz="half" idx="1"/>
+          </p:nvPr>
+        </p:nvSpPr>
+        <p:spPr/>
+        <p:txBody>
+          <a:bodyPr/>
+          <a:lstStyle/>
+          <a:p>
+            <a:r>
+              <a:rPr lang="en-SG" sz="2000" dirty="0">
+                <a:hlinkClick r:id="rId2"/>
+              </a:rPr>
+              <a:t>Ultrasonic Sensor HC-SR04</a:t>
+            </a:r>
+            <a:endParaRPr lang="en-SG" sz="2000" dirty="0"/>
+          </a:p>
+          <a:p>
+            <a:r>
+              <a:rPr lang="en-SG" sz="2000" dirty="0"/>
+              <a:t>Measures distances between 2cm to 400cm without contact using sound (ultrasonic)</a:t>
+            </a:r>
+          </a:p>
+          <a:p>
+            <a:r>
+              <a:rPr lang="en-US" sz="2000" dirty="0"/>
+              <a:t>Requires a trigger and an input (2 digital pins)</a:t>
+            </a:r>
+          </a:p>
+          <a:p>
+            <a:r>
+              <a:rPr lang="en-US" sz="2000" dirty="0"/>
+              <a:t>Lots of tutorials:</a:t>
+            </a:r>
+          </a:p>
+          <a:p>
+            <a:pPr lvl="1"/>
+            <a:r>
+              <a:rPr lang="en-US" sz="1600" dirty="0">
+                <a:hlinkClick r:id="rId3"/>
+              </a:rPr>
+              <a:t>Arduino.cc</a:t>
+            </a:r>
+            <a:endParaRPr lang="en-US" sz="1600" dirty="0"/>
+          </a:p>
+          <a:p>
+            <a:pPr lvl="1"/>
+            <a:r>
+              <a:rPr lang="en-US" sz="1600" dirty="0" err="1">
+                <a:hlinkClick r:id="rId4"/>
+              </a:rPr>
+              <a:t>Instructables</a:t>
+            </a:r>
+            <a:endParaRPr lang="en-US" sz="1600" dirty="0"/>
           </a:p>
         </p:txBody>
       </p:sp>
       <p:pic>
         <p:nvPicPr>
-          <p:cNvPr id="8" name="Content Placeholder 7">
+          <p:cNvPr id="7" name="Content Placeholder 6">
             <a:extLst>
               <a:ext uri="{FF2B5EF4-FFF2-40B4-BE49-F238E27FC236}">
-                <a16:creationId xmlns:a16="http://schemas.microsoft.com/office/drawing/2014/main" id="{439E1EFB-77DE-4250-A4C5-C3354ED3848E}"/>
+                <a16:creationId xmlns:a16="http://schemas.microsoft.com/office/drawing/2014/main" id="{BDEFEC0E-B212-4C71-A3D6-D8613FB46BDB}"/>
               </a:ext>
             </a:extLst>
           </p:cNvPr>
@@ -4833,28 +10246,28 @@
             <a:picLocks noGrp="1" noChangeAspect="1"/>
           </p:cNvPicPr>
           <p:nvPr>
-            <p:ph idx="1"/>
+            <p:ph sz="half" idx="2"/>
           </p:nvPr>
         </p:nvPicPr>
         <p:blipFill>
-          <a:blip r:embed="rId2"/>
+          <a:blip r:embed="rId5"/>
           <a:stretch>
             <a:fillRect/>
           </a:stretch>
         </p:blipFill>
         <p:spPr>
           <a:xfrm>
-            <a:off x="776993" y="1706753"/>
-            <a:ext cx="4956541" cy="4351338"/>
+            <a:off x="5092446" y="1825625"/>
+            <a:ext cx="2731008" cy="1595341"/>
           </a:xfrm>
         </p:spPr>
       </p:pic>
       <p:sp>
         <p:nvSpPr>
-          <p:cNvPr id="4" name="Slide Number Placeholder 3">
+          <p:cNvPr id="5" name="Slide Number Placeholder 4">
             <a:extLst>
               <a:ext uri="{FF2B5EF4-FFF2-40B4-BE49-F238E27FC236}">
-                <a16:creationId xmlns:a16="http://schemas.microsoft.com/office/drawing/2014/main" id="{5480D615-3398-4BC7-807E-02F281A7F622}"/>
+                <a16:creationId xmlns:a16="http://schemas.microsoft.com/office/drawing/2014/main" id="{490BA051-1950-4D92-A9FE-F7CBD8B97C88}"/>
               </a:ext>
             </a:extLst>
           </p:cNvPr>
@@ -4878,156 +10291,40 @@
           </a:p>
         </p:txBody>
       </p:sp>
-      <p:sp>
-        <p:nvSpPr>
-          <p:cNvPr id="9" name="TextBox 8">
+      <p:pic>
+        <p:nvPicPr>
+          <p:cNvPr id="11" name="Picture 10">
             <a:extLst>
               <a:ext uri="{FF2B5EF4-FFF2-40B4-BE49-F238E27FC236}">
-                <a16:creationId xmlns:a16="http://schemas.microsoft.com/office/drawing/2014/main" id="{1D638604-DBDC-4C71-8DC9-2B0A4464B608}"/>
+                <a16:creationId xmlns:a16="http://schemas.microsoft.com/office/drawing/2014/main" id="{13CB0AEB-3D92-4F77-B89E-48A32D7A4362}"/>
               </a:ext>
             </a:extLst>
           </p:cNvPr>
-          <p:cNvSpPr txBox="1"/>
+          <p:cNvPicPr>
+            <a:picLocks noChangeAspect="1"/>
+          </p:cNvPicPr>
           <p:nvPr/>
-        </p:nvSpPr>
+        </p:nvPicPr>
+        <p:blipFill>
+          <a:blip r:embed="rId6"/>
+          <a:stretch>
+            <a:fillRect/>
+          </a:stretch>
+        </p:blipFill>
         <p:spPr>
           <a:xfrm>
-            <a:off x="5733534" y="1706753"/>
-            <a:ext cx="3043847" cy="2062103"/>
+            <a:off x="4087963" y="3752285"/>
+            <a:ext cx="4739974" cy="2000548"/>
           </a:xfrm>
           <a:prstGeom prst="rect">
             <a:avLst/>
           </a:prstGeom>
-          <a:noFill/>
         </p:spPr>
-        <p:txBody>
-          <a:bodyPr wrap="square" rtlCol="0">
-            <a:spAutoFit/>
-          </a:bodyPr>
-          <a:lstStyle/>
-          <a:p>
-            <a:pPr algn="l"/>
-            <a:r>
-              <a:rPr lang="en-SG" sz="1600" dirty="0"/>
-              <a:t>#include </a:t>
-            </a:r>
-            <a:r>
-              <a:rPr lang="en-SG" sz="1600" b="1" dirty="0">
-                <a:solidFill>
-                  <a:srgbClr val="FF0000"/>
-                </a:solidFill>
-              </a:rPr>
-              <a:t>&lt;</a:t>
-            </a:r>
-            <a:r>
-              <a:rPr lang="en-SG" sz="1600" dirty="0" err="1"/>
-              <a:t>device.h</a:t>
-            </a:r>
-            <a:r>
-              <a:rPr lang="en-SG" sz="1600" b="1" dirty="0">
-                <a:solidFill>
-                  <a:srgbClr val="FF0000"/>
-                </a:solidFill>
-              </a:rPr>
-              <a:t>&gt;</a:t>
-            </a:r>
-            <a:br>
-              <a:rPr lang="en-SG" sz="1600" dirty="0"/>
-            </a:br>
-            <a:r>
-              <a:rPr lang="en-SG" sz="1600" dirty="0"/>
-              <a:t>System library, header file is found in the system folders</a:t>
-            </a:r>
-          </a:p>
-          <a:p>
-            <a:pPr algn="l"/>
-            <a:endParaRPr lang="en-SG" sz="1600" dirty="0"/>
-          </a:p>
-          <a:p>
-            <a:pPr algn="l"/>
-            <a:r>
-              <a:rPr lang="en-SG" sz="1600" dirty="0"/>
-              <a:t>#include </a:t>
-            </a:r>
-            <a:r>
-              <a:rPr lang="en-SG" sz="1600" b="1" dirty="0">
-                <a:solidFill>
-                  <a:srgbClr val="FF0000"/>
-                </a:solidFill>
-              </a:rPr>
-              <a:t>“</a:t>
-            </a:r>
-            <a:r>
-              <a:rPr lang="en-SG" sz="1600" dirty="0" err="1"/>
-              <a:t>device.h</a:t>
-            </a:r>
-            <a:r>
-              <a:rPr lang="en-SG" sz="1600" b="1" dirty="0">
-                <a:solidFill>
-                  <a:srgbClr val="FF0000"/>
-                </a:solidFill>
-              </a:rPr>
-              <a:t>”</a:t>
-            </a:r>
-            <a:br>
-              <a:rPr lang="en-SG" sz="1600" dirty="0"/>
-            </a:br>
-            <a:r>
-              <a:rPr lang="en-SG" sz="1600" dirty="0"/>
-              <a:t>User library, header file is found in the local folder library</a:t>
-            </a:r>
-          </a:p>
-          <a:p>
-            <a:pPr algn="l"/>
-            <a:r>
-              <a:rPr lang="en-SG" sz="1600" dirty="0"/>
-              <a:t>(see IDE &gt; File &gt; Preferences&gt;</a:t>
-            </a:r>
-            <a:endParaRPr lang="en-US" sz="1600" dirty="0"/>
-          </a:p>
-        </p:txBody>
-      </p:sp>
-      <p:sp>
-        <p:nvSpPr>
-          <p:cNvPr id="13" name="TextBox 12">
-            <a:extLst>
-              <a:ext uri="{FF2B5EF4-FFF2-40B4-BE49-F238E27FC236}">
-                <a16:creationId xmlns:a16="http://schemas.microsoft.com/office/drawing/2014/main" id="{282BC5BE-82CA-4500-B03A-CC03F48D8102}"/>
-              </a:ext>
-            </a:extLst>
-          </p:cNvPr>
-          <p:cNvSpPr txBox="1"/>
-          <p:nvPr/>
-        </p:nvSpPr>
-        <p:spPr>
-          <a:xfrm>
-            <a:off x="5733534" y="5623722"/>
-            <a:ext cx="3043847" cy="338554"/>
-          </a:xfrm>
-          <a:prstGeom prst="rect">
-            <a:avLst/>
-          </a:prstGeom>
-          <a:noFill/>
-        </p:spPr>
-        <p:txBody>
-          <a:bodyPr wrap="square" rtlCol="0">
-            <a:spAutoFit/>
-          </a:bodyPr>
-          <a:lstStyle/>
-          <a:p>
-            <a:pPr algn="l"/>
-            <a:r>
-              <a:rPr lang="en-SG" sz="1600" dirty="0"/>
-              <a:t>Similar interfaces for IDE v2</a:t>
-            </a:r>
-            <a:endParaRPr lang="en-US" sz="1600" dirty="0"/>
-          </a:p>
-        </p:txBody>
-      </p:sp>
+      </p:pic>
     </p:spTree>
     <p:extLst>
       <p:ext uri="{BB962C8B-B14F-4D97-AF65-F5344CB8AC3E}">
-        <p14:creationId xmlns:p14="http://schemas.microsoft.com/office/powerpoint/2010/main" val="380344320"/>
+        <p14:creationId xmlns:p14="http://schemas.microsoft.com/office/powerpoint/2010/main" val="691087023"/>
       </p:ext>
     </p:extLst>
   </p:cSld>
@@ -5059,7 +10356,7 @@
           <p:cNvPr id="2" name="Title 1">
             <a:extLst>
               <a:ext uri="{FF2B5EF4-FFF2-40B4-BE49-F238E27FC236}">
-                <a16:creationId xmlns:a16="http://schemas.microsoft.com/office/drawing/2014/main" id="{4AD9F1CB-755C-48FA-8BCB-31528B397871}"/>
+                <a16:creationId xmlns:a16="http://schemas.microsoft.com/office/drawing/2014/main" id="{C4B331DF-994E-4D7F-B17A-14AB1A9DFAB7}"/>
               </a:ext>
             </a:extLst>
           </p:cNvPr>
@@ -5077,7 +10374,7 @@
           <a:p>
             <a:r>
               <a:rPr lang="en-SG" dirty="0"/>
-              <a:t>Manually Installed Library</a:t>
+              <a:t>Measuring Distance – SR04</a:t>
             </a:r>
             <a:endParaRPr lang="en-US" dirty="0"/>
           </a:p>
@@ -5085,10 +10382,10 @@
       </p:sp>
       <p:sp>
         <p:nvSpPr>
-          <p:cNvPr id="3" name="Content Placeholder 2">
+          <p:cNvPr id="5" name="Slide Number Placeholder 4">
             <a:extLst>
               <a:ext uri="{FF2B5EF4-FFF2-40B4-BE49-F238E27FC236}">
-                <a16:creationId xmlns:a16="http://schemas.microsoft.com/office/drawing/2014/main" id="{D6D4FD0E-ABEF-4963-B0F5-84ED609D7B31}"/>
+                <a16:creationId xmlns:a16="http://schemas.microsoft.com/office/drawing/2014/main" id="{490BA051-1950-4D92-A9FE-F7CBD8B97C88}"/>
               </a:ext>
             </a:extLst>
           </p:cNvPr>
@@ -5096,7 +10393,7 @@
             <a:spLocks noGrp="1"/>
           </p:cNvSpPr>
           <p:nvPr>
-            <p:ph idx="1"/>
+            <p:ph type="sldNum" sz="quarter" idx="12"/>
           </p:nvPr>
         </p:nvSpPr>
         <p:spPr/>
@@ -5104,84 +10401,49 @@
           <a:bodyPr/>
           <a:lstStyle/>
           <a:p>
-            <a:r>
-              <a:rPr lang="en-SG" dirty="0"/>
-              <a:t>Manual method of installing a library</a:t>
-            </a:r>
-          </a:p>
-          <a:p>
-            <a:pPr lvl="1"/>
-            <a:r>
-              <a:rPr lang="en-SG" dirty="0"/>
-              <a:t>Manually download the compressed library (.zip)</a:t>
-            </a:r>
-          </a:p>
-          <a:p>
-            <a:pPr lvl="1"/>
-            <a:r>
-              <a:rPr lang="en-SG" dirty="0"/>
-              <a:t>Extract the files (usually a folder is created)</a:t>
-            </a:r>
-          </a:p>
-          <a:p>
-            <a:pPr lvl="1"/>
-            <a:r>
-              <a:rPr lang="en-SG" dirty="0"/>
-              <a:t>Check that the .h and .</a:t>
-            </a:r>
-            <a:r>
-              <a:rPr lang="en-SG" dirty="0" err="1"/>
-              <a:t>cpp</a:t>
-            </a:r>
-            <a:r>
-              <a:rPr lang="en-SG" dirty="0"/>
-              <a:t> files are present</a:t>
-            </a:r>
-          </a:p>
-          <a:p>
-            <a:pPr lvl="1"/>
-            <a:r>
-              <a:rPr lang="en-SG" dirty="0"/>
-              <a:t>Copy the folder to either</a:t>
-            </a:r>
-          </a:p>
-          <a:p>
-            <a:pPr lvl="2"/>
-            <a:r>
-              <a:rPr lang="en-SG" dirty="0"/>
-              <a:t>Arduino System Library Folder</a:t>
-            </a:r>
-          </a:p>
-          <a:p>
-            <a:pPr lvl="2"/>
-            <a:r>
-              <a:rPr lang="en-SG" dirty="0"/>
-              <a:t>User library folder</a:t>
-            </a:r>
-          </a:p>
-          <a:p>
-            <a:pPr lvl="1"/>
-            <a:r>
-              <a:rPr lang="en-SG" dirty="0"/>
-              <a:t>Restart the IDE</a:t>
-            </a:r>
-          </a:p>
-          <a:p>
-            <a:pPr lvl="1"/>
-            <a:r>
-              <a:rPr lang="en-SG" dirty="0"/>
-              <a:t>Include the header file (system/local) in the appropriate manner.</a:t>
-            </a:r>
-            <a:endParaRPr lang="en-US" dirty="0"/>
+            <a:fld id="{CAB166B3-F268-4CEF-878A-CFB0D0D505D3}" type="slidenum">
+              <a:rPr lang="en-US" smtClean="0"/>
+              <a:t>7</a:t>
+            </a:fld>
+            <a:endParaRPr lang="en-US"/>
           </a:p>
         </p:txBody>
       </p:sp>
+      <p:pic>
+        <p:nvPicPr>
+          <p:cNvPr id="12" name="Content Placeholder 11">
+            <a:extLst>
+              <a:ext uri="{FF2B5EF4-FFF2-40B4-BE49-F238E27FC236}">
+                <a16:creationId xmlns:a16="http://schemas.microsoft.com/office/drawing/2014/main" id="{0B0DA044-DCA1-4AC0-9E6E-34F2C03C526B}"/>
+              </a:ext>
+            </a:extLst>
+          </p:cNvPr>
+          <p:cNvPicPr>
+            <a:picLocks noGrp="1" noChangeAspect="1"/>
+          </p:cNvPicPr>
+          <p:nvPr>
+            <p:ph sz="half" idx="1"/>
+          </p:nvPr>
+        </p:nvPicPr>
+        <p:blipFill>
+          <a:blip r:embed="rId2"/>
+          <a:stretch>
+            <a:fillRect/>
+          </a:stretch>
+        </p:blipFill>
+        <p:spPr>
+          <a:xfrm>
+            <a:off x="628650" y="1562197"/>
+            <a:ext cx="7034022" cy="3500223"/>
+          </a:xfrm>
+        </p:spPr>
+      </p:pic>
       <p:sp>
         <p:nvSpPr>
-          <p:cNvPr id="4" name="Slide Number Placeholder 3">
+          <p:cNvPr id="9" name="Content Placeholder 8">
             <a:extLst>
               <a:ext uri="{FF2B5EF4-FFF2-40B4-BE49-F238E27FC236}">
-                <a16:creationId xmlns:a16="http://schemas.microsoft.com/office/drawing/2014/main" id="{0AF6D68D-F946-467D-A86D-40137CE9F7D4}"/>
+                <a16:creationId xmlns:a16="http://schemas.microsoft.com/office/drawing/2014/main" id="{67304A7D-DFB3-4C19-9972-36A8880F7F8E}"/>
               </a:ext>
             </a:extLst>
           </p:cNvPr>
@@ -5189,26 +10451,45 @@
             <a:spLocks noGrp="1"/>
           </p:cNvSpPr>
           <p:nvPr>
-            <p:ph type="sldNum" sz="quarter" idx="12"/>
+            <p:ph sz="half" idx="2"/>
           </p:nvPr>
         </p:nvSpPr>
-        <p:spPr/>
+        <p:spPr>
+          <a:xfrm>
+            <a:off x="628650" y="5162527"/>
+            <a:ext cx="7886700" cy="1193824"/>
+          </a:xfrm>
+        </p:spPr>
         <p:txBody>
           <a:bodyPr/>
           <a:lstStyle/>
           <a:p>
-            <a:fld id="{CAB166B3-F268-4CEF-878A-CFB0D0D505D3}" type="slidenum">
-              <a:rPr lang="en-US" smtClean="0"/>
-              <a:t>7</a:t>
-            </a:fld>
-            <a:endParaRPr lang="en-US"/>
+            <a:r>
+              <a:rPr lang="en-SG" sz="1800" dirty="0"/>
+              <a:t>LOW pulse (10 mS) is used to trigger the sensor</a:t>
+            </a:r>
+          </a:p>
+          <a:p>
+            <a:r>
+              <a:rPr lang="en-SG" sz="1800" dirty="0"/>
+              <a:t>Return pulse is measured using </a:t>
+            </a:r>
+            <a:r>
+              <a:rPr lang="en-SG" sz="1800" dirty="0" err="1"/>
+              <a:t>pulseIn</a:t>
+            </a:r>
+            <a:r>
+              <a:rPr lang="en-SG" sz="1800" dirty="0"/>
+              <a:t>(), distance is proportional to pulse length</a:t>
+            </a:r>
+            <a:endParaRPr lang="en-US" sz="1800" dirty="0"/>
           </a:p>
         </p:txBody>
       </p:sp>
     </p:spTree>
     <p:extLst>
       <p:ext uri="{BB962C8B-B14F-4D97-AF65-F5344CB8AC3E}">
-        <p14:creationId xmlns:p14="http://schemas.microsoft.com/office/powerpoint/2010/main" val="2775107666"/>
+        <p14:creationId xmlns:p14="http://schemas.microsoft.com/office/powerpoint/2010/main" val="3807239228"/>
       </p:ext>
     </p:extLst>
   </p:cSld>
@@ -5240,7 +10521,7 @@
           <p:cNvPr id="2" name="Title 1">
             <a:extLst>
               <a:ext uri="{FF2B5EF4-FFF2-40B4-BE49-F238E27FC236}">
-                <a16:creationId xmlns:a16="http://schemas.microsoft.com/office/drawing/2014/main" id="{77923D10-CCA6-4092-B82B-677A69B5C907}"/>
+                <a16:creationId xmlns:a16="http://schemas.microsoft.com/office/drawing/2014/main" id="{C69891C6-6E16-4AEE-87B8-57E6952D3C86}"/>
               </a:ext>
             </a:extLst>
           </p:cNvPr>
@@ -5258,7 +10539,7 @@
           <a:p>
             <a:r>
               <a:rPr lang="en-SG" dirty="0"/>
-              <a:t>References:</a:t>
+              <a:t>PIR Motion Sensor HC-SR501</a:t>
             </a:r>
             <a:endParaRPr lang="en-US" dirty="0"/>
           </a:p>
@@ -5269,7 +10550,7 @@
           <p:cNvPr id="3" name="Content Placeholder 2">
             <a:extLst>
               <a:ext uri="{FF2B5EF4-FFF2-40B4-BE49-F238E27FC236}">
-                <a16:creationId xmlns:a16="http://schemas.microsoft.com/office/drawing/2014/main" id="{8D3D6082-4113-4AFC-9FA0-15B2B8799631}"/>
+                <a16:creationId xmlns:a16="http://schemas.microsoft.com/office/drawing/2014/main" id="{C98B88DC-3363-43A2-9635-845612A6B76C}"/>
               </a:ext>
             </a:extLst>
           </p:cNvPr>
@@ -5277,107 +10558,90 @@
             <a:spLocks noGrp="1"/>
           </p:cNvSpPr>
           <p:nvPr>
-            <p:ph idx="1"/>
+            <p:ph sz="half" idx="1"/>
           </p:nvPr>
         </p:nvSpPr>
-        <p:spPr/>
+        <p:spPr>
+          <a:xfrm>
+            <a:off x="628650" y="1627319"/>
+            <a:ext cx="3886200" cy="4351338"/>
+          </a:xfrm>
+        </p:spPr>
         <p:txBody>
           <a:bodyPr/>
           <a:lstStyle/>
           <a:p>
-            <a:pPr algn="l">
-              <a:buFont typeface="+mj-lt"/>
-              <a:buAutoNum type="arabicPeriod"/>
-            </a:pPr>
-            <a:r>
-              <a:rPr lang="en-SG" sz="2400" b="0" i="0" u="sng" dirty="0">
-                <a:solidFill>
-                  <a:srgbClr val="0366D6"/>
-                </a:solidFill>
-                <a:effectLst/>
-                <a:latin typeface="-apple-system"/>
+            <a:r>
+              <a:rPr lang="en-SG" sz="2400" dirty="0">
                 <a:hlinkClick r:id="rId2"/>
               </a:rPr>
-              <a:t>Adafruit: All About Arduino Libraries</a:t>
-            </a:r>
-            <a:endParaRPr lang="en-SG" sz="2400" b="0" i="0" dirty="0">
-              <a:solidFill>
-                <a:srgbClr val="24292E"/>
-              </a:solidFill>
-              <a:effectLst/>
-              <a:latin typeface="-apple-system"/>
-            </a:endParaRPr>
-          </a:p>
-          <a:p>
-            <a:pPr algn="l">
-              <a:buFont typeface="+mj-lt"/>
-              <a:buAutoNum type="arabicPeriod"/>
-            </a:pPr>
-            <a:r>
-              <a:rPr lang="en-SG" sz="2400" b="0" i="0" u="none" strike="noStrike" dirty="0" err="1">
-                <a:solidFill>
-                  <a:srgbClr val="0366D6"/>
-                </a:solidFill>
-                <a:effectLst/>
-                <a:latin typeface="-apple-system"/>
-                <a:hlinkClick r:id="rId3"/>
-              </a:rPr>
-              <a:t>Sparkfun</a:t>
-            </a:r>
-            <a:r>
-              <a:rPr lang="en-SG" sz="2400" b="0" i="0" u="none" strike="noStrike" dirty="0">
-                <a:solidFill>
-                  <a:srgbClr val="0366D6"/>
-                </a:solidFill>
-                <a:effectLst/>
-                <a:latin typeface="-apple-system"/>
-                <a:hlinkClick r:id="rId3"/>
-              </a:rPr>
-              <a:t>: Installing an Arduino Library</a:t>
-            </a:r>
-            <a:endParaRPr lang="en-SG" sz="2400" b="0" i="0" dirty="0">
-              <a:solidFill>
-                <a:srgbClr val="24292E"/>
-              </a:solidFill>
-              <a:effectLst/>
-              <a:latin typeface="-apple-system"/>
-            </a:endParaRPr>
-          </a:p>
-          <a:p>
-            <a:pPr algn="l">
-              <a:buFont typeface="+mj-lt"/>
-              <a:buAutoNum type="arabicPeriod"/>
-            </a:pPr>
-            <a:r>
-              <a:rPr lang="en-SG" sz="2400" b="0" i="0" u="none" strike="noStrike" dirty="0">
-                <a:solidFill>
-                  <a:srgbClr val="0366D6"/>
-                </a:solidFill>
-                <a:effectLst/>
-                <a:latin typeface="-apple-system"/>
-                <a:hlinkClick r:id="rId4"/>
-              </a:rPr>
-              <a:t>Youtube: Arduino Libraries! How to Install them properly! Tutorial showing you 3 different ways</a:t>
-            </a:r>
-            <a:endParaRPr lang="en-SG" sz="2400" b="0" i="0" dirty="0">
-              <a:solidFill>
-                <a:srgbClr val="24292E"/>
-              </a:solidFill>
-              <a:effectLst/>
-              <a:latin typeface="-apple-system"/>
-            </a:endParaRPr>
-          </a:p>
-          <a:p>
-            <a:endParaRPr lang="en-US" sz="2400" dirty="0"/>
+              <a:t>Passive Infra Red</a:t>
+            </a:r>
+            <a:r>
+              <a:rPr lang="en-SG" sz="2400" dirty="0"/>
+              <a:t> </a:t>
+            </a:r>
+          </a:p>
+          <a:p>
+            <a:r>
+              <a:rPr lang="en-SG" sz="2400" dirty="0"/>
+              <a:t>Detects motion</a:t>
+            </a:r>
+          </a:p>
+          <a:p>
+            <a:pPr lvl="1"/>
+            <a:r>
+              <a:rPr lang="en-SG" sz="2000" dirty="0"/>
+              <a:t>Adjust Sensitivity</a:t>
+            </a:r>
+          </a:p>
+          <a:p>
+            <a:pPr lvl="1"/>
+            <a:r>
+              <a:rPr lang="en-SG" sz="2000" dirty="0"/>
+              <a:t>Wait at least 15 s</a:t>
+            </a:r>
+          </a:p>
+          <a:p>
+            <a:r>
+              <a:rPr lang="en-SG" sz="2400" dirty="0"/>
+              <a:t>No Library required, 1 digital I/O input pin for status.</a:t>
+            </a:r>
+          </a:p>
+          <a:p>
+            <a:r>
+              <a:rPr lang="en-SG" sz="2400" dirty="0"/>
+              <a:t>Check pin</a:t>
+            </a:r>
+          </a:p>
+          <a:p>
+            <a:pPr lvl="1"/>
+            <a:r>
+              <a:rPr lang="en-SG" sz="2000" dirty="0"/>
+              <a:t>LOW no motion</a:t>
+            </a:r>
+          </a:p>
+          <a:p>
+            <a:pPr lvl="1"/>
+            <a:r>
+              <a:rPr lang="en-SG" sz="2000" dirty="0"/>
+              <a:t>HIGH motion detected</a:t>
+            </a:r>
+          </a:p>
+          <a:p>
+            <a:r>
+              <a:rPr lang="en-SG" sz="2400" dirty="0"/>
+              <a:t>Cannot measure distance</a:t>
+            </a:r>
           </a:p>
         </p:txBody>
       </p:sp>
       <p:sp>
         <p:nvSpPr>
-          <p:cNvPr id="4" name="Slide Number Placeholder 3">
+          <p:cNvPr id="5" name="Slide Number Placeholder 4">
             <a:extLst>
               <a:ext uri="{FF2B5EF4-FFF2-40B4-BE49-F238E27FC236}">
-                <a16:creationId xmlns:a16="http://schemas.microsoft.com/office/drawing/2014/main" id="{4A741D77-51C6-4120-B6EB-B615BE0CFA27}"/>
+                <a16:creationId xmlns:a16="http://schemas.microsoft.com/office/drawing/2014/main" id="{56552937-2EC0-419A-9BF9-A8676C32A95C}"/>
               </a:ext>
             </a:extLst>
           </p:cNvPr>
@@ -5401,10 +10665,93 @@
           </a:p>
         </p:txBody>
       </p:sp>
+      <p:pic>
+        <p:nvPicPr>
+          <p:cNvPr id="11" name="Content Placeholder 10">
+            <a:hlinkClick r:id="rId3"/>
+            <a:extLst>
+              <a:ext uri="{FF2B5EF4-FFF2-40B4-BE49-F238E27FC236}">
+                <a16:creationId xmlns:a16="http://schemas.microsoft.com/office/drawing/2014/main" id="{B6AC0092-B88F-4B2F-B88B-C29D5E2017E9}"/>
+              </a:ext>
+            </a:extLst>
+          </p:cNvPr>
+          <p:cNvPicPr>
+            <a:picLocks noGrp="1" noChangeAspect="1"/>
+          </p:cNvPicPr>
+          <p:nvPr>
+            <p:ph sz="half" idx="2"/>
+          </p:nvPr>
+        </p:nvPicPr>
+        <p:blipFill>
+          <a:blip r:embed="rId4"/>
+          <a:stretch>
+            <a:fillRect/>
+          </a:stretch>
+        </p:blipFill>
+        <p:spPr>
+          <a:xfrm>
+            <a:off x="4629150" y="1531546"/>
+            <a:ext cx="3886200" cy="3709554"/>
+          </a:xfrm>
+        </p:spPr>
+      </p:pic>
+      <p:sp>
+        <p:nvSpPr>
+          <p:cNvPr id="12" name="TextBox 11">
+            <a:extLst>
+              <a:ext uri="{FF2B5EF4-FFF2-40B4-BE49-F238E27FC236}">
+                <a16:creationId xmlns:a16="http://schemas.microsoft.com/office/drawing/2014/main" id="{C4C92BCE-E609-46A5-8E7B-D8F6E2B44E4D}"/>
+              </a:ext>
+            </a:extLst>
+          </p:cNvPr>
+          <p:cNvSpPr txBox="1"/>
+          <p:nvPr/>
+        </p:nvSpPr>
+        <p:spPr>
+          <a:xfrm>
+            <a:off x="4629150" y="5475383"/>
+            <a:ext cx="3886200" cy="830997"/>
+          </a:xfrm>
+          <a:prstGeom prst="rect">
+            <a:avLst/>
+          </a:prstGeom>
+          <a:noFill/>
+        </p:spPr>
+        <p:txBody>
+          <a:bodyPr wrap="square" rtlCol="0">
+            <a:spAutoFit/>
+          </a:bodyPr>
+          <a:lstStyle/>
+          <a:p>
+            <a:pPr algn="l"/>
+            <a:r>
+              <a:rPr lang="en-SG" sz="1600" dirty="0">
+                <a:hlinkClick r:id="rId3"/>
+              </a:rPr>
+              <a:t>Motion detection using PIR HC-SR501</a:t>
+            </a:r>
+            <a:endParaRPr lang="en-SG" sz="1600" dirty="0"/>
+          </a:p>
+          <a:p>
+            <a:pPr algn="l"/>
+            <a:r>
+              <a:rPr lang="en-SG" sz="1600" dirty="0"/>
+              <a:t>Better alternative: </a:t>
+            </a:r>
+            <a:r>
+              <a:rPr lang="en-SG" sz="1600" dirty="0">
+                <a:hlinkClick r:id="rId5"/>
+              </a:rPr>
+              <a:t>RCWL-0516 Microwave Proximity Sensor</a:t>
+            </a:r>
+            <a:endParaRPr lang="en-US" sz="1600" dirty="0"/>
+          </a:p>
+        </p:txBody>
+      </p:sp>
     </p:spTree>
     <p:extLst>
       <p:ext uri="{BB962C8B-B14F-4D97-AF65-F5344CB8AC3E}">
-        <p14:creationId xmlns:p14="http://schemas.microsoft.com/office/powerpoint/2010/main" val="2097700228"/>
+        <p14:creationId xmlns:p14="http://schemas.microsoft.com/office/powerpoint/2010/main" val="74894023"/>
       </p:ext>
     </p:extLst>
   </p:cSld>
@@ -5436,7 +10783,7 @@
           <p:cNvPr id="2" name="Title 1">
             <a:extLst>
               <a:ext uri="{FF2B5EF4-FFF2-40B4-BE49-F238E27FC236}">
-                <a16:creationId xmlns:a16="http://schemas.microsoft.com/office/drawing/2014/main" id="{29757EC0-C4C7-4C21-8BBD-162462AD095F}"/>
+                <a16:creationId xmlns:a16="http://schemas.microsoft.com/office/drawing/2014/main" id="{B8824EAC-CB23-4361-BF44-7DA2B4E3005D}"/>
               </a:ext>
             </a:extLst>
           </p:cNvPr>
@@ -5444,7 +10791,7 @@
             <a:spLocks noGrp="1"/>
           </p:cNvSpPr>
           <p:nvPr>
-            <p:ph type="ctrTitle"/>
+            <p:ph type="title"/>
           </p:nvPr>
         </p:nvSpPr>
         <p:spPr/>
@@ -5453,18 +10800,19 @@
           <a:lstStyle/>
           <a:p>
             <a:r>
-              <a:rPr lang="en-US" dirty="0"/>
-              <a:t>EP1000</a:t>
-            </a:r>
+              <a:rPr lang="en-SG" dirty="0"/>
+              <a:t>Room Temperature &amp; Humidity</a:t>
+            </a:r>
+            <a:endParaRPr lang="en-US" dirty="0"/>
           </a:p>
         </p:txBody>
       </p:sp>
       <p:sp>
         <p:nvSpPr>
-          <p:cNvPr id="3" name="Subtitle 2">
+          <p:cNvPr id="3" name="Content Placeholder 2">
             <a:extLst>
               <a:ext uri="{FF2B5EF4-FFF2-40B4-BE49-F238E27FC236}">
-                <a16:creationId xmlns:a16="http://schemas.microsoft.com/office/drawing/2014/main" id="{1F579C3D-8773-4BAF-B0E2-847945ECA23E}"/>
+                <a16:creationId xmlns:a16="http://schemas.microsoft.com/office/drawing/2014/main" id="{31FAD7EA-FF5B-4DD0-826F-E70003B9618A}"/>
               </a:ext>
             </a:extLst>
           </p:cNvPr>
@@ -5472,7 +10820,7 @@
             <a:spLocks noGrp="1"/>
           </p:cNvSpPr>
           <p:nvPr>
-            <p:ph type="subTitle" idx="1"/>
+            <p:ph sz="half" idx="1"/>
           </p:nvPr>
         </p:nvSpPr>
         <p:spPr/>
@@ -5481,26 +10829,141 @@
           <a:lstStyle/>
           <a:p>
             <a:r>
-              <a:rPr lang="en-US" dirty="0"/>
-              <a:t>Libraries</a:t>
-            </a:r>
-          </a:p>
-          <a:p>
-            <a:r>
-              <a:rPr lang="en-US" dirty="0">
-                <a:solidFill>
-                  <a:srgbClr val="FF0000"/>
-                </a:solidFill>
+              <a:rPr lang="en-SG" sz="1800" dirty="0">
+                <a:hlinkClick r:id="rId2"/>
               </a:rPr>
-              <a:t>End</a:t>
-            </a:r>
+              <a:t>DHT-11</a:t>
+            </a:r>
+            <a:r>
+              <a:rPr lang="en-SG" sz="1800" dirty="0"/>
+              <a:t> Temperature and Humidity sensor</a:t>
+            </a:r>
+          </a:p>
+          <a:p>
+            <a:r>
+              <a:rPr lang="en-SG" sz="1800" dirty="0"/>
+              <a:t>20~80% humidity, 0~50</a:t>
+            </a:r>
+            <a:r>
+              <a:rPr lang="en-SG" sz="1800" baseline="30000" dirty="0"/>
+              <a:t>o</a:t>
+            </a:r>
+            <a:r>
+              <a:rPr lang="en-SG" sz="1800" dirty="0"/>
+              <a:t>C</a:t>
+            </a:r>
+            <a:br>
+              <a:rPr lang="en-SG" sz="1800" dirty="0"/>
+            </a:br>
+            <a:r>
+              <a:rPr lang="en-SG" sz="1800" dirty="0"/>
+              <a:t>1 Hz sampling rate.</a:t>
+            </a:r>
+          </a:p>
+          <a:p>
+            <a:r>
+              <a:rPr lang="en-SG" sz="1800" dirty="0">
+                <a:hlinkClick r:id="rId3"/>
+              </a:rPr>
+              <a:t>Library from Adafruit </a:t>
+            </a:r>
+            <a:r>
+              <a:rPr lang="en-SG" sz="1800" dirty="0"/>
+              <a:t>(install both):</a:t>
+            </a:r>
+          </a:p>
+          <a:p>
+            <a:pPr lvl="1"/>
+            <a:r>
+              <a:rPr lang="en-SG" sz="1600" dirty="0" err="1"/>
+              <a:t>TinyDHT</a:t>
+            </a:r>
+            <a:endParaRPr lang="en-SG" sz="1600" dirty="0"/>
+          </a:p>
+          <a:p>
+            <a:pPr lvl="1"/>
+            <a:r>
+              <a:rPr lang="en-SG" sz="1600" dirty="0" err="1"/>
+              <a:t>TinyWire</a:t>
+            </a:r>
+            <a:endParaRPr lang="en-SG" sz="1600" dirty="0"/>
+          </a:p>
+          <a:p>
+            <a:r>
+              <a:rPr lang="en-US" sz="2000" dirty="0"/>
+              <a:t>Requires 1 digital I/O pin</a:t>
+            </a:r>
+          </a:p>
+          <a:p>
+            <a:r>
+              <a:rPr lang="en-US" sz="2000" dirty="0"/>
+              <a:t>Better results, accuracy with the DHT-22, however, 2~3x more expensive</a:t>
+            </a:r>
+          </a:p>
+        </p:txBody>
+      </p:sp>
+      <p:pic>
+        <p:nvPicPr>
+          <p:cNvPr id="9" name="Content Placeholder 8">
+            <a:extLst>
+              <a:ext uri="{FF2B5EF4-FFF2-40B4-BE49-F238E27FC236}">
+                <a16:creationId xmlns:a16="http://schemas.microsoft.com/office/drawing/2014/main" id="{BCF0C9D3-90AC-4E12-A2D2-322FF77E7009}"/>
+              </a:ext>
+            </a:extLst>
+          </p:cNvPr>
+          <p:cNvPicPr>
+            <a:picLocks noGrp="1" noChangeAspect="1"/>
+          </p:cNvPicPr>
+          <p:nvPr>
+            <p:ph sz="half" idx="2"/>
+          </p:nvPr>
+        </p:nvPicPr>
+        <p:blipFill>
+          <a:blip r:embed="rId4"/>
+          <a:stretch>
+            <a:fillRect/>
+          </a:stretch>
+        </p:blipFill>
+        <p:spPr>
+          <a:xfrm>
+            <a:off x="4629150" y="1853407"/>
+            <a:ext cx="3886200" cy="1991486"/>
+          </a:xfrm>
+        </p:spPr>
+      </p:pic>
+      <p:sp>
+        <p:nvSpPr>
+          <p:cNvPr id="5" name="Slide Number Placeholder 4">
+            <a:extLst>
+              <a:ext uri="{FF2B5EF4-FFF2-40B4-BE49-F238E27FC236}">
+                <a16:creationId xmlns:a16="http://schemas.microsoft.com/office/drawing/2014/main" id="{DF59765E-8A4D-44A7-8F3B-A9FE57AA7728}"/>
+              </a:ext>
+            </a:extLst>
+          </p:cNvPr>
+          <p:cNvSpPr>
+            <a:spLocks noGrp="1"/>
+          </p:cNvSpPr>
+          <p:nvPr>
+            <p:ph type="sldNum" sz="quarter" idx="12"/>
+          </p:nvPr>
+        </p:nvSpPr>
+        <p:spPr/>
+        <p:txBody>
+          <a:bodyPr/>
+          <a:lstStyle/>
+          <a:p>
+            <a:fld id="{CAB166B3-F268-4CEF-878A-CFB0D0D505D3}" type="slidenum">
+              <a:rPr lang="en-US" smtClean="0"/>
+              <a:t>9</a:t>
+            </a:fld>
+            <a:endParaRPr lang="en-US"/>
           </a:p>
         </p:txBody>
       </p:sp>
     </p:spTree>
     <p:extLst>
       <p:ext uri="{BB962C8B-B14F-4D97-AF65-F5344CB8AC3E}">
-        <p14:creationId xmlns:p14="http://schemas.microsoft.com/office/powerpoint/2010/main" val="2293809126"/>
+        <p14:creationId xmlns:p14="http://schemas.microsoft.com/office/powerpoint/2010/main" val="3146419609"/>
       </p:ext>
     </p:extLst>
   </p:cSld>

--- a/presentations/ep1000_sensors/ep1000_sensors.pptx
+++ b/presentations/ep1000_sensors/ep1000_sensors.pptx
@@ -5,7 +5,7 @@
     <p:sldMasterId id="2147483660" r:id="rId1"/>
   </p:sldMasterIdLst>
   <p:notesMasterIdLst>
-    <p:notesMasterId r:id="rId18"/>
+    <p:notesMasterId r:id="rId22"/>
   </p:notesMasterIdLst>
   <p:sldIdLst>
     <p:sldId id="256" r:id="rId2"/>
@@ -13,17 +13,21 @@
     <p:sldId id="261" r:id="rId4"/>
     <p:sldId id="262" r:id="rId5"/>
     <p:sldId id="263" r:id="rId6"/>
-    <p:sldId id="264" r:id="rId7"/>
-    <p:sldId id="265" r:id="rId8"/>
-    <p:sldId id="270" r:id="rId9"/>
-    <p:sldId id="266" r:id="rId10"/>
-    <p:sldId id="267" r:id="rId11"/>
-    <p:sldId id="268" r:id="rId12"/>
-    <p:sldId id="269" r:id="rId13"/>
-    <p:sldId id="271" r:id="rId14"/>
-    <p:sldId id="272" r:id="rId15"/>
-    <p:sldId id="273" r:id="rId16"/>
-    <p:sldId id="259" r:id="rId17"/>
+    <p:sldId id="274" r:id="rId7"/>
+    <p:sldId id="275" r:id="rId8"/>
+    <p:sldId id="276" r:id="rId9"/>
+    <p:sldId id="264" r:id="rId10"/>
+    <p:sldId id="265" r:id="rId11"/>
+    <p:sldId id="270" r:id="rId12"/>
+    <p:sldId id="266" r:id="rId13"/>
+    <p:sldId id="267" r:id="rId14"/>
+    <p:sldId id="268" r:id="rId15"/>
+    <p:sldId id="269" r:id="rId16"/>
+    <p:sldId id="271" r:id="rId17"/>
+    <p:sldId id="272" r:id="rId18"/>
+    <p:sldId id="277" r:id="rId19"/>
+    <p:sldId id="273" r:id="rId20"/>
+    <p:sldId id="259" r:id="rId21"/>
   </p:sldIdLst>
   <p:sldSz cx="9144000" cy="6858000" type="screen4x3"/>
   <p:notesSz cx="6858000" cy="9144000"/>
@@ -212,7 +216,7 @@
           <a:p>
             <a:fld id="{2A875741-58CA-43A4-9946-B635E52C5CD8}" type="datetimeFigureOut">
               <a:rPr lang="en-US" smtClean="0"/>
-              <a:t>6/8/2021</a:t>
+              <a:t>6/10/2021</a:t>
             </a:fld>
             <a:endParaRPr lang="en-US"/>
           </a:p>
@@ -622,7 +626,7 @@
           <a:p>
             <a:fld id="{9665C769-D7C3-4E51-9622-EB882B1C6B88}" type="datetime1">
               <a:rPr lang="en-US" smtClean="0"/>
-              <a:t>6/8/2021</a:t>
+              <a:t>6/10/2021</a:t>
             </a:fld>
             <a:endParaRPr lang="en-US"/>
           </a:p>
@@ -816,7 +820,7 @@
           <a:p>
             <a:fld id="{AC2FA8F2-92AD-4DF3-BB80-1A576E4607C5}" type="datetime1">
               <a:rPr lang="en-US" smtClean="0"/>
-              <a:t>6/8/2021</a:t>
+              <a:t>6/10/2021</a:t>
             </a:fld>
             <a:endParaRPr lang="en-US"/>
           </a:p>
@@ -1015,7 +1019,7 @@
           <a:p>
             <a:fld id="{FF161318-0D48-4B52-BC2D-A0EA8E79725D}" type="datetime1">
               <a:rPr lang="en-US" smtClean="0"/>
-              <a:t>6/8/2021</a:t>
+              <a:t>6/10/2021</a:t>
             </a:fld>
             <a:endParaRPr lang="en-US"/>
           </a:p>
@@ -1209,7 +1213,7 @@
           <a:p>
             <a:fld id="{828929F4-2E32-48E9-8E95-ABAA8EAAF6A9}" type="datetime1">
               <a:rPr lang="en-US" smtClean="0"/>
-              <a:t>6/8/2021</a:t>
+              <a:t>6/10/2021</a:t>
             </a:fld>
             <a:endParaRPr lang="en-US"/>
           </a:p>
@@ -1472,7 +1476,7 @@
           <a:p>
             <a:fld id="{4D668969-C21F-428C-9E53-8D921FF4543A}" type="datetime1">
               <a:rPr lang="en-US" smtClean="0"/>
-              <a:t>6/8/2021</a:t>
+              <a:t>6/10/2021</a:t>
             </a:fld>
             <a:endParaRPr lang="en-US"/>
           </a:p>
@@ -1726,7 +1730,7 @@
           <a:p>
             <a:fld id="{01FB22A5-6159-4D69-BFEE-F4892803599C}" type="datetime1">
               <a:rPr lang="en-US" smtClean="0"/>
-              <a:t>6/8/2021</a:t>
+              <a:t>6/10/2021</a:t>
             </a:fld>
             <a:endParaRPr lang="en-US"/>
           </a:p>
@@ -2120,7 +2124,7 @@
           <a:p>
             <a:fld id="{738CC944-9765-440C-9A18-3DC1DA37440E}" type="datetime1">
               <a:rPr lang="en-US" smtClean="0"/>
-              <a:t>6/8/2021</a:t>
+              <a:t>6/10/2021</a:t>
             </a:fld>
             <a:endParaRPr lang="en-US"/>
           </a:p>
@@ -2254,7 +2258,7 @@
           <a:p>
             <a:fld id="{D8661C67-BB8E-4D16-A78D-460AAF94A53C}" type="datetime1">
               <a:rPr lang="en-US" smtClean="0"/>
-              <a:t>6/8/2021</a:t>
+              <a:t>6/10/2021</a:t>
             </a:fld>
             <a:endParaRPr lang="en-US"/>
           </a:p>
@@ -2365,7 +2369,7 @@
           <a:p>
             <a:fld id="{DBBC12E8-4105-456C-A90A-AF2362FB188F}" type="datetime1">
               <a:rPr lang="en-US" smtClean="0"/>
-              <a:t>6/8/2021</a:t>
+              <a:t>6/10/2021</a:t>
             </a:fld>
             <a:endParaRPr lang="en-US"/>
           </a:p>
@@ -2664,7 +2668,7 @@
           <a:p>
             <a:fld id="{11FD4DDA-56B2-4B92-884C-68E9C78E3003}" type="datetime1">
               <a:rPr lang="en-US" smtClean="0"/>
-              <a:t>6/8/2021</a:t>
+              <a:t>6/10/2021</a:t>
             </a:fld>
             <a:endParaRPr lang="en-US"/>
           </a:p>
@@ -2943,7 +2947,7 @@
           <a:p>
             <a:fld id="{750461B4-47C4-4F2C-98A2-225FD39D225C}" type="datetime1">
               <a:rPr lang="en-US" smtClean="0"/>
-              <a:t>6/8/2021</a:t>
+              <a:t>6/10/2021</a:t>
             </a:fld>
             <a:endParaRPr lang="en-US"/>
           </a:p>
@@ -3608,6 +3612,645 @@
           <p:cNvPr id="2" name="Title 1">
             <a:extLst>
               <a:ext uri="{FF2B5EF4-FFF2-40B4-BE49-F238E27FC236}">
+                <a16:creationId xmlns:a16="http://schemas.microsoft.com/office/drawing/2014/main" id="{C4B331DF-994E-4D7F-B17A-14AB1A9DFAB7}"/>
+              </a:ext>
+            </a:extLst>
+          </p:cNvPr>
+          <p:cNvSpPr>
+            <a:spLocks noGrp="1"/>
+          </p:cNvSpPr>
+          <p:nvPr>
+            <p:ph type="title"/>
+          </p:nvPr>
+        </p:nvSpPr>
+        <p:spPr/>
+        <p:txBody>
+          <a:bodyPr/>
+          <a:lstStyle/>
+          <a:p>
+            <a:r>
+              <a:rPr lang="en-SG" dirty="0"/>
+              <a:t>Measuring Distance – SR04</a:t>
+            </a:r>
+            <a:endParaRPr lang="en-US" dirty="0"/>
+          </a:p>
+        </p:txBody>
+      </p:sp>
+      <p:sp>
+        <p:nvSpPr>
+          <p:cNvPr id="5" name="Slide Number Placeholder 4">
+            <a:extLst>
+              <a:ext uri="{FF2B5EF4-FFF2-40B4-BE49-F238E27FC236}">
+                <a16:creationId xmlns:a16="http://schemas.microsoft.com/office/drawing/2014/main" id="{490BA051-1950-4D92-A9FE-F7CBD8B97C88}"/>
+              </a:ext>
+            </a:extLst>
+          </p:cNvPr>
+          <p:cNvSpPr>
+            <a:spLocks noGrp="1"/>
+          </p:cNvSpPr>
+          <p:nvPr>
+            <p:ph type="sldNum" sz="quarter" idx="12"/>
+          </p:nvPr>
+        </p:nvSpPr>
+        <p:spPr/>
+        <p:txBody>
+          <a:bodyPr/>
+          <a:lstStyle/>
+          <a:p>
+            <a:fld id="{CAB166B3-F268-4CEF-878A-CFB0D0D505D3}" type="slidenum">
+              <a:rPr lang="en-US" smtClean="0"/>
+              <a:t>10</a:t>
+            </a:fld>
+            <a:endParaRPr lang="en-US"/>
+          </a:p>
+        </p:txBody>
+      </p:sp>
+      <p:pic>
+        <p:nvPicPr>
+          <p:cNvPr id="12" name="Content Placeholder 11">
+            <a:extLst>
+              <a:ext uri="{FF2B5EF4-FFF2-40B4-BE49-F238E27FC236}">
+                <a16:creationId xmlns:a16="http://schemas.microsoft.com/office/drawing/2014/main" id="{0B0DA044-DCA1-4AC0-9E6E-34F2C03C526B}"/>
+              </a:ext>
+            </a:extLst>
+          </p:cNvPr>
+          <p:cNvPicPr>
+            <a:picLocks noGrp="1" noChangeAspect="1"/>
+          </p:cNvPicPr>
+          <p:nvPr>
+            <p:ph sz="half" idx="1"/>
+          </p:nvPr>
+        </p:nvPicPr>
+        <p:blipFill>
+          <a:blip r:embed="rId2"/>
+          <a:stretch>
+            <a:fillRect/>
+          </a:stretch>
+        </p:blipFill>
+        <p:spPr>
+          <a:xfrm>
+            <a:off x="628650" y="1562197"/>
+            <a:ext cx="7034022" cy="3500223"/>
+          </a:xfrm>
+        </p:spPr>
+      </p:pic>
+      <p:sp>
+        <p:nvSpPr>
+          <p:cNvPr id="9" name="Content Placeholder 8">
+            <a:extLst>
+              <a:ext uri="{FF2B5EF4-FFF2-40B4-BE49-F238E27FC236}">
+                <a16:creationId xmlns:a16="http://schemas.microsoft.com/office/drawing/2014/main" id="{67304A7D-DFB3-4C19-9972-36A8880F7F8E}"/>
+              </a:ext>
+            </a:extLst>
+          </p:cNvPr>
+          <p:cNvSpPr>
+            <a:spLocks noGrp="1"/>
+          </p:cNvSpPr>
+          <p:nvPr>
+            <p:ph sz="half" idx="2"/>
+          </p:nvPr>
+        </p:nvSpPr>
+        <p:spPr>
+          <a:xfrm>
+            <a:off x="628650" y="5162527"/>
+            <a:ext cx="7886700" cy="1193824"/>
+          </a:xfrm>
+        </p:spPr>
+        <p:txBody>
+          <a:bodyPr/>
+          <a:lstStyle/>
+          <a:p>
+            <a:r>
+              <a:rPr lang="en-SG" sz="1800" dirty="0"/>
+              <a:t>LOW pulse (10 mS) is used to trigger the sensor</a:t>
+            </a:r>
+          </a:p>
+          <a:p>
+            <a:r>
+              <a:rPr lang="en-SG" sz="1800" dirty="0"/>
+              <a:t>Return pulse is measured using </a:t>
+            </a:r>
+            <a:r>
+              <a:rPr lang="en-SG" sz="1800" dirty="0" err="1"/>
+              <a:t>pulseIn</a:t>
+            </a:r>
+            <a:r>
+              <a:rPr lang="en-SG" sz="1800" dirty="0"/>
+              <a:t>(), distance is proportional to pulse length</a:t>
+            </a:r>
+            <a:endParaRPr lang="en-US" sz="1800" dirty="0"/>
+          </a:p>
+        </p:txBody>
+      </p:sp>
+    </p:spTree>
+    <p:extLst>
+      <p:ext uri="{BB962C8B-B14F-4D97-AF65-F5344CB8AC3E}">
+        <p14:creationId xmlns:p14="http://schemas.microsoft.com/office/powerpoint/2010/main" val="3807239228"/>
+      </p:ext>
+    </p:extLst>
+  </p:cSld>
+  <p:clrMapOvr>
+    <a:masterClrMapping/>
+  </p:clrMapOvr>
+</p:sld>
+</file>
+
+<file path=ppt/slides/slide11.xml><?xml version="1.0" encoding="utf-8"?>
+<p:sld xmlns:a="http://schemas.openxmlformats.org/drawingml/2006/main" xmlns:r="http://schemas.openxmlformats.org/officeDocument/2006/relationships" xmlns:p="http://schemas.openxmlformats.org/presentationml/2006/main">
+  <p:cSld>
+    <p:spTree>
+      <p:nvGrpSpPr>
+        <p:cNvPr id="1" name=""/>
+        <p:cNvGrpSpPr/>
+        <p:nvPr/>
+      </p:nvGrpSpPr>
+      <p:grpSpPr>
+        <a:xfrm>
+          <a:off x="0" y="0"/>
+          <a:ext cx="0" cy="0"/>
+          <a:chOff x="0" y="0"/>
+          <a:chExt cx="0" cy="0"/>
+        </a:xfrm>
+      </p:grpSpPr>
+      <p:sp>
+        <p:nvSpPr>
+          <p:cNvPr id="2" name="Title 1">
+            <a:extLst>
+              <a:ext uri="{FF2B5EF4-FFF2-40B4-BE49-F238E27FC236}">
+                <a16:creationId xmlns:a16="http://schemas.microsoft.com/office/drawing/2014/main" id="{C69891C6-6E16-4AEE-87B8-57E6952D3C86}"/>
+              </a:ext>
+            </a:extLst>
+          </p:cNvPr>
+          <p:cNvSpPr>
+            <a:spLocks noGrp="1"/>
+          </p:cNvSpPr>
+          <p:nvPr>
+            <p:ph type="title"/>
+          </p:nvPr>
+        </p:nvSpPr>
+        <p:spPr/>
+        <p:txBody>
+          <a:bodyPr/>
+          <a:lstStyle/>
+          <a:p>
+            <a:r>
+              <a:rPr lang="en-SG" dirty="0"/>
+              <a:t>PIR Motion Sensor HC-SR501</a:t>
+            </a:r>
+            <a:endParaRPr lang="en-US" dirty="0"/>
+          </a:p>
+        </p:txBody>
+      </p:sp>
+      <p:sp>
+        <p:nvSpPr>
+          <p:cNvPr id="3" name="Content Placeholder 2">
+            <a:extLst>
+              <a:ext uri="{FF2B5EF4-FFF2-40B4-BE49-F238E27FC236}">
+                <a16:creationId xmlns:a16="http://schemas.microsoft.com/office/drawing/2014/main" id="{C98B88DC-3363-43A2-9635-845612A6B76C}"/>
+              </a:ext>
+            </a:extLst>
+          </p:cNvPr>
+          <p:cNvSpPr>
+            <a:spLocks noGrp="1"/>
+          </p:cNvSpPr>
+          <p:nvPr>
+            <p:ph sz="half" idx="1"/>
+          </p:nvPr>
+        </p:nvSpPr>
+        <p:spPr>
+          <a:xfrm>
+            <a:off x="628650" y="1627319"/>
+            <a:ext cx="3886200" cy="4351338"/>
+          </a:xfrm>
+        </p:spPr>
+        <p:txBody>
+          <a:bodyPr/>
+          <a:lstStyle/>
+          <a:p>
+            <a:r>
+              <a:rPr lang="en-SG" sz="2400" dirty="0">
+                <a:hlinkClick r:id="rId2"/>
+              </a:rPr>
+              <a:t>Passive Infra Red</a:t>
+            </a:r>
+            <a:r>
+              <a:rPr lang="en-SG" sz="2400" dirty="0"/>
+              <a:t> </a:t>
+            </a:r>
+          </a:p>
+          <a:p>
+            <a:r>
+              <a:rPr lang="en-SG" sz="2400" dirty="0"/>
+              <a:t>Detects motion</a:t>
+            </a:r>
+          </a:p>
+          <a:p>
+            <a:pPr lvl="1"/>
+            <a:r>
+              <a:rPr lang="en-SG" sz="2000" dirty="0"/>
+              <a:t>Adjust Sensitivity</a:t>
+            </a:r>
+          </a:p>
+          <a:p>
+            <a:pPr lvl="1"/>
+            <a:r>
+              <a:rPr lang="en-SG" sz="2000" dirty="0"/>
+              <a:t>Wait at least 15 s</a:t>
+            </a:r>
+          </a:p>
+          <a:p>
+            <a:r>
+              <a:rPr lang="en-SG" sz="2400" dirty="0"/>
+              <a:t>No Library required, 1 digital I/O input pin for status.</a:t>
+            </a:r>
+          </a:p>
+          <a:p>
+            <a:r>
+              <a:rPr lang="en-SG" sz="2400" dirty="0"/>
+              <a:t>Check pin</a:t>
+            </a:r>
+          </a:p>
+          <a:p>
+            <a:pPr lvl="1"/>
+            <a:r>
+              <a:rPr lang="en-SG" sz="2000" dirty="0"/>
+              <a:t>LOW no motion</a:t>
+            </a:r>
+          </a:p>
+          <a:p>
+            <a:pPr lvl="1"/>
+            <a:r>
+              <a:rPr lang="en-SG" sz="2000" dirty="0"/>
+              <a:t>HIGH motion detected</a:t>
+            </a:r>
+          </a:p>
+          <a:p>
+            <a:r>
+              <a:rPr lang="en-SG" sz="2400" dirty="0"/>
+              <a:t>Cannot measure distance</a:t>
+            </a:r>
+          </a:p>
+        </p:txBody>
+      </p:sp>
+      <p:sp>
+        <p:nvSpPr>
+          <p:cNvPr id="5" name="Slide Number Placeholder 4">
+            <a:extLst>
+              <a:ext uri="{FF2B5EF4-FFF2-40B4-BE49-F238E27FC236}">
+                <a16:creationId xmlns:a16="http://schemas.microsoft.com/office/drawing/2014/main" id="{56552937-2EC0-419A-9BF9-A8676C32A95C}"/>
+              </a:ext>
+            </a:extLst>
+          </p:cNvPr>
+          <p:cNvSpPr>
+            <a:spLocks noGrp="1"/>
+          </p:cNvSpPr>
+          <p:nvPr>
+            <p:ph type="sldNum" sz="quarter" idx="12"/>
+          </p:nvPr>
+        </p:nvSpPr>
+        <p:spPr/>
+        <p:txBody>
+          <a:bodyPr/>
+          <a:lstStyle/>
+          <a:p>
+            <a:fld id="{CAB166B3-F268-4CEF-878A-CFB0D0D505D3}" type="slidenum">
+              <a:rPr lang="en-US" smtClean="0"/>
+              <a:t>11</a:t>
+            </a:fld>
+            <a:endParaRPr lang="en-US"/>
+          </a:p>
+        </p:txBody>
+      </p:sp>
+      <p:pic>
+        <p:nvPicPr>
+          <p:cNvPr id="11" name="Content Placeholder 10">
+            <a:hlinkClick r:id="rId3"/>
+            <a:extLst>
+              <a:ext uri="{FF2B5EF4-FFF2-40B4-BE49-F238E27FC236}">
+                <a16:creationId xmlns:a16="http://schemas.microsoft.com/office/drawing/2014/main" id="{B6AC0092-B88F-4B2F-B88B-C29D5E2017E9}"/>
+              </a:ext>
+            </a:extLst>
+          </p:cNvPr>
+          <p:cNvPicPr>
+            <a:picLocks noGrp="1" noChangeAspect="1"/>
+          </p:cNvPicPr>
+          <p:nvPr>
+            <p:ph sz="half" idx="2"/>
+          </p:nvPr>
+        </p:nvPicPr>
+        <p:blipFill>
+          <a:blip r:embed="rId4"/>
+          <a:stretch>
+            <a:fillRect/>
+          </a:stretch>
+        </p:blipFill>
+        <p:spPr>
+          <a:xfrm>
+            <a:off x="4629150" y="1531546"/>
+            <a:ext cx="3886200" cy="3709554"/>
+          </a:xfrm>
+        </p:spPr>
+      </p:pic>
+      <p:sp>
+        <p:nvSpPr>
+          <p:cNvPr id="12" name="TextBox 11">
+            <a:extLst>
+              <a:ext uri="{FF2B5EF4-FFF2-40B4-BE49-F238E27FC236}">
+                <a16:creationId xmlns:a16="http://schemas.microsoft.com/office/drawing/2014/main" id="{C4C92BCE-E609-46A5-8E7B-D8F6E2B44E4D}"/>
+              </a:ext>
+            </a:extLst>
+          </p:cNvPr>
+          <p:cNvSpPr txBox="1"/>
+          <p:nvPr/>
+        </p:nvSpPr>
+        <p:spPr>
+          <a:xfrm>
+            <a:off x="4629150" y="5475383"/>
+            <a:ext cx="3886200" cy="830997"/>
+          </a:xfrm>
+          <a:prstGeom prst="rect">
+            <a:avLst/>
+          </a:prstGeom>
+          <a:noFill/>
+        </p:spPr>
+        <p:txBody>
+          <a:bodyPr wrap="square" rtlCol="0">
+            <a:spAutoFit/>
+          </a:bodyPr>
+          <a:lstStyle/>
+          <a:p>
+            <a:pPr algn="l"/>
+            <a:r>
+              <a:rPr lang="en-SG" sz="1600" dirty="0">
+                <a:hlinkClick r:id="rId3"/>
+              </a:rPr>
+              <a:t>Motion detection using PIR HC-SR501</a:t>
+            </a:r>
+            <a:endParaRPr lang="en-SG" sz="1600" dirty="0"/>
+          </a:p>
+          <a:p>
+            <a:pPr algn="l"/>
+            <a:r>
+              <a:rPr lang="en-SG" sz="1600" dirty="0"/>
+              <a:t>Better alternative: </a:t>
+            </a:r>
+            <a:r>
+              <a:rPr lang="en-SG" sz="1600" dirty="0">
+                <a:hlinkClick r:id="rId5"/>
+              </a:rPr>
+              <a:t>RCWL-0516 Microwave Proximity Sensor</a:t>
+            </a:r>
+            <a:endParaRPr lang="en-US" sz="1600" dirty="0"/>
+          </a:p>
+        </p:txBody>
+      </p:sp>
+    </p:spTree>
+    <p:extLst>
+      <p:ext uri="{BB962C8B-B14F-4D97-AF65-F5344CB8AC3E}">
+        <p14:creationId xmlns:p14="http://schemas.microsoft.com/office/powerpoint/2010/main" val="74894023"/>
+      </p:ext>
+    </p:extLst>
+  </p:cSld>
+  <p:clrMapOvr>
+    <a:masterClrMapping/>
+  </p:clrMapOvr>
+</p:sld>
+</file>
+
+<file path=ppt/slides/slide12.xml><?xml version="1.0" encoding="utf-8"?>
+<p:sld xmlns:a="http://schemas.openxmlformats.org/drawingml/2006/main" xmlns:r="http://schemas.openxmlformats.org/officeDocument/2006/relationships" xmlns:p="http://schemas.openxmlformats.org/presentationml/2006/main">
+  <p:cSld>
+    <p:spTree>
+      <p:nvGrpSpPr>
+        <p:cNvPr id="1" name=""/>
+        <p:cNvGrpSpPr/>
+        <p:nvPr/>
+      </p:nvGrpSpPr>
+      <p:grpSpPr>
+        <a:xfrm>
+          <a:off x="0" y="0"/>
+          <a:ext cx="0" cy="0"/>
+          <a:chOff x="0" y="0"/>
+          <a:chExt cx="0" cy="0"/>
+        </a:xfrm>
+      </p:grpSpPr>
+      <p:sp>
+        <p:nvSpPr>
+          <p:cNvPr id="2" name="Title 1">
+            <a:extLst>
+              <a:ext uri="{FF2B5EF4-FFF2-40B4-BE49-F238E27FC236}">
+                <a16:creationId xmlns:a16="http://schemas.microsoft.com/office/drawing/2014/main" id="{B8824EAC-CB23-4361-BF44-7DA2B4E3005D}"/>
+              </a:ext>
+            </a:extLst>
+          </p:cNvPr>
+          <p:cNvSpPr>
+            <a:spLocks noGrp="1"/>
+          </p:cNvSpPr>
+          <p:nvPr>
+            <p:ph type="title"/>
+          </p:nvPr>
+        </p:nvSpPr>
+        <p:spPr/>
+        <p:txBody>
+          <a:bodyPr/>
+          <a:lstStyle/>
+          <a:p>
+            <a:r>
+              <a:rPr lang="en-SG" dirty="0"/>
+              <a:t>Room Temperature &amp; Humidity</a:t>
+            </a:r>
+            <a:endParaRPr lang="en-US" dirty="0"/>
+          </a:p>
+        </p:txBody>
+      </p:sp>
+      <p:sp>
+        <p:nvSpPr>
+          <p:cNvPr id="3" name="Content Placeholder 2">
+            <a:extLst>
+              <a:ext uri="{FF2B5EF4-FFF2-40B4-BE49-F238E27FC236}">
+                <a16:creationId xmlns:a16="http://schemas.microsoft.com/office/drawing/2014/main" id="{31FAD7EA-FF5B-4DD0-826F-E70003B9618A}"/>
+              </a:ext>
+            </a:extLst>
+          </p:cNvPr>
+          <p:cNvSpPr>
+            <a:spLocks noGrp="1"/>
+          </p:cNvSpPr>
+          <p:nvPr>
+            <p:ph sz="half" idx="1"/>
+          </p:nvPr>
+        </p:nvSpPr>
+        <p:spPr/>
+        <p:txBody>
+          <a:bodyPr/>
+          <a:lstStyle/>
+          <a:p>
+            <a:r>
+              <a:rPr lang="en-SG" sz="1800" dirty="0">
+                <a:hlinkClick r:id="rId2"/>
+              </a:rPr>
+              <a:t>DHT-11</a:t>
+            </a:r>
+            <a:r>
+              <a:rPr lang="en-SG" sz="1800" dirty="0"/>
+              <a:t> Temperature and Humidity sensor</a:t>
+            </a:r>
+          </a:p>
+          <a:p>
+            <a:r>
+              <a:rPr lang="en-SG" sz="1800" dirty="0"/>
+              <a:t>20~80% humidity, 0~50</a:t>
+            </a:r>
+            <a:r>
+              <a:rPr lang="en-SG" sz="1800" baseline="30000" dirty="0"/>
+              <a:t>o</a:t>
+            </a:r>
+            <a:r>
+              <a:rPr lang="en-SG" sz="1800" dirty="0"/>
+              <a:t>C</a:t>
+            </a:r>
+            <a:br>
+              <a:rPr lang="en-SG" sz="1800" dirty="0"/>
+            </a:br>
+            <a:r>
+              <a:rPr lang="en-SG" sz="1800" dirty="0"/>
+              <a:t>1 Hz sampling rate.</a:t>
+            </a:r>
+          </a:p>
+          <a:p>
+            <a:r>
+              <a:rPr lang="en-SG" sz="1800" dirty="0">
+                <a:hlinkClick r:id="rId3"/>
+              </a:rPr>
+              <a:t>Library from Adafruit </a:t>
+            </a:r>
+            <a:r>
+              <a:rPr lang="en-SG" sz="1800" dirty="0"/>
+              <a:t>(install both):</a:t>
+            </a:r>
+          </a:p>
+          <a:p>
+            <a:pPr lvl="1"/>
+            <a:r>
+              <a:rPr lang="en-SG" sz="1600" dirty="0" err="1"/>
+              <a:t>TinyDHT</a:t>
+            </a:r>
+            <a:endParaRPr lang="en-SG" sz="1600" dirty="0"/>
+          </a:p>
+          <a:p>
+            <a:pPr lvl="1"/>
+            <a:r>
+              <a:rPr lang="en-SG" sz="1600" dirty="0" err="1"/>
+              <a:t>TinyWire</a:t>
+            </a:r>
+            <a:endParaRPr lang="en-SG" sz="1600" dirty="0"/>
+          </a:p>
+          <a:p>
+            <a:r>
+              <a:rPr lang="en-US" sz="2000" dirty="0"/>
+              <a:t>Requires 1 digital I/O pin</a:t>
+            </a:r>
+          </a:p>
+          <a:p>
+            <a:r>
+              <a:rPr lang="en-US" sz="2000" dirty="0"/>
+              <a:t>Better results, accuracy with the DHT-22, however, 2~3x more expensive</a:t>
+            </a:r>
+          </a:p>
+        </p:txBody>
+      </p:sp>
+      <p:pic>
+        <p:nvPicPr>
+          <p:cNvPr id="9" name="Content Placeholder 8">
+            <a:extLst>
+              <a:ext uri="{FF2B5EF4-FFF2-40B4-BE49-F238E27FC236}">
+                <a16:creationId xmlns:a16="http://schemas.microsoft.com/office/drawing/2014/main" id="{BCF0C9D3-90AC-4E12-A2D2-322FF77E7009}"/>
+              </a:ext>
+            </a:extLst>
+          </p:cNvPr>
+          <p:cNvPicPr>
+            <a:picLocks noGrp="1" noChangeAspect="1"/>
+          </p:cNvPicPr>
+          <p:nvPr>
+            <p:ph sz="half" idx="2"/>
+          </p:nvPr>
+        </p:nvPicPr>
+        <p:blipFill>
+          <a:blip r:embed="rId4"/>
+          <a:stretch>
+            <a:fillRect/>
+          </a:stretch>
+        </p:blipFill>
+        <p:spPr>
+          <a:xfrm>
+            <a:off x="4629150" y="1853407"/>
+            <a:ext cx="3886200" cy="1991486"/>
+          </a:xfrm>
+        </p:spPr>
+      </p:pic>
+      <p:sp>
+        <p:nvSpPr>
+          <p:cNvPr id="5" name="Slide Number Placeholder 4">
+            <a:extLst>
+              <a:ext uri="{FF2B5EF4-FFF2-40B4-BE49-F238E27FC236}">
+                <a16:creationId xmlns:a16="http://schemas.microsoft.com/office/drawing/2014/main" id="{DF59765E-8A4D-44A7-8F3B-A9FE57AA7728}"/>
+              </a:ext>
+            </a:extLst>
+          </p:cNvPr>
+          <p:cNvSpPr>
+            <a:spLocks noGrp="1"/>
+          </p:cNvSpPr>
+          <p:nvPr>
+            <p:ph type="sldNum" sz="quarter" idx="12"/>
+          </p:nvPr>
+        </p:nvSpPr>
+        <p:spPr/>
+        <p:txBody>
+          <a:bodyPr/>
+          <a:lstStyle/>
+          <a:p>
+            <a:fld id="{CAB166B3-F268-4CEF-878A-CFB0D0D505D3}" type="slidenum">
+              <a:rPr lang="en-US" smtClean="0"/>
+              <a:t>12</a:t>
+            </a:fld>
+            <a:endParaRPr lang="en-US"/>
+          </a:p>
+        </p:txBody>
+      </p:sp>
+    </p:spTree>
+    <p:extLst>
+      <p:ext uri="{BB962C8B-B14F-4D97-AF65-F5344CB8AC3E}">
+        <p14:creationId xmlns:p14="http://schemas.microsoft.com/office/powerpoint/2010/main" val="3146419609"/>
+      </p:ext>
+    </p:extLst>
+  </p:cSld>
+  <p:clrMapOvr>
+    <a:masterClrMapping/>
+  </p:clrMapOvr>
+</p:sld>
+</file>
+
+<file path=ppt/slides/slide13.xml><?xml version="1.0" encoding="utf-8"?>
+<p:sld xmlns:a="http://schemas.openxmlformats.org/drawingml/2006/main" xmlns:r="http://schemas.openxmlformats.org/officeDocument/2006/relationships" xmlns:p="http://schemas.openxmlformats.org/presentationml/2006/main">
+  <p:cSld>
+    <p:spTree>
+      <p:nvGrpSpPr>
+        <p:cNvPr id="1" name=""/>
+        <p:cNvGrpSpPr/>
+        <p:nvPr/>
+      </p:nvGrpSpPr>
+      <p:grpSpPr>
+        <a:xfrm>
+          <a:off x="0" y="0"/>
+          <a:ext cx="0" cy="0"/>
+          <a:chOff x="0" y="0"/>
+          <a:chExt cx="0" cy="0"/>
+        </a:xfrm>
+      </p:grpSpPr>
+      <p:sp>
+        <p:nvSpPr>
+          <p:cNvPr id="2" name="Title 1">
+            <a:extLst>
+              <a:ext uri="{FF2B5EF4-FFF2-40B4-BE49-F238E27FC236}">
                 <a16:creationId xmlns:a16="http://schemas.microsoft.com/office/drawing/2014/main" id="{C2C29DDD-4CA0-46EF-A5E1-119D7841DB0E}"/>
               </a:ext>
             </a:extLst>
@@ -3806,7 +4449,7 @@
           <a:p>
             <a:fld id="{CAB166B3-F268-4CEF-878A-CFB0D0D505D3}" type="slidenum">
               <a:rPr lang="en-US" smtClean="0"/>
-              <a:t>10</a:t>
+              <a:t>13</a:t>
             </a:fld>
             <a:endParaRPr lang="en-US"/>
           </a:p>
@@ -3855,7 +4498,7 @@
 </p:sld>
 </file>
 
-<file path=ppt/slides/slide11.xml><?xml version="1.0" encoding="utf-8"?>
+<file path=ppt/slides/slide14.xml><?xml version="1.0" encoding="utf-8"?>
 <p:sld xmlns:a="http://schemas.openxmlformats.org/drawingml/2006/main" xmlns:r="http://schemas.openxmlformats.org/officeDocument/2006/relationships" xmlns:p="http://schemas.openxmlformats.org/presentationml/2006/main">
   <p:cSld>
     <p:spTree>
@@ -4069,7 +4712,7 @@
           <a:p>
             <a:fld id="{CAB166B3-F268-4CEF-878A-CFB0D0D505D3}" type="slidenum">
               <a:rPr lang="en-US" smtClean="0"/>
-              <a:t>11</a:t>
+              <a:t>14</a:t>
             </a:fld>
             <a:endParaRPr lang="en-US"/>
           </a:p>
@@ -4088,7 +4731,7 @@
 </p:sld>
 </file>
 
-<file path=ppt/slides/slide12.xml><?xml version="1.0" encoding="utf-8"?>
+<file path=ppt/slides/slide15.xml><?xml version="1.0" encoding="utf-8"?>
 <p:sld xmlns:a="http://schemas.openxmlformats.org/drawingml/2006/main" xmlns:r="http://schemas.openxmlformats.org/officeDocument/2006/relationships" xmlns:p="http://schemas.openxmlformats.org/presentationml/2006/main">
   <p:cSld>
     <p:spTree>
@@ -4159,7 +4802,7 @@
           <a:p>
             <a:fld id="{CAB166B3-F268-4CEF-878A-CFB0D0D505D3}" type="slidenum">
               <a:rPr lang="en-US" smtClean="0"/>
-              <a:t>12</a:t>
+              <a:t>15</a:t>
             </a:fld>
             <a:endParaRPr lang="en-US"/>
           </a:p>
@@ -7826,7 +8469,7 @@
 </p:sld>
 </file>
 
-<file path=ppt/slides/slide13.xml><?xml version="1.0" encoding="utf-8"?>
+<file path=ppt/slides/slide16.xml><?xml version="1.0" encoding="utf-8"?>
 <p:sld xmlns:a="http://schemas.openxmlformats.org/drawingml/2006/main" xmlns:r="http://schemas.openxmlformats.org/officeDocument/2006/relationships" xmlns:p="http://schemas.openxmlformats.org/presentationml/2006/main">
   <p:cSld>
     <p:spTree>
@@ -8010,7 +8653,7 @@
           <a:p>
             <a:fld id="{CAB166B3-F268-4CEF-878A-CFB0D0D505D3}" type="slidenum">
               <a:rPr lang="en-US" smtClean="0"/>
-              <a:t>13</a:t>
+              <a:t>16</a:t>
             </a:fld>
             <a:endParaRPr lang="en-US"/>
           </a:p>
@@ -8029,7 +8672,7 @@
 </p:sld>
 </file>
 
-<file path=ppt/slides/slide14.xml><?xml version="1.0" encoding="utf-8"?>
+<file path=ppt/slides/slide17.xml><?xml version="1.0" encoding="utf-8"?>
 <p:sld xmlns:a="http://schemas.openxmlformats.org/drawingml/2006/main" xmlns:r="http://schemas.openxmlformats.org/officeDocument/2006/relationships" xmlns:p="http://schemas.openxmlformats.org/presentationml/2006/main">
   <p:cSld>
     <p:spTree>
@@ -8242,7 +8885,7 @@
           <a:p>
             <a:fld id="{CAB166B3-F268-4CEF-878A-CFB0D0D505D3}" type="slidenum">
               <a:rPr lang="en-US" smtClean="0"/>
-              <a:t>14</a:t>
+              <a:t>17</a:t>
             </a:fld>
             <a:endParaRPr lang="en-US"/>
           </a:p>
@@ -8385,7 +9028,7 @@
 </p:sld>
 </file>
 
-<file path=ppt/slides/slide15.xml><?xml version="1.0" encoding="utf-8"?>
+<file path=ppt/slides/slide18.xml><?xml version="1.0" encoding="utf-8"?>
 <p:sld xmlns:a="http://schemas.openxmlformats.org/drawingml/2006/main" xmlns:r="http://schemas.openxmlformats.org/officeDocument/2006/relationships" xmlns:p="http://schemas.openxmlformats.org/presentationml/2006/main">
   <p:cSld>
     <p:spTree>
@@ -8407,7 +9050,7 @@
           <p:cNvPr id="2" name="Title 1">
             <a:extLst>
               <a:ext uri="{FF2B5EF4-FFF2-40B4-BE49-F238E27FC236}">
-                <a16:creationId xmlns:a16="http://schemas.microsoft.com/office/drawing/2014/main" id="{10D1060D-741A-499F-B6B6-DDFCEB7FC034}"/>
+                <a16:creationId xmlns:a16="http://schemas.microsoft.com/office/drawing/2014/main" id="{460B0DC0-CDF2-4E22-95DF-D7C6FE21EA89}"/>
               </a:ext>
             </a:extLst>
           </p:cNvPr>
@@ -8425,18 +9068,53 @@
           <a:p>
             <a:r>
               <a:rPr lang="en-SG" dirty="0"/>
-              <a:t>References:</a:t>
+              <a:t>Sensor Kit </a:t>
+            </a:r>
+            <a:r>
+              <a:rPr lang="en-SG" dirty="0">
+                <a:hlinkClick r:id="rId2"/>
+              </a:rPr>
+              <a:t>37-in-1</a:t>
             </a:r>
             <a:endParaRPr lang="en-US" dirty="0"/>
           </a:p>
         </p:txBody>
       </p:sp>
-      <p:sp>
-        <p:nvSpPr>
-          <p:cNvPr id="6" name="Content Placeholder 5">
+      <p:pic>
+        <p:nvPicPr>
+          <p:cNvPr id="9" name="Content Placeholder 8">
             <a:extLst>
               <a:ext uri="{FF2B5EF4-FFF2-40B4-BE49-F238E27FC236}">
-                <a16:creationId xmlns:a16="http://schemas.microsoft.com/office/drawing/2014/main" id="{24BF2D0C-63C4-4A9F-B6F1-4B334E4138D4}"/>
+                <a16:creationId xmlns:a16="http://schemas.microsoft.com/office/drawing/2014/main" id="{27C38E4F-354B-452F-86A1-E3119147A382}"/>
+              </a:ext>
+            </a:extLst>
+          </p:cNvPr>
+          <p:cNvPicPr>
+            <a:picLocks noGrp="1" noChangeAspect="1"/>
+          </p:cNvPicPr>
+          <p:nvPr>
+            <p:ph sz="half" idx="1"/>
+          </p:nvPr>
+        </p:nvPicPr>
+        <p:blipFill>
+          <a:blip r:embed="rId3"/>
+          <a:stretch>
+            <a:fillRect/>
+          </a:stretch>
+        </p:blipFill>
+        <p:spPr>
+          <a:xfrm>
+            <a:off x="628650" y="1650569"/>
+            <a:ext cx="3886200" cy="3886200"/>
+          </a:xfrm>
+        </p:spPr>
+      </p:pic>
+      <p:sp>
+        <p:nvSpPr>
+          <p:cNvPr id="4" name="Content Placeholder 3">
+            <a:extLst>
+              <a:ext uri="{FF2B5EF4-FFF2-40B4-BE49-F238E27FC236}">
+                <a16:creationId xmlns:a16="http://schemas.microsoft.com/office/drawing/2014/main" id="{EF6CC12B-F272-4C21-A425-C5CA54C6B5EE}"/>
               </a:ext>
             </a:extLst>
           </p:cNvPr>
@@ -8444,7 +9122,7 @@
             <a:spLocks noGrp="1"/>
           </p:cNvSpPr>
           <p:nvPr>
-            <p:ph idx="1"/>
+            <p:ph sz="half" idx="2"/>
           </p:nvPr>
         </p:nvSpPr>
         <p:spPr/>
@@ -8453,48 +9131,44 @@
           <a:lstStyle/>
           <a:p>
             <a:r>
-              <a:rPr lang="en-SG" dirty="0" err="1">
-                <a:hlinkClick r:id="rId2"/>
-              </a:rPr>
-              <a:t>Dronebot</a:t>
-            </a:r>
-            <a:r>
-              <a:rPr lang="en-SG" dirty="0">
-                <a:hlinkClick r:id="rId2"/>
-              </a:rPr>
-              <a:t> workshop</a:t>
-            </a:r>
-            <a:endParaRPr lang="en-SG" dirty="0"/>
-          </a:p>
-          <a:p>
-            <a:r>
-              <a:rPr lang="en-SG" dirty="0">
-                <a:hlinkClick r:id="rId3"/>
-              </a:rPr>
-              <a:t>Last Minute Engineers</a:t>
-            </a:r>
-            <a:endParaRPr lang="en-SG" dirty="0"/>
-          </a:p>
-          <a:p>
-            <a:r>
-              <a:rPr lang="en-SG" dirty="0">
+              <a:rPr lang="en-SG" sz="2400" dirty="0"/>
+              <a:t>Almost all physical properties can be measured.</a:t>
+            </a:r>
+          </a:p>
+          <a:p>
+            <a:r>
+              <a:rPr lang="en-SG" sz="2400" dirty="0"/>
+              <a:t>Affordable way of learning how to work with sensors.</a:t>
+            </a:r>
+          </a:p>
+          <a:p>
+            <a:r>
+              <a:rPr lang="en-SG" sz="2400" dirty="0">
                 <a:hlinkClick r:id="rId4"/>
               </a:rPr>
-              <a:t>Arduino Project Hub</a:t>
-            </a:r>
-            <a:endParaRPr lang="en-SG" dirty="0"/>
-          </a:p>
-          <a:p>
-            <a:r>
-              <a:rPr lang="en-SG" dirty="0" err="1">
+              <a:t>Code</a:t>
+            </a:r>
+            <a:r>
+              <a:rPr lang="en-SG" sz="2400" dirty="0"/>
+              <a:t> &amp; </a:t>
+            </a:r>
+            <a:r>
+              <a:rPr lang="en-SG" sz="2400" dirty="0">
                 <a:hlinkClick r:id="rId5"/>
               </a:rPr>
-              <a:t>Instructables</a:t>
-            </a:r>
-            <a:endParaRPr lang="en-SG" dirty="0"/>
-          </a:p>
-          <a:p>
-            <a:endParaRPr lang="en-US" dirty="0"/>
+              <a:t>Tutorials</a:t>
+            </a:r>
+            <a:r>
+              <a:rPr lang="en-SG" sz="2400" dirty="0"/>
+              <a:t> available</a:t>
+            </a:r>
+          </a:p>
+          <a:p>
+            <a:r>
+              <a:rPr lang="en-SG" sz="2400" dirty="0"/>
+              <a:t>Libraries and simplicity make the Arduino system popular.</a:t>
+            </a:r>
+            <a:endParaRPr lang="en-US" sz="2400" dirty="0"/>
           </a:p>
         </p:txBody>
       </p:sp>
@@ -8503,7 +9177,7 @@
           <p:cNvPr id="5" name="Slide Number Placeholder 4">
             <a:extLst>
               <a:ext uri="{FF2B5EF4-FFF2-40B4-BE49-F238E27FC236}">
-                <a16:creationId xmlns:a16="http://schemas.microsoft.com/office/drawing/2014/main" id="{1C66DE5E-787C-49AB-8BF2-C7E362F8EFFD}"/>
+                <a16:creationId xmlns:a16="http://schemas.microsoft.com/office/drawing/2014/main" id="{08C95BB6-EA7C-4111-AF17-F5F82542C23A}"/>
               </a:ext>
             </a:extLst>
           </p:cNvPr>
@@ -8521,16 +9195,53 @@
           <a:p>
             <a:fld id="{CAB166B3-F268-4CEF-878A-CFB0D0D505D3}" type="slidenum">
               <a:rPr lang="en-US" smtClean="0"/>
-              <a:t>15</a:t>
+              <a:t>18</a:t>
             </a:fld>
             <a:endParaRPr lang="en-US"/>
+          </a:p>
+        </p:txBody>
+      </p:sp>
+      <p:sp>
+        <p:nvSpPr>
+          <p:cNvPr id="10" name="TextBox 9">
+            <a:extLst>
+              <a:ext uri="{FF2B5EF4-FFF2-40B4-BE49-F238E27FC236}">
+                <a16:creationId xmlns:a16="http://schemas.microsoft.com/office/drawing/2014/main" id="{78622092-56C4-4A56-A1A8-AC475CFB7711}"/>
+              </a:ext>
+            </a:extLst>
+          </p:cNvPr>
+          <p:cNvSpPr txBox="1"/>
+          <p:nvPr/>
+        </p:nvSpPr>
+        <p:spPr>
+          <a:xfrm>
+            <a:off x="750999" y="5673687"/>
+            <a:ext cx="3763851" cy="338554"/>
+          </a:xfrm>
+          <a:prstGeom prst="rect">
+            <a:avLst/>
+          </a:prstGeom>
+          <a:noFill/>
+        </p:spPr>
+        <p:txBody>
+          <a:bodyPr wrap="none" rtlCol="0">
+            <a:spAutoFit/>
+          </a:bodyPr>
+          <a:lstStyle/>
+          <a:p>
+            <a:pPr algn="l"/>
+            <a:r>
+              <a:rPr lang="en-SG" sz="1600" dirty="0"/>
+              <a:t>NB. Not all are sensors, some are actuators</a:t>
+            </a:r>
+            <a:endParaRPr lang="en-US" sz="1600" dirty="0"/>
           </a:p>
         </p:txBody>
       </p:sp>
     </p:spTree>
     <p:extLst>
       <p:ext uri="{BB962C8B-B14F-4D97-AF65-F5344CB8AC3E}">
-        <p14:creationId xmlns:p14="http://schemas.microsoft.com/office/powerpoint/2010/main" val="2210629397"/>
+        <p14:creationId xmlns:p14="http://schemas.microsoft.com/office/powerpoint/2010/main" val="599006691"/>
       </p:ext>
     </p:extLst>
   </p:cSld>
@@ -8540,7 +9251,7 @@
 </p:sld>
 </file>
 
-<file path=ppt/slides/slide16.xml><?xml version="1.0" encoding="utf-8"?>
+<file path=ppt/slides/slide19.xml><?xml version="1.0" encoding="utf-8"?>
 <p:sld xmlns:a="http://schemas.openxmlformats.org/drawingml/2006/main" xmlns:r="http://schemas.openxmlformats.org/officeDocument/2006/relationships" xmlns:p="http://schemas.openxmlformats.org/presentationml/2006/main">
   <p:cSld>
     <p:spTree>
@@ -8562,7 +9273,7 @@
           <p:cNvPr id="2" name="Title 1">
             <a:extLst>
               <a:ext uri="{FF2B5EF4-FFF2-40B4-BE49-F238E27FC236}">
-                <a16:creationId xmlns:a16="http://schemas.microsoft.com/office/drawing/2014/main" id="{29757EC0-C4C7-4C21-8BBD-162462AD095F}"/>
+                <a16:creationId xmlns:a16="http://schemas.microsoft.com/office/drawing/2014/main" id="{10D1060D-741A-499F-B6B6-DDFCEB7FC034}"/>
               </a:ext>
             </a:extLst>
           </p:cNvPr>
@@ -8570,7 +9281,7 @@
             <a:spLocks noGrp="1"/>
           </p:cNvSpPr>
           <p:nvPr>
-            <p:ph type="ctrTitle"/>
+            <p:ph type="title"/>
           </p:nvPr>
         </p:nvSpPr>
         <p:spPr/>
@@ -8579,18 +9290,19 @@
           <a:lstStyle/>
           <a:p>
             <a:r>
-              <a:rPr lang="en-US" dirty="0"/>
-              <a:t>EP1000</a:t>
-            </a:r>
-          </a:p>
-        </p:txBody>
-      </p:sp>
-      <p:sp>
-        <p:nvSpPr>
-          <p:cNvPr id="3" name="Subtitle 2">
+              <a:rPr lang="en-SG" dirty="0"/>
+              <a:t>References:</a:t>
+            </a:r>
+            <a:endParaRPr lang="en-US" dirty="0"/>
+          </a:p>
+        </p:txBody>
+      </p:sp>
+      <p:sp>
+        <p:nvSpPr>
+          <p:cNvPr id="6" name="Content Placeholder 5">
             <a:extLst>
               <a:ext uri="{FF2B5EF4-FFF2-40B4-BE49-F238E27FC236}">
-                <a16:creationId xmlns:a16="http://schemas.microsoft.com/office/drawing/2014/main" id="{1F579C3D-8773-4BAF-B0E2-847945ECA23E}"/>
+                <a16:creationId xmlns:a16="http://schemas.microsoft.com/office/drawing/2014/main" id="{24BF2D0C-63C4-4A9F-B6F1-4B334E4138D4}"/>
               </a:ext>
             </a:extLst>
           </p:cNvPr>
@@ -8598,7 +9310,7 @@
             <a:spLocks noGrp="1"/>
           </p:cNvSpPr>
           <p:nvPr>
-            <p:ph type="subTitle" idx="1"/>
+            <p:ph idx="1"/>
           </p:nvPr>
         </p:nvSpPr>
         <p:spPr/>
@@ -8607,26 +9319,84 @@
           <a:lstStyle/>
           <a:p>
             <a:r>
-              <a:rPr lang="en-US" dirty="0"/>
-              <a:t>Sensors</a:t>
-            </a:r>
-          </a:p>
-          <a:p>
-            <a:r>
-              <a:rPr lang="en-US" dirty="0">
-                <a:solidFill>
-                  <a:srgbClr val="FF0000"/>
-                </a:solidFill>
+              <a:rPr lang="en-SG" dirty="0" err="1">
+                <a:hlinkClick r:id="rId2"/>
               </a:rPr>
-              <a:t>End</a:t>
-            </a:r>
+              <a:t>Dronebot</a:t>
+            </a:r>
+            <a:r>
+              <a:rPr lang="en-SG" dirty="0">
+                <a:hlinkClick r:id="rId2"/>
+              </a:rPr>
+              <a:t> workshop</a:t>
+            </a:r>
+            <a:endParaRPr lang="en-SG" dirty="0"/>
+          </a:p>
+          <a:p>
+            <a:r>
+              <a:rPr lang="en-SG" dirty="0">
+                <a:hlinkClick r:id="rId3"/>
+              </a:rPr>
+              <a:t>Last Minute Engineers</a:t>
+            </a:r>
+            <a:endParaRPr lang="en-SG" dirty="0"/>
+          </a:p>
+          <a:p>
+            <a:r>
+              <a:rPr lang="en-SG" dirty="0">
+                <a:hlinkClick r:id="rId4"/>
+              </a:rPr>
+              <a:t>Arduino Project Hub</a:t>
+            </a:r>
+            <a:endParaRPr lang="en-SG" dirty="0"/>
+          </a:p>
+          <a:p>
+            <a:r>
+              <a:rPr lang="en-SG" dirty="0" err="1">
+                <a:hlinkClick r:id="rId5"/>
+              </a:rPr>
+              <a:t>Instructables</a:t>
+            </a:r>
+            <a:endParaRPr lang="en-SG" dirty="0"/>
+          </a:p>
+          <a:p>
+            <a:endParaRPr lang="en-US" dirty="0"/>
+          </a:p>
+        </p:txBody>
+      </p:sp>
+      <p:sp>
+        <p:nvSpPr>
+          <p:cNvPr id="5" name="Slide Number Placeholder 4">
+            <a:extLst>
+              <a:ext uri="{FF2B5EF4-FFF2-40B4-BE49-F238E27FC236}">
+                <a16:creationId xmlns:a16="http://schemas.microsoft.com/office/drawing/2014/main" id="{1C66DE5E-787C-49AB-8BF2-C7E362F8EFFD}"/>
+              </a:ext>
+            </a:extLst>
+          </p:cNvPr>
+          <p:cNvSpPr>
+            <a:spLocks noGrp="1"/>
+          </p:cNvSpPr>
+          <p:nvPr>
+            <p:ph type="sldNum" sz="quarter" idx="12"/>
+          </p:nvPr>
+        </p:nvSpPr>
+        <p:spPr/>
+        <p:txBody>
+          <a:bodyPr/>
+          <a:lstStyle/>
+          <a:p>
+            <a:fld id="{CAB166B3-F268-4CEF-878A-CFB0D0D505D3}" type="slidenum">
+              <a:rPr lang="en-US" smtClean="0"/>
+              <a:t>19</a:t>
+            </a:fld>
+            <a:endParaRPr lang="en-US"/>
           </a:p>
         </p:txBody>
       </p:sp>
     </p:spTree>
     <p:extLst>
       <p:ext uri="{BB962C8B-B14F-4D97-AF65-F5344CB8AC3E}">
-        <p14:creationId xmlns:p14="http://schemas.microsoft.com/office/powerpoint/2010/main" val="2293809126"/>
+        <p14:creationId xmlns:p14="http://schemas.microsoft.com/office/powerpoint/2010/main" val="2210629397"/>
       </p:ext>
     </p:extLst>
   </p:cSld>
@@ -8810,6 +9580,102 @@
     <p:extLst>
       <p:ext uri="{BB962C8B-B14F-4D97-AF65-F5344CB8AC3E}">
         <p14:creationId xmlns:p14="http://schemas.microsoft.com/office/powerpoint/2010/main" val="1205528300"/>
+      </p:ext>
+    </p:extLst>
+  </p:cSld>
+  <p:clrMapOvr>
+    <a:masterClrMapping/>
+  </p:clrMapOvr>
+</p:sld>
+</file>
+
+<file path=ppt/slides/slide20.xml><?xml version="1.0" encoding="utf-8"?>
+<p:sld xmlns:a="http://schemas.openxmlformats.org/drawingml/2006/main" xmlns:r="http://schemas.openxmlformats.org/officeDocument/2006/relationships" xmlns:p="http://schemas.openxmlformats.org/presentationml/2006/main">
+  <p:cSld>
+    <p:spTree>
+      <p:nvGrpSpPr>
+        <p:cNvPr id="1" name=""/>
+        <p:cNvGrpSpPr/>
+        <p:nvPr/>
+      </p:nvGrpSpPr>
+      <p:grpSpPr>
+        <a:xfrm>
+          <a:off x="0" y="0"/>
+          <a:ext cx="0" cy="0"/>
+          <a:chOff x="0" y="0"/>
+          <a:chExt cx="0" cy="0"/>
+        </a:xfrm>
+      </p:grpSpPr>
+      <p:sp>
+        <p:nvSpPr>
+          <p:cNvPr id="2" name="Title 1">
+            <a:extLst>
+              <a:ext uri="{FF2B5EF4-FFF2-40B4-BE49-F238E27FC236}">
+                <a16:creationId xmlns:a16="http://schemas.microsoft.com/office/drawing/2014/main" id="{29757EC0-C4C7-4C21-8BBD-162462AD095F}"/>
+              </a:ext>
+            </a:extLst>
+          </p:cNvPr>
+          <p:cNvSpPr>
+            <a:spLocks noGrp="1"/>
+          </p:cNvSpPr>
+          <p:nvPr>
+            <p:ph type="ctrTitle"/>
+          </p:nvPr>
+        </p:nvSpPr>
+        <p:spPr/>
+        <p:txBody>
+          <a:bodyPr/>
+          <a:lstStyle/>
+          <a:p>
+            <a:r>
+              <a:rPr lang="en-US" dirty="0"/>
+              <a:t>EP1000</a:t>
+            </a:r>
+          </a:p>
+        </p:txBody>
+      </p:sp>
+      <p:sp>
+        <p:nvSpPr>
+          <p:cNvPr id="3" name="Subtitle 2">
+            <a:extLst>
+              <a:ext uri="{FF2B5EF4-FFF2-40B4-BE49-F238E27FC236}">
+                <a16:creationId xmlns:a16="http://schemas.microsoft.com/office/drawing/2014/main" id="{1F579C3D-8773-4BAF-B0E2-847945ECA23E}"/>
+              </a:ext>
+            </a:extLst>
+          </p:cNvPr>
+          <p:cNvSpPr>
+            <a:spLocks noGrp="1"/>
+          </p:cNvSpPr>
+          <p:nvPr>
+            <p:ph type="subTitle" idx="1"/>
+          </p:nvPr>
+        </p:nvSpPr>
+        <p:spPr/>
+        <p:txBody>
+          <a:bodyPr/>
+          <a:lstStyle/>
+          <a:p>
+            <a:r>
+              <a:rPr lang="en-US" dirty="0"/>
+              <a:t>Sensors</a:t>
+            </a:r>
+          </a:p>
+          <a:p>
+            <a:r>
+              <a:rPr lang="en-US" dirty="0">
+                <a:solidFill>
+                  <a:srgbClr val="FF0000"/>
+                </a:solidFill>
+              </a:rPr>
+              <a:t>End</a:t>
+            </a:r>
+          </a:p>
+        </p:txBody>
+      </p:sp>
+    </p:spTree>
+    <p:extLst>
+      <p:ext uri="{BB962C8B-B14F-4D97-AF65-F5344CB8AC3E}">
+        <p14:creationId xmlns:p14="http://schemas.microsoft.com/office/powerpoint/2010/main" val="2293809126"/>
       </p:ext>
     </p:extLst>
   </p:cSld>
@@ -10140,6 +11006,560 @@
           <p:cNvPr id="2" name="Title 1">
             <a:extLst>
               <a:ext uri="{FF2B5EF4-FFF2-40B4-BE49-F238E27FC236}">
+                <a16:creationId xmlns:a16="http://schemas.microsoft.com/office/drawing/2014/main" id="{4B3DB41E-0C88-4CE9-AEA7-7C577913DDD0}"/>
+              </a:ext>
+            </a:extLst>
+          </p:cNvPr>
+          <p:cNvSpPr>
+            <a:spLocks noGrp="1"/>
+          </p:cNvSpPr>
+          <p:nvPr>
+            <p:ph type="title"/>
+          </p:nvPr>
+        </p:nvSpPr>
+        <p:spPr/>
+        <p:txBody>
+          <a:bodyPr/>
+          <a:lstStyle/>
+          <a:p>
+            <a:r>
+              <a:rPr lang="en-SG" dirty="0"/>
+              <a:t>Infra Red Remote Control</a:t>
+            </a:r>
+            <a:endParaRPr lang="en-US" dirty="0"/>
+          </a:p>
+        </p:txBody>
+      </p:sp>
+      <p:sp>
+        <p:nvSpPr>
+          <p:cNvPr id="3" name="Content Placeholder 2">
+            <a:extLst>
+              <a:ext uri="{FF2B5EF4-FFF2-40B4-BE49-F238E27FC236}">
+                <a16:creationId xmlns:a16="http://schemas.microsoft.com/office/drawing/2014/main" id="{39921810-F357-4EA6-B220-821699596D7B}"/>
+              </a:ext>
+            </a:extLst>
+          </p:cNvPr>
+          <p:cNvSpPr>
+            <a:spLocks noGrp="1"/>
+          </p:cNvSpPr>
+          <p:nvPr>
+            <p:ph idx="1"/>
+          </p:nvPr>
+        </p:nvSpPr>
+        <p:spPr/>
+        <p:txBody>
+          <a:bodyPr/>
+          <a:lstStyle/>
+          <a:p>
+            <a:r>
+              <a:rPr lang="en-SG" sz="2000" dirty="0"/>
+              <a:t>Alternative method of providing input to a project.</a:t>
+            </a:r>
+          </a:p>
+          <a:p>
+            <a:r>
+              <a:rPr lang="en-SG" sz="2000" dirty="0"/>
+              <a:t>The Remote control sends Infra Red (IR) pulses which carry a code.</a:t>
+            </a:r>
+            <a:br>
+              <a:rPr lang="en-SG" sz="2000" dirty="0"/>
+            </a:br>
+            <a:r>
+              <a:rPr lang="en-SG" sz="2000" dirty="0"/>
+              <a:t>An IR receiver reads the pulses and sends it to the controller input pin</a:t>
+            </a:r>
+            <a:br>
+              <a:rPr lang="en-SG" sz="2000" dirty="0"/>
+            </a:br>
+            <a:r>
+              <a:rPr lang="en-SG" sz="2000" dirty="0"/>
+              <a:t>Microcontroller decodes the pulses</a:t>
+            </a:r>
+          </a:p>
+          <a:p>
+            <a:r>
+              <a:rPr lang="en-SG" sz="2000" dirty="0"/>
+              <a:t>Library: </a:t>
+            </a:r>
+            <a:r>
+              <a:rPr lang="en-SG" sz="2000" dirty="0">
+                <a:hlinkClick r:id="rId2"/>
+              </a:rPr>
+              <a:t>Arduino </a:t>
+            </a:r>
+            <a:r>
+              <a:rPr lang="en-SG" sz="2000" dirty="0" err="1">
+                <a:hlinkClick r:id="rId2"/>
+              </a:rPr>
+              <a:t>IRRemote</a:t>
+            </a:r>
+            <a:br>
+              <a:rPr lang="en-SG" sz="2000" dirty="0"/>
+            </a:br>
+            <a:r>
+              <a:rPr lang="en-SG" sz="2000" dirty="0"/>
+              <a:t>Simple and can be used with a variety of commercial remotes</a:t>
+            </a:r>
+          </a:p>
+          <a:p>
+            <a:r>
+              <a:rPr lang="en-SG" sz="2000" dirty="0"/>
+              <a:t>Simplest is to use it with the </a:t>
+            </a:r>
+            <a:r>
+              <a:rPr lang="en-SG" sz="2000" dirty="0" err="1"/>
+              <a:t>IRReceiver</a:t>
+            </a:r>
+            <a:r>
+              <a:rPr lang="en-SG" sz="2000" dirty="0"/>
+              <a:t> and Control for Arduino Kits</a:t>
+            </a:r>
+          </a:p>
+          <a:p>
+            <a:r>
+              <a:rPr lang="en-SG" sz="2000" dirty="0"/>
+              <a:t>A very good YouTube tutorial: </a:t>
+            </a:r>
+            <a:r>
+              <a:rPr lang="en-SG" sz="2000" dirty="0" err="1"/>
+              <a:t>DroneBot</a:t>
+            </a:r>
+            <a:r>
+              <a:rPr lang="en-SG" sz="2000" dirty="0"/>
+              <a:t> Workshop: </a:t>
+            </a:r>
+            <a:r>
+              <a:rPr lang="en-SG" sz="2000" dirty="0">
+                <a:hlinkClick r:id="rId3"/>
+              </a:rPr>
+              <a:t>Using IR Remote Controls with Arduino</a:t>
+            </a:r>
+            <a:endParaRPr lang="en-SG" sz="2000" dirty="0"/>
+          </a:p>
+          <a:p>
+            <a:r>
+              <a:rPr lang="en-SG" sz="2000" dirty="0"/>
+              <a:t>Can be simulated with </a:t>
+            </a:r>
+            <a:r>
+              <a:rPr lang="en-SG" sz="2000" dirty="0" err="1"/>
+              <a:t>TinkerCAD</a:t>
+            </a:r>
+            <a:endParaRPr lang="en-US" sz="2000" dirty="0"/>
+          </a:p>
+        </p:txBody>
+      </p:sp>
+      <p:sp>
+        <p:nvSpPr>
+          <p:cNvPr id="5" name="Slide Number Placeholder 4">
+            <a:extLst>
+              <a:ext uri="{FF2B5EF4-FFF2-40B4-BE49-F238E27FC236}">
+                <a16:creationId xmlns:a16="http://schemas.microsoft.com/office/drawing/2014/main" id="{1D3966F9-4F7F-4D31-B67B-84D9D49B5AA0}"/>
+              </a:ext>
+            </a:extLst>
+          </p:cNvPr>
+          <p:cNvSpPr>
+            <a:spLocks noGrp="1"/>
+          </p:cNvSpPr>
+          <p:nvPr>
+            <p:ph type="sldNum" sz="quarter" idx="12"/>
+          </p:nvPr>
+        </p:nvSpPr>
+        <p:spPr/>
+        <p:txBody>
+          <a:bodyPr/>
+          <a:lstStyle/>
+          <a:p>
+            <a:fld id="{CAB166B3-F268-4CEF-878A-CFB0D0D505D3}" type="slidenum">
+              <a:rPr lang="en-US" smtClean="0"/>
+              <a:t>6</a:t>
+            </a:fld>
+            <a:endParaRPr lang="en-US"/>
+          </a:p>
+        </p:txBody>
+      </p:sp>
+    </p:spTree>
+    <p:extLst>
+      <p:ext uri="{BB962C8B-B14F-4D97-AF65-F5344CB8AC3E}">
+        <p14:creationId xmlns:p14="http://schemas.microsoft.com/office/powerpoint/2010/main" val="2693016922"/>
+      </p:ext>
+    </p:extLst>
+  </p:cSld>
+  <p:clrMapOvr>
+    <a:masterClrMapping/>
+  </p:clrMapOvr>
+</p:sld>
+</file>
+
+<file path=ppt/slides/slide7.xml><?xml version="1.0" encoding="utf-8"?>
+<p:sld xmlns:a="http://schemas.openxmlformats.org/drawingml/2006/main" xmlns:r="http://schemas.openxmlformats.org/officeDocument/2006/relationships" xmlns:p="http://schemas.openxmlformats.org/presentationml/2006/main">
+  <p:cSld>
+    <p:spTree>
+      <p:nvGrpSpPr>
+        <p:cNvPr id="1" name=""/>
+        <p:cNvGrpSpPr/>
+        <p:nvPr/>
+      </p:nvGrpSpPr>
+      <p:grpSpPr>
+        <a:xfrm>
+          <a:off x="0" y="0"/>
+          <a:ext cx="0" cy="0"/>
+          <a:chOff x="0" y="0"/>
+          <a:chExt cx="0" cy="0"/>
+        </a:xfrm>
+      </p:grpSpPr>
+      <p:sp>
+        <p:nvSpPr>
+          <p:cNvPr id="2" name="Title 1">
+            <a:extLst>
+              <a:ext uri="{FF2B5EF4-FFF2-40B4-BE49-F238E27FC236}">
+                <a16:creationId xmlns:a16="http://schemas.microsoft.com/office/drawing/2014/main" id="{39196ED9-F283-4450-B137-D11F2E8911CC}"/>
+              </a:ext>
+            </a:extLst>
+          </p:cNvPr>
+          <p:cNvSpPr>
+            <a:spLocks noGrp="1"/>
+          </p:cNvSpPr>
+          <p:nvPr>
+            <p:ph type="title"/>
+          </p:nvPr>
+        </p:nvSpPr>
+        <p:spPr/>
+        <p:txBody>
+          <a:bodyPr/>
+          <a:lstStyle/>
+          <a:p>
+            <a:r>
+              <a:rPr lang="en-SG" dirty="0" err="1"/>
+              <a:t>IRRemote</a:t>
+            </a:r>
+            <a:r>
+              <a:rPr lang="en-SG" dirty="0"/>
+              <a:t> Example</a:t>
+            </a:r>
+            <a:endParaRPr lang="en-US" dirty="0"/>
+          </a:p>
+        </p:txBody>
+      </p:sp>
+      <p:sp>
+        <p:nvSpPr>
+          <p:cNvPr id="6" name="Content Placeholder 5">
+            <a:extLst>
+              <a:ext uri="{FF2B5EF4-FFF2-40B4-BE49-F238E27FC236}">
+                <a16:creationId xmlns:a16="http://schemas.microsoft.com/office/drawing/2014/main" id="{68B6ECFC-CB5F-49F6-8AA0-8607DE3D4311}"/>
+              </a:ext>
+            </a:extLst>
+          </p:cNvPr>
+          <p:cNvSpPr>
+            <a:spLocks noGrp="1"/>
+          </p:cNvSpPr>
+          <p:nvPr>
+            <p:ph sz="half" idx="2"/>
+          </p:nvPr>
+        </p:nvSpPr>
+        <p:spPr/>
+        <p:txBody>
+          <a:bodyPr/>
+          <a:lstStyle/>
+          <a:p>
+            <a:r>
+              <a:rPr lang="en-SG" sz="2000" dirty="0">
+                <a:hlinkClick r:id="rId2"/>
+              </a:rPr>
+              <a:t>Uno </a:t>
+            </a:r>
+            <a:r>
+              <a:rPr lang="en-SG" sz="2000" dirty="0" err="1">
+                <a:hlinkClick r:id="rId2"/>
+              </a:rPr>
+              <a:t>IRRemote</a:t>
+            </a:r>
+            <a:r>
+              <a:rPr lang="en-SG" sz="2000" dirty="0">
+                <a:hlinkClick r:id="rId2"/>
+              </a:rPr>
+              <a:t> Control</a:t>
+            </a:r>
+            <a:endParaRPr lang="en-SG" sz="2000" dirty="0"/>
+          </a:p>
+          <a:p>
+            <a:r>
+              <a:rPr lang="en-SG" sz="2000" dirty="0"/>
+              <a:t>Use Serial Monitor to determine the hex codes before writing the application for the IR Remote</a:t>
+            </a:r>
+          </a:p>
+          <a:p>
+            <a:r>
+              <a:rPr lang="en-SG" sz="2000" dirty="0"/>
+              <a:t>Example:</a:t>
+            </a:r>
+          </a:p>
+          <a:p>
+            <a:pPr lvl="1"/>
+            <a:r>
+              <a:rPr lang="en-SG" sz="1600" dirty="0"/>
+              <a:t>Key 1 = 0xFD08F7</a:t>
+            </a:r>
+          </a:p>
+          <a:p>
+            <a:pPr lvl="1"/>
+            <a:r>
+              <a:rPr lang="en-SG" sz="1600" dirty="0"/>
+              <a:t>Key 2 = 0xFD8877</a:t>
+            </a:r>
+          </a:p>
+          <a:p>
+            <a:r>
+              <a:rPr lang="en-SG" sz="2000" dirty="0"/>
+              <a:t>Use a switch-case to effect the applications to be done</a:t>
+            </a:r>
+            <a:endParaRPr lang="en-US" sz="2000" dirty="0"/>
+          </a:p>
+          <a:p>
+            <a:endParaRPr lang="en-US" sz="2000" dirty="0"/>
+          </a:p>
+        </p:txBody>
+      </p:sp>
+      <p:sp>
+        <p:nvSpPr>
+          <p:cNvPr id="4" name="Slide Number Placeholder 3">
+            <a:extLst>
+              <a:ext uri="{FF2B5EF4-FFF2-40B4-BE49-F238E27FC236}">
+                <a16:creationId xmlns:a16="http://schemas.microsoft.com/office/drawing/2014/main" id="{D761E132-D51A-447F-91D8-43F0D3C12FBC}"/>
+              </a:ext>
+            </a:extLst>
+          </p:cNvPr>
+          <p:cNvSpPr>
+            <a:spLocks noGrp="1"/>
+          </p:cNvSpPr>
+          <p:nvPr>
+            <p:ph type="sldNum" sz="quarter" idx="12"/>
+          </p:nvPr>
+        </p:nvSpPr>
+        <p:spPr/>
+        <p:txBody>
+          <a:bodyPr/>
+          <a:lstStyle/>
+          <a:p>
+            <a:fld id="{CAB166B3-F268-4CEF-878A-CFB0D0D505D3}" type="slidenum">
+              <a:rPr lang="en-US" smtClean="0"/>
+              <a:t>7</a:t>
+            </a:fld>
+            <a:endParaRPr lang="en-US"/>
+          </a:p>
+        </p:txBody>
+      </p:sp>
+      <p:pic>
+        <p:nvPicPr>
+          <p:cNvPr id="15" name="Content Placeholder 14">
+            <a:hlinkClick r:id="rId2"/>
+            <a:extLst>
+              <a:ext uri="{FF2B5EF4-FFF2-40B4-BE49-F238E27FC236}">
+                <a16:creationId xmlns:a16="http://schemas.microsoft.com/office/drawing/2014/main" id="{D8CCD8BA-B7D2-4E28-BE11-4119A167FA83}"/>
+              </a:ext>
+            </a:extLst>
+          </p:cNvPr>
+          <p:cNvPicPr>
+            <a:picLocks noGrp="1" noChangeAspect="1"/>
+          </p:cNvPicPr>
+          <p:nvPr>
+            <p:ph sz="half" idx="1"/>
+          </p:nvPr>
+        </p:nvPicPr>
+        <p:blipFill>
+          <a:blip r:embed="rId3"/>
+          <a:stretch>
+            <a:fillRect/>
+          </a:stretch>
+        </p:blipFill>
+        <p:spPr>
+          <a:xfrm>
+            <a:off x="628650" y="1910709"/>
+            <a:ext cx="3886200" cy="3123549"/>
+          </a:xfrm>
+        </p:spPr>
+      </p:pic>
+    </p:spTree>
+    <p:extLst>
+      <p:ext uri="{BB962C8B-B14F-4D97-AF65-F5344CB8AC3E}">
+        <p14:creationId xmlns:p14="http://schemas.microsoft.com/office/powerpoint/2010/main" val="2013135741"/>
+      </p:ext>
+    </p:extLst>
+  </p:cSld>
+  <p:clrMapOvr>
+    <a:masterClrMapping/>
+  </p:clrMapOvr>
+</p:sld>
+</file>
+
+<file path=ppt/slides/slide8.xml><?xml version="1.0" encoding="utf-8"?>
+<p:sld xmlns:a="http://schemas.openxmlformats.org/drawingml/2006/main" xmlns:r="http://schemas.openxmlformats.org/officeDocument/2006/relationships" xmlns:p="http://schemas.openxmlformats.org/presentationml/2006/main">
+  <p:cSld>
+    <p:spTree>
+      <p:nvGrpSpPr>
+        <p:cNvPr id="1" name=""/>
+        <p:cNvGrpSpPr/>
+        <p:nvPr/>
+      </p:nvGrpSpPr>
+      <p:grpSpPr>
+        <a:xfrm>
+          <a:off x="0" y="0"/>
+          <a:ext cx="0" cy="0"/>
+          <a:chOff x="0" y="0"/>
+          <a:chExt cx="0" cy="0"/>
+        </a:xfrm>
+      </p:grpSpPr>
+      <p:sp>
+        <p:nvSpPr>
+          <p:cNvPr id="2" name="Title 1">
+            <a:extLst>
+              <a:ext uri="{FF2B5EF4-FFF2-40B4-BE49-F238E27FC236}">
+                <a16:creationId xmlns:a16="http://schemas.microsoft.com/office/drawing/2014/main" id="{075E09D9-BB85-4C0B-952F-347246E8CF54}"/>
+              </a:ext>
+            </a:extLst>
+          </p:cNvPr>
+          <p:cNvSpPr>
+            <a:spLocks noGrp="1"/>
+          </p:cNvSpPr>
+          <p:nvPr>
+            <p:ph type="title"/>
+          </p:nvPr>
+        </p:nvSpPr>
+        <p:spPr/>
+        <p:txBody>
+          <a:bodyPr/>
+          <a:lstStyle/>
+          <a:p>
+            <a:r>
+              <a:rPr lang="en-SG" dirty="0"/>
+              <a:t>IR Remote code</a:t>
+            </a:r>
+            <a:endParaRPr lang="en-US" dirty="0"/>
+          </a:p>
+        </p:txBody>
+      </p:sp>
+      <p:pic>
+        <p:nvPicPr>
+          <p:cNvPr id="9" name="Content Placeholder 8">
+            <a:extLst>
+              <a:ext uri="{FF2B5EF4-FFF2-40B4-BE49-F238E27FC236}">
+                <a16:creationId xmlns:a16="http://schemas.microsoft.com/office/drawing/2014/main" id="{695CD8F1-01CD-4723-99A2-67EB10DB7C91}"/>
+              </a:ext>
+            </a:extLst>
+          </p:cNvPr>
+          <p:cNvPicPr>
+            <a:picLocks noGrp="1" noChangeAspect="1"/>
+          </p:cNvPicPr>
+          <p:nvPr>
+            <p:ph sz="half" idx="1"/>
+          </p:nvPr>
+        </p:nvPicPr>
+        <p:blipFill>
+          <a:blip r:embed="rId2"/>
+          <a:stretch>
+            <a:fillRect/>
+          </a:stretch>
+        </p:blipFill>
+        <p:spPr>
+          <a:xfrm>
+            <a:off x="628650" y="1863196"/>
+            <a:ext cx="3886200" cy="4121957"/>
+          </a:xfrm>
+        </p:spPr>
+      </p:pic>
+      <p:pic>
+        <p:nvPicPr>
+          <p:cNvPr id="7" name="Content Placeholder 6">
+            <a:extLst>
+              <a:ext uri="{FF2B5EF4-FFF2-40B4-BE49-F238E27FC236}">
+                <a16:creationId xmlns:a16="http://schemas.microsoft.com/office/drawing/2014/main" id="{2FF7F67C-3BBE-4150-9FBA-6E1334ADFE91}"/>
+              </a:ext>
+            </a:extLst>
+          </p:cNvPr>
+          <p:cNvPicPr>
+            <a:picLocks noGrp="1" noChangeAspect="1"/>
+          </p:cNvPicPr>
+          <p:nvPr>
+            <p:ph sz="half" idx="2"/>
+          </p:nvPr>
+        </p:nvPicPr>
+        <p:blipFill>
+          <a:blip r:embed="rId3"/>
+          <a:stretch>
+            <a:fillRect/>
+          </a:stretch>
+        </p:blipFill>
+        <p:spPr>
+          <a:xfrm>
+            <a:off x="4775892" y="1825625"/>
+            <a:ext cx="3592716" cy="4351338"/>
+          </a:xfrm>
+        </p:spPr>
+      </p:pic>
+      <p:sp>
+        <p:nvSpPr>
+          <p:cNvPr id="5" name="Slide Number Placeholder 4">
+            <a:extLst>
+              <a:ext uri="{FF2B5EF4-FFF2-40B4-BE49-F238E27FC236}">
+                <a16:creationId xmlns:a16="http://schemas.microsoft.com/office/drawing/2014/main" id="{440E807C-A7CB-4E92-A3B7-8D4B92ACF88E}"/>
+              </a:ext>
+            </a:extLst>
+          </p:cNvPr>
+          <p:cNvSpPr>
+            <a:spLocks noGrp="1"/>
+          </p:cNvSpPr>
+          <p:nvPr>
+            <p:ph type="sldNum" sz="quarter" idx="12"/>
+          </p:nvPr>
+        </p:nvSpPr>
+        <p:spPr/>
+        <p:txBody>
+          <a:bodyPr/>
+          <a:lstStyle/>
+          <a:p>
+            <a:fld id="{CAB166B3-F268-4CEF-878A-CFB0D0D505D3}" type="slidenum">
+              <a:rPr lang="en-US" smtClean="0"/>
+              <a:t>8</a:t>
+            </a:fld>
+            <a:endParaRPr lang="en-US"/>
+          </a:p>
+        </p:txBody>
+      </p:sp>
+    </p:spTree>
+    <p:extLst>
+      <p:ext uri="{BB962C8B-B14F-4D97-AF65-F5344CB8AC3E}">
+        <p14:creationId xmlns:p14="http://schemas.microsoft.com/office/powerpoint/2010/main" val="83749616"/>
+      </p:ext>
+    </p:extLst>
+  </p:cSld>
+  <p:clrMapOvr>
+    <a:masterClrMapping/>
+  </p:clrMapOvr>
+</p:sld>
+</file>
+
+<file path=ppt/slides/slide9.xml><?xml version="1.0" encoding="utf-8"?>
+<p:sld xmlns:a="http://schemas.openxmlformats.org/drawingml/2006/main" xmlns:r="http://schemas.openxmlformats.org/officeDocument/2006/relationships" xmlns:p="http://schemas.openxmlformats.org/presentationml/2006/main">
+  <p:cSld>
+    <p:spTree>
+      <p:nvGrpSpPr>
+        <p:cNvPr id="1" name=""/>
+        <p:cNvGrpSpPr/>
+        <p:nvPr/>
+      </p:nvGrpSpPr>
+      <p:grpSpPr>
+        <a:xfrm>
+          <a:off x="0" y="0"/>
+          <a:ext cx="0" cy="0"/>
+          <a:chOff x="0" y="0"/>
+          <a:chExt cx="0" cy="0"/>
+        </a:xfrm>
+      </p:grpSpPr>
+      <p:sp>
+        <p:nvSpPr>
+          <p:cNvPr id="2" name="Title 1">
+            <a:extLst>
+              <a:ext uri="{FF2B5EF4-FFF2-40B4-BE49-F238E27FC236}">
                 <a16:creationId xmlns:a16="http://schemas.microsoft.com/office/drawing/2014/main" id="{C4B331DF-994E-4D7F-B17A-14AB1A9DFAB7}"/>
               </a:ext>
             </a:extLst>
@@ -10285,7 +11705,7 @@
           <a:p>
             <a:fld id="{CAB166B3-F268-4CEF-878A-CFB0D0D505D3}" type="slidenum">
               <a:rPr lang="en-US" smtClean="0"/>
-              <a:t>6</a:t>
+              <a:t>9</a:t>
             </a:fld>
             <a:endParaRPr lang="en-US"/>
           </a:p>
@@ -10325,645 +11745,6 @@
     <p:extLst>
       <p:ext uri="{BB962C8B-B14F-4D97-AF65-F5344CB8AC3E}">
         <p14:creationId xmlns:p14="http://schemas.microsoft.com/office/powerpoint/2010/main" val="691087023"/>
-      </p:ext>
-    </p:extLst>
-  </p:cSld>
-  <p:clrMapOvr>
-    <a:masterClrMapping/>
-  </p:clrMapOvr>
-</p:sld>
-</file>
-
-<file path=ppt/slides/slide7.xml><?xml version="1.0" encoding="utf-8"?>
-<p:sld xmlns:a="http://schemas.openxmlformats.org/drawingml/2006/main" xmlns:r="http://schemas.openxmlformats.org/officeDocument/2006/relationships" xmlns:p="http://schemas.openxmlformats.org/presentationml/2006/main">
-  <p:cSld>
-    <p:spTree>
-      <p:nvGrpSpPr>
-        <p:cNvPr id="1" name=""/>
-        <p:cNvGrpSpPr/>
-        <p:nvPr/>
-      </p:nvGrpSpPr>
-      <p:grpSpPr>
-        <a:xfrm>
-          <a:off x="0" y="0"/>
-          <a:ext cx="0" cy="0"/>
-          <a:chOff x="0" y="0"/>
-          <a:chExt cx="0" cy="0"/>
-        </a:xfrm>
-      </p:grpSpPr>
-      <p:sp>
-        <p:nvSpPr>
-          <p:cNvPr id="2" name="Title 1">
-            <a:extLst>
-              <a:ext uri="{FF2B5EF4-FFF2-40B4-BE49-F238E27FC236}">
-                <a16:creationId xmlns:a16="http://schemas.microsoft.com/office/drawing/2014/main" id="{C4B331DF-994E-4D7F-B17A-14AB1A9DFAB7}"/>
-              </a:ext>
-            </a:extLst>
-          </p:cNvPr>
-          <p:cNvSpPr>
-            <a:spLocks noGrp="1"/>
-          </p:cNvSpPr>
-          <p:nvPr>
-            <p:ph type="title"/>
-          </p:nvPr>
-        </p:nvSpPr>
-        <p:spPr/>
-        <p:txBody>
-          <a:bodyPr/>
-          <a:lstStyle/>
-          <a:p>
-            <a:r>
-              <a:rPr lang="en-SG" dirty="0"/>
-              <a:t>Measuring Distance – SR04</a:t>
-            </a:r>
-            <a:endParaRPr lang="en-US" dirty="0"/>
-          </a:p>
-        </p:txBody>
-      </p:sp>
-      <p:sp>
-        <p:nvSpPr>
-          <p:cNvPr id="5" name="Slide Number Placeholder 4">
-            <a:extLst>
-              <a:ext uri="{FF2B5EF4-FFF2-40B4-BE49-F238E27FC236}">
-                <a16:creationId xmlns:a16="http://schemas.microsoft.com/office/drawing/2014/main" id="{490BA051-1950-4D92-A9FE-F7CBD8B97C88}"/>
-              </a:ext>
-            </a:extLst>
-          </p:cNvPr>
-          <p:cNvSpPr>
-            <a:spLocks noGrp="1"/>
-          </p:cNvSpPr>
-          <p:nvPr>
-            <p:ph type="sldNum" sz="quarter" idx="12"/>
-          </p:nvPr>
-        </p:nvSpPr>
-        <p:spPr/>
-        <p:txBody>
-          <a:bodyPr/>
-          <a:lstStyle/>
-          <a:p>
-            <a:fld id="{CAB166B3-F268-4CEF-878A-CFB0D0D505D3}" type="slidenum">
-              <a:rPr lang="en-US" smtClean="0"/>
-              <a:t>7</a:t>
-            </a:fld>
-            <a:endParaRPr lang="en-US"/>
-          </a:p>
-        </p:txBody>
-      </p:sp>
-      <p:pic>
-        <p:nvPicPr>
-          <p:cNvPr id="12" name="Content Placeholder 11">
-            <a:extLst>
-              <a:ext uri="{FF2B5EF4-FFF2-40B4-BE49-F238E27FC236}">
-                <a16:creationId xmlns:a16="http://schemas.microsoft.com/office/drawing/2014/main" id="{0B0DA044-DCA1-4AC0-9E6E-34F2C03C526B}"/>
-              </a:ext>
-            </a:extLst>
-          </p:cNvPr>
-          <p:cNvPicPr>
-            <a:picLocks noGrp="1" noChangeAspect="1"/>
-          </p:cNvPicPr>
-          <p:nvPr>
-            <p:ph sz="half" idx="1"/>
-          </p:nvPr>
-        </p:nvPicPr>
-        <p:blipFill>
-          <a:blip r:embed="rId2"/>
-          <a:stretch>
-            <a:fillRect/>
-          </a:stretch>
-        </p:blipFill>
-        <p:spPr>
-          <a:xfrm>
-            <a:off x="628650" y="1562197"/>
-            <a:ext cx="7034022" cy="3500223"/>
-          </a:xfrm>
-        </p:spPr>
-      </p:pic>
-      <p:sp>
-        <p:nvSpPr>
-          <p:cNvPr id="9" name="Content Placeholder 8">
-            <a:extLst>
-              <a:ext uri="{FF2B5EF4-FFF2-40B4-BE49-F238E27FC236}">
-                <a16:creationId xmlns:a16="http://schemas.microsoft.com/office/drawing/2014/main" id="{67304A7D-DFB3-4C19-9972-36A8880F7F8E}"/>
-              </a:ext>
-            </a:extLst>
-          </p:cNvPr>
-          <p:cNvSpPr>
-            <a:spLocks noGrp="1"/>
-          </p:cNvSpPr>
-          <p:nvPr>
-            <p:ph sz="half" idx="2"/>
-          </p:nvPr>
-        </p:nvSpPr>
-        <p:spPr>
-          <a:xfrm>
-            <a:off x="628650" y="5162527"/>
-            <a:ext cx="7886700" cy="1193824"/>
-          </a:xfrm>
-        </p:spPr>
-        <p:txBody>
-          <a:bodyPr/>
-          <a:lstStyle/>
-          <a:p>
-            <a:r>
-              <a:rPr lang="en-SG" sz="1800" dirty="0"/>
-              <a:t>LOW pulse (10 mS) is used to trigger the sensor</a:t>
-            </a:r>
-          </a:p>
-          <a:p>
-            <a:r>
-              <a:rPr lang="en-SG" sz="1800" dirty="0"/>
-              <a:t>Return pulse is measured using </a:t>
-            </a:r>
-            <a:r>
-              <a:rPr lang="en-SG" sz="1800" dirty="0" err="1"/>
-              <a:t>pulseIn</a:t>
-            </a:r>
-            <a:r>
-              <a:rPr lang="en-SG" sz="1800" dirty="0"/>
-              <a:t>(), distance is proportional to pulse length</a:t>
-            </a:r>
-            <a:endParaRPr lang="en-US" sz="1800" dirty="0"/>
-          </a:p>
-        </p:txBody>
-      </p:sp>
-    </p:spTree>
-    <p:extLst>
-      <p:ext uri="{BB962C8B-B14F-4D97-AF65-F5344CB8AC3E}">
-        <p14:creationId xmlns:p14="http://schemas.microsoft.com/office/powerpoint/2010/main" val="3807239228"/>
-      </p:ext>
-    </p:extLst>
-  </p:cSld>
-  <p:clrMapOvr>
-    <a:masterClrMapping/>
-  </p:clrMapOvr>
-</p:sld>
-</file>
-
-<file path=ppt/slides/slide8.xml><?xml version="1.0" encoding="utf-8"?>
-<p:sld xmlns:a="http://schemas.openxmlformats.org/drawingml/2006/main" xmlns:r="http://schemas.openxmlformats.org/officeDocument/2006/relationships" xmlns:p="http://schemas.openxmlformats.org/presentationml/2006/main">
-  <p:cSld>
-    <p:spTree>
-      <p:nvGrpSpPr>
-        <p:cNvPr id="1" name=""/>
-        <p:cNvGrpSpPr/>
-        <p:nvPr/>
-      </p:nvGrpSpPr>
-      <p:grpSpPr>
-        <a:xfrm>
-          <a:off x="0" y="0"/>
-          <a:ext cx="0" cy="0"/>
-          <a:chOff x="0" y="0"/>
-          <a:chExt cx="0" cy="0"/>
-        </a:xfrm>
-      </p:grpSpPr>
-      <p:sp>
-        <p:nvSpPr>
-          <p:cNvPr id="2" name="Title 1">
-            <a:extLst>
-              <a:ext uri="{FF2B5EF4-FFF2-40B4-BE49-F238E27FC236}">
-                <a16:creationId xmlns:a16="http://schemas.microsoft.com/office/drawing/2014/main" id="{C69891C6-6E16-4AEE-87B8-57E6952D3C86}"/>
-              </a:ext>
-            </a:extLst>
-          </p:cNvPr>
-          <p:cNvSpPr>
-            <a:spLocks noGrp="1"/>
-          </p:cNvSpPr>
-          <p:nvPr>
-            <p:ph type="title"/>
-          </p:nvPr>
-        </p:nvSpPr>
-        <p:spPr/>
-        <p:txBody>
-          <a:bodyPr/>
-          <a:lstStyle/>
-          <a:p>
-            <a:r>
-              <a:rPr lang="en-SG" dirty="0"/>
-              <a:t>PIR Motion Sensor HC-SR501</a:t>
-            </a:r>
-            <a:endParaRPr lang="en-US" dirty="0"/>
-          </a:p>
-        </p:txBody>
-      </p:sp>
-      <p:sp>
-        <p:nvSpPr>
-          <p:cNvPr id="3" name="Content Placeholder 2">
-            <a:extLst>
-              <a:ext uri="{FF2B5EF4-FFF2-40B4-BE49-F238E27FC236}">
-                <a16:creationId xmlns:a16="http://schemas.microsoft.com/office/drawing/2014/main" id="{C98B88DC-3363-43A2-9635-845612A6B76C}"/>
-              </a:ext>
-            </a:extLst>
-          </p:cNvPr>
-          <p:cNvSpPr>
-            <a:spLocks noGrp="1"/>
-          </p:cNvSpPr>
-          <p:nvPr>
-            <p:ph sz="half" idx="1"/>
-          </p:nvPr>
-        </p:nvSpPr>
-        <p:spPr>
-          <a:xfrm>
-            <a:off x="628650" y="1627319"/>
-            <a:ext cx="3886200" cy="4351338"/>
-          </a:xfrm>
-        </p:spPr>
-        <p:txBody>
-          <a:bodyPr/>
-          <a:lstStyle/>
-          <a:p>
-            <a:r>
-              <a:rPr lang="en-SG" sz="2400" dirty="0">
-                <a:hlinkClick r:id="rId2"/>
-              </a:rPr>
-              <a:t>Passive Infra Red</a:t>
-            </a:r>
-            <a:r>
-              <a:rPr lang="en-SG" sz="2400" dirty="0"/>
-              <a:t> </a:t>
-            </a:r>
-          </a:p>
-          <a:p>
-            <a:r>
-              <a:rPr lang="en-SG" sz="2400" dirty="0"/>
-              <a:t>Detects motion</a:t>
-            </a:r>
-          </a:p>
-          <a:p>
-            <a:pPr lvl="1"/>
-            <a:r>
-              <a:rPr lang="en-SG" sz="2000" dirty="0"/>
-              <a:t>Adjust Sensitivity</a:t>
-            </a:r>
-          </a:p>
-          <a:p>
-            <a:pPr lvl="1"/>
-            <a:r>
-              <a:rPr lang="en-SG" sz="2000" dirty="0"/>
-              <a:t>Wait at least 15 s</a:t>
-            </a:r>
-          </a:p>
-          <a:p>
-            <a:r>
-              <a:rPr lang="en-SG" sz="2400" dirty="0"/>
-              <a:t>No Library required, 1 digital I/O input pin for status.</a:t>
-            </a:r>
-          </a:p>
-          <a:p>
-            <a:r>
-              <a:rPr lang="en-SG" sz="2400" dirty="0"/>
-              <a:t>Check pin</a:t>
-            </a:r>
-          </a:p>
-          <a:p>
-            <a:pPr lvl="1"/>
-            <a:r>
-              <a:rPr lang="en-SG" sz="2000" dirty="0"/>
-              <a:t>LOW no motion</a:t>
-            </a:r>
-          </a:p>
-          <a:p>
-            <a:pPr lvl="1"/>
-            <a:r>
-              <a:rPr lang="en-SG" sz="2000" dirty="0"/>
-              <a:t>HIGH motion detected</a:t>
-            </a:r>
-          </a:p>
-          <a:p>
-            <a:r>
-              <a:rPr lang="en-SG" sz="2400" dirty="0"/>
-              <a:t>Cannot measure distance</a:t>
-            </a:r>
-          </a:p>
-        </p:txBody>
-      </p:sp>
-      <p:sp>
-        <p:nvSpPr>
-          <p:cNvPr id="5" name="Slide Number Placeholder 4">
-            <a:extLst>
-              <a:ext uri="{FF2B5EF4-FFF2-40B4-BE49-F238E27FC236}">
-                <a16:creationId xmlns:a16="http://schemas.microsoft.com/office/drawing/2014/main" id="{56552937-2EC0-419A-9BF9-A8676C32A95C}"/>
-              </a:ext>
-            </a:extLst>
-          </p:cNvPr>
-          <p:cNvSpPr>
-            <a:spLocks noGrp="1"/>
-          </p:cNvSpPr>
-          <p:nvPr>
-            <p:ph type="sldNum" sz="quarter" idx="12"/>
-          </p:nvPr>
-        </p:nvSpPr>
-        <p:spPr/>
-        <p:txBody>
-          <a:bodyPr/>
-          <a:lstStyle/>
-          <a:p>
-            <a:fld id="{CAB166B3-F268-4CEF-878A-CFB0D0D505D3}" type="slidenum">
-              <a:rPr lang="en-US" smtClean="0"/>
-              <a:t>8</a:t>
-            </a:fld>
-            <a:endParaRPr lang="en-US"/>
-          </a:p>
-        </p:txBody>
-      </p:sp>
-      <p:pic>
-        <p:nvPicPr>
-          <p:cNvPr id="11" name="Content Placeholder 10">
-            <a:hlinkClick r:id="rId3"/>
-            <a:extLst>
-              <a:ext uri="{FF2B5EF4-FFF2-40B4-BE49-F238E27FC236}">
-                <a16:creationId xmlns:a16="http://schemas.microsoft.com/office/drawing/2014/main" id="{B6AC0092-B88F-4B2F-B88B-C29D5E2017E9}"/>
-              </a:ext>
-            </a:extLst>
-          </p:cNvPr>
-          <p:cNvPicPr>
-            <a:picLocks noGrp="1" noChangeAspect="1"/>
-          </p:cNvPicPr>
-          <p:nvPr>
-            <p:ph sz="half" idx="2"/>
-          </p:nvPr>
-        </p:nvPicPr>
-        <p:blipFill>
-          <a:blip r:embed="rId4"/>
-          <a:stretch>
-            <a:fillRect/>
-          </a:stretch>
-        </p:blipFill>
-        <p:spPr>
-          <a:xfrm>
-            <a:off x="4629150" y="1531546"/>
-            <a:ext cx="3886200" cy="3709554"/>
-          </a:xfrm>
-        </p:spPr>
-      </p:pic>
-      <p:sp>
-        <p:nvSpPr>
-          <p:cNvPr id="12" name="TextBox 11">
-            <a:extLst>
-              <a:ext uri="{FF2B5EF4-FFF2-40B4-BE49-F238E27FC236}">
-                <a16:creationId xmlns:a16="http://schemas.microsoft.com/office/drawing/2014/main" id="{C4C92BCE-E609-46A5-8E7B-D8F6E2B44E4D}"/>
-              </a:ext>
-            </a:extLst>
-          </p:cNvPr>
-          <p:cNvSpPr txBox="1"/>
-          <p:nvPr/>
-        </p:nvSpPr>
-        <p:spPr>
-          <a:xfrm>
-            <a:off x="4629150" y="5475383"/>
-            <a:ext cx="3886200" cy="830997"/>
-          </a:xfrm>
-          <a:prstGeom prst="rect">
-            <a:avLst/>
-          </a:prstGeom>
-          <a:noFill/>
-        </p:spPr>
-        <p:txBody>
-          <a:bodyPr wrap="square" rtlCol="0">
-            <a:spAutoFit/>
-          </a:bodyPr>
-          <a:lstStyle/>
-          <a:p>
-            <a:pPr algn="l"/>
-            <a:r>
-              <a:rPr lang="en-SG" sz="1600" dirty="0">
-                <a:hlinkClick r:id="rId3"/>
-              </a:rPr>
-              <a:t>Motion detection using PIR HC-SR501</a:t>
-            </a:r>
-            <a:endParaRPr lang="en-SG" sz="1600" dirty="0"/>
-          </a:p>
-          <a:p>
-            <a:pPr algn="l"/>
-            <a:r>
-              <a:rPr lang="en-SG" sz="1600" dirty="0"/>
-              <a:t>Better alternative: </a:t>
-            </a:r>
-            <a:r>
-              <a:rPr lang="en-SG" sz="1600" dirty="0">
-                <a:hlinkClick r:id="rId5"/>
-              </a:rPr>
-              <a:t>RCWL-0516 Microwave Proximity Sensor</a:t>
-            </a:r>
-            <a:endParaRPr lang="en-US" sz="1600" dirty="0"/>
-          </a:p>
-        </p:txBody>
-      </p:sp>
-    </p:spTree>
-    <p:extLst>
-      <p:ext uri="{BB962C8B-B14F-4D97-AF65-F5344CB8AC3E}">
-        <p14:creationId xmlns:p14="http://schemas.microsoft.com/office/powerpoint/2010/main" val="74894023"/>
-      </p:ext>
-    </p:extLst>
-  </p:cSld>
-  <p:clrMapOvr>
-    <a:masterClrMapping/>
-  </p:clrMapOvr>
-</p:sld>
-</file>
-
-<file path=ppt/slides/slide9.xml><?xml version="1.0" encoding="utf-8"?>
-<p:sld xmlns:a="http://schemas.openxmlformats.org/drawingml/2006/main" xmlns:r="http://schemas.openxmlformats.org/officeDocument/2006/relationships" xmlns:p="http://schemas.openxmlformats.org/presentationml/2006/main">
-  <p:cSld>
-    <p:spTree>
-      <p:nvGrpSpPr>
-        <p:cNvPr id="1" name=""/>
-        <p:cNvGrpSpPr/>
-        <p:nvPr/>
-      </p:nvGrpSpPr>
-      <p:grpSpPr>
-        <a:xfrm>
-          <a:off x="0" y="0"/>
-          <a:ext cx="0" cy="0"/>
-          <a:chOff x="0" y="0"/>
-          <a:chExt cx="0" cy="0"/>
-        </a:xfrm>
-      </p:grpSpPr>
-      <p:sp>
-        <p:nvSpPr>
-          <p:cNvPr id="2" name="Title 1">
-            <a:extLst>
-              <a:ext uri="{FF2B5EF4-FFF2-40B4-BE49-F238E27FC236}">
-                <a16:creationId xmlns:a16="http://schemas.microsoft.com/office/drawing/2014/main" id="{B8824EAC-CB23-4361-BF44-7DA2B4E3005D}"/>
-              </a:ext>
-            </a:extLst>
-          </p:cNvPr>
-          <p:cNvSpPr>
-            <a:spLocks noGrp="1"/>
-          </p:cNvSpPr>
-          <p:nvPr>
-            <p:ph type="title"/>
-          </p:nvPr>
-        </p:nvSpPr>
-        <p:spPr/>
-        <p:txBody>
-          <a:bodyPr/>
-          <a:lstStyle/>
-          <a:p>
-            <a:r>
-              <a:rPr lang="en-SG" dirty="0"/>
-              <a:t>Room Temperature &amp; Humidity</a:t>
-            </a:r>
-            <a:endParaRPr lang="en-US" dirty="0"/>
-          </a:p>
-        </p:txBody>
-      </p:sp>
-      <p:sp>
-        <p:nvSpPr>
-          <p:cNvPr id="3" name="Content Placeholder 2">
-            <a:extLst>
-              <a:ext uri="{FF2B5EF4-FFF2-40B4-BE49-F238E27FC236}">
-                <a16:creationId xmlns:a16="http://schemas.microsoft.com/office/drawing/2014/main" id="{31FAD7EA-FF5B-4DD0-826F-E70003B9618A}"/>
-              </a:ext>
-            </a:extLst>
-          </p:cNvPr>
-          <p:cNvSpPr>
-            <a:spLocks noGrp="1"/>
-          </p:cNvSpPr>
-          <p:nvPr>
-            <p:ph sz="half" idx="1"/>
-          </p:nvPr>
-        </p:nvSpPr>
-        <p:spPr/>
-        <p:txBody>
-          <a:bodyPr/>
-          <a:lstStyle/>
-          <a:p>
-            <a:r>
-              <a:rPr lang="en-SG" sz="1800" dirty="0">
-                <a:hlinkClick r:id="rId2"/>
-              </a:rPr>
-              <a:t>DHT-11</a:t>
-            </a:r>
-            <a:r>
-              <a:rPr lang="en-SG" sz="1800" dirty="0"/>
-              <a:t> Temperature and Humidity sensor</a:t>
-            </a:r>
-          </a:p>
-          <a:p>
-            <a:r>
-              <a:rPr lang="en-SG" sz="1800" dirty="0"/>
-              <a:t>20~80% humidity, 0~50</a:t>
-            </a:r>
-            <a:r>
-              <a:rPr lang="en-SG" sz="1800" baseline="30000" dirty="0"/>
-              <a:t>o</a:t>
-            </a:r>
-            <a:r>
-              <a:rPr lang="en-SG" sz="1800" dirty="0"/>
-              <a:t>C</a:t>
-            </a:r>
-            <a:br>
-              <a:rPr lang="en-SG" sz="1800" dirty="0"/>
-            </a:br>
-            <a:r>
-              <a:rPr lang="en-SG" sz="1800" dirty="0"/>
-              <a:t>1 Hz sampling rate.</a:t>
-            </a:r>
-          </a:p>
-          <a:p>
-            <a:r>
-              <a:rPr lang="en-SG" sz="1800" dirty="0">
-                <a:hlinkClick r:id="rId3"/>
-              </a:rPr>
-              <a:t>Library from Adafruit </a:t>
-            </a:r>
-            <a:r>
-              <a:rPr lang="en-SG" sz="1800" dirty="0"/>
-              <a:t>(install both):</a:t>
-            </a:r>
-          </a:p>
-          <a:p>
-            <a:pPr lvl="1"/>
-            <a:r>
-              <a:rPr lang="en-SG" sz="1600" dirty="0" err="1"/>
-              <a:t>TinyDHT</a:t>
-            </a:r>
-            <a:endParaRPr lang="en-SG" sz="1600" dirty="0"/>
-          </a:p>
-          <a:p>
-            <a:pPr lvl="1"/>
-            <a:r>
-              <a:rPr lang="en-SG" sz="1600" dirty="0" err="1"/>
-              <a:t>TinyWire</a:t>
-            </a:r>
-            <a:endParaRPr lang="en-SG" sz="1600" dirty="0"/>
-          </a:p>
-          <a:p>
-            <a:r>
-              <a:rPr lang="en-US" sz="2000" dirty="0"/>
-              <a:t>Requires 1 digital I/O pin</a:t>
-            </a:r>
-          </a:p>
-          <a:p>
-            <a:r>
-              <a:rPr lang="en-US" sz="2000" dirty="0"/>
-              <a:t>Better results, accuracy with the DHT-22, however, 2~3x more expensive</a:t>
-            </a:r>
-          </a:p>
-        </p:txBody>
-      </p:sp>
-      <p:pic>
-        <p:nvPicPr>
-          <p:cNvPr id="9" name="Content Placeholder 8">
-            <a:extLst>
-              <a:ext uri="{FF2B5EF4-FFF2-40B4-BE49-F238E27FC236}">
-                <a16:creationId xmlns:a16="http://schemas.microsoft.com/office/drawing/2014/main" id="{BCF0C9D3-90AC-4E12-A2D2-322FF77E7009}"/>
-              </a:ext>
-            </a:extLst>
-          </p:cNvPr>
-          <p:cNvPicPr>
-            <a:picLocks noGrp="1" noChangeAspect="1"/>
-          </p:cNvPicPr>
-          <p:nvPr>
-            <p:ph sz="half" idx="2"/>
-          </p:nvPr>
-        </p:nvPicPr>
-        <p:blipFill>
-          <a:blip r:embed="rId4"/>
-          <a:stretch>
-            <a:fillRect/>
-          </a:stretch>
-        </p:blipFill>
-        <p:spPr>
-          <a:xfrm>
-            <a:off x="4629150" y="1853407"/>
-            <a:ext cx="3886200" cy="1991486"/>
-          </a:xfrm>
-        </p:spPr>
-      </p:pic>
-      <p:sp>
-        <p:nvSpPr>
-          <p:cNvPr id="5" name="Slide Number Placeholder 4">
-            <a:extLst>
-              <a:ext uri="{FF2B5EF4-FFF2-40B4-BE49-F238E27FC236}">
-                <a16:creationId xmlns:a16="http://schemas.microsoft.com/office/drawing/2014/main" id="{DF59765E-8A4D-44A7-8F3B-A9FE57AA7728}"/>
-              </a:ext>
-            </a:extLst>
-          </p:cNvPr>
-          <p:cNvSpPr>
-            <a:spLocks noGrp="1"/>
-          </p:cNvSpPr>
-          <p:nvPr>
-            <p:ph type="sldNum" sz="quarter" idx="12"/>
-          </p:nvPr>
-        </p:nvSpPr>
-        <p:spPr/>
-        <p:txBody>
-          <a:bodyPr/>
-          <a:lstStyle/>
-          <a:p>
-            <a:fld id="{CAB166B3-F268-4CEF-878A-CFB0D0D505D3}" type="slidenum">
-              <a:rPr lang="en-US" smtClean="0"/>
-              <a:t>9</a:t>
-            </a:fld>
-            <a:endParaRPr lang="en-US"/>
-          </a:p>
-        </p:txBody>
-      </p:sp>
-    </p:spTree>
-    <p:extLst>
-      <p:ext uri="{BB962C8B-B14F-4D97-AF65-F5344CB8AC3E}">
-        <p14:creationId xmlns:p14="http://schemas.microsoft.com/office/powerpoint/2010/main" val="3146419609"/>
       </p:ext>
     </p:extLst>
   </p:cSld>
